--- a/BREAULT SWD TRAINING.pptx
+++ b/BREAULT SWD TRAINING.pptx
@@ -12,12 +12,13 @@
     <p:sldId id="260" r:id="rId6"/>
     <p:sldId id="262" r:id="rId7"/>
     <p:sldId id="261" r:id="rId8"/>
-    <p:sldId id="266" r:id="rId9"/>
-    <p:sldId id="264" r:id="rId10"/>
-    <p:sldId id="265" r:id="rId11"/>
-    <p:sldId id="263" r:id="rId12"/>
-    <p:sldId id="267" r:id="rId13"/>
-    <p:sldId id="268" r:id="rId14"/>
+    <p:sldId id="268" r:id="rId9"/>
+    <p:sldId id="267" r:id="rId10"/>
+    <p:sldId id="264" r:id="rId11"/>
+    <p:sldId id="266" r:id="rId12"/>
+    <p:sldId id="265" r:id="rId13"/>
+    <p:sldId id="269" r:id="rId14"/>
+    <p:sldId id="263" r:id="rId15"/>
   </p:sldIdLst>
   <p:sldSz cx="12192000" cy="6858000"/>
   <p:notesSz cx="6858000" cy="9144000"/>
@@ -12588,6 +12589,557 @@
           <p:cNvPr id="2" name="Title 1">
             <a:extLst>
               <a:ext uri="{FF2B5EF4-FFF2-40B4-BE49-F238E27FC236}">
+                <a16:creationId xmlns:a16="http://schemas.microsoft.com/office/drawing/2014/main" id="{940A8AC8-75DF-B1EF-EF4E-3B0B9AF067DA}"/>
+              </a:ext>
+            </a:extLst>
+          </p:cNvPr>
+          <p:cNvSpPr>
+            <a:spLocks noGrp="1"/>
+          </p:cNvSpPr>
+          <p:nvPr>
+            <p:ph type="title"/>
+          </p:nvPr>
+        </p:nvSpPr>
+        <p:spPr/>
+        <p:txBody>
+          <a:bodyPr/>
+          <a:lstStyle/>
+          <a:p>
+            <a:r>
+              <a:rPr lang="en-US" dirty="0"/>
+              <a:t>Commits in bash</a:t>
+            </a:r>
+          </a:p>
+        </p:txBody>
+      </p:sp>
+      <p:pic>
+        <p:nvPicPr>
+          <p:cNvPr id="5" name="Content Placeholder 4">
+            <a:extLst>
+              <a:ext uri="{FF2B5EF4-FFF2-40B4-BE49-F238E27FC236}">
+                <a16:creationId xmlns:a16="http://schemas.microsoft.com/office/drawing/2014/main" id="{F8560C1A-7386-18D9-9A51-B40E593F25C8}"/>
+              </a:ext>
+            </a:extLst>
+          </p:cNvPr>
+          <p:cNvPicPr>
+            <a:picLocks noGrp="1" noChangeAspect="1"/>
+          </p:cNvPicPr>
+          <p:nvPr>
+            <p:ph idx="1"/>
+          </p:nvPr>
+        </p:nvPicPr>
+        <p:blipFill>
+          <a:blip r:embed="rId2"/>
+          <a:stretch>
+            <a:fillRect/>
+          </a:stretch>
+        </p:blipFill>
+        <p:spPr>
+          <a:xfrm>
+            <a:off x="5160397" y="1948875"/>
+            <a:ext cx="6782497" cy="2761445"/>
+          </a:xfrm>
+        </p:spPr>
+      </p:pic>
+      <p:sp>
+        <p:nvSpPr>
+          <p:cNvPr id="6" name="TextBox 5">
+            <a:extLst>
+              <a:ext uri="{FF2B5EF4-FFF2-40B4-BE49-F238E27FC236}">
+                <a16:creationId xmlns:a16="http://schemas.microsoft.com/office/drawing/2014/main" id="{4B3908E8-E7C2-0A08-F649-4D1054BB9D7F}"/>
+              </a:ext>
+            </a:extLst>
+          </p:cNvPr>
+          <p:cNvSpPr txBox="1"/>
+          <p:nvPr/>
+        </p:nvSpPr>
+        <p:spPr>
+          <a:xfrm>
+            <a:off x="730370" y="2097088"/>
+            <a:ext cx="4268797" cy="3162019"/>
+          </a:xfrm>
+          <a:prstGeom prst="rect">
+            <a:avLst/>
+          </a:prstGeom>
+          <a:noFill/>
+        </p:spPr>
+        <p:txBody>
+          <a:bodyPr wrap="none" rtlCol="0">
+            <a:spAutoFit/>
+          </a:bodyPr>
+          <a:lstStyle/>
+          <a:p>
+            <a:pPr marL="0" marR="0">
+              <a:lnSpc>
+                <a:spcPct val="107000"/>
+              </a:lnSpc>
+              <a:spcBef>
+                <a:spcPts val="0"/>
+              </a:spcBef>
+              <a:spcAft>
+                <a:spcPts val="800"/>
+              </a:spcAft>
+            </a:pPr>
+            <a:r>
+              <a:rPr lang="en-US" sz="1800" i="1" kern="100" dirty="0">
+                <a:effectLst/>
+                <a:latin typeface="Aptos" panose="020B0004020202020204" pitchFamily="34" charset="0"/>
+                <a:ea typeface="Aptos" panose="020B0004020202020204" pitchFamily="34" charset="0"/>
+                <a:cs typeface="Times New Roman" panose="02020603050405020304" pitchFamily="18" charset="0"/>
+              </a:rPr>
+              <a:t>git </a:t>
+            </a:r>
+            <a:r>
+              <a:rPr lang="en-US" sz="1800" i="1" kern="100" dirty="0" err="1">
+                <a:effectLst/>
+                <a:latin typeface="Aptos" panose="020B0004020202020204" pitchFamily="34" charset="0"/>
+                <a:ea typeface="Aptos" panose="020B0004020202020204" pitchFamily="34" charset="0"/>
+                <a:cs typeface="Times New Roman" panose="02020603050405020304" pitchFamily="18" charset="0"/>
+              </a:rPr>
+              <a:t>init</a:t>
+            </a:r>
+            <a:r>
+              <a:rPr lang="en-US" sz="1800" i="1" kern="100" dirty="0">
+                <a:effectLst/>
+                <a:latin typeface="Aptos" panose="020B0004020202020204" pitchFamily="34" charset="0"/>
+                <a:ea typeface="Aptos" panose="020B0004020202020204" pitchFamily="34" charset="0"/>
+                <a:cs typeface="Times New Roman" panose="02020603050405020304" pitchFamily="18" charset="0"/>
+              </a:rPr>
+              <a:t> -b &lt;name of the local branch&gt;</a:t>
+            </a:r>
+            <a:endParaRPr lang="en-US" sz="1800" kern="100" dirty="0">
+              <a:effectLst/>
+              <a:latin typeface="Aptos" panose="020B0004020202020204" pitchFamily="34" charset="0"/>
+              <a:ea typeface="Aptos" panose="020B0004020202020204" pitchFamily="34" charset="0"/>
+              <a:cs typeface="Times New Roman" panose="02020603050405020304" pitchFamily="18" charset="0"/>
+            </a:endParaRPr>
+          </a:p>
+          <a:p>
+            <a:pPr marL="0" marR="0">
+              <a:lnSpc>
+                <a:spcPct val="107000"/>
+              </a:lnSpc>
+              <a:spcBef>
+                <a:spcPts val="0"/>
+              </a:spcBef>
+              <a:spcAft>
+                <a:spcPts val="800"/>
+              </a:spcAft>
+            </a:pPr>
+            <a:r>
+              <a:rPr lang="en-US" sz="1800" i="1" kern="100" dirty="0">
+                <a:effectLst/>
+                <a:latin typeface="Aptos" panose="020B0004020202020204" pitchFamily="34" charset="0"/>
+                <a:ea typeface="Aptos" panose="020B0004020202020204" pitchFamily="34" charset="0"/>
+                <a:cs typeface="Times New Roman" panose="02020603050405020304" pitchFamily="18" charset="0"/>
+              </a:rPr>
+              <a:t>Git checkout -b &lt;name of branch&gt;</a:t>
+            </a:r>
+            <a:endParaRPr lang="en-US" sz="1800" kern="100" dirty="0">
+              <a:effectLst/>
+              <a:latin typeface="Aptos" panose="020B0004020202020204" pitchFamily="34" charset="0"/>
+              <a:ea typeface="Aptos" panose="020B0004020202020204" pitchFamily="34" charset="0"/>
+              <a:cs typeface="Times New Roman" panose="02020603050405020304" pitchFamily="18" charset="0"/>
+            </a:endParaRPr>
+          </a:p>
+          <a:p>
+            <a:pPr marL="0" marR="0">
+              <a:lnSpc>
+                <a:spcPct val="107000"/>
+              </a:lnSpc>
+              <a:spcBef>
+                <a:spcPts val="0"/>
+              </a:spcBef>
+              <a:spcAft>
+                <a:spcPts val="800"/>
+              </a:spcAft>
+            </a:pPr>
+            <a:r>
+              <a:rPr lang="en-US" sz="1800" kern="100" dirty="0">
+                <a:effectLst/>
+                <a:latin typeface="Aptos" panose="020B0004020202020204" pitchFamily="34" charset="0"/>
+                <a:ea typeface="Aptos" panose="020B0004020202020204" pitchFamily="34" charset="0"/>
+                <a:cs typeface="Times New Roman" panose="02020603050405020304" pitchFamily="18" charset="0"/>
+              </a:rPr>
+              <a:t>Add the files to your current local Branch:</a:t>
+            </a:r>
+          </a:p>
+          <a:p>
+            <a:pPr marL="0" marR="0">
+              <a:lnSpc>
+                <a:spcPct val="107000"/>
+              </a:lnSpc>
+              <a:spcBef>
+                <a:spcPts val="0"/>
+              </a:spcBef>
+              <a:spcAft>
+                <a:spcPts val="800"/>
+              </a:spcAft>
+            </a:pPr>
+            <a:r>
+              <a:rPr lang="en-US" sz="1800" i="1" kern="100" dirty="0">
+                <a:effectLst/>
+                <a:latin typeface="Aptos" panose="020B0004020202020204" pitchFamily="34" charset="0"/>
+                <a:ea typeface="Aptos" panose="020B0004020202020204" pitchFamily="34" charset="0"/>
+                <a:cs typeface="Times New Roman" panose="02020603050405020304" pitchFamily="18" charset="0"/>
+              </a:rPr>
+              <a:t>git add .</a:t>
+            </a:r>
+            <a:endParaRPr lang="en-US" sz="1800" kern="100" dirty="0">
+              <a:effectLst/>
+              <a:latin typeface="Aptos" panose="020B0004020202020204" pitchFamily="34" charset="0"/>
+              <a:ea typeface="Aptos" panose="020B0004020202020204" pitchFamily="34" charset="0"/>
+              <a:cs typeface="Times New Roman" panose="02020603050405020304" pitchFamily="18" charset="0"/>
+            </a:endParaRPr>
+          </a:p>
+          <a:p>
+            <a:pPr marL="0" marR="0">
+              <a:lnSpc>
+                <a:spcPct val="107000"/>
+              </a:lnSpc>
+              <a:spcBef>
+                <a:spcPts val="0"/>
+              </a:spcBef>
+              <a:spcAft>
+                <a:spcPts val="800"/>
+              </a:spcAft>
+            </a:pPr>
+            <a:r>
+              <a:rPr lang="en-US" sz="1800" i="1" kern="100" dirty="0">
+                <a:effectLst/>
+                <a:latin typeface="Aptos" panose="020B0004020202020204" pitchFamily="34" charset="0"/>
+                <a:ea typeface="Aptos" panose="020B0004020202020204" pitchFamily="34" charset="0"/>
+                <a:cs typeface="Times New Roman" panose="02020603050405020304" pitchFamily="18" charset="0"/>
+              </a:rPr>
+              <a:t>git commit -m “&lt;</a:t>
+            </a:r>
+            <a:r>
+              <a:rPr lang="en-US" sz="1800" i="1" kern="100" dirty="0" err="1">
+                <a:effectLst/>
+                <a:latin typeface="Aptos" panose="020B0004020202020204" pitchFamily="34" charset="0"/>
+                <a:ea typeface="Aptos" panose="020B0004020202020204" pitchFamily="34" charset="0"/>
+                <a:cs typeface="Times New Roman" panose="02020603050405020304" pitchFamily="18" charset="0"/>
+              </a:rPr>
+              <a:t>DEV_</a:t>
+            </a:r>
+            <a:r>
+              <a:rPr lang="en-US" i="1" kern="100" dirty="0" err="1">
+                <a:latin typeface="Aptos" panose="020B0004020202020204" pitchFamily="34" charset="0"/>
+                <a:ea typeface="Aptos" panose="020B0004020202020204" pitchFamily="34" charset="0"/>
+                <a:cs typeface="Times New Roman" panose="02020603050405020304" pitchFamily="18" charset="0"/>
+              </a:rPr>
+              <a:t>note</a:t>
+            </a:r>
+            <a:r>
+              <a:rPr lang="en-US" sz="1800" i="1" kern="100" dirty="0">
+                <a:effectLst/>
+                <a:latin typeface="Aptos" panose="020B0004020202020204" pitchFamily="34" charset="0"/>
+                <a:ea typeface="Aptos" panose="020B0004020202020204" pitchFamily="34" charset="0"/>
+                <a:cs typeface="Times New Roman" panose="02020603050405020304" pitchFamily="18" charset="0"/>
+              </a:rPr>
+              <a:t>&gt;”</a:t>
+            </a:r>
+            <a:endParaRPr lang="en-US" sz="1800" kern="100" dirty="0">
+              <a:effectLst/>
+              <a:latin typeface="Aptos" panose="020B0004020202020204" pitchFamily="34" charset="0"/>
+              <a:ea typeface="Aptos" panose="020B0004020202020204" pitchFamily="34" charset="0"/>
+              <a:cs typeface="Times New Roman" panose="02020603050405020304" pitchFamily="18" charset="0"/>
+            </a:endParaRPr>
+          </a:p>
+          <a:p>
+            <a:pPr marL="0" marR="0">
+              <a:lnSpc>
+                <a:spcPct val="107000"/>
+              </a:lnSpc>
+              <a:spcBef>
+                <a:spcPts val="0"/>
+              </a:spcBef>
+              <a:spcAft>
+                <a:spcPts val="800"/>
+              </a:spcAft>
+            </a:pPr>
+            <a:r>
+              <a:rPr lang="en-US" sz="1800" i="1" kern="100" dirty="0">
+                <a:effectLst/>
+                <a:latin typeface="Aptos" panose="020B0004020202020204" pitchFamily="34" charset="0"/>
+                <a:ea typeface="Aptos" panose="020B0004020202020204" pitchFamily="34" charset="0"/>
+                <a:cs typeface="Times New Roman" panose="02020603050405020304" pitchFamily="18" charset="0"/>
+              </a:rPr>
+              <a:t>git remote add &lt;name&gt; &lt;URL fork link&gt;</a:t>
+            </a:r>
+            <a:endParaRPr lang="en-US" sz="1800" kern="100" dirty="0">
+              <a:effectLst/>
+              <a:latin typeface="Aptos" panose="020B0004020202020204" pitchFamily="34" charset="0"/>
+              <a:ea typeface="Aptos" panose="020B0004020202020204" pitchFamily="34" charset="0"/>
+              <a:cs typeface="Times New Roman" panose="02020603050405020304" pitchFamily="18" charset="0"/>
+            </a:endParaRPr>
+          </a:p>
+          <a:p>
+            <a:pPr marL="0" marR="0">
+              <a:lnSpc>
+                <a:spcPct val="107000"/>
+              </a:lnSpc>
+              <a:spcBef>
+                <a:spcPts val="0"/>
+              </a:spcBef>
+              <a:spcAft>
+                <a:spcPts val="800"/>
+              </a:spcAft>
+            </a:pPr>
+            <a:r>
+              <a:rPr lang="en-US" sz="1800" i="1" kern="100" dirty="0">
+                <a:effectLst/>
+                <a:latin typeface="Aptos" panose="020B0004020202020204" pitchFamily="34" charset="0"/>
+                <a:ea typeface="Aptos" panose="020B0004020202020204" pitchFamily="34" charset="0"/>
+                <a:cs typeface="Times New Roman" panose="02020603050405020304" pitchFamily="18" charset="0"/>
+              </a:rPr>
+              <a:t>git push &lt;remote&gt; &lt;branch&gt;</a:t>
+            </a:r>
+            <a:endParaRPr lang="en-US" sz="1800" kern="100" dirty="0">
+              <a:effectLst/>
+              <a:latin typeface="Aptos" panose="020B0004020202020204" pitchFamily="34" charset="0"/>
+              <a:ea typeface="Aptos" panose="020B0004020202020204" pitchFamily="34" charset="0"/>
+              <a:cs typeface="Times New Roman" panose="02020603050405020304" pitchFamily="18" charset="0"/>
+            </a:endParaRPr>
+          </a:p>
+          <a:p>
+            <a:endParaRPr lang="en-US" dirty="0"/>
+          </a:p>
+        </p:txBody>
+      </p:sp>
+    </p:spTree>
+    <p:extLst>
+      <p:ext uri="{BB962C8B-B14F-4D97-AF65-F5344CB8AC3E}">
+        <p14:creationId xmlns:p14="http://schemas.microsoft.com/office/powerpoint/2010/main" val="3641515971"/>
+      </p:ext>
+    </p:extLst>
+  </p:cSld>
+  <p:clrMapOvr>
+    <a:masterClrMapping/>
+  </p:clrMapOvr>
+</p:sld>
+</file>
+
+<file path=ppt/slides/slide11.xml><?xml version="1.0" encoding="utf-8"?>
+<p:sld xmlns:a="http://schemas.openxmlformats.org/drawingml/2006/main" xmlns:r="http://schemas.openxmlformats.org/officeDocument/2006/relationships" xmlns:p="http://schemas.openxmlformats.org/presentationml/2006/main">
+  <p:cSld>
+    <p:spTree>
+      <p:nvGrpSpPr>
+        <p:cNvPr id="1" name=""/>
+        <p:cNvGrpSpPr/>
+        <p:nvPr/>
+      </p:nvGrpSpPr>
+      <p:grpSpPr>
+        <a:xfrm>
+          <a:off x="0" y="0"/>
+          <a:ext cx="0" cy="0"/>
+          <a:chOff x="0" y="0"/>
+          <a:chExt cx="0" cy="0"/>
+        </a:xfrm>
+      </p:grpSpPr>
+      <p:sp>
+        <p:nvSpPr>
+          <p:cNvPr id="2" name="Title 1">
+            <a:extLst>
+              <a:ext uri="{FF2B5EF4-FFF2-40B4-BE49-F238E27FC236}">
+                <a16:creationId xmlns:a16="http://schemas.microsoft.com/office/drawing/2014/main" id="{48DFBDBF-7B87-A11F-42DD-AC8E4F665B84}"/>
+              </a:ext>
+            </a:extLst>
+          </p:cNvPr>
+          <p:cNvSpPr>
+            <a:spLocks noGrp="1"/>
+          </p:cNvSpPr>
+          <p:nvPr>
+            <p:ph type="title"/>
+          </p:nvPr>
+        </p:nvSpPr>
+        <p:spPr/>
+        <p:txBody>
+          <a:bodyPr/>
+          <a:lstStyle/>
+          <a:p>
+            <a:r>
+              <a:rPr lang="en-US" dirty="0"/>
+              <a:t>Cloning in git </a:t>
+            </a:r>
+            <a:r>
+              <a:rPr lang="en-US" dirty="0" err="1"/>
+              <a:t>gui</a:t>
+            </a:r>
+            <a:endParaRPr lang="en-US" dirty="0"/>
+          </a:p>
+        </p:txBody>
+      </p:sp>
+      <p:pic>
+        <p:nvPicPr>
+          <p:cNvPr id="5" name="Content Placeholder 4">
+            <a:extLst>
+              <a:ext uri="{FF2B5EF4-FFF2-40B4-BE49-F238E27FC236}">
+                <a16:creationId xmlns:a16="http://schemas.microsoft.com/office/drawing/2014/main" id="{FC1A7F4C-C83B-8476-2BE9-598AA5375DD2}"/>
+              </a:ext>
+            </a:extLst>
+          </p:cNvPr>
+          <p:cNvPicPr>
+            <a:picLocks noGrp="1" noChangeAspect="1"/>
+          </p:cNvPicPr>
+          <p:nvPr>
+            <p:ph idx="1"/>
+          </p:nvPr>
+        </p:nvPicPr>
+        <p:blipFill>
+          <a:blip r:embed="rId2"/>
+          <a:srcRect l="4241" t="3764" r="3469" b="5719"/>
+          <a:stretch/>
+        </p:blipFill>
+        <p:spPr>
+          <a:xfrm>
+            <a:off x="164432" y="1641987"/>
+            <a:ext cx="3903406" cy="2635045"/>
+          </a:xfrm>
+        </p:spPr>
+      </p:pic>
+      <p:pic>
+        <p:nvPicPr>
+          <p:cNvPr id="7" name="Picture 6" descr="A screenshot of a computer&#10;&#10;Description automatically generated">
+            <a:extLst>
+              <a:ext uri="{FF2B5EF4-FFF2-40B4-BE49-F238E27FC236}">
+                <a16:creationId xmlns:a16="http://schemas.microsoft.com/office/drawing/2014/main" id="{675B8239-103E-84C4-4A67-9F8418662FC4}"/>
+              </a:ext>
+            </a:extLst>
+          </p:cNvPr>
+          <p:cNvPicPr>
+            <a:picLocks noChangeAspect="1"/>
+          </p:cNvPicPr>
+          <p:nvPr/>
+        </p:nvPicPr>
+        <p:blipFill>
+          <a:blip r:embed="rId3">
+            <a:extLst>
+              <a:ext uri="{28A0092B-C50C-407E-A947-70E740481C1C}">
+                <a14:useLocalDpi xmlns:a14="http://schemas.microsoft.com/office/drawing/2010/main" val="0"/>
+              </a:ext>
+            </a:extLst>
+          </a:blip>
+          <a:stretch>
+            <a:fillRect/>
+          </a:stretch>
+        </p:blipFill>
+        <p:spPr>
+          <a:xfrm>
+            <a:off x="1" y="3535107"/>
+            <a:ext cx="6596882" cy="2684068"/>
+          </a:xfrm>
+          <a:prstGeom prst="rect">
+            <a:avLst/>
+          </a:prstGeom>
+        </p:spPr>
+      </p:pic>
+      <p:pic>
+        <p:nvPicPr>
+          <p:cNvPr id="9" name="Picture 8" descr="A screenshot of a computer&#10;&#10;Description automatically generated">
+            <a:extLst>
+              <a:ext uri="{FF2B5EF4-FFF2-40B4-BE49-F238E27FC236}">
+                <a16:creationId xmlns:a16="http://schemas.microsoft.com/office/drawing/2014/main" id="{E525984E-43DE-6331-17FB-EA6706FA3DBA}"/>
+              </a:ext>
+            </a:extLst>
+          </p:cNvPr>
+          <p:cNvPicPr>
+            <a:picLocks noChangeAspect="1"/>
+          </p:cNvPicPr>
+          <p:nvPr/>
+        </p:nvPicPr>
+        <p:blipFill>
+          <a:blip r:embed="rId4">
+            <a:extLst>
+              <a:ext uri="{28A0092B-C50C-407E-A947-70E740481C1C}">
+                <a14:useLocalDpi xmlns:a14="http://schemas.microsoft.com/office/drawing/2010/main" val="0"/>
+              </a:ext>
+            </a:extLst>
+          </a:blip>
+          <a:stretch>
+            <a:fillRect/>
+          </a:stretch>
+        </p:blipFill>
+        <p:spPr>
+          <a:xfrm>
+            <a:off x="6499121" y="112797"/>
+            <a:ext cx="5525271" cy="6106377"/>
+          </a:xfrm>
+          <a:prstGeom prst="rect">
+            <a:avLst/>
+          </a:prstGeom>
+        </p:spPr>
+      </p:pic>
+      <p:sp>
+        <p:nvSpPr>
+          <p:cNvPr id="10" name="TextBox 9">
+            <a:extLst>
+              <a:ext uri="{FF2B5EF4-FFF2-40B4-BE49-F238E27FC236}">
+                <a16:creationId xmlns:a16="http://schemas.microsoft.com/office/drawing/2014/main" id="{738D293C-EB03-1DA9-1A92-8D7203AB9B94}"/>
+              </a:ext>
+            </a:extLst>
+          </p:cNvPr>
+          <p:cNvSpPr txBox="1"/>
+          <p:nvPr/>
+        </p:nvSpPr>
+        <p:spPr>
+          <a:xfrm>
+            <a:off x="2261419" y="6489290"/>
+            <a:ext cx="5048113" cy="369332"/>
+          </a:xfrm>
+          <a:prstGeom prst="rect">
+            <a:avLst/>
+          </a:prstGeom>
+          <a:noFill/>
+        </p:spPr>
+        <p:txBody>
+          <a:bodyPr wrap="none" rtlCol="0">
+            <a:spAutoFit/>
+          </a:bodyPr>
+          <a:lstStyle/>
+          <a:p>
+            <a:r>
+              <a:rPr lang="en-US" dirty="0"/>
+              <a:t>NOTE: The last /APXSRC folder cannot exist in clone</a:t>
+            </a:r>
+          </a:p>
+        </p:txBody>
+      </p:sp>
+    </p:spTree>
+    <p:extLst>
+      <p:ext uri="{BB962C8B-B14F-4D97-AF65-F5344CB8AC3E}">
+        <p14:creationId xmlns:p14="http://schemas.microsoft.com/office/powerpoint/2010/main" val="819485861"/>
+      </p:ext>
+    </p:extLst>
+  </p:cSld>
+  <p:clrMapOvr>
+    <a:masterClrMapping/>
+  </p:clrMapOvr>
+</p:sld>
+</file>
+
+<file path=ppt/slides/slide12.xml><?xml version="1.0" encoding="utf-8"?>
+<p:sld xmlns:a="http://schemas.openxmlformats.org/drawingml/2006/main" xmlns:r="http://schemas.openxmlformats.org/officeDocument/2006/relationships" xmlns:p="http://schemas.openxmlformats.org/presentationml/2006/main">
+  <p:cSld>
+    <p:spTree>
+      <p:nvGrpSpPr>
+        <p:cNvPr id="1" name=""/>
+        <p:cNvGrpSpPr/>
+        <p:nvPr/>
+      </p:nvGrpSpPr>
+      <p:grpSpPr>
+        <a:xfrm>
+          <a:off x="0" y="0"/>
+          <a:ext cx="0" cy="0"/>
+          <a:chOff x="0" y="0"/>
+          <a:chExt cx="0" cy="0"/>
+        </a:xfrm>
+      </p:grpSpPr>
+      <p:sp>
+        <p:nvSpPr>
+          <p:cNvPr id="2" name="Title 1">
+            <a:extLst>
+              <a:ext uri="{FF2B5EF4-FFF2-40B4-BE49-F238E27FC236}">
                 <a16:creationId xmlns:a16="http://schemas.microsoft.com/office/drawing/2014/main" id="{1C75A40D-3E81-4D0C-4F9B-6C6D6AFEBA7E}"/>
               </a:ext>
             </a:extLst>
@@ -12654,7 +13206,95 @@
 </p:sld>
 </file>
 
-<file path=ppt/slides/slide11.xml><?xml version="1.0" encoding="utf-8"?>
+<file path=ppt/slides/slide13.xml><?xml version="1.0" encoding="utf-8"?>
+<p:sld xmlns:a="http://schemas.openxmlformats.org/drawingml/2006/main" xmlns:r="http://schemas.openxmlformats.org/officeDocument/2006/relationships" xmlns:p="http://schemas.openxmlformats.org/presentationml/2006/main">
+  <p:cSld>
+    <p:spTree>
+      <p:nvGrpSpPr>
+        <p:cNvPr id="1" name=""/>
+        <p:cNvGrpSpPr/>
+        <p:nvPr/>
+      </p:nvGrpSpPr>
+      <p:grpSpPr>
+        <a:xfrm>
+          <a:off x="0" y="0"/>
+          <a:ext cx="0" cy="0"/>
+          <a:chOff x="0" y="0"/>
+          <a:chExt cx="0" cy="0"/>
+        </a:xfrm>
+      </p:grpSpPr>
+      <p:sp>
+        <p:nvSpPr>
+          <p:cNvPr id="2" name="Title 1">
+            <a:extLst>
+              <a:ext uri="{FF2B5EF4-FFF2-40B4-BE49-F238E27FC236}">
+                <a16:creationId xmlns:a16="http://schemas.microsoft.com/office/drawing/2014/main" id="{413557E4-A4EB-FDFA-B561-32F6AB6CAFFB}"/>
+              </a:ext>
+            </a:extLst>
+          </p:cNvPr>
+          <p:cNvSpPr>
+            <a:spLocks noGrp="1"/>
+          </p:cNvSpPr>
+          <p:nvPr>
+            <p:ph type="title"/>
+          </p:nvPr>
+        </p:nvSpPr>
+        <p:spPr/>
+        <p:txBody>
+          <a:bodyPr/>
+          <a:lstStyle/>
+          <a:p>
+            <a:r>
+              <a:rPr lang="en-US" dirty="0"/>
+              <a:t>Zip download from </a:t>
+            </a:r>
+            <a:r>
+              <a:rPr lang="en-US" dirty="0" err="1"/>
+              <a:t>github</a:t>
+            </a:r>
+            <a:endParaRPr lang="en-US" dirty="0"/>
+          </a:p>
+        </p:txBody>
+      </p:sp>
+      <p:sp>
+        <p:nvSpPr>
+          <p:cNvPr id="3" name="Content Placeholder 2">
+            <a:extLst>
+              <a:ext uri="{FF2B5EF4-FFF2-40B4-BE49-F238E27FC236}">
+                <a16:creationId xmlns:a16="http://schemas.microsoft.com/office/drawing/2014/main" id="{E675F19F-90C4-20CF-64FE-8DF23108E66A}"/>
+              </a:ext>
+            </a:extLst>
+          </p:cNvPr>
+          <p:cNvSpPr>
+            <a:spLocks noGrp="1"/>
+          </p:cNvSpPr>
+          <p:nvPr>
+            <p:ph idx="1"/>
+          </p:nvPr>
+        </p:nvSpPr>
+        <p:spPr/>
+        <p:txBody>
+          <a:bodyPr/>
+          <a:lstStyle/>
+          <a:p>
+            <a:endParaRPr lang="en-US"/>
+          </a:p>
+        </p:txBody>
+      </p:sp>
+    </p:spTree>
+    <p:extLst>
+      <p:ext uri="{BB962C8B-B14F-4D97-AF65-F5344CB8AC3E}">
+        <p14:creationId xmlns:p14="http://schemas.microsoft.com/office/powerpoint/2010/main" val="1854116891"/>
+      </p:ext>
+    </p:extLst>
+  </p:cSld>
+  <p:clrMapOvr>
+    <a:masterClrMapping/>
+  </p:clrMapOvr>
+</p:sld>
+</file>
+
+<file path=ppt/slides/slide14.xml><?xml version="1.0" encoding="utf-8"?>
 <p:sld xmlns:a="http://schemas.openxmlformats.org/drawingml/2006/main" xmlns:r="http://schemas.openxmlformats.org/officeDocument/2006/relationships" xmlns:p="http://schemas.openxmlformats.org/presentationml/2006/main">
   <p:cSld>
     <p:spTree>
@@ -12753,390 +13393,6 @@
     <p:extLst>
       <p:ext uri="{BB962C8B-B14F-4D97-AF65-F5344CB8AC3E}">
         <p14:creationId xmlns:p14="http://schemas.microsoft.com/office/powerpoint/2010/main" val="2514870190"/>
-      </p:ext>
-    </p:extLst>
-  </p:cSld>
-  <p:clrMapOvr>
-    <a:masterClrMapping/>
-  </p:clrMapOvr>
-</p:sld>
-</file>
-
-<file path=ppt/slides/slide12.xml><?xml version="1.0" encoding="utf-8"?>
-<p:sld xmlns:a="http://schemas.openxmlformats.org/drawingml/2006/main" xmlns:r="http://schemas.openxmlformats.org/officeDocument/2006/relationships" xmlns:p="http://schemas.openxmlformats.org/presentationml/2006/main">
-  <p:cSld>
-    <p:spTree>
-      <p:nvGrpSpPr>
-        <p:cNvPr id="1" name=""/>
-        <p:cNvGrpSpPr/>
-        <p:nvPr/>
-      </p:nvGrpSpPr>
-      <p:grpSpPr>
-        <a:xfrm>
-          <a:off x="0" y="0"/>
-          <a:ext cx="0" cy="0"/>
-          <a:chOff x="0" y="0"/>
-          <a:chExt cx="0" cy="0"/>
-        </a:xfrm>
-      </p:grpSpPr>
-      <p:sp>
-        <p:nvSpPr>
-          <p:cNvPr id="2" name="Title 1">
-            <a:extLst>
-              <a:ext uri="{FF2B5EF4-FFF2-40B4-BE49-F238E27FC236}">
-                <a16:creationId xmlns:a16="http://schemas.microsoft.com/office/drawing/2014/main" id="{8A9F7A48-AB86-2BE9-3939-F96156266CB7}"/>
-              </a:ext>
-            </a:extLst>
-          </p:cNvPr>
-          <p:cNvSpPr>
-            <a:spLocks noGrp="1"/>
-          </p:cNvSpPr>
-          <p:nvPr>
-            <p:ph type="title"/>
-          </p:nvPr>
-        </p:nvSpPr>
-        <p:spPr/>
-        <p:txBody>
-          <a:bodyPr/>
-          <a:lstStyle/>
-          <a:p>
-            <a:r>
-              <a:rPr lang="en-US" dirty="0"/>
-              <a:t>Bash scripts to call for every dev</a:t>
-            </a:r>
-          </a:p>
-        </p:txBody>
-      </p:sp>
-      <p:sp>
-        <p:nvSpPr>
-          <p:cNvPr id="3" name="Content Placeholder 2">
-            <a:extLst>
-              <a:ext uri="{FF2B5EF4-FFF2-40B4-BE49-F238E27FC236}">
-                <a16:creationId xmlns:a16="http://schemas.microsoft.com/office/drawing/2014/main" id="{560E46F6-2C1C-38E4-F921-833EDCE9FF65}"/>
-              </a:ext>
-            </a:extLst>
-          </p:cNvPr>
-          <p:cNvSpPr>
-            <a:spLocks noGrp="1"/>
-          </p:cNvSpPr>
-          <p:nvPr>
-            <p:ph idx="1"/>
-          </p:nvPr>
-        </p:nvSpPr>
-        <p:spPr/>
-        <p:txBody>
-          <a:bodyPr/>
-          <a:lstStyle/>
-          <a:p>
-            <a:r>
-              <a:rPr lang="en-US" dirty="0"/>
-              <a:t>Delete the files within and keep the  main folders</a:t>
-            </a:r>
-          </a:p>
-          <a:p>
-            <a:r>
-              <a:rPr lang="en-US" dirty="0"/>
-              <a:t>From VS7ZARBC call a git bash here</a:t>
-            </a:r>
-          </a:p>
-        </p:txBody>
-      </p:sp>
-      <p:pic>
-        <p:nvPicPr>
-          <p:cNvPr id="5" name="Picture 4">
-            <a:extLst>
-              <a:ext uri="{FF2B5EF4-FFF2-40B4-BE49-F238E27FC236}">
-                <a16:creationId xmlns:a16="http://schemas.microsoft.com/office/drawing/2014/main" id="{C175FC0D-A2F9-9DE7-8436-033C31F01F93}"/>
-              </a:ext>
-            </a:extLst>
-          </p:cNvPr>
-          <p:cNvPicPr>
-            <a:picLocks noChangeAspect="1"/>
-          </p:cNvPicPr>
-          <p:nvPr/>
-        </p:nvPicPr>
-        <p:blipFill>
-          <a:blip r:embed="rId2"/>
-          <a:srcRect l="6692"/>
-          <a:stretch/>
-        </p:blipFill>
-        <p:spPr>
-          <a:xfrm>
-            <a:off x="7555832" y="2097088"/>
-            <a:ext cx="4636168" cy="1996613"/>
-          </a:xfrm>
-          <a:prstGeom prst="rect">
-            <a:avLst/>
-          </a:prstGeom>
-        </p:spPr>
-      </p:pic>
-      <p:pic>
-        <p:nvPicPr>
-          <p:cNvPr id="7" name="Picture 6">
-            <a:extLst>
-              <a:ext uri="{FF2B5EF4-FFF2-40B4-BE49-F238E27FC236}">
-                <a16:creationId xmlns:a16="http://schemas.microsoft.com/office/drawing/2014/main" id="{78D65101-9341-7C7A-31D7-C3B092D33495}"/>
-              </a:ext>
-            </a:extLst>
-          </p:cNvPr>
-          <p:cNvPicPr>
-            <a:picLocks noChangeAspect="1"/>
-          </p:cNvPicPr>
-          <p:nvPr/>
-        </p:nvPicPr>
-        <p:blipFill>
-          <a:blip r:embed="rId3"/>
-          <a:srcRect b="36573"/>
-          <a:stretch/>
-        </p:blipFill>
-        <p:spPr>
-          <a:xfrm>
-            <a:off x="718014" y="3344955"/>
-            <a:ext cx="6264183" cy="3296477"/>
-          </a:xfrm>
-          <a:prstGeom prst="rect">
-            <a:avLst/>
-          </a:prstGeom>
-        </p:spPr>
-      </p:pic>
-    </p:spTree>
-    <p:extLst>
-      <p:ext uri="{BB962C8B-B14F-4D97-AF65-F5344CB8AC3E}">
-        <p14:creationId xmlns:p14="http://schemas.microsoft.com/office/powerpoint/2010/main" val="2374872806"/>
-      </p:ext>
-    </p:extLst>
-  </p:cSld>
-  <p:clrMapOvr>
-    <a:masterClrMapping/>
-  </p:clrMapOvr>
-</p:sld>
-</file>
-
-<file path=ppt/slides/slide13.xml><?xml version="1.0" encoding="utf-8"?>
-<p:sld xmlns:a="http://schemas.openxmlformats.org/drawingml/2006/main" xmlns:r="http://schemas.openxmlformats.org/officeDocument/2006/relationships" xmlns:p="http://schemas.openxmlformats.org/presentationml/2006/main">
-  <p:cSld>
-    <p:spTree>
-      <p:nvGrpSpPr>
-        <p:cNvPr id="1" name=""/>
-        <p:cNvGrpSpPr/>
-        <p:nvPr/>
-      </p:nvGrpSpPr>
-      <p:grpSpPr>
-        <a:xfrm>
-          <a:off x="0" y="0"/>
-          <a:ext cx="0" cy="0"/>
-          <a:chOff x="0" y="0"/>
-          <a:chExt cx="0" cy="0"/>
-        </a:xfrm>
-      </p:grpSpPr>
-      <p:sp>
-        <p:nvSpPr>
-          <p:cNvPr id="2" name="Title 1">
-            <a:extLst>
-              <a:ext uri="{FF2B5EF4-FFF2-40B4-BE49-F238E27FC236}">
-                <a16:creationId xmlns:a16="http://schemas.microsoft.com/office/drawing/2014/main" id="{B1E6B509-D646-0A5F-3992-1A3FD82E9B96}"/>
-              </a:ext>
-            </a:extLst>
-          </p:cNvPr>
-          <p:cNvSpPr>
-            <a:spLocks noGrp="1"/>
-          </p:cNvSpPr>
-          <p:nvPr>
-            <p:ph type="title"/>
-          </p:nvPr>
-        </p:nvSpPr>
-        <p:spPr/>
-        <p:txBody>
-          <a:bodyPr/>
-          <a:lstStyle/>
-          <a:p>
-            <a:r>
-              <a:rPr lang="en-US" dirty="0"/>
-              <a:t>Bash scripts to call for every dev</a:t>
-            </a:r>
-          </a:p>
-        </p:txBody>
-      </p:sp>
-      <p:pic>
-        <p:nvPicPr>
-          <p:cNvPr id="5" name="Content Placeholder 4">
-            <a:extLst>
-              <a:ext uri="{FF2B5EF4-FFF2-40B4-BE49-F238E27FC236}">
-                <a16:creationId xmlns:a16="http://schemas.microsoft.com/office/drawing/2014/main" id="{9CC74138-30F1-A759-3365-79AD508846CC}"/>
-              </a:ext>
-            </a:extLst>
-          </p:cNvPr>
-          <p:cNvPicPr>
-            <a:picLocks noGrp="1" noChangeAspect="1"/>
-          </p:cNvPicPr>
-          <p:nvPr>
-            <p:ph idx="1"/>
-          </p:nvPr>
-        </p:nvPicPr>
-        <p:blipFill>
-          <a:blip r:embed="rId2"/>
-          <a:stretch>
-            <a:fillRect/>
-          </a:stretch>
-        </p:blipFill>
-        <p:spPr>
-          <a:xfrm>
-            <a:off x="404081" y="1770119"/>
-            <a:ext cx="5804819" cy="1023072"/>
-          </a:xfrm>
-        </p:spPr>
-      </p:pic>
-      <p:pic>
-        <p:nvPicPr>
-          <p:cNvPr id="7" name="Picture 6">
-            <a:extLst>
-              <a:ext uri="{FF2B5EF4-FFF2-40B4-BE49-F238E27FC236}">
-                <a16:creationId xmlns:a16="http://schemas.microsoft.com/office/drawing/2014/main" id="{C1BD4D47-0EBC-43AF-F57B-DF8E4AB05A6F}"/>
-              </a:ext>
-            </a:extLst>
-          </p:cNvPr>
-          <p:cNvPicPr>
-            <a:picLocks noChangeAspect="1"/>
-          </p:cNvPicPr>
-          <p:nvPr/>
-        </p:nvPicPr>
-        <p:blipFill>
-          <a:blip r:embed="rId3"/>
-          <a:stretch>
-            <a:fillRect/>
-          </a:stretch>
-        </p:blipFill>
-        <p:spPr>
-          <a:xfrm>
-            <a:off x="6368119" y="1798902"/>
-            <a:ext cx="5695545" cy="994289"/>
-          </a:xfrm>
-          <a:prstGeom prst="rect">
-            <a:avLst/>
-          </a:prstGeom>
-        </p:spPr>
-      </p:pic>
-      <p:pic>
-        <p:nvPicPr>
-          <p:cNvPr id="9" name="Picture 8">
-            <a:extLst>
-              <a:ext uri="{FF2B5EF4-FFF2-40B4-BE49-F238E27FC236}">
-                <a16:creationId xmlns:a16="http://schemas.microsoft.com/office/drawing/2014/main" id="{527BC7B9-85BD-F25B-9731-5D4237EF6F82}"/>
-              </a:ext>
-            </a:extLst>
-          </p:cNvPr>
-          <p:cNvPicPr>
-            <a:picLocks noChangeAspect="1"/>
-          </p:cNvPicPr>
-          <p:nvPr/>
-        </p:nvPicPr>
-        <p:blipFill>
-          <a:blip r:embed="rId4"/>
-          <a:stretch>
-            <a:fillRect/>
-          </a:stretch>
-        </p:blipFill>
-        <p:spPr>
-          <a:xfrm>
-            <a:off x="6034372" y="2924519"/>
-            <a:ext cx="6118157" cy="960293"/>
-          </a:xfrm>
-          <a:prstGeom prst="rect">
-            <a:avLst/>
-          </a:prstGeom>
-        </p:spPr>
-      </p:pic>
-      <p:pic>
-        <p:nvPicPr>
-          <p:cNvPr id="11" name="Picture 10">
-            <a:extLst>
-              <a:ext uri="{FF2B5EF4-FFF2-40B4-BE49-F238E27FC236}">
-                <a16:creationId xmlns:a16="http://schemas.microsoft.com/office/drawing/2014/main" id="{B655EBFB-C680-620C-9A77-249A86853C5E}"/>
-              </a:ext>
-            </a:extLst>
-          </p:cNvPr>
-          <p:cNvPicPr>
-            <a:picLocks noChangeAspect="1"/>
-          </p:cNvPicPr>
-          <p:nvPr/>
-        </p:nvPicPr>
-        <p:blipFill>
-          <a:blip r:embed="rId5"/>
-          <a:stretch>
-            <a:fillRect/>
-          </a:stretch>
-        </p:blipFill>
-        <p:spPr>
-          <a:xfrm>
-            <a:off x="140688" y="2904589"/>
-            <a:ext cx="5804819" cy="1000154"/>
-          </a:xfrm>
-          <a:prstGeom prst="rect">
-            <a:avLst/>
-          </a:prstGeom>
-        </p:spPr>
-      </p:pic>
-      <p:sp>
-        <p:nvSpPr>
-          <p:cNvPr id="12" name="TextBox 11">
-            <a:extLst>
-              <a:ext uri="{FF2B5EF4-FFF2-40B4-BE49-F238E27FC236}">
-                <a16:creationId xmlns:a16="http://schemas.microsoft.com/office/drawing/2014/main" id="{B2B4D9EA-36AC-7B82-2802-FACBBE7602B6}"/>
-              </a:ext>
-            </a:extLst>
-          </p:cNvPr>
-          <p:cNvSpPr txBox="1"/>
-          <p:nvPr/>
-        </p:nvSpPr>
-        <p:spPr>
-          <a:xfrm>
-            <a:off x="1572126" y="4780547"/>
-            <a:ext cx="3350148" cy="646331"/>
-          </a:xfrm>
-          <a:prstGeom prst="rect">
-            <a:avLst/>
-          </a:prstGeom>
-          <a:noFill/>
-        </p:spPr>
-        <p:txBody>
-          <a:bodyPr wrap="none" rtlCol="0">
-            <a:spAutoFit/>
-          </a:bodyPr>
-          <a:lstStyle/>
-          <a:p>
-            <a:r>
-              <a:rPr lang="en-US" dirty="0"/>
-              <a:t>Bash </a:t>
-            </a:r>
-            <a:r>
-              <a:rPr lang="en-US" dirty="0" err="1"/>
-              <a:t>repo_clone</a:t>
-            </a:r>
-            <a:r>
-              <a:rPr lang="en-US" dirty="0"/>
-              <a:t> first</a:t>
-            </a:r>
-          </a:p>
-          <a:p>
-            <a:r>
-              <a:rPr lang="en-US" dirty="0"/>
-              <a:t>Bash </a:t>
-            </a:r>
-            <a:r>
-              <a:rPr lang="en-US" dirty="0" err="1"/>
-              <a:t>bulk_branch</a:t>
-            </a:r>
-            <a:r>
-              <a:rPr lang="en-US" dirty="0"/>
-              <a:t> &lt;DEV_ branch&gt;</a:t>
-            </a:r>
-          </a:p>
-        </p:txBody>
-      </p:sp>
-    </p:spTree>
-    <p:extLst>
-      <p:ext uri="{BB962C8B-B14F-4D97-AF65-F5344CB8AC3E}">
-        <p14:creationId xmlns:p14="http://schemas.microsoft.com/office/powerpoint/2010/main" val="3808483206"/>
       </p:ext>
     </p:extLst>
   </p:cSld>
@@ -13522,6 +13778,12 @@
               <a:rPr lang="en-US" dirty="0" err="1"/>
               <a:t>Test_Repo</a:t>
             </a:r>
+            <a:endParaRPr lang="en-US" dirty="0"/>
+          </a:p>
+          <a:p>
+            <a:pPr marL="0" indent="0">
+              <a:buNone/>
+            </a:pPr>
             <a:endParaRPr lang="en-US" dirty="0"/>
           </a:p>
         </p:txBody>
@@ -13753,7 +14015,7 @@
           <a:p>
             <a:r>
               <a:rPr lang="en-US" dirty="0"/>
-              <a:t>Shall be from the back-log</a:t>
+              <a:t>Shall be from the back-log &gt; moved to Current Development</a:t>
             </a:r>
           </a:p>
           <a:p>
@@ -13771,7 +14033,7 @@
           <a:p>
             <a:r>
               <a:rPr lang="en-US" dirty="0"/>
-              <a:t>Developer cannot close out issue without review</a:t>
+              <a:t>Developer shall not close out issue without review</a:t>
             </a:r>
           </a:p>
           <a:p>
@@ -13926,7 +14188,7 @@
           <p:cNvPr id="2" name="Title 1">
             <a:extLst>
               <a:ext uri="{FF2B5EF4-FFF2-40B4-BE49-F238E27FC236}">
-                <a16:creationId xmlns:a16="http://schemas.microsoft.com/office/drawing/2014/main" id="{48DFBDBF-7B87-A11F-42DD-AC8E4F665B84}"/>
+                <a16:creationId xmlns:a16="http://schemas.microsoft.com/office/drawing/2014/main" id="{B1E6B509-D646-0A5F-3992-1A3FD82E9B96}"/>
               </a:ext>
             </a:extLst>
           </p:cNvPr>
@@ -13949,35 +14211,203 @@
           </a:p>
         </p:txBody>
       </p:sp>
-      <p:sp>
-        <p:nvSpPr>
-          <p:cNvPr id="3" name="Content Placeholder 2">
+      <p:pic>
+        <p:nvPicPr>
+          <p:cNvPr id="5" name="Content Placeholder 4">
             <a:extLst>
               <a:ext uri="{FF2B5EF4-FFF2-40B4-BE49-F238E27FC236}">
-                <a16:creationId xmlns:a16="http://schemas.microsoft.com/office/drawing/2014/main" id="{37004F8C-88EC-EEFA-7036-55B34A399328}"/>
+                <a16:creationId xmlns:a16="http://schemas.microsoft.com/office/drawing/2014/main" id="{9CC74138-30F1-A759-3365-79AD508846CC}"/>
               </a:ext>
             </a:extLst>
           </p:cNvPr>
-          <p:cNvSpPr>
-            <a:spLocks noGrp="1"/>
-          </p:cNvSpPr>
+          <p:cNvPicPr>
+            <a:picLocks noGrp="1" noChangeAspect="1"/>
+          </p:cNvPicPr>
           <p:nvPr>
             <p:ph idx="1"/>
           </p:nvPr>
+        </p:nvPicPr>
+        <p:blipFill>
+          <a:blip r:embed="rId2"/>
+          <a:stretch>
+            <a:fillRect/>
+          </a:stretch>
+        </p:blipFill>
+        <p:spPr>
+          <a:xfrm>
+            <a:off x="404081" y="1770119"/>
+            <a:ext cx="5804819" cy="1023072"/>
+          </a:xfrm>
+        </p:spPr>
+      </p:pic>
+      <p:pic>
+        <p:nvPicPr>
+          <p:cNvPr id="7" name="Picture 6">
+            <a:extLst>
+              <a:ext uri="{FF2B5EF4-FFF2-40B4-BE49-F238E27FC236}">
+                <a16:creationId xmlns:a16="http://schemas.microsoft.com/office/drawing/2014/main" id="{C1BD4D47-0EBC-43AF-F57B-DF8E4AB05A6F}"/>
+              </a:ext>
+            </a:extLst>
+          </p:cNvPr>
+          <p:cNvPicPr>
+            <a:picLocks noChangeAspect="1"/>
+          </p:cNvPicPr>
+          <p:nvPr/>
+        </p:nvPicPr>
+        <p:blipFill>
+          <a:blip r:embed="rId3"/>
+          <a:stretch>
+            <a:fillRect/>
+          </a:stretch>
+        </p:blipFill>
+        <p:spPr>
+          <a:xfrm>
+            <a:off x="6368119" y="1798902"/>
+            <a:ext cx="5695545" cy="994289"/>
+          </a:xfrm>
+          <a:prstGeom prst="rect">
+            <a:avLst/>
+          </a:prstGeom>
+        </p:spPr>
+      </p:pic>
+      <p:pic>
+        <p:nvPicPr>
+          <p:cNvPr id="9" name="Picture 8">
+            <a:extLst>
+              <a:ext uri="{FF2B5EF4-FFF2-40B4-BE49-F238E27FC236}">
+                <a16:creationId xmlns:a16="http://schemas.microsoft.com/office/drawing/2014/main" id="{527BC7B9-85BD-F25B-9731-5D4237EF6F82}"/>
+              </a:ext>
+            </a:extLst>
+          </p:cNvPr>
+          <p:cNvPicPr>
+            <a:picLocks noChangeAspect="1"/>
+          </p:cNvPicPr>
+          <p:nvPr/>
+        </p:nvPicPr>
+        <p:blipFill>
+          <a:blip r:embed="rId4"/>
+          <a:stretch>
+            <a:fillRect/>
+          </a:stretch>
+        </p:blipFill>
+        <p:spPr>
+          <a:xfrm>
+            <a:off x="6034372" y="2924519"/>
+            <a:ext cx="6118157" cy="960293"/>
+          </a:xfrm>
+          <a:prstGeom prst="rect">
+            <a:avLst/>
+          </a:prstGeom>
+        </p:spPr>
+      </p:pic>
+      <p:pic>
+        <p:nvPicPr>
+          <p:cNvPr id="11" name="Picture 10">
+            <a:extLst>
+              <a:ext uri="{FF2B5EF4-FFF2-40B4-BE49-F238E27FC236}">
+                <a16:creationId xmlns:a16="http://schemas.microsoft.com/office/drawing/2014/main" id="{B655EBFB-C680-620C-9A77-249A86853C5E}"/>
+              </a:ext>
+            </a:extLst>
+          </p:cNvPr>
+          <p:cNvPicPr>
+            <a:picLocks noChangeAspect="1"/>
+          </p:cNvPicPr>
+          <p:nvPr/>
+        </p:nvPicPr>
+        <p:blipFill>
+          <a:blip r:embed="rId5"/>
+          <a:stretch>
+            <a:fillRect/>
+          </a:stretch>
+        </p:blipFill>
+        <p:spPr>
+          <a:xfrm>
+            <a:off x="140688" y="2904589"/>
+            <a:ext cx="5804819" cy="1000154"/>
+          </a:xfrm>
+          <a:prstGeom prst="rect">
+            <a:avLst/>
+          </a:prstGeom>
+        </p:spPr>
+      </p:pic>
+      <p:sp>
+        <p:nvSpPr>
+          <p:cNvPr id="12" name="TextBox 11">
+            <a:extLst>
+              <a:ext uri="{FF2B5EF4-FFF2-40B4-BE49-F238E27FC236}">
+                <a16:creationId xmlns:a16="http://schemas.microsoft.com/office/drawing/2014/main" id="{B2B4D9EA-36AC-7B82-2802-FACBBE7602B6}"/>
+              </a:ext>
+            </a:extLst>
+          </p:cNvPr>
+          <p:cNvSpPr txBox="1"/>
+          <p:nvPr/>
         </p:nvSpPr>
-        <p:spPr/>
+        <p:spPr>
+          <a:xfrm>
+            <a:off x="1572126" y="4780547"/>
+            <a:ext cx="6696449" cy="1200329"/>
+          </a:xfrm>
+          <a:prstGeom prst="rect">
+            <a:avLst/>
+          </a:prstGeom>
+          <a:noFill/>
+        </p:spPr>
         <p:txBody>
-          <a:bodyPr/>
+          <a:bodyPr wrap="none" rtlCol="0">
+            <a:spAutoFit/>
+          </a:bodyPr>
           <a:lstStyle/>
           <a:p>
+            <a:r>
+              <a:rPr lang="en-US" dirty="0"/>
+              <a:t>Bash </a:t>
+            </a:r>
+            <a:r>
+              <a:rPr lang="en-US" dirty="0" err="1"/>
+              <a:t>repo_clone</a:t>
+            </a:r>
+            <a:r>
+              <a:rPr lang="en-US" dirty="0"/>
+              <a:t> first</a:t>
+            </a:r>
+          </a:p>
+          <a:p>
+            <a:r>
+              <a:rPr lang="en-US" dirty="0"/>
+              <a:t>Bash </a:t>
+            </a:r>
+            <a:r>
+              <a:rPr lang="en-US" dirty="0" err="1"/>
+              <a:t>bulk_branch</a:t>
+            </a:r>
+            <a:r>
+              <a:rPr lang="en-US" dirty="0"/>
+              <a:t> &lt;DEV_ branch&gt;</a:t>
+            </a:r>
+          </a:p>
+          <a:p>
             <a:endParaRPr lang="en-US" dirty="0"/>
+          </a:p>
+          <a:p>
+            <a:r>
+              <a:rPr lang="en-US" dirty="0"/>
+              <a:t>NOTE: this pulls from </a:t>
+            </a:r>
+            <a:r>
+              <a:rPr lang="en-US" dirty="0" err="1"/>
+              <a:t>BreaultSWD</a:t>
+            </a:r>
+            <a:r>
+              <a:rPr lang="en-US" dirty="0"/>
+              <a:t> and does not create a link to upload</a:t>
+            </a:r>
           </a:p>
         </p:txBody>
       </p:sp>
     </p:spTree>
     <p:extLst>
       <p:ext uri="{BB962C8B-B14F-4D97-AF65-F5344CB8AC3E}">
-        <p14:creationId xmlns:p14="http://schemas.microsoft.com/office/powerpoint/2010/main" val="819485861"/>
+        <p14:creationId xmlns:p14="http://schemas.microsoft.com/office/powerpoint/2010/main" val="3808483206"/>
       </p:ext>
     </p:extLst>
   </p:cSld>
@@ -14009,7 +14439,7 @@
           <p:cNvPr id="2" name="Title 1">
             <a:extLst>
               <a:ext uri="{FF2B5EF4-FFF2-40B4-BE49-F238E27FC236}">
-                <a16:creationId xmlns:a16="http://schemas.microsoft.com/office/drawing/2014/main" id="{940A8AC8-75DF-B1EF-EF4E-3B0B9AF067DA}"/>
+                <a16:creationId xmlns:a16="http://schemas.microsoft.com/office/drawing/2014/main" id="{8A9F7A48-AB86-2BE9-3939-F96156266CB7}"/>
               </a:ext>
             </a:extLst>
           </p:cNvPr>
@@ -14027,310 +14457,107 @@
           <a:p>
             <a:r>
               <a:rPr lang="en-US" dirty="0"/>
-              <a:t>Commits in bash</a:t>
+              <a:t>Bash scripts to call for new development</a:t>
+            </a:r>
+          </a:p>
+        </p:txBody>
+      </p:sp>
+      <p:sp>
+        <p:nvSpPr>
+          <p:cNvPr id="3" name="Content Placeholder 2">
+            <a:extLst>
+              <a:ext uri="{FF2B5EF4-FFF2-40B4-BE49-F238E27FC236}">
+                <a16:creationId xmlns:a16="http://schemas.microsoft.com/office/drawing/2014/main" id="{560E46F6-2C1C-38E4-F921-833EDCE9FF65}"/>
+              </a:ext>
+            </a:extLst>
+          </p:cNvPr>
+          <p:cNvSpPr>
+            <a:spLocks noGrp="1"/>
+          </p:cNvSpPr>
+          <p:nvPr>
+            <p:ph idx="1"/>
+          </p:nvPr>
+        </p:nvSpPr>
+        <p:spPr/>
+        <p:txBody>
+          <a:bodyPr/>
+          <a:lstStyle/>
+          <a:p>
+            <a:r>
+              <a:rPr lang="en-US" dirty="0"/>
+              <a:t>Delete the files within and keep the  main folders</a:t>
+            </a:r>
+          </a:p>
+          <a:p>
+            <a:r>
+              <a:rPr lang="en-US" dirty="0"/>
+              <a:t>From VS7ZARBC call a git bash here</a:t>
             </a:r>
           </a:p>
         </p:txBody>
       </p:sp>
       <p:pic>
         <p:nvPicPr>
-          <p:cNvPr id="5" name="Content Placeholder 4">
+          <p:cNvPr id="5" name="Picture 4">
             <a:extLst>
               <a:ext uri="{FF2B5EF4-FFF2-40B4-BE49-F238E27FC236}">
-                <a16:creationId xmlns:a16="http://schemas.microsoft.com/office/drawing/2014/main" id="{F8560C1A-7386-18D9-9A51-B40E593F25C8}"/>
+                <a16:creationId xmlns:a16="http://schemas.microsoft.com/office/drawing/2014/main" id="{C175FC0D-A2F9-9DE7-8436-033C31F01F93}"/>
               </a:ext>
             </a:extLst>
           </p:cNvPr>
           <p:cNvPicPr>
-            <a:picLocks noGrp="1" noChangeAspect="1"/>
+            <a:picLocks noChangeAspect="1"/>
           </p:cNvPicPr>
-          <p:nvPr>
-            <p:ph idx="1"/>
-          </p:nvPr>
+          <p:nvPr/>
         </p:nvPicPr>
         <p:blipFill>
           <a:blip r:embed="rId2"/>
-          <a:stretch>
-            <a:fillRect/>
-          </a:stretch>
+          <a:srcRect l="6692"/>
+          <a:stretch/>
         </p:blipFill>
         <p:spPr>
           <a:xfrm>
-            <a:off x="5160397" y="1948875"/>
-            <a:ext cx="6782497" cy="2761445"/>
-          </a:xfrm>
-        </p:spPr>
-      </p:pic>
-      <p:sp>
-        <p:nvSpPr>
-          <p:cNvPr id="6" name="TextBox 5">
-            <a:extLst>
-              <a:ext uri="{FF2B5EF4-FFF2-40B4-BE49-F238E27FC236}">
-                <a16:creationId xmlns:a16="http://schemas.microsoft.com/office/drawing/2014/main" id="{4B3908E8-E7C2-0A08-F649-4D1054BB9D7F}"/>
-              </a:ext>
-            </a:extLst>
-          </p:cNvPr>
-          <p:cNvSpPr txBox="1"/>
-          <p:nvPr/>
-        </p:nvSpPr>
-        <p:spPr>
-          <a:xfrm>
-            <a:off x="730370" y="2097088"/>
-            <a:ext cx="4268797" cy="3162019"/>
+            <a:off x="7555832" y="2097088"/>
+            <a:ext cx="4636168" cy="1996613"/>
           </a:xfrm>
           <a:prstGeom prst="rect">
             <a:avLst/>
           </a:prstGeom>
-          <a:noFill/>
         </p:spPr>
-        <p:txBody>
-          <a:bodyPr wrap="none" rtlCol="0">
-            <a:spAutoFit/>
-          </a:bodyPr>
-          <a:lstStyle/>
-          <a:p>
-            <a:pPr marL="0" marR="0">
-              <a:lnSpc>
-                <a:spcPct val="107000"/>
-              </a:lnSpc>
-              <a:spcBef>
-                <a:spcPts val="0"/>
-              </a:spcBef>
-              <a:spcAft>
-                <a:spcPts val="800"/>
-              </a:spcAft>
-            </a:pPr>
-            <a:r>
-              <a:rPr lang="en-US" sz="1800" i="1" kern="100" dirty="0">
-                <a:effectLst/>
-                <a:latin typeface="Aptos" panose="020B0004020202020204" pitchFamily="34" charset="0"/>
-                <a:ea typeface="Aptos" panose="020B0004020202020204" pitchFamily="34" charset="0"/>
-                <a:cs typeface="Times New Roman" panose="02020603050405020304" pitchFamily="18" charset="0"/>
-              </a:rPr>
-              <a:t>git </a:t>
-            </a:r>
-            <a:r>
-              <a:rPr lang="en-US" sz="1800" i="1" kern="100" dirty="0" err="1">
-                <a:effectLst/>
-                <a:latin typeface="Aptos" panose="020B0004020202020204" pitchFamily="34" charset="0"/>
-                <a:ea typeface="Aptos" panose="020B0004020202020204" pitchFamily="34" charset="0"/>
-                <a:cs typeface="Times New Roman" panose="02020603050405020304" pitchFamily="18" charset="0"/>
-              </a:rPr>
-              <a:t>init</a:t>
-            </a:r>
-            <a:r>
-              <a:rPr lang="en-US" sz="1800" i="1" kern="100" dirty="0">
-                <a:effectLst/>
-                <a:latin typeface="Aptos" panose="020B0004020202020204" pitchFamily="34" charset="0"/>
-                <a:ea typeface="Aptos" panose="020B0004020202020204" pitchFamily="34" charset="0"/>
-                <a:cs typeface="Times New Roman" panose="02020603050405020304" pitchFamily="18" charset="0"/>
-              </a:rPr>
-              <a:t> -b &lt;name of the local branch&gt;</a:t>
-            </a:r>
-            <a:endParaRPr lang="en-US" sz="1800" kern="100" dirty="0">
-              <a:effectLst/>
-              <a:latin typeface="Aptos" panose="020B0004020202020204" pitchFamily="34" charset="0"/>
-              <a:ea typeface="Aptos" panose="020B0004020202020204" pitchFamily="34" charset="0"/>
-              <a:cs typeface="Times New Roman" panose="02020603050405020304" pitchFamily="18" charset="0"/>
-            </a:endParaRPr>
-          </a:p>
-          <a:p>
-            <a:pPr marL="0" marR="0">
-              <a:lnSpc>
-                <a:spcPct val="107000"/>
-              </a:lnSpc>
-              <a:spcBef>
-                <a:spcPts val="0"/>
-              </a:spcBef>
-              <a:spcAft>
-                <a:spcPts val="800"/>
-              </a:spcAft>
-            </a:pPr>
-            <a:r>
-              <a:rPr lang="en-US" sz="1800" i="1" kern="100" dirty="0">
-                <a:effectLst/>
-                <a:latin typeface="Aptos" panose="020B0004020202020204" pitchFamily="34" charset="0"/>
-                <a:ea typeface="Aptos" panose="020B0004020202020204" pitchFamily="34" charset="0"/>
-                <a:cs typeface="Times New Roman" panose="02020603050405020304" pitchFamily="18" charset="0"/>
-              </a:rPr>
-              <a:t>Git checkout -b &lt;name of branch&gt;</a:t>
-            </a:r>
-            <a:endParaRPr lang="en-US" sz="1800" kern="100" dirty="0">
-              <a:effectLst/>
-              <a:latin typeface="Aptos" panose="020B0004020202020204" pitchFamily="34" charset="0"/>
-              <a:ea typeface="Aptos" panose="020B0004020202020204" pitchFamily="34" charset="0"/>
-              <a:cs typeface="Times New Roman" panose="02020603050405020304" pitchFamily="18" charset="0"/>
-            </a:endParaRPr>
-          </a:p>
-          <a:p>
-            <a:pPr marL="0" marR="0">
-              <a:lnSpc>
-                <a:spcPct val="107000"/>
-              </a:lnSpc>
-              <a:spcBef>
-                <a:spcPts val="0"/>
-              </a:spcBef>
-              <a:spcAft>
-                <a:spcPts val="800"/>
-              </a:spcAft>
-            </a:pPr>
-            <a:r>
-              <a:rPr lang="en-US" sz="1800" kern="100" dirty="0">
-                <a:effectLst/>
-                <a:latin typeface="Aptos" panose="020B0004020202020204" pitchFamily="34" charset="0"/>
-                <a:ea typeface="Aptos" panose="020B0004020202020204" pitchFamily="34" charset="0"/>
-                <a:cs typeface="Times New Roman" panose="02020603050405020304" pitchFamily="18" charset="0"/>
-              </a:rPr>
-              <a:t>Add the files to your current local Branch:</a:t>
-            </a:r>
-          </a:p>
-          <a:p>
-            <a:pPr marL="0" marR="0">
-              <a:lnSpc>
-                <a:spcPct val="107000"/>
-              </a:lnSpc>
-              <a:spcBef>
-                <a:spcPts val="0"/>
-              </a:spcBef>
-              <a:spcAft>
-                <a:spcPts val="800"/>
-              </a:spcAft>
-            </a:pPr>
-            <a:r>
-              <a:rPr lang="en-US" sz="1800" i="1" kern="100" dirty="0">
-                <a:effectLst/>
-                <a:latin typeface="Aptos" panose="020B0004020202020204" pitchFamily="34" charset="0"/>
-                <a:ea typeface="Aptos" panose="020B0004020202020204" pitchFamily="34" charset="0"/>
-                <a:cs typeface="Times New Roman" panose="02020603050405020304" pitchFamily="18" charset="0"/>
-              </a:rPr>
-              <a:t>git add .</a:t>
-            </a:r>
-            <a:endParaRPr lang="en-US" sz="1800" kern="100" dirty="0">
-              <a:effectLst/>
-              <a:latin typeface="Aptos" panose="020B0004020202020204" pitchFamily="34" charset="0"/>
-              <a:ea typeface="Aptos" panose="020B0004020202020204" pitchFamily="34" charset="0"/>
-              <a:cs typeface="Times New Roman" panose="02020603050405020304" pitchFamily="18" charset="0"/>
-            </a:endParaRPr>
-          </a:p>
-          <a:p>
-            <a:pPr marL="0" marR="0">
-              <a:lnSpc>
-                <a:spcPct val="107000"/>
-              </a:lnSpc>
-              <a:spcBef>
-                <a:spcPts val="0"/>
-              </a:spcBef>
-              <a:spcAft>
-                <a:spcPts val="800"/>
-              </a:spcAft>
-            </a:pPr>
-            <a:r>
-              <a:rPr lang="en-US" sz="1800" i="1" kern="100" dirty="0">
-                <a:effectLst/>
-                <a:latin typeface="Aptos" panose="020B0004020202020204" pitchFamily="34" charset="0"/>
-                <a:ea typeface="Aptos" panose="020B0004020202020204" pitchFamily="34" charset="0"/>
-                <a:cs typeface="Times New Roman" panose="02020603050405020304" pitchFamily="18" charset="0"/>
-              </a:rPr>
-              <a:t>git commit -m “&lt;</a:t>
-            </a:r>
-            <a:r>
-              <a:rPr lang="en-US" sz="1800" i="1" kern="100" dirty="0" err="1">
-                <a:effectLst/>
-                <a:latin typeface="Aptos" panose="020B0004020202020204" pitchFamily="34" charset="0"/>
-                <a:ea typeface="Aptos" panose="020B0004020202020204" pitchFamily="34" charset="0"/>
-                <a:cs typeface="Times New Roman" panose="02020603050405020304" pitchFamily="18" charset="0"/>
-              </a:rPr>
-              <a:t>DEV_</a:t>
-            </a:r>
-            <a:r>
-              <a:rPr lang="en-US" i="1" kern="100" dirty="0" err="1">
-                <a:latin typeface="Aptos" panose="020B0004020202020204" pitchFamily="34" charset="0"/>
-                <a:ea typeface="Aptos" panose="020B0004020202020204" pitchFamily="34" charset="0"/>
-                <a:cs typeface="Times New Roman" panose="02020603050405020304" pitchFamily="18" charset="0"/>
-              </a:rPr>
-              <a:t>note</a:t>
-            </a:r>
-            <a:r>
-              <a:rPr lang="en-US" sz="1800" i="1" kern="100" dirty="0">
-                <a:effectLst/>
-                <a:latin typeface="Aptos" panose="020B0004020202020204" pitchFamily="34" charset="0"/>
-                <a:ea typeface="Aptos" panose="020B0004020202020204" pitchFamily="34" charset="0"/>
-                <a:cs typeface="Times New Roman" panose="02020603050405020304" pitchFamily="18" charset="0"/>
-              </a:rPr>
-              <a:t>&gt;”</a:t>
-            </a:r>
-            <a:endParaRPr lang="en-US" sz="1800" kern="100" dirty="0">
-              <a:effectLst/>
-              <a:latin typeface="Aptos" panose="020B0004020202020204" pitchFamily="34" charset="0"/>
-              <a:ea typeface="Aptos" panose="020B0004020202020204" pitchFamily="34" charset="0"/>
-              <a:cs typeface="Times New Roman" panose="02020603050405020304" pitchFamily="18" charset="0"/>
-            </a:endParaRPr>
-          </a:p>
-          <a:p>
-            <a:pPr marL="0" marR="0">
-              <a:lnSpc>
-                <a:spcPct val="107000"/>
-              </a:lnSpc>
-              <a:spcBef>
-                <a:spcPts val="0"/>
-              </a:spcBef>
-              <a:spcAft>
-                <a:spcPts val="800"/>
-              </a:spcAft>
-            </a:pPr>
-            <a:r>
-              <a:rPr lang="en-US" sz="1800" i="1" kern="100" dirty="0">
-                <a:effectLst/>
-                <a:latin typeface="Aptos" panose="020B0004020202020204" pitchFamily="34" charset="0"/>
-                <a:ea typeface="Aptos" panose="020B0004020202020204" pitchFamily="34" charset="0"/>
-                <a:cs typeface="Times New Roman" panose="02020603050405020304" pitchFamily="18" charset="0"/>
-              </a:rPr>
-              <a:t>git remote add &lt;name&gt; &lt;URL fork link&gt;</a:t>
-            </a:r>
-            <a:endParaRPr lang="en-US" sz="1800" kern="100" dirty="0">
-              <a:effectLst/>
-              <a:latin typeface="Aptos" panose="020B0004020202020204" pitchFamily="34" charset="0"/>
-              <a:ea typeface="Aptos" panose="020B0004020202020204" pitchFamily="34" charset="0"/>
-              <a:cs typeface="Times New Roman" panose="02020603050405020304" pitchFamily="18" charset="0"/>
-            </a:endParaRPr>
-          </a:p>
-          <a:p>
-            <a:pPr marL="0" marR="0">
-              <a:lnSpc>
-                <a:spcPct val="107000"/>
-              </a:lnSpc>
-              <a:spcBef>
-                <a:spcPts val="0"/>
-              </a:spcBef>
-              <a:spcAft>
-                <a:spcPts val="800"/>
-              </a:spcAft>
-            </a:pPr>
-            <a:r>
-              <a:rPr lang="en-US" sz="1800" i="1" kern="100" dirty="0">
-                <a:effectLst/>
-                <a:latin typeface="Aptos" panose="020B0004020202020204" pitchFamily="34" charset="0"/>
-                <a:ea typeface="Aptos" panose="020B0004020202020204" pitchFamily="34" charset="0"/>
-                <a:cs typeface="Times New Roman" panose="02020603050405020304" pitchFamily="18" charset="0"/>
-              </a:rPr>
-              <a:t>git push &lt;remote&gt; &lt;branch&gt;</a:t>
-            </a:r>
-            <a:endParaRPr lang="en-US" sz="1800" kern="100" dirty="0">
-              <a:effectLst/>
-              <a:latin typeface="Aptos" panose="020B0004020202020204" pitchFamily="34" charset="0"/>
-              <a:ea typeface="Aptos" panose="020B0004020202020204" pitchFamily="34" charset="0"/>
-              <a:cs typeface="Times New Roman" panose="02020603050405020304" pitchFamily="18" charset="0"/>
-            </a:endParaRPr>
-          </a:p>
-          <a:p>
-            <a:endParaRPr lang="en-US" dirty="0"/>
-          </a:p>
-        </p:txBody>
-      </p:sp>
+      </p:pic>
+      <p:pic>
+        <p:nvPicPr>
+          <p:cNvPr id="7" name="Picture 6">
+            <a:extLst>
+              <a:ext uri="{FF2B5EF4-FFF2-40B4-BE49-F238E27FC236}">
+                <a16:creationId xmlns:a16="http://schemas.microsoft.com/office/drawing/2014/main" id="{78D65101-9341-7C7A-31D7-C3B092D33495}"/>
+              </a:ext>
+            </a:extLst>
+          </p:cNvPr>
+          <p:cNvPicPr>
+            <a:picLocks noChangeAspect="1"/>
+          </p:cNvPicPr>
+          <p:nvPr/>
+        </p:nvPicPr>
+        <p:blipFill>
+          <a:blip r:embed="rId3"/>
+          <a:srcRect b="36573"/>
+          <a:stretch/>
+        </p:blipFill>
+        <p:spPr>
+          <a:xfrm>
+            <a:off x="845833" y="3429000"/>
+            <a:ext cx="6264183" cy="3296477"/>
+          </a:xfrm>
+          <a:prstGeom prst="rect">
+            <a:avLst/>
+          </a:prstGeom>
+        </p:spPr>
+      </p:pic>
     </p:spTree>
     <p:extLst>
       <p:ext uri="{BB962C8B-B14F-4D97-AF65-F5344CB8AC3E}">
-        <p14:creationId xmlns:p14="http://schemas.microsoft.com/office/powerpoint/2010/main" val="3641515971"/>
+        <p14:creationId xmlns:p14="http://schemas.microsoft.com/office/powerpoint/2010/main" val="2374872806"/>
       </p:ext>
     </p:extLst>
   </p:cSld>

--- a/BREAULT SWD TRAINING.pptx
+++ b/BREAULT SWD TRAINING.pptx
@@ -175,7 +175,7 @@
           <a:noFill/>
           <a:extLst>
             <a:ext uri="{909E8E84-426E-40dd-AFC4-6F175D3DCCD1}">
-              <a14:hiddenFill xmlns="" xmlns:a14="http://schemas.microsoft.com/office/drawing/2010/main">
+              <a14:hiddenFill xmlns:a14="http://schemas.microsoft.com/office/drawing/2010/main" xmlns="">
                 <a:solidFill>
                   <a:srgbClr val="FFFFFF"/>
                 </a:solidFill>
@@ -235,7 +235,7 @@
             </a:ln>
             <a:extLst>
               <a:ext uri="{91240B29-F687-4f45-9708-019B960494DF}">
-                <a14:hiddenLine xmlns="" xmlns:a14="http://schemas.microsoft.com/office/drawing/2010/main" w="9525">
+                <a14:hiddenLine xmlns:a14="http://schemas.microsoft.com/office/drawing/2010/main" xmlns="" w="9525">
                   <a:solidFill>
                     <a:srgbClr val="000000"/>
                   </a:solidFill>
@@ -325,7 +325,7 @@
             </a:ln>
             <a:extLst>
               <a:ext uri="{91240B29-F687-4f45-9708-019B960494DF}">
-                <a14:hiddenLine xmlns="" xmlns:a14="http://schemas.microsoft.com/office/drawing/2010/main" w="9525">
+                <a14:hiddenLine xmlns:a14="http://schemas.microsoft.com/office/drawing/2010/main" xmlns="" w="9525">
                   <a:solidFill>
                     <a:srgbClr val="000000"/>
                   </a:solidFill>
@@ -415,7 +415,7 @@
             </a:ln>
             <a:extLst>
               <a:ext uri="{91240B29-F687-4f45-9708-019B960494DF}">
-                <a14:hiddenLine xmlns="" xmlns:a14="http://schemas.microsoft.com/office/drawing/2010/main" w="9525">
+                <a14:hiddenLine xmlns:a14="http://schemas.microsoft.com/office/drawing/2010/main" xmlns="" w="9525">
                   <a:solidFill>
                     <a:srgbClr val="000000"/>
                   </a:solidFill>
@@ -449,7 +449,7 @@
             </a:ln>
             <a:extLst>
               <a:ext uri="{91240B29-F687-4f45-9708-019B960494DF}">
-                <a14:hiddenLine xmlns="" xmlns:a14="http://schemas.microsoft.com/office/drawing/2010/main" w="9525">
+                <a14:hiddenLine xmlns:a14="http://schemas.microsoft.com/office/drawing/2010/main" xmlns="" w="9525">
                   <a:solidFill>
                     <a:srgbClr val="000000"/>
                   </a:solidFill>
@@ -539,7 +539,7 @@
             </a:ln>
             <a:extLst>
               <a:ext uri="{91240B29-F687-4f45-9708-019B960494DF}">
-                <a14:hiddenLine xmlns="" xmlns:a14="http://schemas.microsoft.com/office/drawing/2010/main" w="9525">
+                <a14:hiddenLine xmlns:a14="http://schemas.microsoft.com/office/drawing/2010/main" xmlns="" w="9525">
                   <a:solidFill>
                     <a:srgbClr val="000000"/>
                   </a:solidFill>
@@ -601,7 +601,7 @@
             </a:ln>
             <a:extLst>
               <a:ext uri="{91240B29-F687-4f45-9708-019B960494DF}">
-                <a14:hiddenLine xmlns="" xmlns:a14="http://schemas.microsoft.com/office/drawing/2010/main" w="9525">
+                <a14:hiddenLine xmlns:a14="http://schemas.microsoft.com/office/drawing/2010/main" xmlns="" w="9525">
                   <a:solidFill>
                     <a:srgbClr val="000000"/>
                   </a:solidFill>
@@ -663,7 +663,7 @@
             </a:ln>
             <a:extLst>
               <a:ext uri="{91240B29-F687-4f45-9708-019B960494DF}">
-                <a14:hiddenLine xmlns="" xmlns:a14="http://schemas.microsoft.com/office/drawing/2010/main" w="9525">
+                <a14:hiddenLine xmlns:a14="http://schemas.microsoft.com/office/drawing/2010/main" xmlns="" w="9525">
                   <a:solidFill>
                     <a:srgbClr val="000000"/>
                   </a:solidFill>
@@ -753,7 +753,7 @@
             </a:ln>
             <a:extLst>
               <a:ext uri="{91240B29-F687-4f45-9708-019B960494DF}">
-                <a14:hiddenLine xmlns="" xmlns:a14="http://schemas.microsoft.com/office/drawing/2010/main" w="9525">
+                <a14:hiddenLine xmlns:a14="http://schemas.microsoft.com/office/drawing/2010/main" xmlns="" w="9525">
                   <a:solidFill>
                     <a:srgbClr val="000000"/>
                   </a:solidFill>
@@ -815,7 +815,7 @@
             </a:ln>
             <a:extLst>
               <a:ext uri="{91240B29-F687-4f45-9708-019B960494DF}">
-                <a14:hiddenLine xmlns="" xmlns:a14="http://schemas.microsoft.com/office/drawing/2010/main" w="9525">
+                <a14:hiddenLine xmlns:a14="http://schemas.microsoft.com/office/drawing/2010/main" xmlns="" w="9525">
                   <a:solidFill>
                     <a:srgbClr val="000000"/>
                   </a:solidFill>
@@ -877,7 +877,7 @@
             </a:ln>
             <a:extLst>
               <a:ext uri="{91240B29-F687-4f45-9708-019B960494DF}">
-                <a14:hiddenLine xmlns="" xmlns:a14="http://schemas.microsoft.com/office/drawing/2010/main" w="9525">
+                <a14:hiddenLine xmlns:a14="http://schemas.microsoft.com/office/drawing/2010/main" xmlns="" w="9525">
                   <a:solidFill>
                     <a:srgbClr val="000000"/>
                   </a:solidFill>
@@ -967,7 +967,7 @@
             </a:ln>
             <a:extLst>
               <a:ext uri="{91240B29-F687-4f45-9708-019B960494DF}">
-                <a14:hiddenLine xmlns="" xmlns:a14="http://schemas.microsoft.com/office/drawing/2010/main" w="9525">
+                <a14:hiddenLine xmlns:a14="http://schemas.microsoft.com/office/drawing/2010/main" xmlns="" w="9525">
                   <a:solidFill>
                     <a:srgbClr val="000000"/>
                   </a:solidFill>
@@ -1057,7 +1057,7 @@
             </a:ln>
             <a:extLst>
               <a:ext uri="{91240B29-F687-4f45-9708-019B960494DF}">
-                <a14:hiddenLine xmlns="" xmlns:a14="http://schemas.microsoft.com/office/drawing/2010/main" w="9525">
+                <a14:hiddenLine xmlns:a14="http://schemas.microsoft.com/office/drawing/2010/main" xmlns="" w="9525">
                   <a:solidFill>
                     <a:srgbClr val="000000"/>
                   </a:solidFill>
@@ -1119,7 +1119,7 @@
             </a:ln>
             <a:extLst>
               <a:ext uri="{91240B29-F687-4f45-9708-019B960494DF}">
-                <a14:hiddenLine xmlns="" xmlns:a14="http://schemas.microsoft.com/office/drawing/2010/main" w="9525">
+                <a14:hiddenLine xmlns:a14="http://schemas.microsoft.com/office/drawing/2010/main" xmlns="" w="9525">
                   <a:solidFill>
                     <a:srgbClr val="000000"/>
                   </a:solidFill>
@@ -1229,7 +1229,7 @@
             </a:ln>
             <a:extLst>
               <a:ext uri="{91240B29-F687-4f45-9708-019B960494DF}">
-                <a14:hiddenLine xmlns="" xmlns:a14="http://schemas.microsoft.com/office/drawing/2010/main" w="9525">
+                <a14:hiddenLine xmlns:a14="http://schemas.microsoft.com/office/drawing/2010/main" xmlns="" w="9525">
                   <a:solidFill>
                     <a:srgbClr val="000000"/>
                   </a:solidFill>
@@ -1291,7 +1291,7 @@
             </a:ln>
             <a:extLst>
               <a:ext uri="{91240B29-F687-4f45-9708-019B960494DF}">
-                <a14:hiddenLine xmlns="" xmlns:a14="http://schemas.microsoft.com/office/drawing/2010/main" w="9525">
+                <a14:hiddenLine xmlns:a14="http://schemas.microsoft.com/office/drawing/2010/main" xmlns="" w="9525">
                   <a:solidFill>
                     <a:srgbClr val="000000"/>
                   </a:solidFill>
@@ -1381,7 +1381,7 @@
             </a:ln>
             <a:extLst>
               <a:ext uri="{91240B29-F687-4f45-9708-019B960494DF}">
-                <a14:hiddenLine xmlns="" xmlns:a14="http://schemas.microsoft.com/office/drawing/2010/main" w="9525">
+                <a14:hiddenLine xmlns:a14="http://schemas.microsoft.com/office/drawing/2010/main" xmlns="" w="9525">
                   <a:solidFill>
                     <a:srgbClr val="000000"/>
                   </a:solidFill>
@@ -1471,7 +1471,7 @@
             </a:ln>
             <a:extLst>
               <a:ext uri="{91240B29-F687-4f45-9708-019B960494DF}">
-                <a14:hiddenLine xmlns="" xmlns:a14="http://schemas.microsoft.com/office/drawing/2010/main" w="9525">
+                <a14:hiddenLine xmlns:a14="http://schemas.microsoft.com/office/drawing/2010/main" xmlns="" w="9525">
                   <a:solidFill>
                     <a:srgbClr val="000000"/>
                   </a:solidFill>
@@ -1533,7 +1533,7 @@
             </a:ln>
             <a:extLst>
               <a:ext uri="{91240B29-F687-4f45-9708-019B960494DF}">
-                <a14:hiddenLine xmlns="" xmlns:a14="http://schemas.microsoft.com/office/drawing/2010/main" w="9525">
+                <a14:hiddenLine xmlns:a14="http://schemas.microsoft.com/office/drawing/2010/main" xmlns="" w="9525">
                   <a:solidFill>
                     <a:srgbClr val="000000"/>
                   </a:solidFill>
@@ -1623,7 +1623,7 @@
             </a:ln>
             <a:extLst>
               <a:ext uri="{91240B29-F687-4f45-9708-019B960494DF}">
-                <a14:hiddenLine xmlns="" xmlns:a14="http://schemas.microsoft.com/office/drawing/2010/main" w="9525">
+                <a14:hiddenLine xmlns:a14="http://schemas.microsoft.com/office/drawing/2010/main" xmlns="" w="9525">
                   <a:solidFill>
                     <a:srgbClr val="000000"/>
                   </a:solidFill>
@@ -1713,7 +1713,7 @@
             </a:ln>
             <a:extLst>
               <a:ext uri="{91240B29-F687-4f45-9708-019B960494DF}">
-                <a14:hiddenLine xmlns="" xmlns:a14="http://schemas.microsoft.com/office/drawing/2010/main" w="9525">
+                <a14:hiddenLine xmlns:a14="http://schemas.microsoft.com/office/drawing/2010/main" xmlns="" w="9525">
                   <a:solidFill>
                     <a:srgbClr val="000000"/>
                   </a:solidFill>
@@ -1769,7 +1769,7 @@
             </a:ln>
             <a:extLst>
               <a:ext uri="{91240B29-F687-4f45-9708-019B960494DF}">
-                <a14:hiddenLine xmlns="" xmlns:a14="http://schemas.microsoft.com/office/drawing/2010/main" w="9525">
+                <a14:hiddenLine xmlns:a14="http://schemas.microsoft.com/office/drawing/2010/main" xmlns="" w="9525">
                   <a:solidFill>
                     <a:srgbClr val="000000"/>
                   </a:solidFill>
@@ -1859,7 +1859,7 @@
             </a:ln>
             <a:extLst>
               <a:ext uri="{91240B29-F687-4f45-9708-019B960494DF}">
-                <a14:hiddenLine xmlns="" xmlns:a14="http://schemas.microsoft.com/office/drawing/2010/main" w="9525">
+                <a14:hiddenLine xmlns:a14="http://schemas.microsoft.com/office/drawing/2010/main" xmlns="" w="9525">
                   <a:solidFill>
                     <a:srgbClr val="000000"/>
                   </a:solidFill>
@@ -1915,7 +1915,7 @@
             </a:ln>
             <a:extLst>
               <a:ext uri="{91240B29-F687-4f45-9708-019B960494DF}">
-                <a14:hiddenLine xmlns="" xmlns:a14="http://schemas.microsoft.com/office/drawing/2010/main" w="9525">
+                <a14:hiddenLine xmlns:a14="http://schemas.microsoft.com/office/drawing/2010/main" xmlns="" w="9525">
                   <a:solidFill>
                     <a:srgbClr val="000000"/>
                   </a:solidFill>
@@ -2005,7 +2005,7 @@
             </a:ln>
             <a:extLst>
               <a:ext uri="{91240B29-F687-4f45-9708-019B960494DF}">
-                <a14:hiddenLine xmlns="" xmlns:a14="http://schemas.microsoft.com/office/drawing/2010/main" w="9525">
+                <a14:hiddenLine xmlns:a14="http://schemas.microsoft.com/office/drawing/2010/main" xmlns="" w="9525">
                   <a:solidFill>
                     <a:srgbClr val="000000"/>
                   </a:solidFill>
@@ -2073,7 +2073,7 @@
             </a:ln>
             <a:extLst>
               <a:ext uri="{91240B29-F687-4f45-9708-019B960494DF}">
-                <a14:hiddenLine xmlns="" xmlns:a14="http://schemas.microsoft.com/office/drawing/2010/main" w="9525">
+                <a14:hiddenLine xmlns:a14="http://schemas.microsoft.com/office/drawing/2010/main" xmlns="" w="9525">
                   <a:solidFill>
                     <a:srgbClr val="000000"/>
                   </a:solidFill>
@@ -2163,7 +2163,7 @@
             </a:ln>
             <a:extLst>
               <a:ext uri="{91240B29-F687-4f45-9708-019B960494DF}">
-                <a14:hiddenLine xmlns="" xmlns:a14="http://schemas.microsoft.com/office/drawing/2010/main" w="9525">
+                <a14:hiddenLine xmlns:a14="http://schemas.microsoft.com/office/drawing/2010/main" xmlns="" w="9525">
                   <a:solidFill>
                     <a:srgbClr val="000000"/>
                   </a:solidFill>
@@ -2231,7 +2231,7 @@
             </a:ln>
             <a:extLst>
               <a:ext uri="{91240B29-F687-4f45-9708-019B960494DF}">
-                <a14:hiddenLine xmlns="" xmlns:a14="http://schemas.microsoft.com/office/drawing/2010/main" w="9525">
+                <a14:hiddenLine xmlns:a14="http://schemas.microsoft.com/office/drawing/2010/main" xmlns="" w="9525">
                   <a:solidFill>
                     <a:srgbClr val="000000"/>
                   </a:solidFill>
@@ -2321,7 +2321,7 @@
             </a:ln>
             <a:extLst>
               <a:ext uri="{91240B29-F687-4f45-9708-019B960494DF}">
-                <a14:hiddenLine xmlns="" xmlns:a14="http://schemas.microsoft.com/office/drawing/2010/main" w="9525">
+                <a14:hiddenLine xmlns:a14="http://schemas.microsoft.com/office/drawing/2010/main" xmlns="" w="9525">
                   <a:solidFill>
                     <a:srgbClr val="000000"/>
                   </a:solidFill>
@@ -2355,7 +2355,7 @@
             </a:ln>
             <a:extLst>
               <a:ext uri="{91240B29-F687-4f45-9708-019B960494DF}">
-                <a14:hiddenLine xmlns="" xmlns:a14="http://schemas.microsoft.com/office/drawing/2010/main" w="9525">
+                <a14:hiddenLine xmlns:a14="http://schemas.microsoft.com/office/drawing/2010/main" xmlns="" w="9525">
                   <a:solidFill>
                     <a:srgbClr val="000000"/>
                   </a:solidFill>
@@ -2445,7 +2445,7 @@
             </a:ln>
             <a:extLst>
               <a:ext uri="{91240B29-F687-4f45-9708-019B960494DF}">
-                <a14:hiddenLine xmlns="" xmlns:a14="http://schemas.microsoft.com/office/drawing/2010/main" w="9525">
+                <a14:hiddenLine xmlns:a14="http://schemas.microsoft.com/office/drawing/2010/main" xmlns="" w="9525">
                   <a:solidFill>
                     <a:srgbClr val="000000"/>
                   </a:solidFill>
@@ -2507,7 +2507,7 @@
             </a:ln>
             <a:extLst>
               <a:ext uri="{91240B29-F687-4f45-9708-019B960494DF}">
-                <a14:hiddenLine xmlns="" xmlns:a14="http://schemas.microsoft.com/office/drawing/2010/main" w="9525">
+                <a14:hiddenLine xmlns:a14="http://schemas.microsoft.com/office/drawing/2010/main" xmlns="" w="9525">
                   <a:solidFill>
                     <a:srgbClr val="000000"/>
                   </a:solidFill>
@@ -2569,7 +2569,7 @@
             </a:ln>
             <a:extLst>
               <a:ext uri="{91240B29-F687-4f45-9708-019B960494DF}">
-                <a14:hiddenLine xmlns="" xmlns:a14="http://schemas.microsoft.com/office/drawing/2010/main" w="9525">
+                <a14:hiddenLine xmlns:a14="http://schemas.microsoft.com/office/drawing/2010/main" xmlns="" w="9525">
                   <a:solidFill>
                     <a:srgbClr val="000000"/>
                   </a:solidFill>
@@ -2659,7 +2659,7 @@
             </a:ln>
             <a:extLst>
               <a:ext uri="{91240B29-F687-4f45-9708-019B960494DF}">
-                <a14:hiddenLine xmlns="" xmlns:a14="http://schemas.microsoft.com/office/drawing/2010/main" w="9525">
+                <a14:hiddenLine xmlns:a14="http://schemas.microsoft.com/office/drawing/2010/main" xmlns="" w="9525">
                   <a:solidFill>
                     <a:srgbClr val="000000"/>
                   </a:solidFill>
@@ -2727,7 +2727,7 @@
             </a:ln>
             <a:extLst>
               <a:ext uri="{91240B29-F687-4f45-9708-019B960494DF}">
-                <a14:hiddenLine xmlns="" xmlns:a14="http://schemas.microsoft.com/office/drawing/2010/main" w="9525">
+                <a14:hiddenLine xmlns:a14="http://schemas.microsoft.com/office/drawing/2010/main" xmlns="" w="9525">
                   <a:solidFill>
                     <a:srgbClr val="000000"/>
                   </a:solidFill>
@@ -2789,7 +2789,7 @@
             </a:ln>
             <a:extLst>
               <a:ext uri="{91240B29-F687-4f45-9708-019B960494DF}">
-                <a14:hiddenLine xmlns="" xmlns:a14="http://schemas.microsoft.com/office/drawing/2010/main" w="9525">
+                <a14:hiddenLine xmlns:a14="http://schemas.microsoft.com/office/drawing/2010/main" xmlns="" w="9525">
                   <a:solidFill>
                     <a:srgbClr val="000000"/>
                   </a:solidFill>
@@ -2879,7 +2879,7 @@
             </a:ln>
             <a:extLst>
               <a:ext uri="{91240B29-F687-4f45-9708-019B960494DF}">
-                <a14:hiddenLine xmlns="" xmlns:a14="http://schemas.microsoft.com/office/drawing/2010/main" w="9525">
+                <a14:hiddenLine xmlns:a14="http://schemas.microsoft.com/office/drawing/2010/main" xmlns="" w="9525">
                   <a:solidFill>
                     <a:srgbClr val="000000"/>
                   </a:solidFill>
@@ -2941,7 +2941,7 @@
             </a:ln>
             <a:extLst>
               <a:ext uri="{91240B29-F687-4f45-9708-019B960494DF}">
-                <a14:hiddenLine xmlns="" xmlns:a14="http://schemas.microsoft.com/office/drawing/2010/main" w="9525">
+                <a14:hiddenLine xmlns:a14="http://schemas.microsoft.com/office/drawing/2010/main" xmlns="" w="9525">
                   <a:solidFill>
                     <a:srgbClr val="000000"/>
                   </a:solidFill>
@@ -3031,7 +3031,7 @@
             </a:ln>
             <a:extLst>
               <a:ext uri="{91240B29-F687-4f45-9708-019B960494DF}">
-                <a14:hiddenLine xmlns="" xmlns:a14="http://schemas.microsoft.com/office/drawing/2010/main" w="9525">
+                <a14:hiddenLine xmlns:a14="http://schemas.microsoft.com/office/drawing/2010/main" xmlns="" w="9525">
                   <a:solidFill>
                     <a:srgbClr val="000000"/>
                   </a:solidFill>
@@ -3093,7 +3093,7 @@
             </a:ln>
             <a:extLst>
               <a:ext uri="{91240B29-F687-4f45-9708-019B960494DF}">
-                <a14:hiddenLine xmlns="" xmlns:a14="http://schemas.microsoft.com/office/drawing/2010/main" w="9525">
+                <a14:hiddenLine xmlns:a14="http://schemas.microsoft.com/office/drawing/2010/main" xmlns="" w="9525">
                   <a:solidFill>
                     <a:srgbClr val="000000"/>
                   </a:solidFill>
@@ -3183,7 +3183,7 @@
             </a:ln>
             <a:extLst>
               <a:ext uri="{91240B29-F687-4f45-9708-019B960494DF}">
-                <a14:hiddenLine xmlns="" xmlns:a14="http://schemas.microsoft.com/office/drawing/2010/main" w="9525">
+                <a14:hiddenLine xmlns:a14="http://schemas.microsoft.com/office/drawing/2010/main" xmlns="" w="9525">
                   <a:solidFill>
                     <a:srgbClr val="000000"/>
                   </a:solidFill>
@@ -3217,7 +3217,7 @@
             </a:ln>
             <a:extLst>
               <a:ext uri="{91240B29-F687-4f45-9708-019B960494DF}">
-                <a14:hiddenLine xmlns="" xmlns:a14="http://schemas.microsoft.com/office/drawing/2010/main" w="9525">
+                <a14:hiddenLine xmlns:a14="http://schemas.microsoft.com/office/drawing/2010/main" xmlns="" w="9525">
                   <a:solidFill>
                     <a:srgbClr val="000000"/>
                   </a:solidFill>
@@ -3282,7 +3282,7 @@
             </a:ln>
             <a:extLst>
               <a:ext uri="{91240B29-F687-4f45-9708-019B960494DF}">
-                <a14:hiddenLine xmlns="" xmlns:a14="http://schemas.microsoft.com/office/drawing/2010/main" w="9525">
+                <a14:hiddenLine xmlns:a14="http://schemas.microsoft.com/office/drawing/2010/main" xmlns="" w="9525">
                   <a:solidFill>
                     <a:srgbClr val="000000"/>
                   </a:solidFill>
@@ -3372,7 +3372,7 @@
             </a:ln>
             <a:extLst>
               <a:ext uri="{91240B29-F687-4f45-9708-019B960494DF}">
-                <a14:hiddenLine xmlns="" xmlns:a14="http://schemas.microsoft.com/office/drawing/2010/main" w="9525">
+                <a14:hiddenLine xmlns:a14="http://schemas.microsoft.com/office/drawing/2010/main" xmlns="" w="9525">
                   <a:solidFill>
                     <a:srgbClr val="000000"/>
                   </a:solidFill>
@@ -3434,7 +3434,7 @@
             </a:ln>
             <a:extLst>
               <a:ext uri="{91240B29-F687-4f45-9708-019B960494DF}">
-                <a14:hiddenLine xmlns="" xmlns:a14="http://schemas.microsoft.com/office/drawing/2010/main" w="9525">
+                <a14:hiddenLine xmlns:a14="http://schemas.microsoft.com/office/drawing/2010/main" xmlns="" w="9525">
                   <a:solidFill>
                     <a:srgbClr val="000000"/>
                   </a:solidFill>
@@ -3524,7 +3524,7 @@
             </a:ln>
             <a:extLst>
               <a:ext uri="{91240B29-F687-4f45-9708-019B960494DF}">
-                <a14:hiddenLine xmlns="" xmlns:a14="http://schemas.microsoft.com/office/drawing/2010/main" w="9525">
+                <a14:hiddenLine xmlns:a14="http://schemas.microsoft.com/office/drawing/2010/main" xmlns="" w="9525">
                   <a:solidFill>
                     <a:srgbClr val="000000"/>
                   </a:solidFill>
@@ -3614,7 +3614,7 @@
             </a:ln>
             <a:extLst>
               <a:ext uri="{91240B29-F687-4f45-9708-019B960494DF}">
-                <a14:hiddenLine xmlns="" xmlns:a14="http://schemas.microsoft.com/office/drawing/2010/main" w="9525">
+                <a14:hiddenLine xmlns:a14="http://schemas.microsoft.com/office/drawing/2010/main" xmlns="" w="9525">
                   <a:solidFill>
                     <a:srgbClr val="000000"/>
                   </a:solidFill>
@@ -3679,7 +3679,7 @@
             </a:ln>
             <a:extLst>
               <a:ext uri="{91240B29-F687-4f45-9708-019B960494DF}">
-                <a14:hiddenLine xmlns="" xmlns:a14="http://schemas.microsoft.com/office/drawing/2010/main" w="9525">
+                <a14:hiddenLine xmlns:a14="http://schemas.microsoft.com/office/drawing/2010/main" xmlns="" w="9525">
                   <a:solidFill>
                     <a:srgbClr val="000000"/>
                   </a:solidFill>
@@ -3741,7 +3741,7 @@
             </a:ln>
             <a:extLst>
               <a:ext uri="{91240B29-F687-4f45-9708-019B960494DF}">
-                <a14:hiddenLine xmlns="" xmlns:a14="http://schemas.microsoft.com/office/drawing/2010/main" w="9525">
+                <a14:hiddenLine xmlns:a14="http://schemas.microsoft.com/office/drawing/2010/main" xmlns="" w="9525">
                   <a:solidFill>
                     <a:srgbClr val="000000"/>
                   </a:solidFill>
@@ -3831,7 +3831,7 @@
             </a:ln>
             <a:extLst>
               <a:ext uri="{91240B29-F687-4f45-9708-019B960494DF}">
-                <a14:hiddenLine xmlns="" xmlns:a14="http://schemas.microsoft.com/office/drawing/2010/main" w="9525">
+                <a14:hiddenLine xmlns:a14="http://schemas.microsoft.com/office/drawing/2010/main" xmlns="" w="9525">
                   <a:solidFill>
                     <a:srgbClr val="000000"/>
                   </a:solidFill>
@@ -3921,7 +3921,7 @@
             </a:ln>
             <a:extLst>
               <a:ext uri="{91240B29-F687-4f45-9708-019B960494DF}">
-                <a14:hiddenLine xmlns="" xmlns:a14="http://schemas.microsoft.com/office/drawing/2010/main" w="9525">
+                <a14:hiddenLine xmlns:a14="http://schemas.microsoft.com/office/drawing/2010/main" xmlns="" w="9525">
                   <a:solidFill>
                     <a:srgbClr val="000000"/>
                   </a:solidFill>
@@ -3983,7 +3983,7 @@
             </a:ln>
             <a:extLst>
               <a:ext uri="{91240B29-F687-4f45-9708-019B960494DF}">
-                <a14:hiddenLine xmlns="" xmlns:a14="http://schemas.microsoft.com/office/drawing/2010/main" w="9525">
+                <a14:hiddenLine xmlns:a14="http://schemas.microsoft.com/office/drawing/2010/main" xmlns="" w="9525">
                   <a:solidFill>
                     <a:srgbClr val="000000"/>
                   </a:solidFill>
@@ -4103,7 +4103,7 @@
             </a:ln>
             <a:extLst>
               <a:ext uri="{91240B29-F687-4f45-9708-019B960494DF}">
-                <a14:hiddenLine xmlns="" xmlns:a14="http://schemas.microsoft.com/office/drawing/2010/main" w="9525">
+                <a14:hiddenLine xmlns:a14="http://schemas.microsoft.com/office/drawing/2010/main" xmlns="" w="9525">
                   <a:solidFill>
                     <a:srgbClr val="000000"/>
                   </a:solidFill>
@@ -4171,7 +4171,7 @@
             </a:ln>
             <a:extLst>
               <a:ext uri="{91240B29-F687-4f45-9708-019B960494DF}">
-                <a14:hiddenLine xmlns="" xmlns:a14="http://schemas.microsoft.com/office/drawing/2010/main" w="9525">
+                <a14:hiddenLine xmlns:a14="http://schemas.microsoft.com/office/drawing/2010/main" xmlns="" w="9525">
                   <a:solidFill>
                     <a:srgbClr val="000000"/>
                   </a:solidFill>
@@ -4261,7 +4261,7 @@
             </a:ln>
             <a:extLst>
               <a:ext uri="{91240B29-F687-4f45-9708-019B960494DF}">
-                <a14:hiddenLine xmlns="" xmlns:a14="http://schemas.microsoft.com/office/drawing/2010/main" w="9525">
+                <a14:hiddenLine xmlns:a14="http://schemas.microsoft.com/office/drawing/2010/main" xmlns="" w="9525">
                   <a:solidFill>
                     <a:srgbClr val="000000"/>
                   </a:solidFill>
@@ -9068,7 +9068,7 @@
           <a:noFill/>
           <a:extLst>
             <a:ext uri="{909E8E84-426E-40dd-AFC4-6F175D3DCCD1}">
-              <a14:hiddenFill xmlns="" xmlns:a14="http://schemas.microsoft.com/office/drawing/2010/main">
+              <a14:hiddenFill xmlns:a14="http://schemas.microsoft.com/office/drawing/2010/main" xmlns="">
                 <a:solidFill>
                   <a:srgbClr val="FFFFFF"/>
                 </a:solidFill>
@@ -9142,7 +9142,7 @@
               </a:ln>
               <a:extLst>
                 <a:ext uri="{91240B29-F687-4f45-9708-019B960494DF}">
-                  <a14:hiddenLine xmlns="" xmlns:a14="http://schemas.microsoft.com/office/drawing/2010/main" w="9525">
+                  <a14:hiddenLine xmlns:a14="http://schemas.microsoft.com/office/drawing/2010/main" xmlns="" w="9525">
                     <a:solidFill>
                       <a:srgbClr val="000000"/>
                     </a:solidFill>
@@ -9232,7 +9232,7 @@
               </a:ln>
               <a:extLst>
                 <a:ext uri="{91240B29-F687-4f45-9708-019B960494DF}">
-                  <a14:hiddenLine xmlns="" xmlns:a14="http://schemas.microsoft.com/office/drawing/2010/main" w="9525">
+                  <a14:hiddenLine xmlns:a14="http://schemas.microsoft.com/office/drawing/2010/main" xmlns="" w="9525">
                     <a:solidFill>
                       <a:srgbClr val="000000"/>
                     </a:solidFill>
@@ -9322,7 +9322,7 @@
               </a:ln>
               <a:extLst>
                 <a:ext uri="{91240B29-F687-4f45-9708-019B960494DF}">
-                  <a14:hiddenLine xmlns="" xmlns:a14="http://schemas.microsoft.com/office/drawing/2010/main" w="9525">
+                  <a14:hiddenLine xmlns:a14="http://schemas.microsoft.com/office/drawing/2010/main" xmlns="" w="9525">
                     <a:solidFill>
                       <a:srgbClr val="000000"/>
                     </a:solidFill>
@@ -9384,7 +9384,7 @@
               </a:ln>
               <a:extLst>
                 <a:ext uri="{91240B29-F687-4f45-9708-019B960494DF}">
-                  <a14:hiddenLine xmlns="" xmlns:a14="http://schemas.microsoft.com/office/drawing/2010/main" w="9525">
+                  <a14:hiddenLine xmlns:a14="http://schemas.microsoft.com/office/drawing/2010/main" xmlns="" w="9525">
                     <a:solidFill>
                       <a:srgbClr val="000000"/>
                     </a:solidFill>
@@ -9474,7 +9474,7 @@
               </a:ln>
               <a:extLst>
                 <a:ext uri="{91240B29-F687-4f45-9708-019B960494DF}">
-                  <a14:hiddenLine xmlns="" xmlns:a14="http://schemas.microsoft.com/office/drawing/2010/main" w="9525">
+                  <a14:hiddenLine xmlns:a14="http://schemas.microsoft.com/office/drawing/2010/main" xmlns="" w="9525">
                     <a:solidFill>
                       <a:srgbClr val="000000"/>
                     </a:solidFill>
@@ -9536,7 +9536,7 @@
               </a:ln>
               <a:extLst>
                 <a:ext uri="{91240B29-F687-4f45-9708-019B960494DF}">
-                  <a14:hiddenLine xmlns="" xmlns:a14="http://schemas.microsoft.com/office/drawing/2010/main" w="9525">
+                  <a14:hiddenLine xmlns:a14="http://schemas.microsoft.com/office/drawing/2010/main" xmlns="" w="9525">
                     <a:solidFill>
                       <a:srgbClr val="000000"/>
                     </a:solidFill>
@@ -9598,7 +9598,7 @@
               </a:ln>
               <a:extLst>
                 <a:ext uri="{91240B29-F687-4f45-9708-019B960494DF}">
-                  <a14:hiddenLine xmlns="" xmlns:a14="http://schemas.microsoft.com/office/drawing/2010/main" w="9525">
+                  <a14:hiddenLine xmlns:a14="http://schemas.microsoft.com/office/drawing/2010/main" xmlns="" w="9525">
                     <a:solidFill>
                       <a:srgbClr val="000000"/>
                     </a:solidFill>
@@ -9688,7 +9688,7 @@
               </a:ln>
               <a:extLst>
                 <a:ext uri="{91240B29-F687-4f45-9708-019B960494DF}">
-                  <a14:hiddenLine xmlns="" xmlns:a14="http://schemas.microsoft.com/office/drawing/2010/main" w="9525">
+                  <a14:hiddenLine xmlns:a14="http://schemas.microsoft.com/office/drawing/2010/main" xmlns="" w="9525">
                     <a:solidFill>
                       <a:srgbClr val="000000"/>
                     </a:solidFill>
@@ -9778,7 +9778,7 @@
               </a:ln>
               <a:extLst>
                 <a:ext uri="{91240B29-F687-4f45-9708-019B960494DF}">
-                  <a14:hiddenLine xmlns="" xmlns:a14="http://schemas.microsoft.com/office/drawing/2010/main" w="9525">
+                  <a14:hiddenLine xmlns:a14="http://schemas.microsoft.com/office/drawing/2010/main" xmlns="" w="9525">
                     <a:solidFill>
                       <a:srgbClr val="000000"/>
                     </a:solidFill>
@@ -9840,7 +9840,7 @@
               </a:ln>
               <a:extLst>
                 <a:ext uri="{91240B29-F687-4f45-9708-019B960494DF}">
-                  <a14:hiddenLine xmlns="" xmlns:a14="http://schemas.microsoft.com/office/drawing/2010/main" w="9525">
+                  <a14:hiddenLine xmlns:a14="http://schemas.microsoft.com/office/drawing/2010/main" xmlns="" w="9525">
                     <a:solidFill>
                       <a:srgbClr val="000000"/>
                     </a:solidFill>
@@ -9950,7 +9950,7 @@
               </a:ln>
               <a:extLst>
                 <a:ext uri="{91240B29-F687-4f45-9708-019B960494DF}">
-                  <a14:hiddenLine xmlns="" xmlns:a14="http://schemas.microsoft.com/office/drawing/2010/main" w="9525">
+                  <a14:hiddenLine xmlns:a14="http://schemas.microsoft.com/office/drawing/2010/main" xmlns="" w="9525">
                     <a:solidFill>
                       <a:srgbClr val="000000"/>
                     </a:solidFill>
@@ -10034,7 +10034,7 @@
               </a:ln>
               <a:extLst>
                 <a:ext uri="{91240B29-F687-4f45-9708-019B960494DF}">
-                  <a14:hiddenLine xmlns="" xmlns:a14="http://schemas.microsoft.com/office/drawing/2010/main" w="9525">
+                  <a14:hiddenLine xmlns:a14="http://schemas.microsoft.com/office/drawing/2010/main" xmlns="" w="9525">
                     <a:solidFill>
                       <a:srgbClr val="000000"/>
                     </a:solidFill>
@@ -10096,7 +10096,7 @@
               </a:ln>
               <a:extLst>
                 <a:ext uri="{91240B29-F687-4f45-9708-019B960494DF}">
-                  <a14:hiddenLine xmlns="" xmlns:a14="http://schemas.microsoft.com/office/drawing/2010/main" w="9525">
+                  <a14:hiddenLine xmlns:a14="http://schemas.microsoft.com/office/drawing/2010/main" xmlns="" w="9525">
                     <a:solidFill>
                       <a:srgbClr val="000000"/>
                     </a:solidFill>
@@ -10158,7 +10158,7 @@
               </a:ln>
               <a:extLst>
                 <a:ext uri="{91240B29-F687-4f45-9708-019B960494DF}">
-                  <a14:hiddenLine xmlns="" xmlns:a14="http://schemas.microsoft.com/office/drawing/2010/main" w="9525">
+                  <a14:hiddenLine xmlns:a14="http://schemas.microsoft.com/office/drawing/2010/main" xmlns="" w="9525">
                     <a:solidFill>
                       <a:srgbClr val="000000"/>
                     </a:solidFill>
@@ -10248,7 +10248,7 @@
               </a:ln>
               <a:extLst>
                 <a:ext uri="{91240B29-F687-4f45-9708-019B960494DF}">
-                  <a14:hiddenLine xmlns="" xmlns:a14="http://schemas.microsoft.com/office/drawing/2010/main" w="9525">
+                  <a14:hiddenLine xmlns:a14="http://schemas.microsoft.com/office/drawing/2010/main" xmlns="" w="9525">
                     <a:solidFill>
                       <a:srgbClr val="000000"/>
                     </a:solidFill>
@@ -10282,7 +10282,7 @@
               </a:ln>
               <a:extLst>
                 <a:ext uri="{91240B29-F687-4f45-9708-019B960494DF}">
-                  <a14:hiddenLine xmlns="" xmlns:a14="http://schemas.microsoft.com/office/drawing/2010/main" w="9525">
+                  <a14:hiddenLine xmlns:a14="http://schemas.microsoft.com/office/drawing/2010/main" xmlns="" w="9525">
                     <a:solidFill>
                       <a:srgbClr val="000000"/>
                     </a:solidFill>
@@ -10347,7 +10347,7 @@
               </a:ln>
               <a:extLst>
                 <a:ext uri="{91240B29-F687-4f45-9708-019B960494DF}">
-                  <a14:hiddenLine xmlns="" xmlns:a14="http://schemas.microsoft.com/office/drawing/2010/main" w="9525">
+                  <a14:hiddenLine xmlns:a14="http://schemas.microsoft.com/office/drawing/2010/main" xmlns="" w="9525">
                     <a:solidFill>
                       <a:srgbClr val="000000"/>
                     </a:solidFill>
@@ -10437,7 +10437,7 @@
               </a:ln>
               <a:extLst>
                 <a:ext uri="{91240B29-F687-4f45-9708-019B960494DF}">
-                  <a14:hiddenLine xmlns="" xmlns:a14="http://schemas.microsoft.com/office/drawing/2010/main" w="9525">
+                  <a14:hiddenLine xmlns:a14="http://schemas.microsoft.com/office/drawing/2010/main" xmlns="" w="9525">
                     <a:solidFill>
                       <a:srgbClr val="000000"/>
                     </a:solidFill>
@@ -10499,7 +10499,7 @@
               </a:ln>
               <a:extLst>
                 <a:ext uri="{91240B29-F687-4f45-9708-019B960494DF}">
-                  <a14:hiddenLine xmlns="" xmlns:a14="http://schemas.microsoft.com/office/drawing/2010/main" w="9525">
+                  <a14:hiddenLine xmlns:a14="http://schemas.microsoft.com/office/drawing/2010/main" xmlns="" w="9525">
                     <a:solidFill>
                       <a:srgbClr val="000000"/>
                     </a:solidFill>
@@ -10589,7 +10589,7 @@
               </a:ln>
               <a:extLst>
                 <a:ext uri="{91240B29-F687-4f45-9708-019B960494DF}">
-                  <a14:hiddenLine xmlns="" xmlns:a14="http://schemas.microsoft.com/office/drawing/2010/main" w="9525">
+                  <a14:hiddenLine xmlns:a14="http://schemas.microsoft.com/office/drawing/2010/main" xmlns="" w="9525">
                     <a:solidFill>
                       <a:srgbClr val="000000"/>
                     </a:solidFill>
@@ -10654,7 +10654,7 @@
               </a:ln>
               <a:extLst>
                 <a:ext uri="{91240B29-F687-4f45-9708-019B960494DF}">
-                  <a14:hiddenLine xmlns="" xmlns:a14="http://schemas.microsoft.com/office/drawing/2010/main" w="9525">
+                  <a14:hiddenLine xmlns:a14="http://schemas.microsoft.com/office/drawing/2010/main" xmlns="" w="9525">
                     <a:solidFill>
                       <a:srgbClr val="000000"/>
                     </a:solidFill>
@@ -10716,7 +10716,7 @@
               </a:ln>
               <a:extLst>
                 <a:ext uri="{91240B29-F687-4f45-9708-019B960494DF}">
-                  <a14:hiddenLine xmlns="" xmlns:a14="http://schemas.microsoft.com/office/drawing/2010/main" w="9525">
+                  <a14:hiddenLine xmlns:a14="http://schemas.microsoft.com/office/drawing/2010/main" xmlns="" w="9525">
                     <a:solidFill>
                       <a:srgbClr val="000000"/>
                     </a:solidFill>
@@ -10806,7 +10806,7 @@
               </a:ln>
               <a:extLst>
                 <a:ext uri="{91240B29-F687-4f45-9708-019B960494DF}">
-                  <a14:hiddenLine xmlns="" xmlns:a14="http://schemas.microsoft.com/office/drawing/2010/main" w="9525">
+                  <a14:hiddenLine xmlns:a14="http://schemas.microsoft.com/office/drawing/2010/main" xmlns="" w="9525">
                     <a:solidFill>
                       <a:srgbClr val="000000"/>
                     </a:solidFill>
@@ -10896,7 +10896,7 @@
               </a:ln>
               <a:extLst>
                 <a:ext uri="{91240B29-F687-4f45-9708-019B960494DF}">
-                  <a14:hiddenLine xmlns="" xmlns:a14="http://schemas.microsoft.com/office/drawing/2010/main" w="9525">
+                  <a14:hiddenLine xmlns:a14="http://schemas.microsoft.com/office/drawing/2010/main" xmlns="" w="9525">
                     <a:solidFill>
                       <a:srgbClr val="000000"/>
                     </a:solidFill>
@@ -10961,7 +10961,7 @@
               </a:ln>
               <a:extLst>
                 <a:ext uri="{91240B29-F687-4f45-9708-019B960494DF}">
-                  <a14:hiddenLine xmlns="" xmlns:a14="http://schemas.microsoft.com/office/drawing/2010/main" w="9525">
+                  <a14:hiddenLine xmlns:a14="http://schemas.microsoft.com/office/drawing/2010/main" xmlns="" w="9525">
                     <a:solidFill>
                       <a:srgbClr val="000000"/>
                     </a:solidFill>
@@ -11081,7 +11081,7 @@
               </a:ln>
               <a:extLst>
                 <a:ext uri="{91240B29-F687-4f45-9708-019B960494DF}">
-                  <a14:hiddenLine xmlns="" xmlns:a14="http://schemas.microsoft.com/office/drawing/2010/main" w="9525">
+                  <a14:hiddenLine xmlns:a14="http://schemas.microsoft.com/office/drawing/2010/main" xmlns="" w="9525">
                     <a:solidFill>
                       <a:srgbClr val="000000"/>
                     </a:solidFill>
@@ -11179,7 +11179,7 @@
               </a:ln>
               <a:extLst>
                 <a:ext uri="{91240B29-F687-4f45-9708-019B960494DF}">
-                  <a14:hiddenLine xmlns="" xmlns:a14="http://schemas.microsoft.com/office/drawing/2010/main" w="9525">
+                  <a14:hiddenLine xmlns:a14="http://schemas.microsoft.com/office/drawing/2010/main" xmlns="" w="9525">
                     <a:solidFill>
                       <a:srgbClr val="000000"/>
                     </a:solidFill>
@@ -11294,7 +11294,7 @@
               </a:ln>
               <a:extLst>
                 <a:ext uri="{91240B29-F687-4f45-9708-019B960494DF}">
-                  <a14:hiddenLine xmlns="" xmlns:a14="http://schemas.microsoft.com/office/drawing/2010/main" w="9525">
+                  <a14:hiddenLine xmlns:a14="http://schemas.microsoft.com/office/drawing/2010/main" xmlns="" w="9525">
                     <a:solidFill>
                       <a:srgbClr val="000000"/>
                     </a:solidFill>
@@ -11384,7 +11384,7 @@
               </a:ln>
               <a:extLst>
                 <a:ext uri="{91240B29-F687-4f45-9708-019B960494DF}">
-                  <a14:hiddenLine xmlns="" xmlns:a14="http://schemas.microsoft.com/office/drawing/2010/main" w="9525">
+                  <a14:hiddenLine xmlns:a14="http://schemas.microsoft.com/office/drawing/2010/main" xmlns="" w="9525">
                     <a:solidFill>
                       <a:srgbClr val="000000"/>
                     </a:solidFill>
@@ -11449,7 +11449,7 @@
               </a:ln>
               <a:extLst>
                 <a:ext uri="{91240B29-F687-4f45-9708-019B960494DF}">
-                  <a14:hiddenLine xmlns="" xmlns:a14="http://schemas.microsoft.com/office/drawing/2010/main" w="9525">
+                  <a14:hiddenLine xmlns:a14="http://schemas.microsoft.com/office/drawing/2010/main" xmlns="" w="9525">
                     <a:solidFill>
                       <a:srgbClr val="000000"/>
                     </a:solidFill>
@@ -11539,7 +11539,7 @@
               </a:ln>
               <a:extLst>
                 <a:ext uri="{91240B29-F687-4f45-9708-019B960494DF}">
-                  <a14:hiddenLine xmlns="" xmlns:a14="http://schemas.microsoft.com/office/drawing/2010/main" w="9525">
+                  <a14:hiddenLine xmlns:a14="http://schemas.microsoft.com/office/drawing/2010/main" xmlns="" w="9525">
                     <a:solidFill>
                       <a:srgbClr val="000000"/>
                     </a:solidFill>
@@ -11607,7 +11607,7 @@
               </a:ln>
               <a:extLst>
                 <a:ext uri="{91240B29-F687-4f45-9708-019B960494DF}">
-                  <a14:hiddenLine xmlns="" xmlns:a14="http://schemas.microsoft.com/office/drawing/2010/main" w="9525">
+                  <a14:hiddenLine xmlns:a14="http://schemas.microsoft.com/office/drawing/2010/main" xmlns="" w="9525">
                     <a:solidFill>
                       <a:srgbClr val="000000"/>
                     </a:solidFill>
@@ -11697,7 +11697,7 @@
               </a:ln>
               <a:extLst>
                 <a:ext uri="{91240B29-F687-4f45-9708-019B960494DF}">
-                  <a14:hiddenLine xmlns="" xmlns:a14="http://schemas.microsoft.com/office/drawing/2010/main" w="9525">
+                  <a14:hiddenLine xmlns:a14="http://schemas.microsoft.com/office/drawing/2010/main" xmlns="" w="9525">
                     <a:solidFill>
                       <a:srgbClr val="000000"/>
                     </a:solidFill>
@@ -11765,7 +11765,7 @@
               </a:ln>
               <a:extLst>
                 <a:ext uri="{91240B29-F687-4f45-9708-019B960494DF}">
-                  <a14:hiddenLine xmlns="" xmlns:a14="http://schemas.microsoft.com/office/drawing/2010/main" w="9525">
+                  <a14:hiddenLine xmlns:a14="http://schemas.microsoft.com/office/drawing/2010/main" xmlns="" w="9525">
                     <a:solidFill>
                       <a:srgbClr val="000000"/>
                     </a:solidFill>
@@ -11855,7 +11855,7 @@
               </a:ln>
               <a:extLst>
                 <a:ext uri="{91240B29-F687-4f45-9708-019B960494DF}">
-                  <a14:hiddenLine xmlns="" xmlns:a14="http://schemas.microsoft.com/office/drawing/2010/main" w="9525">
+                  <a14:hiddenLine xmlns:a14="http://schemas.microsoft.com/office/drawing/2010/main" xmlns="" w="9525">
                     <a:solidFill>
                       <a:srgbClr val="000000"/>
                     </a:solidFill>
@@ -11889,7 +11889,7 @@
               </a:ln>
               <a:extLst>
                 <a:ext uri="{91240B29-F687-4f45-9708-019B960494DF}">
-                  <a14:hiddenLine xmlns="" xmlns:a14="http://schemas.microsoft.com/office/drawing/2010/main" w="9525">
+                  <a14:hiddenLine xmlns:a14="http://schemas.microsoft.com/office/drawing/2010/main" xmlns="" w="9525">
                     <a:solidFill>
                       <a:srgbClr val="000000"/>
                     </a:solidFill>
@@ -13168,31 +13168,70 @@
           </a:p>
         </p:txBody>
       </p:sp>
-      <p:sp>
-        <p:nvSpPr>
-          <p:cNvPr id="3" name="Content Placeholder 2">
+      <p:pic>
+        <p:nvPicPr>
+          <p:cNvPr id="7" name="Picture 6" descr="A screenshot of a computer&#10;&#10;Description automatically generated">
             <a:extLst>
               <a:ext uri="{FF2B5EF4-FFF2-40B4-BE49-F238E27FC236}">
-                <a16:creationId xmlns:a16="http://schemas.microsoft.com/office/drawing/2014/main" id="{E453F73B-755D-79A8-C8DB-12E7F2DB815F}"/>
+                <a16:creationId xmlns:a16="http://schemas.microsoft.com/office/drawing/2014/main" id="{7B425F85-17CE-90BF-FC71-54753FCDDAFC}"/>
               </a:ext>
             </a:extLst>
           </p:cNvPr>
-          <p:cNvSpPr>
-            <a:spLocks noGrp="1"/>
-          </p:cNvSpPr>
+          <p:cNvPicPr>
+            <a:picLocks noChangeAspect="1"/>
+          </p:cNvPicPr>
+          <p:nvPr/>
+        </p:nvPicPr>
+        <p:blipFill>
+          <a:blip r:embed="rId2">
+            <a:extLst>
+              <a:ext uri="{28A0092B-C50C-407E-A947-70E740481C1C}">
+                <a14:useLocalDpi xmlns:a14="http://schemas.microsoft.com/office/drawing/2010/main" val="0"/>
+              </a:ext>
+            </a:extLst>
+          </a:blip>
+          <a:srcRect r="14035" b="24682"/>
+          <a:stretch/>
+        </p:blipFill>
+        <p:spPr>
+          <a:xfrm>
+            <a:off x="827327" y="1752410"/>
+            <a:ext cx="9024595" cy="1908557"/>
+          </a:xfrm>
+          <a:prstGeom prst="rect">
+            <a:avLst/>
+          </a:prstGeom>
+        </p:spPr>
+      </p:pic>
+      <p:pic>
+        <p:nvPicPr>
+          <p:cNvPr id="5" name="Content Placeholder 4">
+            <a:extLst>
+              <a:ext uri="{FF2B5EF4-FFF2-40B4-BE49-F238E27FC236}">
+                <a16:creationId xmlns:a16="http://schemas.microsoft.com/office/drawing/2014/main" id="{DA773DB2-7866-946C-ED7E-4B5F87061D58}"/>
+              </a:ext>
+            </a:extLst>
+          </p:cNvPr>
+          <p:cNvPicPr>
+            <a:picLocks noGrp="1" noChangeAspect="1"/>
+          </p:cNvPicPr>
           <p:nvPr>
             <p:ph idx="1"/>
           </p:nvPr>
-        </p:nvSpPr>
-        <p:spPr/>
-        <p:txBody>
-          <a:bodyPr/>
-          <a:lstStyle/>
-          <a:p>
-            <a:endParaRPr lang="en-US"/>
-          </a:p>
-        </p:txBody>
-      </p:sp>
+        </p:nvPicPr>
+        <p:blipFill>
+          <a:blip r:embed="rId3"/>
+          <a:stretch>
+            <a:fillRect/>
+          </a:stretch>
+        </p:blipFill>
+        <p:spPr>
+          <a:xfrm>
+            <a:off x="7101172" y="2605548"/>
+            <a:ext cx="4571191" cy="4252452"/>
+          </a:xfrm>
+        </p:spPr>
+      </p:pic>
     </p:spTree>
     <p:extLst>
       <p:ext uri="{BB962C8B-B14F-4D97-AF65-F5344CB8AC3E}">

--- a/BREAULT SWD TRAINING.pptx
+++ b/BREAULT SWD TRAINING.pptx
@@ -12,12 +12,16 @@
     <p:sldId id="260" r:id="rId6"/>
     <p:sldId id="262" r:id="rId7"/>
     <p:sldId id="261" r:id="rId8"/>
-    <p:sldId id="266" r:id="rId9"/>
-    <p:sldId id="264" r:id="rId10"/>
-    <p:sldId id="265" r:id="rId11"/>
-    <p:sldId id="263" r:id="rId12"/>
-    <p:sldId id="267" r:id="rId13"/>
-    <p:sldId id="268" r:id="rId14"/>
+    <p:sldId id="268" r:id="rId9"/>
+    <p:sldId id="267" r:id="rId10"/>
+    <p:sldId id="264" r:id="rId11"/>
+    <p:sldId id="266" r:id="rId12"/>
+    <p:sldId id="265" r:id="rId13"/>
+    <p:sldId id="269" r:id="rId14"/>
+    <p:sldId id="263" r:id="rId15"/>
+    <p:sldId id="270" r:id="rId16"/>
+    <p:sldId id="271" r:id="rId17"/>
+    <p:sldId id="272" r:id="rId18"/>
   </p:sldIdLst>
   <p:sldSz cx="12192000" cy="6858000"/>
   <p:notesSz cx="6858000" cy="9144000"/>
@@ -174,7 +178,7 @@
           <a:noFill/>
           <a:extLst>
             <a:ext uri="{909E8E84-426E-40dd-AFC4-6F175D3DCCD1}">
-              <a14:hiddenFill xmlns="" xmlns:a14="http://schemas.microsoft.com/office/drawing/2010/main">
+              <a14:hiddenFill xmlns:a14="http://schemas.microsoft.com/office/drawing/2010/main" xmlns="">
                 <a:solidFill>
                   <a:srgbClr val="FFFFFF"/>
                 </a:solidFill>
@@ -234,7 +238,7 @@
             </a:ln>
             <a:extLst>
               <a:ext uri="{91240B29-F687-4f45-9708-019B960494DF}">
-                <a14:hiddenLine xmlns="" xmlns:a14="http://schemas.microsoft.com/office/drawing/2010/main" w="9525">
+                <a14:hiddenLine xmlns:a14="http://schemas.microsoft.com/office/drawing/2010/main" xmlns="" w="9525">
                   <a:solidFill>
                     <a:srgbClr val="000000"/>
                   </a:solidFill>
@@ -324,7 +328,7 @@
             </a:ln>
             <a:extLst>
               <a:ext uri="{91240B29-F687-4f45-9708-019B960494DF}">
-                <a14:hiddenLine xmlns="" xmlns:a14="http://schemas.microsoft.com/office/drawing/2010/main" w="9525">
+                <a14:hiddenLine xmlns:a14="http://schemas.microsoft.com/office/drawing/2010/main" xmlns="" w="9525">
                   <a:solidFill>
                     <a:srgbClr val="000000"/>
                   </a:solidFill>
@@ -414,7 +418,7 @@
             </a:ln>
             <a:extLst>
               <a:ext uri="{91240B29-F687-4f45-9708-019B960494DF}">
-                <a14:hiddenLine xmlns="" xmlns:a14="http://schemas.microsoft.com/office/drawing/2010/main" w="9525">
+                <a14:hiddenLine xmlns:a14="http://schemas.microsoft.com/office/drawing/2010/main" xmlns="" w="9525">
                   <a:solidFill>
                     <a:srgbClr val="000000"/>
                   </a:solidFill>
@@ -448,7 +452,7 @@
             </a:ln>
             <a:extLst>
               <a:ext uri="{91240B29-F687-4f45-9708-019B960494DF}">
-                <a14:hiddenLine xmlns="" xmlns:a14="http://schemas.microsoft.com/office/drawing/2010/main" w="9525">
+                <a14:hiddenLine xmlns:a14="http://schemas.microsoft.com/office/drawing/2010/main" xmlns="" w="9525">
                   <a:solidFill>
                     <a:srgbClr val="000000"/>
                   </a:solidFill>
@@ -538,7 +542,7 @@
             </a:ln>
             <a:extLst>
               <a:ext uri="{91240B29-F687-4f45-9708-019B960494DF}">
-                <a14:hiddenLine xmlns="" xmlns:a14="http://schemas.microsoft.com/office/drawing/2010/main" w="9525">
+                <a14:hiddenLine xmlns:a14="http://schemas.microsoft.com/office/drawing/2010/main" xmlns="" w="9525">
                   <a:solidFill>
                     <a:srgbClr val="000000"/>
                   </a:solidFill>
@@ -600,7 +604,7 @@
             </a:ln>
             <a:extLst>
               <a:ext uri="{91240B29-F687-4f45-9708-019B960494DF}">
-                <a14:hiddenLine xmlns="" xmlns:a14="http://schemas.microsoft.com/office/drawing/2010/main" w="9525">
+                <a14:hiddenLine xmlns:a14="http://schemas.microsoft.com/office/drawing/2010/main" xmlns="" w="9525">
                   <a:solidFill>
                     <a:srgbClr val="000000"/>
                   </a:solidFill>
@@ -662,7 +666,7 @@
             </a:ln>
             <a:extLst>
               <a:ext uri="{91240B29-F687-4f45-9708-019B960494DF}">
-                <a14:hiddenLine xmlns="" xmlns:a14="http://schemas.microsoft.com/office/drawing/2010/main" w="9525">
+                <a14:hiddenLine xmlns:a14="http://schemas.microsoft.com/office/drawing/2010/main" xmlns="" w="9525">
                   <a:solidFill>
                     <a:srgbClr val="000000"/>
                   </a:solidFill>
@@ -752,7 +756,7 @@
             </a:ln>
             <a:extLst>
               <a:ext uri="{91240B29-F687-4f45-9708-019B960494DF}">
-                <a14:hiddenLine xmlns="" xmlns:a14="http://schemas.microsoft.com/office/drawing/2010/main" w="9525">
+                <a14:hiddenLine xmlns:a14="http://schemas.microsoft.com/office/drawing/2010/main" xmlns="" w="9525">
                   <a:solidFill>
                     <a:srgbClr val="000000"/>
                   </a:solidFill>
@@ -814,7 +818,7 @@
             </a:ln>
             <a:extLst>
               <a:ext uri="{91240B29-F687-4f45-9708-019B960494DF}">
-                <a14:hiddenLine xmlns="" xmlns:a14="http://schemas.microsoft.com/office/drawing/2010/main" w="9525">
+                <a14:hiddenLine xmlns:a14="http://schemas.microsoft.com/office/drawing/2010/main" xmlns="" w="9525">
                   <a:solidFill>
                     <a:srgbClr val="000000"/>
                   </a:solidFill>
@@ -876,7 +880,7 @@
             </a:ln>
             <a:extLst>
               <a:ext uri="{91240B29-F687-4f45-9708-019B960494DF}">
-                <a14:hiddenLine xmlns="" xmlns:a14="http://schemas.microsoft.com/office/drawing/2010/main" w="9525">
+                <a14:hiddenLine xmlns:a14="http://schemas.microsoft.com/office/drawing/2010/main" xmlns="" w="9525">
                   <a:solidFill>
                     <a:srgbClr val="000000"/>
                   </a:solidFill>
@@ -966,7 +970,7 @@
             </a:ln>
             <a:extLst>
               <a:ext uri="{91240B29-F687-4f45-9708-019B960494DF}">
-                <a14:hiddenLine xmlns="" xmlns:a14="http://schemas.microsoft.com/office/drawing/2010/main" w="9525">
+                <a14:hiddenLine xmlns:a14="http://schemas.microsoft.com/office/drawing/2010/main" xmlns="" w="9525">
                   <a:solidFill>
                     <a:srgbClr val="000000"/>
                   </a:solidFill>
@@ -1056,7 +1060,7 @@
             </a:ln>
             <a:extLst>
               <a:ext uri="{91240B29-F687-4f45-9708-019B960494DF}">
-                <a14:hiddenLine xmlns="" xmlns:a14="http://schemas.microsoft.com/office/drawing/2010/main" w="9525">
+                <a14:hiddenLine xmlns:a14="http://schemas.microsoft.com/office/drawing/2010/main" xmlns="" w="9525">
                   <a:solidFill>
                     <a:srgbClr val="000000"/>
                   </a:solidFill>
@@ -1118,7 +1122,7 @@
             </a:ln>
             <a:extLst>
               <a:ext uri="{91240B29-F687-4f45-9708-019B960494DF}">
-                <a14:hiddenLine xmlns="" xmlns:a14="http://schemas.microsoft.com/office/drawing/2010/main" w="9525">
+                <a14:hiddenLine xmlns:a14="http://schemas.microsoft.com/office/drawing/2010/main" xmlns="" w="9525">
                   <a:solidFill>
                     <a:srgbClr val="000000"/>
                   </a:solidFill>
@@ -1228,7 +1232,7 @@
             </a:ln>
             <a:extLst>
               <a:ext uri="{91240B29-F687-4f45-9708-019B960494DF}">
-                <a14:hiddenLine xmlns="" xmlns:a14="http://schemas.microsoft.com/office/drawing/2010/main" w="9525">
+                <a14:hiddenLine xmlns:a14="http://schemas.microsoft.com/office/drawing/2010/main" xmlns="" w="9525">
                   <a:solidFill>
                     <a:srgbClr val="000000"/>
                   </a:solidFill>
@@ -1290,7 +1294,7 @@
             </a:ln>
             <a:extLst>
               <a:ext uri="{91240B29-F687-4f45-9708-019B960494DF}">
-                <a14:hiddenLine xmlns="" xmlns:a14="http://schemas.microsoft.com/office/drawing/2010/main" w="9525">
+                <a14:hiddenLine xmlns:a14="http://schemas.microsoft.com/office/drawing/2010/main" xmlns="" w="9525">
                   <a:solidFill>
                     <a:srgbClr val="000000"/>
                   </a:solidFill>
@@ -1380,7 +1384,7 @@
             </a:ln>
             <a:extLst>
               <a:ext uri="{91240B29-F687-4f45-9708-019B960494DF}">
-                <a14:hiddenLine xmlns="" xmlns:a14="http://schemas.microsoft.com/office/drawing/2010/main" w="9525">
+                <a14:hiddenLine xmlns:a14="http://schemas.microsoft.com/office/drawing/2010/main" xmlns="" w="9525">
                   <a:solidFill>
                     <a:srgbClr val="000000"/>
                   </a:solidFill>
@@ -1470,7 +1474,7 @@
             </a:ln>
             <a:extLst>
               <a:ext uri="{91240B29-F687-4f45-9708-019B960494DF}">
-                <a14:hiddenLine xmlns="" xmlns:a14="http://schemas.microsoft.com/office/drawing/2010/main" w="9525">
+                <a14:hiddenLine xmlns:a14="http://schemas.microsoft.com/office/drawing/2010/main" xmlns="" w="9525">
                   <a:solidFill>
                     <a:srgbClr val="000000"/>
                   </a:solidFill>
@@ -1532,7 +1536,7 @@
             </a:ln>
             <a:extLst>
               <a:ext uri="{91240B29-F687-4f45-9708-019B960494DF}">
-                <a14:hiddenLine xmlns="" xmlns:a14="http://schemas.microsoft.com/office/drawing/2010/main" w="9525">
+                <a14:hiddenLine xmlns:a14="http://schemas.microsoft.com/office/drawing/2010/main" xmlns="" w="9525">
                   <a:solidFill>
                     <a:srgbClr val="000000"/>
                   </a:solidFill>
@@ -1622,7 +1626,7 @@
             </a:ln>
             <a:extLst>
               <a:ext uri="{91240B29-F687-4f45-9708-019B960494DF}">
-                <a14:hiddenLine xmlns="" xmlns:a14="http://schemas.microsoft.com/office/drawing/2010/main" w="9525">
+                <a14:hiddenLine xmlns:a14="http://schemas.microsoft.com/office/drawing/2010/main" xmlns="" w="9525">
                   <a:solidFill>
                     <a:srgbClr val="000000"/>
                   </a:solidFill>
@@ -1712,7 +1716,7 @@
             </a:ln>
             <a:extLst>
               <a:ext uri="{91240B29-F687-4f45-9708-019B960494DF}">
-                <a14:hiddenLine xmlns="" xmlns:a14="http://schemas.microsoft.com/office/drawing/2010/main" w="9525">
+                <a14:hiddenLine xmlns:a14="http://schemas.microsoft.com/office/drawing/2010/main" xmlns="" w="9525">
                   <a:solidFill>
                     <a:srgbClr val="000000"/>
                   </a:solidFill>
@@ -1768,7 +1772,7 @@
             </a:ln>
             <a:extLst>
               <a:ext uri="{91240B29-F687-4f45-9708-019B960494DF}">
-                <a14:hiddenLine xmlns="" xmlns:a14="http://schemas.microsoft.com/office/drawing/2010/main" w="9525">
+                <a14:hiddenLine xmlns:a14="http://schemas.microsoft.com/office/drawing/2010/main" xmlns="" w="9525">
                   <a:solidFill>
                     <a:srgbClr val="000000"/>
                   </a:solidFill>
@@ -1858,7 +1862,7 @@
             </a:ln>
             <a:extLst>
               <a:ext uri="{91240B29-F687-4f45-9708-019B960494DF}">
-                <a14:hiddenLine xmlns="" xmlns:a14="http://schemas.microsoft.com/office/drawing/2010/main" w="9525">
+                <a14:hiddenLine xmlns:a14="http://schemas.microsoft.com/office/drawing/2010/main" xmlns="" w="9525">
                   <a:solidFill>
                     <a:srgbClr val="000000"/>
                   </a:solidFill>
@@ -1914,7 +1918,7 @@
             </a:ln>
             <a:extLst>
               <a:ext uri="{91240B29-F687-4f45-9708-019B960494DF}">
-                <a14:hiddenLine xmlns="" xmlns:a14="http://schemas.microsoft.com/office/drawing/2010/main" w="9525">
+                <a14:hiddenLine xmlns:a14="http://schemas.microsoft.com/office/drawing/2010/main" xmlns="" w="9525">
                   <a:solidFill>
                     <a:srgbClr val="000000"/>
                   </a:solidFill>
@@ -2004,7 +2008,7 @@
             </a:ln>
             <a:extLst>
               <a:ext uri="{91240B29-F687-4f45-9708-019B960494DF}">
-                <a14:hiddenLine xmlns="" xmlns:a14="http://schemas.microsoft.com/office/drawing/2010/main" w="9525">
+                <a14:hiddenLine xmlns:a14="http://schemas.microsoft.com/office/drawing/2010/main" xmlns="" w="9525">
                   <a:solidFill>
                     <a:srgbClr val="000000"/>
                   </a:solidFill>
@@ -2072,7 +2076,7 @@
             </a:ln>
             <a:extLst>
               <a:ext uri="{91240B29-F687-4f45-9708-019B960494DF}">
-                <a14:hiddenLine xmlns="" xmlns:a14="http://schemas.microsoft.com/office/drawing/2010/main" w="9525">
+                <a14:hiddenLine xmlns:a14="http://schemas.microsoft.com/office/drawing/2010/main" xmlns="" w="9525">
                   <a:solidFill>
                     <a:srgbClr val="000000"/>
                   </a:solidFill>
@@ -2162,7 +2166,7 @@
             </a:ln>
             <a:extLst>
               <a:ext uri="{91240B29-F687-4f45-9708-019B960494DF}">
-                <a14:hiddenLine xmlns="" xmlns:a14="http://schemas.microsoft.com/office/drawing/2010/main" w="9525">
+                <a14:hiddenLine xmlns:a14="http://schemas.microsoft.com/office/drawing/2010/main" xmlns="" w="9525">
                   <a:solidFill>
                     <a:srgbClr val="000000"/>
                   </a:solidFill>
@@ -2230,7 +2234,7 @@
             </a:ln>
             <a:extLst>
               <a:ext uri="{91240B29-F687-4f45-9708-019B960494DF}">
-                <a14:hiddenLine xmlns="" xmlns:a14="http://schemas.microsoft.com/office/drawing/2010/main" w="9525">
+                <a14:hiddenLine xmlns:a14="http://schemas.microsoft.com/office/drawing/2010/main" xmlns="" w="9525">
                   <a:solidFill>
                     <a:srgbClr val="000000"/>
                   </a:solidFill>
@@ -2320,7 +2324,7 @@
             </a:ln>
             <a:extLst>
               <a:ext uri="{91240B29-F687-4f45-9708-019B960494DF}">
-                <a14:hiddenLine xmlns="" xmlns:a14="http://schemas.microsoft.com/office/drawing/2010/main" w="9525">
+                <a14:hiddenLine xmlns:a14="http://schemas.microsoft.com/office/drawing/2010/main" xmlns="" w="9525">
                   <a:solidFill>
                     <a:srgbClr val="000000"/>
                   </a:solidFill>
@@ -2354,7 +2358,7 @@
             </a:ln>
             <a:extLst>
               <a:ext uri="{91240B29-F687-4f45-9708-019B960494DF}">
-                <a14:hiddenLine xmlns="" xmlns:a14="http://schemas.microsoft.com/office/drawing/2010/main" w="9525">
+                <a14:hiddenLine xmlns:a14="http://schemas.microsoft.com/office/drawing/2010/main" xmlns="" w="9525">
                   <a:solidFill>
                     <a:srgbClr val="000000"/>
                   </a:solidFill>
@@ -2444,7 +2448,7 @@
             </a:ln>
             <a:extLst>
               <a:ext uri="{91240B29-F687-4f45-9708-019B960494DF}">
-                <a14:hiddenLine xmlns="" xmlns:a14="http://schemas.microsoft.com/office/drawing/2010/main" w="9525">
+                <a14:hiddenLine xmlns:a14="http://schemas.microsoft.com/office/drawing/2010/main" xmlns="" w="9525">
                   <a:solidFill>
                     <a:srgbClr val="000000"/>
                   </a:solidFill>
@@ -2506,7 +2510,7 @@
             </a:ln>
             <a:extLst>
               <a:ext uri="{91240B29-F687-4f45-9708-019B960494DF}">
-                <a14:hiddenLine xmlns="" xmlns:a14="http://schemas.microsoft.com/office/drawing/2010/main" w="9525">
+                <a14:hiddenLine xmlns:a14="http://schemas.microsoft.com/office/drawing/2010/main" xmlns="" w="9525">
                   <a:solidFill>
                     <a:srgbClr val="000000"/>
                   </a:solidFill>
@@ -2568,7 +2572,7 @@
             </a:ln>
             <a:extLst>
               <a:ext uri="{91240B29-F687-4f45-9708-019B960494DF}">
-                <a14:hiddenLine xmlns="" xmlns:a14="http://schemas.microsoft.com/office/drawing/2010/main" w="9525">
+                <a14:hiddenLine xmlns:a14="http://schemas.microsoft.com/office/drawing/2010/main" xmlns="" w="9525">
                   <a:solidFill>
                     <a:srgbClr val="000000"/>
                   </a:solidFill>
@@ -2658,7 +2662,7 @@
             </a:ln>
             <a:extLst>
               <a:ext uri="{91240B29-F687-4f45-9708-019B960494DF}">
-                <a14:hiddenLine xmlns="" xmlns:a14="http://schemas.microsoft.com/office/drawing/2010/main" w="9525">
+                <a14:hiddenLine xmlns:a14="http://schemas.microsoft.com/office/drawing/2010/main" xmlns="" w="9525">
                   <a:solidFill>
                     <a:srgbClr val="000000"/>
                   </a:solidFill>
@@ -2726,7 +2730,7 @@
             </a:ln>
             <a:extLst>
               <a:ext uri="{91240B29-F687-4f45-9708-019B960494DF}">
-                <a14:hiddenLine xmlns="" xmlns:a14="http://schemas.microsoft.com/office/drawing/2010/main" w="9525">
+                <a14:hiddenLine xmlns:a14="http://schemas.microsoft.com/office/drawing/2010/main" xmlns="" w="9525">
                   <a:solidFill>
                     <a:srgbClr val="000000"/>
                   </a:solidFill>
@@ -2788,7 +2792,7 @@
             </a:ln>
             <a:extLst>
               <a:ext uri="{91240B29-F687-4f45-9708-019B960494DF}">
-                <a14:hiddenLine xmlns="" xmlns:a14="http://schemas.microsoft.com/office/drawing/2010/main" w="9525">
+                <a14:hiddenLine xmlns:a14="http://schemas.microsoft.com/office/drawing/2010/main" xmlns="" w="9525">
                   <a:solidFill>
                     <a:srgbClr val="000000"/>
                   </a:solidFill>
@@ -2878,7 +2882,7 @@
             </a:ln>
             <a:extLst>
               <a:ext uri="{91240B29-F687-4f45-9708-019B960494DF}">
-                <a14:hiddenLine xmlns="" xmlns:a14="http://schemas.microsoft.com/office/drawing/2010/main" w="9525">
+                <a14:hiddenLine xmlns:a14="http://schemas.microsoft.com/office/drawing/2010/main" xmlns="" w="9525">
                   <a:solidFill>
                     <a:srgbClr val="000000"/>
                   </a:solidFill>
@@ -2940,7 +2944,7 @@
             </a:ln>
             <a:extLst>
               <a:ext uri="{91240B29-F687-4f45-9708-019B960494DF}">
-                <a14:hiddenLine xmlns="" xmlns:a14="http://schemas.microsoft.com/office/drawing/2010/main" w="9525">
+                <a14:hiddenLine xmlns:a14="http://schemas.microsoft.com/office/drawing/2010/main" xmlns="" w="9525">
                   <a:solidFill>
                     <a:srgbClr val="000000"/>
                   </a:solidFill>
@@ -3030,7 +3034,7 @@
             </a:ln>
             <a:extLst>
               <a:ext uri="{91240B29-F687-4f45-9708-019B960494DF}">
-                <a14:hiddenLine xmlns="" xmlns:a14="http://schemas.microsoft.com/office/drawing/2010/main" w="9525">
+                <a14:hiddenLine xmlns:a14="http://schemas.microsoft.com/office/drawing/2010/main" xmlns="" w="9525">
                   <a:solidFill>
                     <a:srgbClr val="000000"/>
                   </a:solidFill>
@@ -3092,7 +3096,7 @@
             </a:ln>
             <a:extLst>
               <a:ext uri="{91240B29-F687-4f45-9708-019B960494DF}">
-                <a14:hiddenLine xmlns="" xmlns:a14="http://schemas.microsoft.com/office/drawing/2010/main" w="9525">
+                <a14:hiddenLine xmlns:a14="http://schemas.microsoft.com/office/drawing/2010/main" xmlns="" w="9525">
                   <a:solidFill>
                     <a:srgbClr val="000000"/>
                   </a:solidFill>
@@ -3182,7 +3186,7 @@
             </a:ln>
             <a:extLst>
               <a:ext uri="{91240B29-F687-4f45-9708-019B960494DF}">
-                <a14:hiddenLine xmlns="" xmlns:a14="http://schemas.microsoft.com/office/drawing/2010/main" w="9525">
+                <a14:hiddenLine xmlns:a14="http://schemas.microsoft.com/office/drawing/2010/main" xmlns="" w="9525">
                   <a:solidFill>
                     <a:srgbClr val="000000"/>
                   </a:solidFill>
@@ -3216,7 +3220,7 @@
             </a:ln>
             <a:extLst>
               <a:ext uri="{91240B29-F687-4f45-9708-019B960494DF}">
-                <a14:hiddenLine xmlns="" xmlns:a14="http://schemas.microsoft.com/office/drawing/2010/main" w="9525">
+                <a14:hiddenLine xmlns:a14="http://schemas.microsoft.com/office/drawing/2010/main" xmlns="" w="9525">
                   <a:solidFill>
                     <a:srgbClr val="000000"/>
                   </a:solidFill>
@@ -3281,7 +3285,7 @@
             </a:ln>
             <a:extLst>
               <a:ext uri="{91240B29-F687-4f45-9708-019B960494DF}">
-                <a14:hiddenLine xmlns="" xmlns:a14="http://schemas.microsoft.com/office/drawing/2010/main" w="9525">
+                <a14:hiddenLine xmlns:a14="http://schemas.microsoft.com/office/drawing/2010/main" xmlns="" w="9525">
                   <a:solidFill>
                     <a:srgbClr val="000000"/>
                   </a:solidFill>
@@ -3371,7 +3375,7 @@
             </a:ln>
             <a:extLst>
               <a:ext uri="{91240B29-F687-4f45-9708-019B960494DF}">
-                <a14:hiddenLine xmlns="" xmlns:a14="http://schemas.microsoft.com/office/drawing/2010/main" w="9525">
+                <a14:hiddenLine xmlns:a14="http://schemas.microsoft.com/office/drawing/2010/main" xmlns="" w="9525">
                   <a:solidFill>
                     <a:srgbClr val="000000"/>
                   </a:solidFill>
@@ -3433,7 +3437,7 @@
             </a:ln>
             <a:extLst>
               <a:ext uri="{91240B29-F687-4f45-9708-019B960494DF}">
-                <a14:hiddenLine xmlns="" xmlns:a14="http://schemas.microsoft.com/office/drawing/2010/main" w="9525">
+                <a14:hiddenLine xmlns:a14="http://schemas.microsoft.com/office/drawing/2010/main" xmlns="" w="9525">
                   <a:solidFill>
                     <a:srgbClr val="000000"/>
                   </a:solidFill>
@@ -3523,7 +3527,7 @@
             </a:ln>
             <a:extLst>
               <a:ext uri="{91240B29-F687-4f45-9708-019B960494DF}">
-                <a14:hiddenLine xmlns="" xmlns:a14="http://schemas.microsoft.com/office/drawing/2010/main" w="9525">
+                <a14:hiddenLine xmlns:a14="http://schemas.microsoft.com/office/drawing/2010/main" xmlns="" w="9525">
                   <a:solidFill>
                     <a:srgbClr val="000000"/>
                   </a:solidFill>
@@ -3613,7 +3617,7 @@
             </a:ln>
             <a:extLst>
               <a:ext uri="{91240B29-F687-4f45-9708-019B960494DF}">
-                <a14:hiddenLine xmlns="" xmlns:a14="http://schemas.microsoft.com/office/drawing/2010/main" w="9525">
+                <a14:hiddenLine xmlns:a14="http://schemas.microsoft.com/office/drawing/2010/main" xmlns="" w="9525">
                   <a:solidFill>
                     <a:srgbClr val="000000"/>
                   </a:solidFill>
@@ -3678,7 +3682,7 @@
             </a:ln>
             <a:extLst>
               <a:ext uri="{91240B29-F687-4f45-9708-019B960494DF}">
-                <a14:hiddenLine xmlns="" xmlns:a14="http://schemas.microsoft.com/office/drawing/2010/main" w="9525">
+                <a14:hiddenLine xmlns:a14="http://schemas.microsoft.com/office/drawing/2010/main" xmlns="" w="9525">
                   <a:solidFill>
                     <a:srgbClr val="000000"/>
                   </a:solidFill>
@@ -3740,7 +3744,7 @@
             </a:ln>
             <a:extLst>
               <a:ext uri="{91240B29-F687-4f45-9708-019B960494DF}">
-                <a14:hiddenLine xmlns="" xmlns:a14="http://schemas.microsoft.com/office/drawing/2010/main" w="9525">
+                <a14:hiddenLine xmlns:a14="http://schemas.microsoft.com/office/drawing/2010/main" xmlns="" w="9525">
                   <a:solidFill>
                     <a:srgbClr val="000000"/>
                   </a:solidFill>
@@ -3830,7 +3834,7 @@
             </a:ln>
             <a:extLst>
               <a:ext uri="{91240B29-F687-4f45-9708-019B960494DF}">
-                <a14:hiddenLine xmlns="" xmlns:a14="http://schemas.microsoft.com/office/drawing/2010/main" w="9525">
+                <a14:hiddenLine xmlns:a14="http://schemas.microsoft.com/office/drawing/2010/main" xmlns="" w="9525">
                   <a:solidFill>
                     <a:srgbClr val="000000"/>
                   </a:solidFill>
@@ -3920,7 +3924,7 @@
             </a:ln>
             <a:extLst>
               <a:ext uri="{91240B29-F687-4f45-9708-019B960494DF}">
-                <a14:hiddenLine xmlns="" xmlns:a14="http://schemas.microsoft.com/office/drawing/2010/main" w="9525">
+                <a14:hiddenLine xmlns:a14="http://schemas.microsoft.com/office/drawing/2010/main" xmlns="" w="9525">
                   <a:solidFill>
                     <a:srgbClr val="000000"/>
                   </a:solidFill>
@@ -3982,7 +3986,7 @@
             </a:ln>
             <a:extLst>
               <a:ext uri="{91240B29-F687-4f45-9708-019B960494DF}">
-                <a14:hiddenLine xmlns="" xmlns:a14="http://schemas.microsoft.com/office/drawing/2010/main" w="9525">
+                <a14:hiddenLine xmlns:a14="http://schemas.microsoft.com/office/drawing/2010/main" xmlns="" w="9525">
                   <a:solidFill>
                     <a:srgbClr val="000000"/>
                   </a:solidFill>
@@ -4102,7 +4106,7 @@
             </a:ln>
             <a:extLst>
               <a:ext uri="{91240B29-F687-4f45-9708-019B960494DF}">
-                <a14:hiddenLine xmlns="" xmlns:a14="http://schemas.microsoft.com/office/drawing/2010/main" w="9525">
+                <a14:hiddenLine xmlns:a14="http://schemas.microsoft.com/office/drawing/2010/main" xmlns="" w="9525">
                   <a:solidFill>
                     <a:srgbClr val="000000"/>
                   </a:solidFill>
@@ -4170,7 +4174,7 @@
             </a:ln>
             <a:extLst>
               <a:ext uri="{91240B29-F687-4f45-9708-019B960494DF}">
-                <a14:hiddenLine xmlns="" xmlns:a14="http://schemas.microsoft.com/office/drawing/2010/main" w="9525">
+                <a14:hiddenLine xmlns:a14="http://schemas.microsoft.com/office/drawing/2010/main" xmlns="" w="9525">
                   <a:solidFill>
                     <a:srgbClr val="000000"/>
                   </a:solidFill>
@@ -4260,7 +4264,7 @@
             </a:ln>
             <a:extLst>
               <a:ext uri="{91240B29-F687-4f45-9708-019B960494DF}">
-                <a14:hiddenLine xmlns="" xmlns:a14="http://schemas.microsoft.com/office/drawing/2010/main" w="9525">
+                <a14:hiddenLine xmlns:a14="http://schemas.microsoft.com/office/drawing/2010/main" xmlns="" w="9525">
                   <a:solidFill>
                     <a:srgbClr val="000000"/>
                   </a:solidFill>
@@ -9067,7 +9071,7 @@
           <a:noFill/>
           <a:extLst>
             <a:ext uri="{909E8E84-426E-40dd-AFC4-6F175D3DCCD1}">
-              <a14:hiddenFill xmlns="" xmlns:a14="http://schemas.microsoft.com/office/drawing/2010/main">
+              <a14:hiddenFill xmlns:a14="http://schemas.microsoft.com/office/drawing/2010/main" xmlns="">
                 <a:solidFill>
                   <a:srgbClr val="FFFFFF"/>
                 </a:solidFill>
@@ -9141,7 +9145,7 @@
               </a:ln>
               <a:extLst>
                 <a:ext uri="{91240B29-F687-4f45-9708-019B960494DF}">
-                  <a14:hiddenLine xmlns="" xmlns:a14="http://schemas.microsoft.com/office/drawing/2010/main" w="9525">
+                  <a14:hiddenLine xmlns:a14="http://schemas.microsoft.com/office/drawing/2010/main" xmlns="" w="9525">
                     <a:solidFill>
                       <a:srgbClr val="000000"/>
                     </a:solidFill>
@@ -9231,7 +9235,7 @@
               </a:ln>
               <a:extLst>
                 <a:ext uri="{91240B29-F687-4f45-9708-019B960494DF}">
-                  <a14:hiddenLine xmlns="" xmlns:a14="http://schemas.microsoft.com/office/drawing/2010/main" w="9525">
+                  <a14:hiddenLine xmlns:a14="http://schemas.microsoft.com/office/drawing/2010/main" xmlns="" w="9525">
                     <a:solidFill>
                       <a:srgbClr val="000000"/>
                     </a:solidFill>
@@ -9321,7 +9325,7 @@
               </a:ln>
               <a:extLst>
                 <a:ext uri="{91240B29-F687-4f45-9708-019B960494DF}">
-                  <a14:hiddenLine xmlns="" xmlns:a14="http://schemas.microsoft.com/office/drawing/2010/main" w="9525">
+                  <a14:hiddenLine xmlns:a14="http://schemas.microsoft.com/office/drawing/2010/main" xmlns="" w="9525">
                     <a:solidFill>
                       <a:srgbClr val="000000"/>
                     </a:solidFill>
@@ -9383,7 +9387,7 @@
               </a:ln>
               <a:extLst>
                 <a:ext uri="{91240B29-F687-4f45-9708-019B960494DF}">
-                  <a14:hiddenLine xmlns="" xmlns:a14="http://schemas.microsoft.com/office/drawing/2010/main" w="9525">
+                  <a14:hiddenLine xmlns:a14="http://schemas.microsoft.com/office/drawing/2010/main" xmlns="" w="9525">
                     <a:solidFill>
                       <a:srgbClr val="000000"/>
                     </a:solidFill>
@@ -9473,7 +9477,7 @@
               </a:ln>
               <a:extLst>
                 <a:ext uri="{91240B29-F687-4f45-9708-019B960494DF}">
-                  <a14:hiddenLine xmlns="" xmlns:a14="http://schemas.microsoft.com/office/drawing/2010/main" w="9525">
+                  <a14:hiddenLine xmlns:a14="http://schemas.microsoft.com/office/drawing/2010/main" xmlns="" w="9525">
                     <a:solidFill>
                       <a:srgbClr val="000000"/>
                     </a:solidFill>
@@ -9535,7 +9539,7 @@
               </a:ln>
               <a:extLst>
                 <a:ext uri="{91240B29-F687-4f45-9708-019B960494DF}">
-                  <a14:hiddenLine xmlns="" xmlns:a14="http://schemas.microsoft.com/office/drawing/2010/main" w="9525">
+                  <a14:hiddenLine xmlns:a14="http://schemas.microsoft.com/office/drawing/2010/main" xmlns="" w="9525">
                     <a:solidFill>
                       <a:srgbClr val="000000"/>
                     </a:solidFill>
@@ -9597,7 +9601,7 @@
               </a:ln>
               <a:extLst>
                 <a:ext uri="{91240B29-F687-4f45-9708-019B960494DF}">
-                  <a14:hiddenLine xmlns="" xmlns:a14="http://schemas.microsoft.com/office/drawing/2010/main" w="9525">
+                  <a14:hiddenLine xmlns:a14="http://schemas.microsoft.com/office/drawing/2010/main" xmlns="" w="9525">
                     <a:solidFill>
                       <a:srgbClr val="000000"/>
                     </a:solidFill>
@@ -9687,7 +9691,7 @@
               </a:ln>
               <a:extLst>
                 <a:ext uri="{91240B29-F687-4f45-9708-019B960494DF}">
-                  <a14:hiddenLine xmlns="" xmlns:a14="http://schemas.microsoft.com/office/drawing/2010/main" w="9525">
+                  <a14:hiddenLine xmlns:a14="http://schemas.microsoft.com/office/drawing/2010/main" xmlns="" w="9525">
                     <a:solidFill>
                       <a:srgbClr val="000000"/>
                     </a:solidFill>
@@ -9777,7 +9781,7 @@
               </a:ln>
               <a:extLst>
                 <a:ext uri="{91240B29-F687-4f45-9708-019B960494DF}">
-                  <a14:hiddenLine xmlns="" xmlns:a14="http://schemas.microsoft.com/office/drawing/2010/main" w="9525">
+                  <a14:hiddenLine xmlns:a14="http://schemas.microsoft.com/office/drawing/2010/main" xmlns="" w="9525">
                     <a:solidFill>
                       <a:srgbClr val="000000"/>
                     </a:solidFill>
@@ -9839,7 +9843,7 @@
               </a:ln>
               <a:extLst>
                 <a:ext uri="{91240B29-F687-4f45-9708-019B960494DF}">
-                  <a14:hiddenLine xmlns="" xmlns:a14="http://schemas.microsoft.com/office/drawing/2010/main" w="9525">
+                  <a14:hiddenLine xmlns:a14="http://schemas.microsoft.com/office/drawing/2010/main" xmlns="" w="9525">
                     <a:solidFill>
                       <a:srgbClr val="000000"/>
                     </a:solidFill>
@@ -9949,7 +9953,7 @@
               </a:ln>
               <a:extLst>
                 <a:ext uri="{91240B29-F687-4f45-9708-019B960494DF}">
-                  <a14:hiddenLine xmlns="" xmlns:a14="http://schemas.microsoft.com/office/drawing/2010/main" w="9525">
+                  <a14:hiddenLine xmlns:a14="http://schemas.microsoft.com/office/drawing/2010/main" xmlns="" w="9525">
                     <a:solidFill>
                       <a:srgbClr val="000000"/>
                     </a:solidFill>
@@ -10033,7 +10037,7 @@
               </a:ln>
               <a:extLst>
                 <a:ext uri="{91240B29-F687-4f45-9708-019B960494DF}">
-                  <a14:hiddenLine xmlns="" xmlns:a14="http://schemas.microsoft.com/office/drawing/2010/main" w="9525">
+                  <a14:hiddenLine xmlns:a14="http://schemas.microsoft.com/office/drawing/2010/main" xmlns="" w="9525">
                     <a:solidFill>
                       <a:srgbClr val="000000"/>
                     </a:solidFill>
@@ -10095,7 +10099,7 @@
               </a:ln>
               <a:extLst>
                 <a:ext uri="{91240B29-F687-4f45-9708-019B960494DF}">
-                  <a14:hiddenLine xmlns="" xmlns:a14="http://schemas.microsoft.com/office/drawing/2010/main" w="9525">
+                  <a14:hiddenLine xmlns:a14="http://schemas.microsoft.com/office/drawing/2010/main" xmlns="" w="9525">
                     <a:solidFill>
                       <a:srgbClr val="000000"/>
                     </a:solidFill>
@@ -10157,7 +10161,7 @@
               </a:ln>
               <a:extLst>
                 <a:ext uri="{91240B29-F687-4f45-9708-019B960494DF}">
-                  <a14:hiddenLine xmlns="" xmlns:a14="http://schemas.microsoft.com/office/drawing/2010/main" w="9525">
+                  <a14:hiddenLine xmlns:a14="http://schemas.microsoft.com/office/drawing/2010/main" xmlns="" w="9525">
                     <a:solidFill>
                       <a:srgbClr val="000000"/>
                     </a:solidFill>
@@ -10247,7 +10251,7 @@
               </a:ln>
               <a:extLst>
                 <a:ext uri="{91240B29-F687-4f45-9708-019B960494DF}">
-                  <a14:hiddenLine xmlns="" xmlns:a14="http://schemas.microsoft.com/office/drawing/2010/main" w="9525">
+                  <a14:hiddenLine xmlns:a14="http://schemas.microsoft.com/office/drawing/2010/main" xmlns="" w="9525">
                     <a:solidFill>
                       <a:srgbClr val="000000"/>
                     </a:solidFill>
@@ -10281,7 +10285,7 @@
               </a:ln>
               <a:extLst>
                 <a:ext uri="{91240B29-F687-4f45-9708-019B960494DF}">
-                  <a14:hiddenLine xmlns="" xmlns:a14="http://schemas.microsoft.com/office/drawing/2010/main" w="9525">
+                  <a14:hiddenLine xmlns:a14="http://schemas.microsoft.com/office/drawing/2010/main" xmlns="" w="9525">
                     <a:solidFill>
                       <a:srgbClr val="000000"/>
                     </a:solidFill>
@@ -10346,7 +10350,7 @@
               </a:ln>
               <a:extLst>
                 <a:ext uri="{91240B29-F687-4f45-9708-019B960494DF}">
-                  <a14:hiddenLine xmlns="" xmlns:a14="http://schemas.microsoft.com/office/drawing/2010/main" w="9525">
+                  <a14:hiddenLine xmlns:a14="http://schemas.microsoft.com/office/drawing/2010/main" xmlns="" w="9525">
                     <a:solidFill>
                       <a:srgbClr val="000000"/>
                     </a:solidFill>
@@ -10436,7 +10440,7 @@
               </a:ln>
               <a:extLst>
                 <a:ext uri="{91240B29-F687-4f45-9708-019B960494DF}">
-                  <a14:hiddenLine xmlns="" xmlns:a14="http://schemas.microsoft.com/office/drawing/2010/main" w="9525">
+                  <a14:hiddenLine xmlns:a14="http://schemas.microsoft.com/office/drawing/2010/main" xmlns="" w="9525">
                     <a:solidFill>
                       <a:srgbClr val="000000"/>
                     </a:solidFill>
@@ -10498,7 +10502,7 @@
               </a:ln>
               <a:extLst>
                 <a:ext uri="{91240B29-F687-4f45-9708-019B960494DF}">
-                  <a14:hiddenLine xmlns="" xmlns:a14="http://schemas.microsoft.com/office/drawing/2010/main" w="9525">
+                  <a14:hiddenLine xmlns:a14="http://schemas.microsoft.com/office/drawing/2010/main" xmlns="" w="9525">
                     <a:solidFill>
                       <a:srgbClr val="000000"/>
                     </a:solidFill>
@@ -10588,7 +10592,7 @@
               </a:ln>
               <a:extLst>
                 <a:ext uri="{91240B29-F687-4f45-9708-019B960494DF}">
-                  <a14:hiddenLine xmlns="" xmlns:a14="http://schemas.microsoft.com/office/drawing/2010/main" w="9525">
+                  <a14:hiddenLine xmlns:a14="http://schemas.microsoft.com/office/drawing/2010/main" xmlns="" w="9525">
                     <a:solidFill>
                       <a:srgbClr val="000000"/>
                     </a:solidFill>
@@ -10653,7 +10657,7 @@
               </a:ln>
               <a:extLst>
                 <a:ext uri="{91240B29-F687-4f45-9708-019B960494DF}">
-                  <a14:hiddenLine xmlns="" xmlns:a14="http://schemas.microsoft.com/office/drawing/2010/main" w="9525">
+                  <a14:hiddenLine xmlns:a14="http://schemas.microsoft.com/office/drawing/2010/main" xmlns="" w="9525">
                     <a:solidFill>
                       <a:srgbClr val="000000"/>
                     </a:solidFill>
@@ -10715,7 +10719,7 @@
               </a:ln>
               <a:extLst>
                 <a:ext uri="{91240B29-F687-4f45-9708-019B960494DF}">
-                  <a14:hiddenLine xmlns="" xmlns:a14="http://schemas.microsoft.com/office/drawing/2010/main" w="9525">
+                  <a14:hiddenLine xmlns:a14="http://schemas.microsoft.com/office/drawing/2010/main" xmlns="" w="9525">
                     <a:solidFill>
                       <a:srgbClr val="000000"/>
                     </a:solidFill>
@@ -10805,7 +10809,7 @@
               </a:ln>
               <a:extLst>
                 <a:ext uri="{91240B29-F687-4f45-9708-019B960494DF}">
-                  <a14:hiddenLine xmlns="" xmlns:a14="http://schemas.microsoft.com/office/drawing/2010/main" w="9525">
+                  <a14:hiddenLine xmlns:a14="http://schemas.microsoft.com/office/drawing/2010/main" xmlns="" w="9525">
                     <a:solidFill>
                       <a:srgbClr val="000000"/>
                     </a:solidFill>
@@ -10895,7 +10899,7 @@
               </a:ln>
               <a:extLst>
                 <a:ext uri="{91240B29-F687-4f45-9708-019B960494DF}">
-                  <a14:hiddenLine xmlns="" xmlns:a14="http://schemas.microsoft.com/office/drawing/2010/main" w="9525">
+                  <a14:hiddenLine xmlns:a14="http://schemas.microsoft.com/office/drawing/2010/main" xmlns="" w="9525">
                     <a:solidFill>
                       <a:srgbClr val="000000"/>
                     </a:solidFill>
@@ -10960,7 +10964,7 @@
               </a:ln>
               <a:extLst>
                 <a:ext uri="{91240B29-F687-4f45-9708-019B960494DF}">
-                  <a14:hiddenLine xmlns="" xmlns:a14="http://schemas.microsoft.com/office/drawing/2010/main" w="9525">
+                  <a14:hiddenLine xmlns:a14="http://schemas.microsoft.com/office/drawing/2010/main" xmlns="" w="9525">
                     <a:solidFill>
                       <a:srgbClr val="000000"/>
                     </a:solidFill>
@@ -11080,7 +11084,7 @@
               </a:ln>
               <a:extLst>
                 <a:ext uri="{91240B29-F687-4f45-9708-019B960494DF}">
-                  <a14:hiddenLine xmlns="" xmlns:a14="http://schemas.microsoft.com/office/drawing/2010/main" w="9525">
+                  <a14:hiddenLine xmlns:a14="http://schemas.microsoft.com/office/drawing/2010/main" xmlns="" w="9525">
                     <a:solidFill>
                       <a:srgbClr val="000000"/>
                     </a:solidFill>
@@ -11178,7 +11182,7 @@
               </a:ln>
               <a:extLst>
                 <a:ext uri="{91240B29-F687-4f45-9708-019B960494DF}">
-                  <a14:hiddenLine xmlns="" xmlns:a14="http://schemas.microsoft.com/office/drawing/2010/main" w="9525">
+                  <a14:hiddenLine xmlns:a14="http://schemas.microsoft.com/office/drawing/2010/main" xmlns="" w="9525">
                     <a:solidFill>
                       <a:srgbClr val="000000"/>
                     </a:solidFill>
@@ -11293,7 +11297,7 @@
               </a:ln>
               <a:extLst>
                 <a:ext uri="{91240B29-F687-4f45-9708-019B960494DF}">
-                  <a14:hiddenLine xmlns="" xmlns:a14="http://schemas.microsoft.com/office/drawing/2010/main" w="9525">
+                  <a14:hiddenLine xmlns:a14="http://schemas.microsoft.com/office/drawing/2010/main" xmlns="" w="9525">
                     <a:solidFill>
                       <a:srgbClr val="000000"/>
                     </a:solidFill>
@@ -11383,7 +11387,7 @@
               </a:ln>
               <a:extLst>
                 <a:ext uri="{91240B29-F687-4f45-9708-019B960494DF}">
-                  <a14:hiddenLine xmlns="" xmlns:a14="http://schemas.microsoft.com/office/drawing/2010/main" w="9525">
+                  <a14:hiddenLine xmlns:a14="http://schemas.microsoft.com/office/drawing/2010/main" xmlns="" w="9525">
                     <a:solidFill>
                       <a:srgbClr val="000000"/>
                     </a:solidFill>
@@ -11448,7 +11452,7 @@
               </a:ln>
               <a:extLst>
                 <a:ext uri="{91240B29-F687-4f45-9708-019B960494DF}">
-                  <a14:hiddenLine xmlns="" xmlns:a14="http://schemas.microsoft.com/office/drawing/2010/main" w="9525">
+                  <a14:hiddenLine xmlns:a14="http://schemas.microsoft.com/office/drawing/2010/main" xmlns="" w="9525">
                     <a:solidFill>
                       <a:srgbClr val="000000"/>
                     </a:solidFill>
@@ -11538,7 +11542,7 @@
               </a:ln>
               <a:extLst>
                 <a:ext uri="{91240B29-F687-4f45-9708-019B960494DF}">
-                  <a14:hiddenLine xmlns="" xmlns:a14="http://schemas.microsoft.com/office/drawing/2010/main" w="9525">
+                  <a14:hiddenLine xmlns:a14="http://schemas.microsoft.com/office/drawing/2010/main" xmlns="" w="9525">
                     <a:solidFill>
                       <a:srgbClr val="000000"/>
                     </a:solidFill>
@@ -11606,7 +11610,7 @@
               </a:ln>
               <a:extLst>
                 <a:ext uri="{91240B29-F687-4f45-9708-019B960494DF}">
-                  <a14:hiddenLine xmlns="" xmlns:a14="http://schemas.microsoft.com/office/drawing/2010/main" w="9525">
+                  <a14:hiddenLine xmlns:a14="http://schemas.microsoft.com/office/drawing/2010/main" xmlns="" w="9525">
                     <a:solidFill>
                       <a:srgbClr val="000000"/>
                     </a:solidFill>
@@ -11696,7 +11700,7 @@
               </a:ln>
               <a:extLst>
                 <a:ext uri="{91240B29-F687-4f45-9708-019B960494DF}">
-                  <a14:hiddenLine xmlns="" xmlns:a14="http://schemas.microsoft.com/office/drawing/2010/main" w="9525">
+                  <a14:hiddenLine xmlns:a14="http://schemas.microsoft.com/office/drawing/2010/main" xmlns="" w="9525">
                     <a:solidFill>
                       <a:srgbClr val="000000"/>
                     </a:solidFill>
@@ -11764,7 +11768,7 @@
               </a:ln>
               <a:extLst>
                 <a:ext uri="{91240B29-F687-4f45-9708-019B960494DF}">
-                  <a14:hiddenLine xmlns="" xmlns:a14="http://schemas.microsoft.com/office/drawing/2010/main" w="9525">
+                  <a14:hiddenLine xmlns:a14="http://schemas.microsoft.com/office/drawing/2010/main" xmlns="" w="9525">
                     <a:solidFill>
                       <a:srgbClr val="000000"/>
                     </a:solidFill>
@@ -11854,7 +11858,7 @@
               </a:ln>
               <a:extLst>
                 <a:ext uri="{91240B29-F687-4f45-9708-019B960494DF}">
-                  <a14:hiddenLine xmlns="" xmlns:a14="http://schemas.microsoft.com/office/drawing/2010/main" w="9525">
+                  <a14:hiddenLine xmlns:a14="http://schemas.microsoft.com/office/drawing/2010/main" xmlns="" w="9525">
                     <a:solidFill>
                       <a:srgbClr val="000000"/>
                     </a:solidFill>
@@ -11888,7 +11892,7 @@
               </a:ln>
               <a:extLst>
                 <a:ext uri="{91240B29-F687-4f45-9708-019B960494DF}">
-                  <a14:hiddenLine xmlns="" xmlns:a14="http://schemas.microsoft.com/office/drawing/2010/main" w="9525">
+                  <a14:hiddenLine xmlns:a14="http://schemas.microsoft.com/office/drawing/2010/main" xmlns="" w="9525">
                     <a:solidFill>
                       <a:srgbClr val="000000"/>
                     </a:solidFill>
@@ -12588,6 +12592,557 @@
           <p:cNvPr id="2" name="Title 1">
             <a:extLst>
               <a:ext uri="{FF2B5EF4-FFF2-40B4-BE49-F238E27FC236}">
+                <a16:creationId xmlns:a16="http://schemas.microsoft.com/office/drawing/2014/main" id="{940A8AC8-75DF-B1EF-EF4E-3B0B9AF067DA}"/>
+              </a:ext>
+            </a:extLst>
+          </p:cNvPr>
+          <p:cNvSpPr>
+            <a:spLocks noGrp="1"/>
+          </p:cNvSpPr>
+          <p:nvPr>
+            <p:ph type="title"/>
+          </p:nvPr>
+        </p:nvSpPr>
+        <p:spPr/>
+        <p:txBody>
+          <a:bodyPr/>
+          <a:lstStyle/>
+          <a:p>
+            <a:r>
+              <a:rPr lang="en-US" dirty="0"/>
+              <a:t>Commits in bash</a:t>
+            </a:r>
+          </a:p>
+        </p:txBody>
+      </p:sp>
+      <p:pic>
+        <p:nvPicPr>
+          <p:cNvPr id="5" name="Content Placeholder 4">
+            <a:extLst>
+              <a:ext uri="{FF2B5EF4-FFF2-40B4-BE49-F238E27FC236}">
+                <a16:creationId xmlns:a16="http://schemas.microsoft.com/office/drawing/2014/main" id="{F8560C1A-7386-18D9-9A51-B40E593F25C8}"/>
+              </a:ext>
+            </a:extLst>
+          </p:cNvPr>
+          <p:cNvPicPr>
+            <a:picLocks noGrp="1" noChangeAspect="1"/>
+          </p:cNvPicPr>
+          <p:nvPr>
+            <p:ph idx="1"/>
+          </p:nvPr>
+        </p:nvPicPr>
+        <p:blipFill>
+          <a:blip r:embed="rId2"/>
+          <a:stretch>
+            <a:fillRect/>
+          </a:stretch>
+        </p:blipFill>
+        <p:spPr>
+          <a:xfrm>
+            <a:off x="5160397" y="1948875"/>
+            <a:ext cx="6782497" cy="2761445"/>
+          </a:xfrm>
+        </p:spPr>
+      </p:pic>
+      <p:sp>
+        <p:nvSpPr>
+          <p:cNvPr id="6" name="TextBox 5">
+            <a:extLst>
+              <a:ext uri="{FF2B5EF4-FFF2-40B4-BE49-F238E27FC236}">
+                <a16:creationId xmlns:a16="http://schemas.microsoft.com/office/drawing/2014/main" id="{4B3908E8-E7C2-0A08-F649-4D1054BB9D7F}"/>
+              </a:ext>
+            </a:extLst>
+          </p:cNvPr>
+          <p:cNvSpPr txBox="1"/>
+          <p:nvPr/>
+        </p:nvSpPr>
+        <p:spPr>
+          <a:xfrm>
+            <a:off x="730370" y="2097088"/>
+            <a:ext cx="4268797" cy="3162019"/>
+          </a:xfrm>
+          <a:prstGeom prst="rect">
+            <a:avLst/>
+          </a:prstGeom>
+          <a:noFill/>
+        </p:spPr>
+        <p:txBody>
+          <a:bodyPr wrap="none" rtlCol="0">
+            <a:spAutoFit/>
+          </a:bodyPr>
+          <a:lstStyle/>
+          <a:p>
+            <a:pPr marL="0" marR="0">
+              <a:lnSpc>
+                <a:spcPct val="107000"/>
+              </a:lnSpc>
+              <a:spcBef>
+                <a:spcPts val="0"/>
+              </a:spcBef>
+              <a:spcAft>
+                <a:spcPts val="800"/>
+              </a:spcAft>
+            </a:pPr>
+            <a:r>
+              <a:rPr lang="en-US" sz="1800" i="1" kern="100" dirty="0">
+                <a:effectLst/>
+                <a:latin typeface="Aptos" panose="020B0004020202020204" pitchFamily="34" charset="0"/>
+                <a:ea typeface="Aptos" panose="020B0004020202020204" pitchFamily="34" charset="0"/>
+                <a:cs typeface="Times New Roman" panose="02020603050405020304" pitchFamily="18" charset="0"/>
+              </a:rPr>
+              <a:t>git </a:t>
+            </a:r>
+            <a:r>
+              <a:rPr lang="en-US" sz="1800" i="1" kern="100" dirty="0" err="1">
+                <a:effectLst/>
+                <a:latin typeface="Aptos" panose="020B0004020202020204" pitchFamily="34" charset="0"/>
+                <a:ea typeface="Aptos" panose="020B0004020202020204" pitchFamily="34" charset="0"/>
+                <a:cs typeface="Times New Roman" panose="02020603050405020304" pitchFamily="18" charset="0"/>
+              </a:rPr>
+              <a:t>init</a:t>
+            </a:r>
+            <a:r>
+              <a:rPr lang="en-US" sz="1800" i="1" kern="100" dirty="0">
+                <a:effectLst/>
+                <a:latin typeface="Aptos" panose="020B0004020202020204" pitchFamily="34" charset="0"/>
+                <a:ea typeface="Aptos" panose="020B0004020202020204" pitchFamily="34" charset="0"/>
+                <a:cs typeface="Times New Roman" panose="02020603050405020304" pitchFamily="18" charset="0"/>
+              </a:rPr>
+              <a:t> -b &lt;name of the local branch&gt;</a:t>
+            </a:r>
+            <a:endParaRPr lang="en-US" sz="1800" kern="100" dirty="0">
+              <a:effectLst/>
+              <a:latin typeface="Aptos" panose="020B0004020202020204" pitchFamily="34" charset="0"/>
+              <a:ea typeface="Aptos" panose="020B0004020202020204" pitchFamily="34" charset="0"/>
+              <a:cs typeface="Times New Roman" panose="02020603050405020304" pitchFamily="18" charset="0"/>
+            </a:endParaRPr>
+          </a:p>
+          <a:p>
+            <a:pPr marL="0" marR="0">
+              <a:lnSpc>
+                <a:spcPct val="107000"/>
+              </a:lnSpc>
+              <a:spcBef>
+                <a:spcPts val="0"/>
+              </a:spcBef>
+              <a:spcAft>
+                <a:spcPts val="800"/>
+              </a:spcAft>
+            </a:pPr>
+            <a:r>
+              <a:rPr lang="en-US" sz="1800" i="1" kern="100" dirty="0">
+                <a:effectLst/>
+                <a:latin typeface="Aptos" panose="020B0004020202020204" pitchFamily="34" charset="0"/>
+                <a:ea typeface="Aptos" panose="020B0004020202020204" pitchFamily="34" charset="0"/>
+                <a:cs typeface="Times New Roman" panose="02020603050405020304" pitchFamily="18" charset="0"/>
+              </a:rPr>
+              <a:t>Git checkout -b &lt;name of branch&gt;</a:t>
+            </a:r>
+            <a:endParaRPr lang="en-US" sz="1800" kern="100" dirty="0">
+              <a:effectLst/>
+              <a:latin typeface="Aptos" panose="020B0004020202020204" pitchFamily="34" charset="0"/>
+              <a:ea typeface="Aptos" panose="020B0004020202020204" pitchFamily="34" charset="0"/>
+              <a:cs typeface="Times New Roman" panose="02020603050405020304" pitchFamily="18" charset="0"/>
+            </a:endParaRPr>
+          </a:p>
+          <a:p>
+            <a:pPr marL="0" marR="0">
+              <a:lnSpc>
+                <a:spcPct val="107000"/>
+              </a:lnSpc>
+              <a:spcBef>
+                <a:spcPts val="0"/>
+              </a:spcBef>
+              <a:spcAft>
+                <a:spcPts val="800"/>
+              </a:spcAft>
+            </a:pPr>
+            <a:r>
+              <a:rPr lang="en-US" sz="1800" kern="100" dirty="0">
+                <a:effectLst/>
+                <a:latin typeface="Aptos" panose="020B0004020202020204" pitchFamily="34" charset="0"/>
+                <a:ea typeface="Aptos" panose="020B0004020202020204" pitchFamily="34" charset="0"/>
+                <a:cs typeface="Times New Roman" panose="02020603050405020304" pitchFamily="18" charset="0"/>
+              </a:rPr>
+              <a:t>Add the files to your current local Branch:</a:t>
+            </a:r>
+          </a:p>
+          <a:p>
+            <a:pPr marL="0" marR="0">
+              <a:lnSpc>
+                <a:spcPct val="107000"/>
+              </a:lnSpc>
+              <a:spcBef>
+                <a:spcPts val="0"/>
+              </a:spcBef>
+              <a:spcAft>
+                <a:spcPts val="800"/>
+              </a:spcAft>
+            </a:pPr>
+            <a:r>
+              <a:rPr lang="en-US" sz="1800" i="1" kern="100" dirty="0">
+                <a:effectLst/>
+                <a:latin typeface="Aptos" panose="020B0004020202020204" pitchFamily="34" charset="0"/>
+                <a:ea typeface="Aptos" panose="020B0004020202020204" pitchFamily="34" charset="0"/>
+                <a:cs typeface="Times New Roman" panose="02020603050405020304" pitchFamily="18" charset="0"/>
+              </a:rPr>
+              <a:t>git add .</a:t>
+            </a:r>
+            <a:endParaRPr lang="en-US" sz="1800" kern="100" dirty="0">
+              <a:effectLst/>
+              <a:latin typeface="Aptos" panose="020B0004020202020204" pitchFamily="34" charset="0"/>
+              <a:ea typeface="Aptos" panose="020B0004020202020204" pitchFamily="34" charset="0"/>
+              <a:cs typeface="Times New Roman" panose="02020603050405020304" pitchFamily="18" charset="0"/>
+            </a:endParaRPr>
+          </a:p>
+          <a:p>
+            <a:pPr marL="0" marR="0">
+              <a:lnSpc>
+                <a:spcPct val="107000"/>
+              </a:lnSpc>
+              <a:spcBef>
+                <a:spcPts val="0"/>
+              </a:spcBef>
+              <a:spcAft>
+                <a:spcPts val="800"/>
+              </a:spcAft>
+            </a:pPr>
+            <a:r>
+              <a:rPr lang="en-US" sz="1800" i="1" kern="100" dirty="0">
+                <a:effectLst/>
+                <a:latin typeface="Aptos" panose="020B0004020202020204" pitchFamily="34" charset="0"/>
+                <a:ea typeface="Aptos" panose="020B0004020202020204" pitchFamily="34" charset="0"/>
+                <a:cs typeface="Times New Roman" panose="02020603050405020304" pitchFamily="18" charset="0"/>
+              </a:rPr>
+              <a:t>git commit -m “&lt;</a:t>
+            </a:r>
+            <a:r>
+              <a:rPr lang="en-US" sz="1800" i="1" kern="100" dirty="0" err="1">
+                <a:effectLst/>
+                <a:latin typeface="Aptos" panose="020B0004020202020204" pitchFamily="34" charset="0"/>
+                <a:ea typeface="Aptos" panose="020B0004020202020204" pitchFamily="34" charset="0"/>
+                <a:cs typeface="Times New Roman" panose="02020603050405020304" pitchFamily="18" charset="0"/>
+              </a:rPr>
+              <a:t>DEV_</a:t>
+            </a:r>
+            <a:r>
+              <a:rPr lang="en-US" i="1" kern="100" dirty="0" err="1">
+                <a:latin typeface="Aptos" panose="020B0004020202020204" pitchFamily="34" charset="0"/>
+                <a:ea typeface="Aptos" panose="020B0004020202020204" pitchFamily="34" charset="0"/>
+                <a:cs typeface="Times New Roman" panose="02020603050405020304" pitchFamily="18" charset="0"/>
+              </a:rPr>
+              <a:t>note</a:t>
+            </a:r>
+            <a:r>
+              <a:rPr lang="en-US" sz="1800" i="1" kern="100" dirty="0">
+                <a:effectLst/>
+                <a:latin typeface="Aptos" panose="020B0004020202020204" pitchFamily="34" charset="0"/>
+                <a:ea typeface="Aptos" panose="020B0004020202020204" pitchFamily="34" charset="0"/>
+                <a:cs typeface="Times New Roman" panose="02020603050405020304" pitchFamily="18" charset="0"/>
+              </a:rPr>
+              <a:t>&gt;”</a:t>
+            </a:r>
+            <a:endParaRPr lang="en-US" sz="1800" kern="100" dirty="0">
+              <a:effectLst/>
+              <a:latin typeface="Aptos" panose="020B0004020202020204" pitchFamily="34" charset="0"/>
+              <a:ea typeface="Aptos" panose="020B0004020202020204" pitchFamily="34" charset="0"/>
+              <a:cs typeface="Times New Roman" panose="02020603050405020304" pitchFamily="18" charset="0"/>
+            </a:endParaRPr>
+          </a:p>
+          <a:p>
+            <a:pPr marL="0" marR="0">
+              <a:lnSpc>
+                <a:spcPct val="107000"/>
+              </a:lnSpc>
+              <a:spcBef>
+                <a:spcPts val="0"/>
+              </a:spcBef>
+              <a:spcAft>
+                <a:spcPts val="800"/>
+              </a:spcAft>
+            </a:pPr>
+            <a:r>
+              <a:rPr lang="en-US" sz="1800" i="1" kern="100" dirty="0">
+                <a:effectLst/>
+                <a:latin typeface="Aptos" panose="020B0004020202020204" pitchFamily="34" charset="0"/>
+                <a:ea typeface="Aptos" panose="020B0004020202020204" pitchFamily="34" charset="0"/>
+                <a:cs typeface="Times New Roman" panose="02020603050405020304" pitchFamily="18" charset="0"/>
+              </a:rPr>
+              <a:t>git remote add &lt;name&gt; &lt;URL fork link&gt;</a:t>
+            </a:r>
+            <a:endParaRPr lang="en-US" sz="1800" kern="100" dirty="0">
+              <a:effectLst/>
+              <a:latin typeface="Aptos" panose="020B0004020202020204" pitchFamily="34" charset="0"/>
+              <a:ea typeface="Aptos" panose="020B0004020202020204" pitchFamily="34" charset="0"/>
+              <a:cs typeface="Times New Roman" panose="02020603050405020304" pitchFamily="18" charset="0"/>
+            </a:endParaRPr>
+          </a:p>
+          <a:p>
+            <a:pPr marL="0" marR="0">
+              <a:lnSpc>
+                <a:spcPct val="107000"/>
+              </a:lnSpc>
+              <a:spcBef>
+                <a:spcPts val="0"/>
+              </a:spcBef>
+              <a:spcAft>
+                <a:spcPts val="800"/>
+              </a:spcAft>
+            </a:pPr>
+            <a:r>
+              <a:rPr lang="en-US" sz="1800" i="1" kern="100" dirty="0">
+                <a:effectLst/>
+                <a:latin typeface="Aptos" panose="020B0004020202020204" pitchFamily="34" charset="0"/>
+                <a:ea typeface="Aptos" panose="020B0004020202020204" pitchFamily="34" charset="0"/>
+                <a:cs typeface="Times New Roman" panose="02020603050405020304" pitchFamily="18" charset="0"/>
+              </a:rPr>
+              <a:t>git push &lt;remote&gt; &lt;branch&gt;</a:t>
+            </a:r>
+            <a:endParaRPr lang="en-US" sz="1800" kern="100" dirty="0">
+              <a:effectLst/>
+              <a:latin typeface="Aptos" panose="020B0004020202020204" pitchFamily="34" charset="0"/>
+              <a:ea typeface="Aptos" panose="020B0004020202020204" pitchFamily="34" charset="0"/>
+              <a:cs typeface="Times New Roman" panose="02020603050405020304" pitchFamily="18" charset="0"/>
+            </a:endParaRPr>
+          </a:p>
+          <a:p>
+            <a:endParaRPr lang="en-US" dirty="0"/>
+          </a:p>
+        </p:txBody>
+      </p:sp>
+    </p:spTree>
+    <p:extLst>
+      <p:ext uri="{BB962C8B-B14F-4D97-AF65-F5344CB8AC3E}">
+        <p14:creationId xmlns:p14="http://schemas.microsoft.com/office/powerpoint/2010/main" val="3641515971"/>
+      </p:ext>
+    </p:extLst>
+  </p:cSld>
+  <p:clrMapOvr>
+    <a:masterClrMapping/>
+  </p:clrMapOvr>
+</p:sld>
+</file>
+
+<file path=ppt/slides/slide11.xml><?xml version="1.0" encoding="utf-8"?>
+<p:sld xmlns:a="http://schemas.openxmlformats.org/drawingml/2006/main" xmlns:r="http://schemas.openxmlformats.org/officeDocument/2006/relationships" xmlns:p="http://schemas.openxmlformats.org/presentationml/2006/main">
+  <p:cSld>
+    <p:spTree>
+      <p:nvGrpSpPr>
+        <p:cNvPr id="1" name=""/>
+        <p:cNvGrpSpPr/>
+        <p:nvPr/>
+      </p:nvGrpSpPr>
+      <p:grpSpPr>
+        <a:xfrm>
+          <a:off x="0" y="0"/>
+          <a:ext cx="0" cy="0"/>
+          <a:chOff x="0" y="0"/>
+          <a:chExt cx="0" cy="0"/>
+        </a:xfrm>
+      </p:grpSpPr>
+      <p:sp>
+        <p:nvSpPr>
+          <p:cNvPr id="2" name="Title 1">
+            <a:extLst>
+              <a:ext uri="{FF2B5EF4-FFF2-40B4-BE49-F238E27FC236}">
+                <a16:creationId xmlns:a16="http://schemas.microsoft.com/office/drawing/2014/main" id="{48DFBDBF-7B87-A11F-42DD-AC8E4F665B84}"/>
+              </a:ext>
+            </a:extLst>
+          </p:cNvPr>
+          <p:cNvSpPr>
+            <a:spLocks noGrp="1"/>
+          </p:cNvSpPr>
+          <p:nvPr>
+            <p:ph type="title"/>
+          </p:nvPr>
+        </p:nvSpPr>
+        <p:spPr/>
+        <p:txBody>
+          <a:bodyPr/>
+          <a:lstStyle/>
+          <a:p>
+            <a:r>
+              <a:rPr lang="en-US" dirty="0"/>
+              <a:t>Cloning in git </a:t>
+            </a:r>
+            <a:r>
+              <a:rPr lang="en-US" dirty="0" err="1"/>
+              <a:t>gui</a:t>
+            </a:r>
+            <a:endParaRPr lang="en-US" dirty="0"/>
+          </a:p>
+        </p:txBody>
+      </p:sp>
+      <p:pic>
+        <p:nvPicPr>
+          <p:cNvPr id="5" name="Content Placeholder 4">
+            <a:extLst>
+              <a:ext uri="{FF2B5EF4-FFF2-40B4-BE49-F238E27FC236}">
+                <a16:creationId xmlns:a16="http://schemas.microsoft.com/office/drawing/2014/main" id="{FC1A7F4C-C83B-8476-2BE9-598AA5375DD2}"/>
+              </a:ext>
+            </a:extLst>
+          </p:cNvPr>
+          <p:cNvPicPr>
+            <a:picLocks noGrp="1" noChangeAspect="1"/>
+          </p:cNvPicPr>
+          <p:nvPr>
+            <p:ph idx="1"/>
+          </p:nvPr>
+        </p:nvPicPr>
+        <p:blipFill>
+          <a:blip r:embed="rId2"/>
+          <a:srcRect l="4241" t="3764" r="3469" b="5719"/>
+          <a:stretch/>
+        </p:blipFill>
+        <p:spPr>
+          <a:xfrm>
+            <a:off x="164432" y="1641987"/>
+            <a:ext cx="3903406" cy="2635045"/>
+          </a:xfrm>
+        </p:spPr>
+      </p:pic>
+      <p:pic>
+        <p:nvPicPr>
+          <p:cNvPr id="7" name="Picture 6" descr="A screenshot of a computer&#10;&#10;Description automatically generated">
+            <a:extLst>
+              <a:ext uri="{FF2B5EF4-FFF2-40B4-BE49-F238E27FC236}">
+                <a16:creationId xmlns:a16="http://schemas.microsoft.com/office/drawing/2014/main" id="{675B8239-103E-84C4-4A67-9F8418662FC4}"/>
+              </a:ext>
+            </a:extLst>
+          </p:cNvPr>
+          <p:cNvPicPr>
+            <a:picLocks noChangeAspect="1"/>
+          </p:cNvPicPr>
+          <p:nvPr/>
+        </p:nvPicPr>
+        <p:blipFill>
+          <a:blip r:embed="rId3">
+            <a:extLst>
+              <a:ext uri="{28A0092B-C50C-407E-A947-70E740481C1C}">
+                <a14:useLocalDpi xmlns:a14="http://schemas.microsoft.com/office/drawing/2010/main" val="0"/>
+              </a:ext>
+            </a:extLst>
+          </a:blip>
+          <a:stretch>
+            <a:fillRect/>
+          </a:stretch>
+        </p:blipFill>
+        <p:spPr>
+          <a:xfrm>
+            <a:off x="1" y="3535107"/>
+            <a:ext cx="6596882" cy="2684068"/>
+          </a:xfrm>
+          <a:prstGeom prst="rect">
+            <a:avLst/>
+          </a:prstGeom>
+        </p:spPr>
+      </p:pic>
+      <p:pic>
+        <p:nvPicPr>
+          <p:cNvPr id="9" name="Picture 8" descr="A screenshot of a computer&#10;&#10;Description automatically generated">
+            <a:extLst>
+              <a:ext uri="{FF2B5EF4-FFF2-40B4-BE49-F238E27FC236}">
+                <a16:creationId xmlns:a16="http://schemas.microsoft.com/office/drawing/2014/main" id="{E525984E-43DE-6331-17FB-EA6706FA3DBA}"/>
+              </a:ext>
+            </a:extLst>
+          </p:cNvPr>
+          <p:cNvPicPr>
+            <a:picLocks noChangeAspect="1"/>
+          </p:cNvPicPr>
+          <p:nvPr/>
+        </p:nvPicPr>
+        <p:blipFill>
+          <a:blip r:embed="rId4">
+            <a:extLst>
+              <a:ext uri="{28A0092B-C50C-407E-A947-70E740481C1C}">
+                <a14:useLocalDpi xmlns:a14="http://schemas.microsoft.com/office/drawing/2010/main" val="0"/>
+              </a:ext>
+            </a:extLst>
+          </a:blip>
+          <a:stretch>
+            <a:fillRect/>
+          </a:stretch>
+        </p:blipFill>
+        <p:spPr>
+          <a:xfrm>
+            <a:off x="6499121" y="112797"/>
+            <a:ext cx="5525271" cy="6106377"/>
+          </a:xfrm>
+          <a:prstGeom prst="rect">
+            <a:avLst/>
+          </a:prstGeom>
+        </p:spPr>
+      </p:pic>
+      <p:sp>
+        <p:nvSpPr>
+          <p:cNvPr id="10" name="TextBox 9">
+            <a:extLst>
+              <a:ext uri="{FF2B5EF4-FFF2-40B4-BE49-F238E27FC236}">
+                <a16:creationId xmlns:a16="http://schemas.microsoft.com/office/drawing/2014/main" id="{738D293C-EB03-1DA9-1A92-8D7203AB9B94}"/>
+              </a:ext>
+            </a:extLst>
+          </p:cNvPr>
+          <p:cNvSpPr txBox="1"/>
+          <p:nvPr/>
+        </p:nvSpPr>
+        <p:spPr>
+          <a:xfrm>
+            <a:off x="2261419" y="6489290"/>
+            <a:ext cx="5048113" cy="369332"/>
+          </a:xfrm>
+          <a:prstGeom prst="rect">
+            <a:avLst/>
+          </a:prstGeom>
+          <a:noFill/>
+        </p:spPr>
+        <p:txBody>
+          <a:bodyPr wrap="none" rtlCol="0">
+            <a:spAutoFit/>
+          </a:bodyPr>
+          <a:lstStyle/>
+          <a:p>
+            <a:r>
+              <a:rPr lang="en-US" dirty="0"/>
+              <a:t>NOTE: The last /APXSRC folder cannot exist in clone</a:t>
+            </a:r>
+          </a:p>
+        </p:txBody>
+      </p:sp>
+    </p:spTree>
+    <p:extLst>
+      <p:ext uri="{BB962C8B-B14F-4D97-AF65-F5344CB8AC3E}">
+        <p14:creationId xmlns:p14="http://schemas.microsoft.com/office/powerpoint/2010/main" val="819485861"/>
+      </p:ext>
+    </p:extLst>
+  </p:cSld>
+  <p:clrMapOvr>
+    <a:masterClrMapping/>
+  </p:clrMapOvr>
+</p:sld>
+</file>
+
+<file path=ppt/slides/slide12.xml><?xml version="1.0" encoding="utf-8"?>
+<p:sld xmlns:a="http://schemas.openxmlformats.org/drawingml/2006/main" xmlns:r="http://schemas.openxmlformats.org/officeDocument/2006/relationships" xmlns:p="http://schemas.openxmlformats.org/presentationml/2006/main">
+  <p:cSld>
+    <p:spTree>
+      <p:nvGrpSpPr>
+        <p:cNvPr id="1" name=""/>
+        <p:cNvGrpSpPr/>
+        <p:nvPr/>
+      </p:nvGrpSpPr>
+      <p:grpSpPr>
+        <a:xfrm>
+          <a:off x="0" y="0"/>
+          <a:ext cx="0" cy="0"/>
+          <a:chOff x="0" y="0"/>
+          <a:chExt cx="0" cy="0"/>
+        </a:xfrm>
+      </p:grpSpPr>
+      <p:sp>
+        <p:nvSpPr>
+          <p:cNvPr id="2" name="Title 1">
+            <a:extLst>
+              <a:ext uri="{FF2B5EF4-FFF2-40B4-BE49-F238E27FC236}">
                 <a16:creationId xmlns:a16="http://schemas.microsoft.com/office/drawing/2014/main" id="{1C75A40D-3E81-4D0C-4F9B-6C6D6AFEBA7E}"/>
               </a:ext>
             </a:extLst>
@@ -12616,28 +13171,121 @@
           </a:p>
         </p:txBody>
       </p:sp>
-      <p:sp>
-        <p:nvSpPr>
-          <p:cNvPr id="3" name="Content Placeholder 2">
+      <p:pic>
+        <p:nvPicPr>
+          <p:cNvPr id="5" name="Content Placeholder 4">
             <a:extLst>
               <a:ext uri="{FF2B5EF4-FFF2-40B4-BE49-F238E27FC236}">
-                <a16:creationId xmlns:a16="http://schemas.microsoft.com/office/drawing/2014/main" id="{E453F73B-755D-79A8-C8DB-12E7F2DB815F}"/>
+                <a16:creationId xmlns:a16="http://schemas.microsoft.com/office/drawing/2014/main" id="{DA773DB2-7866-946C-ED7E-4B5F87061D58}"/>
               </a:ext>
             </a:extLst>
           </p:cNvPr>
-          <p:cNvSpPr>
-            <a:spLocks noGrp="1"/>
-          </p:cNvSpPr>
+          <p:cNvPicPr>
+            <a:picLocks noGrp="1" noChangeAspect="1"/>
+          </p:cNvPicPr>
           <p:nvPr>
             <p:ph idx="1"/>
           </p:nvPr>
+        </p:nvPicPr>
+        <p:blipFill>
+          <a:blip r:embed="rId2"/>
+          <a:stretch>
+            <a:fillRect/>
+          </a:stretch>
+        </p:blipFill>
+        <p:spPr>
+          <a:xfrm>
+            <a:off x="6416951" y="1478570"/>
+            <a:ext cx="5117762" cy="4760912"/>
+          </a:xfrm>
+        </p:spPr>
+      </p:pic>
+      <p:pic>
+        <p:nvPicPr>
+          <p:cNvPr id="4" name="Picture 3">
+            <a:extLst>
+              <a:ext uri="{FF2B5EF4-FFF2-40B4-BE49-F238E27FC236}">
+                <a16:creationId xmlns:a16="http://schemas.microsoft.com/office/drawing/2014/main" id="{12277F98-C013-0DD4-3746-8A335F61FB3C}"/>
+              </a:ext>
+            </a:extLst>
+          </p:cNvPr>
+          <p:cNvPicPr>
+            <a:picLocks noChangeAspect="1"/>
+          </p:cNvPicPr>
+          <p:nvPr/>
+        </p:nvPicPr>
+        <p:blipFill>
+          <a:blip r:embed="rId3"/>
+          <a:stretch>
+            <a:fillRect/>
+          </a:stretch>
+        </p:blipFill>
+        <p:spPr>
+          <a:xfrm>
+            <a:off x="1011432" y="1704972"/>
+            <a:ext cx="5082980" cy="1501270"/>
+          </a:xfrm>
+          <a:prstGeom prst="rect">
+            <a:avLst/>
+          </a:prstGeom>
+        </p:spPr>
+      </p:pic>
+      <p:sp>
+        <p:nvSpPr>
+          <p:cNvPr id="6" name="TextBox 5">
+            <a:extLst>
+              <a:ext uri="{FF2B5EF4-FFF2-40B4-BE49-F238E27FC236}">
+                <a16:creationId xmlns:a16="http://schemas.microsoft.com/office/drawing/2014/main" id="{C330B994-8032-4A5F-A289-37655EB4AD2E}"/>
+              </a:ext>
+            </a:extLst>
+          </p:cNvPr>
+          <p:cNvSpPr txBox="1"/>
+          <p:nvPr/>
         </p:nvSpPr>
-        <p:spPr/>
+        <p:spPr>
+          <a:xfrm>
+            <a:off x="1141413" y="3755923"/>
+            <a:ext cx="3957943" cy="1477328"/>
+          </a:xfrm>
+          <a:prstGeom prst="rect">
+            <a:avLst/>
+          </a:prstGeom>
+          <a:noFill/>
+        </p:spPr>
         <p:txBody>
-          <a:bodyPr/>
+          <a:bodyPr wrap="none" rtlCol="0">
+            <a:spAutoFit/>
+          </a:bodyPr>
           <a:lstStyle/>
           <a:p>
-            <a:endParaRPr lang="en-US"/>
+            <a:r>
+              <a:rPr lang="en-US" dirty="0"/>
+              <a:t>Select Rescan </a:t>
+            </a:r>
+          </a:p>
+          <a:p>
+            <a:r>
+              <a:rPr lang="en-US" dirty="0"/>
+              <a:t>Select Stage Changes</a:t>
+            </a:r>
+          </a:p>
+          <a:p>
+            <a:r>
+              <a:rPr lang="en-US" dirty="0"/>
+              <a:t>Add a commit message</a:t>
+            </a:r>
+          </a:p>
+          <a:p>
+            <a:r>
+              <a:rPr lang="en-US" dirty="0"/>
+              <a:t>Commit</a:t>
+            </a:r>
+          </a:p>
+          <a:p>
+            <a:r>
+              <a:rPr lang="en-US" dirty="0"/>
+              <a:t>Push – this will submit changes to GITHUB</a:t>
+            </a:r>
           </a:p>
         </p:txBody>
       </p:sp>
@@ -12654,7 +13302,192 @@
 </p:sld>
 </file>
 
-<file path=ppt/slides/slide11.xml><?xml version="1.0" encoding="utf-8"?>
+<file path=ppt/slides/slide13.xml><?xml version="1.0" encoding="utf-8"?>
+<p:sld xmlns:a="http://schemas.openxmlformats.org/drawingml/2006/main" xmlns:r="http://schemas.openxmlformats.org/officeDocument/2006/relationships" xmlns:p="http://schemas.openxmlformats.org/presentationml/2006/main">
+  <p:cSld>
+    <p:spTree>
+      <p:nvGrpSpPr>
+        <p:cNvPr id="1" name=""/>
+        <p:cNvGrpSpPr/>
+        <p:nvPr/>
+      </p:nvGrpSpPr>
+      <p:grpSpPr>
+        <a:xfrm>
+          <a:off x="0" y="0"/>
+          <a:ext cx="0" cy="0"/>
+          <a:chOff x="0" y="0"/>
+          <a:chExt cx="0" cy="0"/>
+        </a:xfrm>
+      </p:grpSpPr>
+      <p:sp>
+        <p:nvSpPr>
+          <p:cNvPr id="2" name="Title 1">
+            <a:extLst>
+              <a:ext uri="{FF2B5EF4-FFF2-40B4-BE49-F238E27FC236}">
+                <a16:creationId xmlns:a16="http://schemas.microsoft.com/office/drawing/2014/main" id="{413557E4-A4EB-FDFA-B561-32F6AB6CAFFB}"/>
+              </a:ext>
+            </a:extLst>
+          </p:cNvPr>
+          <p:cNvSpPr>
+            <a:spLocks noGrp="1"/>
+          </p:cNvSpPr>
+          <p:nvPr>
+            <p:ph type="title"/>
+          </p:nvPr>
+        </p:nvSpPr>
+        <p:spPr/>
+        <p:txBody>
+          <a:bodyPr/>
+          <a:lstStyle/>
+          <a:p>
+            <a:r>
+              <a:rPr lang="en-US" dirty="0"/>
+              <a:t>Zip download from </a:t>
+            </a:r>
+            <a:r>
+              <a:rPr lang="en-US" dirty="0" err="1"/>
+              <a:t>github</a:t>
+            </a:r>
+            <a:endParaRPr lang="en-US" dirty="0"/>
+          </a:p>
+        </p:txBody>
+      </p:sp>
+      <p:pic>
+        <p:nvPicPr>
+          <p:cNvPr id="5" name="Content Placeholder 4">
+            <a:extLst>
+              <a:ext uri="{FF2B5EF4-FFF2-40B4-BE49-F238E27FC236}">
+                <a16:creationId xmlns:a16="http://schemas.microsoft.com/office/drawing/2014/main" id="{B84CCC23-369F-09C7-921D-DB32B24C5CD6}"/>
+              </a:ext>
+            </a:extLst>
+          </p:cNvPr>
+          <p:cNvPicPr>
+            <a:picLocks noGrp="1" noChangeAspect="1"/>
+          </p:cNvPicPr>
+          <p:nvPr>
+            <p:ph idx="1"/>
+          </p:nvPr>
+        </p:nvPicPr>
+        <p:blipFill>
+          <a:blip r:embed="rId2"/>
+          <a:stretch>
+            <a:fillRect/>
+          </a:stretch>
+        </p:blipFill>
+        <p:spPr>
+          <a:xfrm>
+            <a:off x="1141413" y="1763885"/>
+            <a:ext cx="4954540" cy="4046980"/>
+          </a:xfrm>
+        </p:spPr>
+      </p:pic>
+      <p:sp>
+        <p:nvSpPr>
+          <p:cNvPr id="6" name="TextBox 5">
+            <a:extLst>
+              <a:ext uri="{FF2B5EF4-FFF2-40B4-BE49-F238E27FC236}">
+                <a16:creationId xmlns:a16="http://schemas.microsoft.com/office/drawing/2014/main" id="{1B13A0D3-E43C-B694-6B93-07D7E2686A2E}"/>
+              </a:ext>
+            </a:extLst>
+          </p:cNvPr>
+          <p:cNvSpPr txBox="1"/>
+          <p:nvPr/>
+        </p:nvSpPr>
+        <p:spPr>
+          <a:xfrm>
+            <a:off x="6607277" y="2182761"/>
+            <a:ext cx="5218095" cy="2862322"/>
+          </a:xfrm>
+          <a:prstGeom prst="rect">
+            <a:avLst/>
+          </a:prstGeom>
+          <a:noFill/>
+        </p:spPr>
+        <p:txBody>
+          <a:bodyPr wrap="none" rtlCol="0">
+            <a:spAutoFit/>
+          </a:bodyPr>
+          <a:lstStyle/>
+          <a:p>
+            <a:r>
+              <a:rPr lang="en-US" dirty="0"/>
+              <a:t>From the &lt;&gt; Code tab the dev can obtain the git </a:t>
+            </a:r>
+            <a:r>
+              <a:rPr lang="en-US" dirty="0" err="1"/>
+              <a:t>url</a:t>
+            </a:r>
+            <a:endParaRPr lang="en-US" dirty="0"/>
+          </a:p>
+          <a:p>
+            <a:endParaRPr lang="en-US" dirty="0"/>
+          </a:p>
+          <a:p>
+            <a:r>
+              <a:rPr lang="en-US" dirty="0"/>
+              <a:t>Dev team is not currently using GitHub Desktop.</a:t>
+            </a:r>
+          </a:p>
+          <a:p>
+            <a:endParaRPr lang="en-US" dirty="0"/>
+          </a:p>
+          <a:p>
+            <a:r>
+              <a:rPr lang="en-US" dirty="0"/>
+              <a:t>Download zip is easiest to use on the one off obtaining</a:t>
+            </a:r>
+          </a:p>
+          <a:p>
+            <a:r>
+              <a:rPr lang="en-US" dirty="0"/>
+              <a:t>Files. The problem with getting the whole </a:t>
+            </a:r>
+            <a:r>
+              <a:rPr lang="en-US" dirty="0" err="1"/>
+              <a:t>codespace</a:t>
+            </a:r>
+            <a:endParaRPr lang="en-US" dirty="0"/>
+          </a:p>
+          <a:p>
+            <a:r>
+              <a:rPr lang="en-US" dirty="0"/>
+              <a:t>Causes a failure loading symbols in the IDE from a </a:t>
+            </a:r>
+          </a:p>
+          <a:p>
+            <a:r>
+              <a:rPr lang="en-US" dirty="0"/>
+              <a:t>Microsoft security issue. This can be fixed by going </a:t>
+            </a:r>
+          </a:p>
+          <a:p>
+            <a:r>
+              <a:rPr lang="en-US" dirty="0"/>
+              <a:t>In the file explorer to those files and changing the </a:t>
+            </a:r>
+          </a:p>
+          <a:p>
+            <a:r>
+              <a:rPr lang="en-US"/>
+              <a:t>Security settings.</a:t>
+            </a:r>
+          </a:p>
+        </p:txBody>
+      </p:sp>
+    </p:spTree>
+    <p:extLst>
+      <p:ext uri="{BB962C8B-B14F-4D97-AF65-F5344CB8AC3E}">
+        <p14:creationId xmlns:p14="http://schemas.microsoft.com/office/powerpoint/2010/main" val="1854116891"/>
+      </p:ext>
+    </p:extLst>
+  </p:cSld>
+  <p:clrMapOvr>
+    <a:masterClrMapping/>
+  </p:clrMapOvr>
+</p:sld>
+</file>
+
+<file path=ppt/slides/slide14.xml><?xml version="1.0" encoding="utf-8"?>
 <p:sld xmlns:a="http://schemas.openxmlformats.org/drawingml/2006/main" xmlns:r="http://schemas.openxmlformats.org/officeDocument/2006/relationships" xmlns:p="http://schemas.openxmlformats.org/presentationml/2006/main">
   <p:cSld>
     <p:spTree>
@@ -12762,7 +13595,7 @@
 </p:sld>
 </file>
 
-<file path=ppt/slides/slide12.xml><?xml version="1.0" encoding="utf-8"?>
+<file path=ppt/slides/slide15.xml><?xml version="1.0" encoding="utf-8"?>
 <p:sld xmlns:a="http://schemas.openxmlformats.org/drawingml/2006/main" xmlns:r="http://schemas.openxmlformats.org/officeDocument/2006/relationships" xmlns:p="http://schemas.openxmlformats.org/presentationml/2006/main">
   <p:cSld>
     <p:spTree>
@@ -12784,7 +13617,7 @@
           <p:cNvPr id="2" name="Title 1">
             <a:extLst>
               <a:ext uri="{FF2B5EF4-FFF2-40B4-BE49-F238E27FC236}">
-                <a16:creationId xmlns:a16="http://schemas.microsoft.com/office/drawing/2014/main" id="{8A9F7A48-AB86-2BE9-3939-F96156266CB7}"/>
+                <a16:creationId xmlns:a16="http://schemas.microsoft.com/office/drawing/2014/main" id="{330C7730-28B8-A44C-72A6-D1C15A4BCDFA}"/>
               </a:ext>
             </a:extLst>
           </p:cNvPr>
@@ -12802,7 +13635,7 @@
           <a:p>
             <a:r>
               <a:rPr lang="en-US" dirty="0"/>
-              <a:t>Bash scripts to call for every dev</a:t>
+              <a:t>Pull-request (Development)</a:t>
             </a:r>
           </a:p>
         </p:txBody>
@@ -12812,7 +13645,950 @@
           <p:cNvPr id="3" name="Content Placeholder 2">
             <a:extLst>
               <a:ext uri="{FF2B5EF4-FFF2-40B4-BE49-F238E27FC236}">
-                <a16:creationId xmlns:a16="http://schemas.microsoft.com/office/drawing/2014/main" id="{560E46F6-2C1C-38E4-F921-833EDCE9FF65}"/>
+                <a16:creationId xmlns:a16="http://schemas.microsoft.com/office/drawing/2014/main" id="{37696794-D229-53AE-EF60-3E7550EFA6C0}"/>
+              </a:ext>
+            </a:extLst>
+          </p:cNvPr>
+          <p:cNvSpPr>
+            <a:spLocks noGrp="1"/>
+          </p:cNvSpPr>
+          <p:nvPr>
+            <p:ph idx="1"/>
+          </p:nvPr>
+        </p:nvSpPr>
+        <p:spPr>
+          <a:xfrm>
+            <a:off x="1141412" y="2249486"/>
+            <a:ext cx="9905999" cy="4318461"/>
+          </a:xfrm>
+        </p:spPr>
+        <p:txBody>
+          <a:bodyPr>
+            <a:normAutofit fontScale="92500" lnSpcReduction="10000"/>
+          </a:bodyPr>
+          <a:lstStyle/>
+          <a:p>
+            <a:r>
+              <a:rPr lang="en-US" dirty="0"/>
+              <a:t>Shall be from personal fork to DEV_ branch</a:t>
+            </a:r>
+          </a:p>
+          <a:p>
+            <a:r>
+              <a:rPr lang="en-US" dirty="0"/>
+              <a:t>Shall never be into </a:t>
+            </a:r>
+            <a:r>
+              <a:rPr lang="en-US" dirty="0" err="1"/>
+              <a:t>BuildInit</a:t>
+            </a:r>
+            <a:r>
+              <a:rPr lang="en-US" dirty="0"/>
+              <a:t> (should be able to change in edit)</a:t>
+            </a:r>
+          </a:p>
+          <a:p>
+            <a:r>
+              <a:rPr lang="en-US" dirty="0"/>
+              <a:t>Shall be linked under development in the issue</a:t>
+            </a:r>
+          </a:p>
+          <a:p>
+            <a:r>
+              <a:rPr lang="en-US" dirty="0"/>
+              <a:t>Can be preformed in git bash, yet shall be within GITHUB</a:t>
+            </a:r>
+          </a:p>
+          <a:p>
+            <a:r>
+              <a:rPr lang="en-US" dirty="0"/>
+              <a:t>Shall be reviewed by another developer</a:t>
+            </a:r>
+          </a:p>
+          <a:p>
+            <a:r>
+              <a:rPr lang="en-US" dirty="0"/>
+              <a:t>Reviewer shall merge</a:t>
+            </a:r>
+          </a:p>
+          <a:p>
+            <a:r>
+              <a:rPr lang="en-US" dirty="0"/>
+              <a:t>If force merge, requires two verifications prior to merge</a:t>
+            </a:r>
+          </a:p>
+          <a:p>
+            <a:r>
+              <a:rPr lang="en-US" dirty="0"/>
+              <a:t>All requested alterations, commented on code, shall be preformed by author developer, not reviewer (even if simple)</a:t>
+            </a:r>
+          </a:p>
+        </p:txBody>
+      </p:sp>
+    </p:spTree>
+    <p:extLst>
+      <p:ext uri="{BB962C8B-B14F-4D97-AF65-F5344CB8AC3E}">
+        <p14:creationId xmlns:p14="http://schemas.microsoft.com/office/powerpoint/2010/main" val="1874483503"/>
+      </p:ext>
+    </p:extLst>
+  </p:cSld>
+  <p:clrMapOvr>
+    <a:masterClrMapping/>
+  </p:clrMapOvr>
+</p:sld>
+</file>
+
+<file path=ppt/slides/slide16.xml><?xml version="1.0" encoding="utf-8"?>
+<p:sld xmlns:a="http://schemas.openxmlformats.org/drawingml/2006/main" xmlns:r="http://schemas.openxmlformats.org/officeDocument/2006/relationships" xmlns:p="http://schemas.openxmlformats.org/presentationml/2006/main">
+  <p:cSld>
+    <p:spTree>
+      <p:nvGrpSpPr>
+        <p:cNvPr id="1" name=""/>
+        <p:cNvGrpSpPr/>
+        <p:nvPr/>
+      </p:nvGrpSpPr>
+      <p:grpSpPr>
+        <a:xfrm>
+          <a:off x="0" y="0"/>
+          <a:ext cx="0" cy="0"/>
+          <a:chOff x="0" y="0"/>
+          <a:chExt cx="0" cy="0"/>
+        </a:xfrm>
+      </p:grpSpPr>
+      <p:sp>
+        <p:nvSpPr>
+          <p:cNvPr id="2" name="Title 1">
+            <a:extLst>
+              <a:ext uri="{FF2B5EF4-FFF2-40B4-BE49-F238E27FC236}">
+                <a16:creationId xmlns:a16="http://schemas.microsoft.com/office/drawing/2014/main" id="{9BE933B0-0462-6DEB-E71D-568A761372DF}"/>
+              </a:ext>
+            </a:extLst>
+          </p:cNvPr>
+          <p:cNvSpPr>
+            <a:spLocks noGrp="1"/>
+          </p:cNvSpPr>
+          <p:nvPr>
+            <p:ph type="title"/>
+          </p:nvPr>
+        </p:nvSpPr>
+        <p:spPr/>
+        <p:txBody>
+          <a:bodyPr/>
+          <a:lstStyle/>
+          <a:p>
+            <a:r>
+              <a:rPr lang="en-US" dirty="0"/>
+              <a:t>Pull-Request in GITHUB</a:t>
+            </a:r>
+          </a:p>
+        </p:txBody>
+      </p:sp>
+      <p:pic>
+        <p:nvPicPr>
+          <p:cNvPr id="5" name="Content Placeholder 4">
+            <a:extLst>
+              <a:ext uri="{FF2B5EF4-FFF2-40B4-BE49-F238E27FC236}">
+                <a16:creationId xmlns:a16="http://schemas.microsoft.com/office/drawing/2014/main" id="{6EF8BFD5-0FF3-F2BC-D0A3-ABC420929CDD}"/>
+              </a:ext>
+            </a:extLst>
+          </p:cNvPr>
+          <p:cNvPicPr>
+            <a:picLocks noGrp="1" noChangeAspect="1"/>
+          </p:cNvPicPr>
+          <p:nvPr>
+            <p:ph idx="1"/>
+          </p:nvPr>
+        </p:nvPicPr>
+        <p:blipFill>
+          <a:blip r:embed="rId2"/>
+          <a:stretch>
+            <a:fillRect/>
+          </a:stretch>
+        </p:blipFill>
+        <p:spPr>
+          <a:xfrm>
+            <a:off x="1554368" y="4783290"/>
+            <a:ext cx="6744284" cy="853514"/>
+          </a:xfrm>
+        </p:spPr>
+      </p:pic>
+      <p:pic>
+        <p:nvPicPr>
+          <p:cNvPr id="6" name="Picture 5" descr="A screenshot of a computer&#10;&#10;Description automatically generated">
+            <a:extLst>
+              <a:ext uri="{FF2B5EF4-FFF2-40B4-BE49-F238E27FC236}">
+                <a16:creationId xmlns:a16="http://schemas.microsoft.com/office/drawing/2014/main" id="{D8042A7C-FE07-2AC9-FA86-E0195CA2E7AC}"/>
+              </a:ext>
+            </a:extLst>
+          </p:cNvPr>
+          <p:cNvPicPr>
+            <a:picLocks noChangeAspect="1"/>
+          </p:cNvPicPr>
+          <p:nvPr/>
+        </p:nvPicPr>
+        <p:blipFill>
+          <a:blip r:embed="rId3">
+            <a:extLst>
+              <a:ext uri="{28A0092B-C50C-407E-A947-70E740481C1C}">
+                <a14:useLocalDpi xmlns:a14="http://schemas.microsoft.com/office/drawing/2010/main" val="0"/>
+              </a:ext>
+            </a:extLst>
+          </a:blip>
+          <a:stretch>
+            <a:fillRect/>
+          </a:stretch>
+        </p:blipFill>
+        <p:spPr>
+          <a:xfrm>
+            <a:off x="8188059" y="454496"/>
+            <a:ext cx="3642360" cy="2606040"/>
+          </a:xfrm>
+          <a:prstGeom prst="rect">
+            <a:avLst/>
+          </a:prstGeom>
+        </p:spPr>
+      </p:pic>
+      <p:pic>
+        <p:nvPicPr>
+          <p:cNvPr id="7" name="Picture 6">
+            <a:extLst>
+              <a:ext uri="{FF2B5EF4-FFF2-40B4-BE49-F238E27FC236}">
+                <a16:creationId xmlns:a16="http://schemas.microsoft.com/office/drawing/2014/main" id="{4EE8D71C-B23B-FE5B-A155-98236E405FB4}"/>
+              </a:ext>
+            </a:extLst>
+          </p:cNvPr>
+          <p:cNvPicPr>
+            <a:picLocks noChangeAspect="1"/>
+          </p:cNvPicPr>
+          <p:nvPr/>
+        </p:nvPicPr>
+        <p:blipFill>
+          <a:blip r:embed="rId4"/>
+          <a:stretch>
+            <a:fillRect/>
+          </a:stretch>
+        </p:blipFill>
+        <p:spPr>
+          <a:xfrm>
+            <a:off x="594266" y="3183322"/>
+            <a:ext cx="10406174" cy="758228"/>
+          </a:xfrm>
+          <a:prstGeom prst="rect">
+            <a:avLst/>
+          </a:prstGeom>
+        </p:spPr>
+      </p:pic>
+      <p:sp>
+        <p:nvSpPr>
+          <p:cNvPr id="9" name="TextBox 8">
+            <a:extLst>
+              <a:ext uri="{FF2B5EF4-FFF2-40B4-BE49-F238E27FC236}">
+                <a16:creationId xmlns:a16="http://schemas.microsoft.com/office/drawing/2014/main" id="{A8DE5F84-CFBD-E389-D3DB-20DD766E0BFC}"/>
+              </a:ext>
+            </a:extLst>
+          </p:cNvPr>
+          <p:cNvSpPr txBox="1"/>
+          <p:nvPr/>
+        </p:nvSpPr>
+        <p:spPr>
+          <a:xfrm>
+            <a:off x="1268361" y="2005781"/>
+            <a:ext cx="5745484" cy="923330"/>
+          </a:xfrm>
+          <a:prstGeom prst="rect">
+            <a:avLst/>
+          </a:prstGeom>
+          <a:noFill/>
+        </p:spPr>
+        <p:txBody>
+          <a:bodyPr wrap="none" rtlCol="0">
+            <a:spAutoFit/>
+          </a:bodyPr>
+          <a:lstStyle/>
+          <a:p>
+            <a:r>
+              <a:rPr lang="en-US" dirty="0"/>
+              <a:t>Select Contribute: Open the Pull Request</a:t>
+            </a:r>
+          </a:p>
+          <a:p>
+            <a:r>
+              <a:rPr lang="en-US" dirty="0"/>
+              <a:t>The display should show if the code can merge.</a:t>
+            </a:r>
+          </a:p>
+          <a:p>
+            <a:r>
+              <a:rPr lang="en-US" dirty="0"/>
+              <a:t>Input information about what is completed in the pull-request</a:t>
+            </a:r>
+          </a:p>
+        </p:txBody>
+      </p:sp>
+      <p:sp>
+        <p:nvSpPr>
+          <p:cNvPr id="10" name="TextBox 9">
+            <a:extLst>
+              <a:ext uri="{FF2B5EF4-FFF2-40B4-BE49-F238E27FC236}">
+                <a16:creationId xmlns:a16="http://schemas.microsoft.com/office/drawing/2014/main" id="{4CBF0E81-7C04-B015-795F-52D347D4D8C0}"/>
+              </a:ext>
+            </a:extLst>
+          </p:cNvPr>
+          <p:cNvSpPr txBox="1"/>
+          <p:nvPr/>
+        </p:nvSpPr>
+        <p:spPr>
+          <a:xfrm>
+            <a:off x="1651819" y="4064336"/>
+            <a:ext cx="9009326" cy="369332"/>
+          </a:xfrm>
+          <a:prstGeom prst="rect">
+            <a:avLst/>
+          </a:prstGeom>
+          <a:noFill/>
+        </p:spPr>
+        <p:txBody>
+          <a:bodyPr wrap="none" rtlCol="0">
+            <a:spAutoFit/>
+          </a:bodyPr>
+          <a:lstStyle/>
+          <a:p>
+            <a:r>
+              <a:rPr lang="en-US" dirty="0"/>
+              <a:t>If the pull-request requires alteration to a different branch, select edit and select the drop-down</a:t>
+            </a:r>
+          </a:p>
+        </p:txBody>
+      </p:sp>
+    </p:spTree>
+    <p:extLst>
+      <p:ext uri="{BB962C8B-B14F-4D97-AF65-F5344CB8AC3E}">
+        <p14:creationId xmlns:p14="http://schemas.microsoft.com/office/powerpoint/2010/main" val="4124621219"/>
+      </p:ext>
+    </p:extLst>
+  </p:cSld>
+  <p:clrMapOvr>
+    <a:masterClrMapping/>
+  </p:clrMapOvr>
+</p:sld>
+</file>
+
+<file path=ppt/slides/slide17.xml><?xml version="1.0" encoding="utf-8"?>
+<p:sld xmlns:a="http://schemas.openxmlformats.org/drawingml/2006/main" xmlns:r="http://schemas.openxmlformats.org/officeDocument/2006/relationships" xmlns:p="http://schemas.openxmlformats.org/presentationml/2006/main">
+  <p:cSld>
+    <p:spTree>
+      <p:nvGrpSpPr>
+        <p:cNvPr id="1" name=""/>
+        <p:cNvGrpSpPr/>
+        <p:nvPr/>
+      </p:nvGrpSpPr>
+      <p:grpSpPr>
+        <a:xfrm>
+          <a:off x="0" y="0"/>
+          <a:ext cx="0" cy="0"/>
+          <a:chOff x="0" y="0"/>
+          <a:chExt cx="0" cy="0"/>
+        </a:xfrm>
+      </p:grpSpPr>
+      <p:sp>
+        <p:nvSpPr>
+          <p:cNvPr id="2" name="Title 1">
+            <a:extLst>
+              <a:ext uri="{FF2B5EF4-FFF2-40B4-BE49-F238E27FC236}">
+                <a16:creationId xmlns:a16="http://schemas.microsoft.com/office/drawing/2014/main" id="{EE268DD1-64BA-BAFB-5718-36A63AF8232E}"/>
+              </a:ext>
+            </a:extLst>
+          </p:cNvPr>
+          <p:cNvSpPr>
+            <a:spLocks noGrp="1"/>
+          </p:cNvSpPr>
+          <p:nvPr>
+            <p:ph type="title"/>
+          </p:nvPr>
+        </p:nvSpPr>
+        <p:spPr/>
+        <p:txBody>
+          <a:bodyPr/>
+          <a:lstStyle/>
+          <a:p>
+            <a:r>
+              <a:rPr lang="en-US" dirty="0"/>
+              <a:t>File change in pull-request</a:t>
+            </a:r>
+          </a:p>
+        </p:txBody>
+      </p:sp>
+      <p:pic>
+        <p:nvPicPr>
+          <p:cNvPr id="4" name="Content Placeholder 3" descr="A screenshot of a computer&#10;&#10;Description automatically generated">
+            <a:extLst>
+              <a:ext uri="{FF2B5EF4-FFF2-40B4-BE49-F238E27FC236}">
+                <a16:creationId xmlns:a16="http://schemas.microsoft.com/office/drawing/2014/main" id="{BDC1E027-215E-EC68-0156-23562E81B396}"/>
+              </a:ext>
+            </a:extLst>
+          </p:cNvPr>
+          <p:cNvPicPr>
+            <a:picLocks noGrp="1" noChangeAspect="1"/>
+          </p:cNvPicPr>
+          <p:nvPr>
+            <p:ph idx="1"/>
+          </p:nvPr>
+        </p:nvPicPr>
+        <p:blipFill>
+          <a:blip r:embed="rId2"/>
+          <a:stretch>
+            <a:fillRect/>
+          </a:stretch>
+        </p:blipFill>
+        <p:spPr>
+          <a:xfrm>
+            <a:off x="1141411" y="1800242"/>
+            <a:ext cx="9906000" cy="2867042"/>
+          </a:xfrm>
+          <a:prstGeom prst="rect">
+            <a:avLst/>
+          </a:prstGeom>
+        </p:spPr>
+      </p:pic>
+      <p:sp>
+        <p:nvSpPr>
+          <p:cNvPr id="5" name="TextBox 4">
+            <a:extLst>
+              <a:ext uri="{FF2B5EF4-FFF2-40B4-BE49-F238E27FC236}">
+                <a16:creationId xmlns:a16="http://schemas.microsoft.com/office/drawing/2014/main" id="{06F65E1C-1B19-EC6D-ADFD-54ED3C4A3AC4}"/>
+              </a:ext>
+            </a:extLst>
+          </p:cNvPr>
+          <p:cNvSpPr txBox="1"/>
+          <p:nvPr/>
+        </p:nvSpPr>
+        <p:spPr>
+          <a:xfrm>
+            <a:off x="1278193" y="5053781"/>
+            <a:ext cx="10782311" cy="1200329"/>
+          </a:xfrm>
+          <a:prstGeom prst="rect">
+            <a:avLst/>
+          </a:prstGeom>
+          <a:noFill/>
+        </p:spPr>
+        <p:txBody>
+          <a:bodyPr wrap="none" rtlCol="0">
+            <a:spAutoFit/>
+          </a:bodyPr>
+          <a:lstStyle/>
+          <a:p>
+            <a:r>
+              <a:rPr lang="en-US" dirty="0"/>
+              <a:t>Each change made in the codebase is shown under the files changed tab.</a:t>
+            </a:r>
+          </a:p>
+          <a:p>
+            <a:r>
+              <a:rPr lang="en-US" dirty="0"/>
+              <a:t>Reviewers can add comments in the code locations</a:t>
+            </a:r>
+          </a:p>
+          <a:p>
+            <a:r>
+              <a:rPr lang="en-US" dirty="0"/>
+              <a:t>Developer can alter the codebase while the pull-request is still active and the changes will update the files changed</a:t>
+            </a:r>
+          </a:p>
+          <a:p>
+            <a:endParaRPr lang="en-US" dirty="0"/>
+          </a:p>
+        </p:txBody>
+      </p:sp>
+    </p:spTree>
+    <p:extLst>
+      <p:ext uri="{BB962C8B-B14F-4D97-AF65-F5344CB8AC3E}">
+        <p14:creationId xmlns:p14="http://schemas.microsoft.com/office/powerpoint/2010/main" val="3353178044"/>
+      </p:ext>
+    </p:extLst>
+  </p:cSld>
+  <p:clrMapOvr>
+    <a:masterClrMapping/>
+  </p:clrMapOvr>
+</p:sld>
+</file>
+
+<file path=ppt/slides/slide2.xml><?xml version="1.0" encoding="utf-8"?>
+<p:sld xmlns:a="http://schemas.openxmlformats.org/drawingml/2006/main" xmlns:r="http://schemas.openxmlformats.org/officeDocument/2006/relationships" xmlns:p="http://schemas.openxmlformats.org/presentationml/2006/main">
+  <p:cSld>
+    <p:spTree>
+      <p:nvGrpSpPr>
+        <p:cNvPr id="1" name=""/>
+        <p:cNvGrpSpPr/>
+        <p:nvPr/>
+      </p:nvGrpSpPr>
+      <p:grpSpPr>
+        <a:xfrm>
+          <a:off x="0" y="0"/>
+          <a:ext cx="0" cy="0"/>
+          <a:chOff x="0" y="0"/>
+          <a:chExt cx="0" cy="0"/>
+        </a:xfrm>
+      </p:grpSpPr>
+      <p:sp>
+        <p:nvSpPr>
+          <p:cNvPr id="2" name="Title 1">
+            <a:extLst>
+              <a:ext uri="{FF2B5EF4-FFF2-40B4-BE49-F238E27FC236}">
+                <a16:creationId xmlns:a16="http://schemas.microsoft.com/office/drawing/2014/main" id="{B68E33C1-B991-97CB-A66A-3AE78583F4C2}"/>
+              </a:ext>
+            </a:extLst>
+          </p:cNvPr>
+          <p:cNvSpPr>
+            <a:spLocks noGrp="1"/>
+          </p:cNvSpPr>
+          <p:nvPr>
+            <p:ph type="title"/>
+          </p:nvPr>
+        </p:nvSpPr>
+        <p:spPr>
+          <a:xfrm>
+            <a:off x="981332" y="77694"/>
+            <a:ext cx="9905998" cy="1478570"/>
+          </a:xfrm>
+        </p:spPr>
+        <p:txBody>
+          <a:bodyPr/>
+          <a:lstStyle/>
+          <a:p>
+            <a:r>
+              <a:rPr lang="en-US" dirty="0" err="1"/>
+              <a:t>Github</a:t>
+            </a:r>
+            <a:r>
+              <a:rPr lang="en-US" dirty="0"/>
+              <a:t> navigation</a:t>
+            </a:r>
+          </a:p>
+        </p:txBody>
+      </p:sp>
+      <p:pic>
+        <p:nvPicPr>
+          <p:cNvPr id="4" name="Content Placeholder 3">
+            <a:extLst>
+              <a:ext uri="{FF2B5EF4-FFF2-40B4-BE49-F238E27FC236}">
+                <a16:creationId xmlns:a16="http://schemas.microsoft.com/office/drawing/2014/main" id="{9191007C-E76D-6777-BE9E-06616EAB48D0}"/>
+              </a:ext>
+            </a:extLst>
+          </p:cNvPr>
+          <p:cNvPicPr>
+            <a:picLocks noGrp="1" noChangeAspect="1"/>
+          </p:cNvPicPr>
+          <p:nvPr>
+            <p:ph idx="1"/>
+          </p:nvPr>
+        </p:nvPicPr>
+        <p:blipFill>
+          <a:blip r:embed="rId2"/>
+          <a:stretch>
+            <a:fillRect/>
+          </a:stretch>
+        </p:blipFill>
+        <p:spPr>
+          <a:xfrm>
+            <a:off x="197194" y="1113237"/>
+            <a:ext cx="11277630" cy="662154"/>
+          </a:xfrm>
+          <a:prstGeom prst="rect">
+            <a:avLst/>
+          </a:prstGeom>
+        </p:spPr>
+      </p:pic>
+      <p:pic>
+        <p:nvPicPr>
+          <p:cNvPr id="5" name="Picture 4">
+            <a:extLst>
+              <a:ext uri="{FF2B5EF4-FFF2-40B4-BE49-F238E27FC236}">
+                <a16:creationId xmlns:a16="http://schemas.microsoft.com/office/drawing/2014/main" id="{DC6A8B83-75B3-8885-9ADE-2606EFCF63D5}"/>
+              </a:ext>
+            </a:extLst>
+          </p:cNvPr>
+          <p:cNvPicPr>
+            <a:picLocks noChangeAspect="1"/>
+          </p:cNvPicPr>
+          <p:nvPr/>
+        </p:nvPicPr>
+        <p:blipFill>
+          <a:blip r:embed="rId3"/>
+          <a:stretch>
+            <a:fillRect/>
+          </a:stretch>
+        </p:blipFill>
+        <p:spPr>
+          <a:xfrm>
+            <a:off x="295516" y="3213764"/>
+            <a:ext cx="11277630" cy="718105"/>
+          </a:xfrm>
+          <a:prstGeom prst="rect">
+            <a:avLst/>
+          </a:prstGeom>
+        </p:spPr>
+      </p:pic>
+      <p:sp>
+        <p:nvSpPr>
+          <p:cNvPr id="6" name="TextBox 5">
+            <a:extLst>
+              <a:ext uri="{FF2B5EF4-FFF2-40B4-BE49-F238E27FC236}">
+                <a16:creationId xmlns:a16="http://schemas.microsoft.com/office/drawing/2014/main" id="{4AC07A09-2245-E7B0-8B3C-DDC9265CB9E6}"/>
+              </a:ext>
+            </a:extLst>
+          </p:cNvPr>
+          <p:cNvSpPr txBox="1"/>
+          <p:nvPr/>
+        </p:nvSpPr>
+        <p:spPr>
+          <a:xfrm>
+            <a:off x="295516" y="1914430"/>
+            <a:ext cx="11277630" cy="1200329"/>
+          </a:xfrm>
+          <a:prstGeom prst="rect">
+            <a:avLst/>
+          </a:prstGeom>
+          <a:noFill/>
+        </p:spPr>
+        <p:txBody>
+          <a:bodyPr wrap="square" rtlCol="0">
+            <a:spAutoFit/>
+          </a:bodyPr>
+          <a:lstStyle/>
+          <a:p>
+            <a:r>
+              <a:rPr lang="en-US" dirty="0"/>
+              <a:t>Briefly before we navigated through GITHUB. This serves as a refresher.</a:t>
+            </a:r>
+          </a:p>
+          <a:p>
+            <a:r>
+              <a:rPr lang="en-US" dirty="0"/>
+              <a:t>Repository: broken out into manageable sized container of code</a:t>
+            </a:r>
+          </a:p>
+          <a:p>
+            <a:r>
+              <a:rPr lang="en-US" dirty="0"/>
+              <a:t>Project: tracks current and future development </a:t>
+            </a:r>
+          </a:p>
+          <a:p>
+            <a:r>
+              <a:rPr lang="en-US" dirty="0"/>
+              <a:t>Teams: contains their own projects and links to repos </a:t>
+            </a:r>
+          </a:p>
+        </p:txBody>
+      </p:sp>
+      <p:sp>
+        <p:nvSpPr>
+          <p:cNvPr id="3" name="TextBox 2">
+            <a:extLst>
+              <a:ext uri="{FF2B5EF4-FFF2-40B4-BE49-F238E27FC236}">
+                <a16:creationId xmlns:a16="http://schemas.microsoft.com/office/drawing/2014/main" id="{3ABC46A0-BC85-2996-31F6-8F59B3F0499D}"/>
+              </a:ext>
+            </a:extLst>
+          </p:cNvPr>
+          <p:cNvSpPr txBox="1"/>
+          <p:nvPr/>
+        </p:nvSpPr>
+        <p:spPr>
+          <a:xfrm>
+            <a:off x="1310551" y="4030874"/>
+            <a:ext cx="9778501" cy="2585323"/>
+          </a:xfrm>
+          <a:prstGeom prst="rect">
+            <a:avLst/>
+          </a:prstGeom>
+          <a:noFill/>
+        </p:spPr>
+        <p:txBody>
+          <a:bodyPr wrap="square" rtlCol="0">
+            <a:spAutoFit/>
+          </a:bodyPr>
+          <a:lstStyle/>
+          <a:p>
+            <a:r>
+              <a:rPr lang="en-US" dirty="0"/>
+              <a:t>Inside Repos the menu changes to the one above</a:t>
+            </a:r>
+          </a:p>
+          <a:p>
+            <a:r>
+              <a:rPr lang="en-US" dirty="0"/>
+              <a:t>Code is the collection of code in each branch of the repo</a:t>
+            </a:r>
+          </a:p>
+          <a:p>
+            <a:r>
+              <a:rPr lang="en-US" dirty="0"/>
+              <a:t>Issue are associated tasks for the development team to work on (should only be in DEV_ repo)</a:t>
+            </a:r>
+          </a:p>
+          <a:p>
+            <a:r>
+              <a:rPr lang="en-US" dirty="0"/>
+              <a:t>Pull request are changes to the </a:t>
+            </a:r>
+            <a:r>
+              <a:rPr lang="en-US" dirty="0" err="1"/>
+              <a:t>codespace</a:t>
+            </a:r>
+            <a:r>
+              <a:rPr lang="en-US" dirty="0"/>
+              <a:t> from a fork of a development branch</a:t>
+            </a:r>
+          </a:p>
+          <a:p>
+            <a:r>
+              <a:rPr lang="en-US" dirty="0"/>
+              <a:t>Actions: are workflows set on users to preform a task. Not currently being used</a:t>
+            </a:r>
+          </a:p>
+          <a:p>
+            <a:r>
+              <a:rPr lang="en-US" dirty="0"/>
+              <a:t>Projects: can be repo specific, yet as an organization we are using org projects for better tracking</a:t>
+            </a:r>
+          </a:p>
+          <a:p>
+            <a:r>
+              <a:rPr lang="en-US" dirty="0"/>
+              <a:t>Wiki: Is documentation and roadmap for the software in the space. Not currently being used</a:t>
+            </a:r>
+          </a:p>
+          <a:p>
+            <a:r>
+              <a:rPr lang="en-US" dirty="0"/>
+              <a:t>Insights: Are statistics  linked to the repo which shows all the changes made</a:t>
+            </a:r>
+          </a:p>
+          <a:p>
+            <a:r>
+              <a:rPr lang="en-US" dirty="0"/>
+              <a:t>Settings: Shall only be used by admin. This sets rules for the repo.</a:t>
+            </a:r>
+          </a:p>
+        </p:txBody>
+      </p:sp>
+    </p:spTree>
+    <p:extLst>
+      <p:ext uri="{BB962C8B-B14F-4D97-AF65-F5344CB8AC3E}">
+        <p14:creationId xmlns:p14="http://schemas.microsoft.com/office/powerpoint/2010/main" val="230952666"/>
+      </p:ext>
+    </p:extLst>
+  </p:cSld>
+  <p:clrMapOvr>
+    <a:masterClrMapping/>
+  </p:clrMapOvr>
+</p:sld>
+</file>
+
+<file path=ppt/slides/slide3.xml><?xml version="1.0" encoding="utf-8"?>
+<p:sld xmlns:a="http://schemas.openxmlformats.org/drawingml/2006/main" xmlns:r="http://schemas.openxmlformats.org/officeDocument/2006/relationships" xmlns:p="http://schemas.openxmlformats.org/presentationml/2006/main">
+  <p:cSld>
+    <p:spTree>
+      <p:nvGrpSpPr>
+        <p:cNvPr id="1" name=""/>
+        <p:cNvGrpSpPr/>
+        <p:nvPr/>
+      </p:nvGrpSpPr>
+      <p:grpSpPr>
+        <a:xfrm>
+          <a:off x="0" y="0"/>
+          <a:ext cx="0" cy="0"/>
+          <a:chOff x="0" y="0"/>
+          <a:chExt cx="0" cy="0"/>
+        </a:xfrm>
+      </p:grpSpPr>
+      <p:sp>
+        <p:nvSpPr>
+          <p:cNvPr id="2" name="Title 1">
+            <a:extLst>
+              <a:ext uri="{FF2B5EF4-FFF2-40B4-BE49-F238E27FC236}">
+                <a16:creationId xmlns:a16="http://schemas.microsoft.com/office/drawing/2014/main" id="{4263945F-3198-5C74-D6ED-F5EEB7A3D8E7}"/>
+              </a:ext>
+            </a:extLst>
+          </p:cNvPr>
+          <p:cNvSpPr>
+            <a:spLocks noGrp="1"/>
+          </p:cNvSpPr>
+          <p:nvPr>
+            <p:ph type="title"/>
+          </p:nvPr>
+        </p:nvSpPr>
+        <p:spPr/>
+        <p:txBody>
+          <a:bodyPr/>
+          <a:lstStyle/>
+          <a:p>
+            <a:r>
+              <a:rPr lang="en-US" dirty="0"/>
+              <a:t>Projects</a:t>
+            </a:r>
+          </a:p>
+        </p:txBody>
+      </p:sp>
+      <p:pic>
+        <p:nvPicPr>
+          <p:cNvPr id="5" name="Content Placeholder 4">
+            <a:extLst>
+              <a:ext uri="{FF2B5EF4-FFF2-40B4-BE49-F238E27FC236}">
+                <a16:creationId xmlns:a16="http://schemas.microsoft.com/office/drawing/2014/main" id="{88CE9286-4AF0-1D39-2B9C-EF76A29453A8}"/>
+              </a:ext>
+            </a:extLst>
+          </p:cNvPr>
+          <p:cNvPicPr>
+            <a:picLocks noGrp="1" noChangeAspect="1"/>
+          </p:cNvPicPr>
+          <p:nvPr>
+            <p:ph idx="1"/>
+          </p:nvPr>
+        </p:nvPicPr>
+        <p:blipFill>
+          <a:blip r:embed="rId2"/>
+          <a:stretch>
+            <a:fillRect/>
+          </a:stretch>
+        </p:blipFill>
+        <p:spPr>
+          <a:xfrm>
+            <a:off x="1141413" y="2231723"/>
+            <a:ext cx="3831640" cy="3945555"/>
+          </a:xfrm>
+        </p:spPr>
+      </p:pic>
+      <p:pic>
+        <p:nvPicPr>
+          <p:cNvPr id="7" name="Picture 6">
+            <a:extLst>
+              <a:ext uri="{FF2B5EF4-FFF2-40B4-BE49-F238E27FC236}">
+                <a16:creationId xmlns:a16="http://schemas.microsoft.com/office/drawing/2014/main" id="{56764281-CEB5-3326-4B8D-CB597015DFBA}"/>
+              </a:ext>
+            </a:extLst>
+          </p:cNvPr>
+          <p:cNvPicPr>
+            <a:picLocks noChangeAspect="1"/>
+          </p:cNvPicPr>
+          <p:nvPr/>
+        </p:nvPicPr>
+        <p:blipFill>
+          <a:blip r:embed="rId3"/>
+          <a:stretch>
+            <a:fillRect/>
+          </a:stretch>
+        </p:blipFill>
+        <p:spPr>
+          <a:xfrm>
+            <a:off x="4973052" y="2231723"/>
+            <a:ext cx="4084343" cy="3945555"/>
+          </a:xfrm>
+          <a:prstGeom prst="rect">
+            <a:avLst/>
+          </a:prstGeom>
+        </p:spPr>
+      </p:pic>
+      <p:sp>
+        <p:nvSpPr>
+          <p:cNvPr id="3" name="TextBox 2">
+            <a:extLst>
+              <a:ext uri="{FF2B5EF4-FFF2-40B4-BE49-F238E27FC236}">
+                <a16:creationId xmlns:a16="http://schemas.microsoft.com/office/drawing/2014/main" id="{59AF13F9-C246-FA34-DD3F-CE01B31B10BA}"/>
+              </a:ext>
+            </a:extLst>
+          </p:cNvPr>
+          <p:cNvSpPr txBox="1"/>
+          <p:nvPr/>
+        </p:nvSpPr>
+        <p:spPr>
+          <a:xfrm>
+            <a:off x="1258529" y="1769806"/>
+            <a:ext cx="7931787" cy="369332"/>
+          </a:xfrm>
+          <a:prstGeom prst="rect">
+            <a:avLst/>
+          </a:prstGeom>
+          <a:noFill/>
+        </p:spPr>
+        <p:txBody>
+          <a:bodyPr wrap="none" rtlCol="0">
+            <a:spAutoFit/>
+          </a:bodyPr>
+          <a:lstStyle/>
+          <a:p>
+            <a:r>
+              <a:rPr lang="en-US" dirty="0"/>
+              <a:t>Tracks development efforts. All Issues and Pull Requests shall be assigned to a Project</a:t>
+            </a:r>
+          </a:p>
+        </p:txBody>
+      </p:sp>
+    </p:spTree>
+    <p:extLst>
+      <p:ext uri="{BB962C8B-B14F-4D97-AF65-F5344CB8AC3E}">
+        <p14:creationId xmlns:p14="http://schemas.microsoft.com/office/powerpoint/2010/main" val="396251604"/>
+      </p:ext>
+    </p:extLst>
+  </p:cSld>
+  <p:clrMapOvr>
+    <a:masterClrMapping/>
+  </p:clrMapOvr>
+</p:sld>
+</file>
+
+<file path=ppt/slides/slide4.xml><?xml version="1.0" encoding="utf-8"?>
+<p:sld xmlns:a="http://schemas.openxmlformats.org/drawingml/2006/main" xmlns:r="http://schemas.openxmlformats.org/officeDocument/2006/relationships" xmlns:p="http://schemas.openxmlformats.org/presentationml/2006/main">
+  <p:cSld>
+    <p:spTree>
+      <p:nvGrpSpPr>
+        <p:cNvPr id="1" name=""/>
+        <p:cNvGrpSpPr/>
+        <p:nvPr/>
+      </p:nvGrpSpPr>
+      <p:grpSpPr>
+        <a:xfrm>
+          <a:off x="0" y="0"/>
+          <a:ext cx="0" cy="0"/>
+          <a:chOff x="0" y="0"/>
+          <a:chExt cx="0" cy="0"/>
+        </a:xfrm>
+      </p:grpSpPr>
+      <p:sp>
+        <p:nvSpPr>
+          <p:cNvPr id="2" name="Title 1">
+            <a:extLst>
+              <a:ext uri="{FF2B5EF4-FFF2-40B4-BE49-F238E27FC236}">
+                <a16:creationId xmlns:a16="http://schemas.microsoft.com/office/drawing/2014/main" id="{11B1F766-2509-E54E-274A-981E50E2BADF}"/>
+              </a:ext>
+            </a:extLst>
+          </p:cNvPr>
+          <p:cNvSpPr>
+            <a:spLocks noGrp="1"/>
+          </p:cNvSpPr>
+          <p:nvPr>
+            <p:ph type="title"/>
+          </p:nvPr>
+        </p:nvSpPr>
+        <p:spPr/>
+        <p:txBody>
+          <a:bodyPr/>
+          <a:lstStyle/>
+          <a:p>
+            <a:r>
+              <a:rPr lang="en-US" dirty="0"/>
+              <a:t>Repository</a:t>
+            </a:r>
+          </a:p>
+        </p:txBody>
+      </p:sp>
+      <p:sp>
+        <p:nvSpPr>
+          <p:cNvPr id="3" name="Content Placeholder 2">
+            <a:extLst>
+              <a:ext uri="{FF2B5EF4-FFF2-40B4-BE49-F238E27FC236}">
+                <a16:creationId xmlns:a16="http://schemas.microsoft.com/office/drawing/2014/main" id="{5D2AA86D-35B9-3C64-6AA8-2F0836C7DCE7}"/>
               </a:ext>
             </a:extLst>
           </p:cNvPr>
@@ -12830,79 +14606,52 @@
           <a:p>
             <a:r>
               <a:rPr lang="en-US" dirty="0"/>
-              <a:t>Delete the files within and keep the  main folders</a:t>
+              <a:t>Only the  DEV_ repo’s shall have Issues associated. </a:t>
             </a:r>
           </a:p>
           <a:p>
             <a:r>
               <a:rPr lang="en-US" dirty="0"/>
-              <a:t>From VS7ZARBC call a git bash here</a:t>
-            </a:r>
+              <a:t>No development shall be done directly on the </a:t>
+            </a:r>
+            <a:r>
+              <a:rPr lang="en-US" dirty="0" err="1"/>
+              <a:t>BreaultSWD</a:t>
+            </a:r>
+            <a:r>
+              <a:rPr lang="en-US" dirty="0"/>
+              <a:t> repo’s</a:t>
+            </a:r>
+          </a:p>
+          <a:p>
+            <a:r>
+              <a:rPr lang="en-US" dirty="0"/>
+              <a:t>All development shall be on forks</a:t>
+            </a:r>
+          </a:p>
+          <a:p>
+            <a:r>
+              <a:rPr lang="en-US" dirty="0"/>
+              <a:t>All test cases shall be in associated </a:t>
+            </a:r>
+            <a:r>
+              <a:rPr lang="en-US" dirty="0" err="1"/>
+              <a:t>Test_Repo</a:t>
+            </a:r>
+            <a:endParaRPr lang="en-US" dirty="0"/>
+          </a:p>
+          <a:p>
+            <a:pPr marL="0" indent="0">
+              <a:buNone/>
+            </a:pPr>
+            <a:endParaRPr lang="en-US" dirty="0"/>
           </a:p>
         </p:txBody>
       </p:sp>
-      <p:pic>
-        <p:nvPicPr>
-          <p:cNvPr id="5" name="Picture 4">
-            <a:extLst>
-              <a:ext uri="{FF2B5EF4-FFF2-40B4-BE49-F238E27FC236}">
-                <a16:creationId xmlns:a16="http://schemas.microsoft.com/office/drawing/2014/main" id="{C175FC0D-A2F9-9DE7-8436-033C31F01F93}"/>
-              </a:ext>
-            </a:extLst>
-          </p:cNvPr>
-          <p:cNvPicPr>
-            <a:picLocks noChangeAspect="1"/>
-          </p:cNvPicPr>
-          <p:nvPr/>
-        </p:nvPicPr>
-        <p:blipFill>
-          <a:blip r:embed="rId2"/>
-          <a:srcRect l="6692"/>
-          <a:stretch/>
-        </p:blipFill>
-        <p:spPr>
-          <a:xfrm>
-            <a:off x="7555832" y="2097088"/>
-            <a:ext cx="4636168" cy="1996613"/>
-          </a:xfrm>
-          <a:prstGeom prst="rect">
-            <a:avLst/>
-          </a:prstGeom>
-        </p:spPr>
-      </p:pic>
-      <p:pic>
-        <p:nvPicPr>
-          <p:cNvPr id="7" name="Picture 6">
-            <a:extLst>
-              <a:ext uri="{FF2B5EF4-FFF2-40B4-BE49-F238E27FC236}">
-                <a16:creationId xmlns:a16="http://schemas.microsoft.com/office/drawing/2014/main" id="{78D65101-9341-7C7A-31D7-C3B092D33495}"/>
-              </a:ext>
-            </a:extLst>
-          </p:cNvPr>
-          <p:cNvPicPr>
-            <a:picLocks noChangeAspect="1"/>
-          </p:cNvPicPr>
-          <p:nvPr/>
-        </p:nvPicPr>
-        <p:blipFill>
-          <a:blip r:embed="rId3"/>
-          <a:srcRect b="36573"/>
-          <a:stretch/>
-        </p:blipFill>
-        <p:spPr>
-          <a:xfrm>
-            <a:off x="718014" y="3344955"/>
-            <a:ext cx="6264183" cy="3296477"/>
-          </a:xfrm>
-          <a:prstGeom prst="rect">
-            <a:avLst/>
-          </a:prstGeom>
-        </p:spPr>
-      </p:pic>
     </p:spTree>
     <p:extLst>
       <p:ext uri="{BB962C8B-B14F-4D97-AF65-F5344CB8AC3E}">
-        <p14:creationId xmlns:p14="http://schemas.microsoft.com/office/powerpoint/2010/main" val="2374872806"/>
+        <p14:creationId xmlns:p14="http://schemas.microsoft.com/office/powerpoint/2010/main" val="1863103280"/>
       </p:ext>
     </p:extLst>
   </p:cSld>
@@ -12912,7 +14661,519 @@
 </p:sld>
 </file>
 
-<file path=ppt/slides/slide13.xml><?xml version="1.0" encoding="utf-8"?>
+<file path=ppt/slides/slide5.xml><?xml version="1.0" encoding="utf-8"?>
+<p:sld xmlns:a="http://schemas.openxmlformats.org/drawingml/2006/main" xmlns:r="http://schemas.openxmlformats.org/officeDocument/2006/relationships" xmlns:p="http://schemas.openxmlformats.org/presentationml/2006/main">
+  <p:cSld>
+    <p:spTree>
+      <p:nvGrpSpPr>
+        <p:cNvPr id="1" name=""/>
+        <p:cNvGrpSpPr/>
+        <p:nvPr/>
+      </p:nvGrpSpPr>
+      <p:grpSpPr>
+        <a:xfrm>
+          <a:off x="0" y="0"/>
+          <a:ext cx="0" cy="0"/>
+          <a:chOff x="0" y="0"/>
+          <a:chExt cx="0" cy="0"/>
+        </a:xfrm>
+      </p:grpSpPr>
+      <p:sp>
+        <p:nvSpPr>
+          <p:cNvPr id="2" name="Title 1">
+            <a:extLst>
+              <a:ext uri="{FF2B5EF4-FFF2-40B4-BE49-F238E27FC236}">
+                <a16:creationId xmlns:a16="http://schemas.microsoft.com/office/drawing/2014/main" id="{3214BDEF-35E5-7F7B-D581-5A2A96C5A6C4}"/>
+              </a:ext>
+            </a:extLst>
+          </p:cNvPr>
+          <p:cNvSpPr>
+            <a:spLocks noGrp="1"/>
+          </p:cNvSpPr>
+          <p:nvPr>
+            <p:ph type="title"/>
+          </p:nvPr>
+        </p:nvSpPr>
+        <p:spPr/>
+        <p:txBody>
+          <a:bodyPr/>
+          <a:lstStyle/>
+          <a:p>
+            <a:r>
+              <a:rPr lang="en-US" dirty="0"/>
+              <a:t>Creating a new fork</a:t>
+            </a:r>
+          </a:p>
+        </p:txBody>
+      </p:sp>
+      <p:pic>
+        <p:nvPicPr>
+          <p:cNvPr id="4" name="Content Placeholder 3" descr="A screenshot of a computer&#10;&#10;Description automatically generated">
+            <a:extLst>
+              <a:ext uri="{FF2B5EF4-FFF2-40B4-BE49-F238E27FC236}">
+                <a16:creationId xmlns:a16="http://schemas.microsoft.com/office/drawing/2014/main" id="{95B761B1-FE14-82FA-1C4D-C5C9AAB85C93}"/>
+              </a:ext>
+            </a:extLst>
+          </p:cNvPr>
+          <p:cNvPicPr>
+            <a:picLocks noGrp="1" noChangeAspect="1"/>
+          </p:cNvPicPr>
+          <p:nvPr>
+            <p:ph idx="1"/>
+          </p:nvPr>
+        </p:nvPicPr>
+        <p:blipFill rotWithShape="1">
+          <a:blip r:embed="rId2">
+            <a:extLst>
+              <a:ext uri="{28A0092B-C50C-407E-A947-70E740481C1C}">
+                <a14:useLocalDpi xmlns:a14="http://schemas.microsoft.com/office/drawing/2010/main" val="0"/>
+              </a:ext>
+            </a:extLst>
+          </a:blip>
+          <a:srcRect t="3973" r="7436" b="3311"/>
+          <a:stretch/>
+        </p:blipFill>
+        <p:spPr bwMode="auto">
+          <a:xfrm>
+            <a:off x="608961" y="1701416"/>
+            <a:ext cx="7407314" cy="5027444"/>
+          </a:xfrm>
+          <a:prstGeom prst="rect">
+            <a:avLst/>
+          </a:prstGeom>
+          <a:ln>
+            <a:noFill/>
+          </a:ln>
+          <a:extLst>
+            <a:ext uri="{53640926-AAD7-44D8-BBD7-CCE9431645EC}">
+              <a14:shadowObscured xmlns:a14="http://schemas.microsoft.com/office/drawing/2010/main"/>
+            </a:ext>
+          </a:extLst>
+        </p:spPr>
+      </p:pic>
+      <p:pic>
+        <p:nvPicPr>
+          <p:cNvPr id="5" name="Picture 4" descr="A screenshot of a computer&#10;&#10;Description automatically generated">
+            <a:extLst>
+              <a:ext uri="{FF2B5EF4-FFF2-40B4-BE49-F238E27FC236}">
+                <a16:creationId xmlns:a16="http://schemas.microsoft.com/office/drawing/2014/main" id="{92DB6C5C-3533-FD89-C508-2AB84CAD1B8F}"/>
+              </a:ext>
+            </a:extLst>
+          </p:cNvPr>
+          <p:cNvPicPr>
+            <a:picLocks noChangeAspect="1"/>
+          </p:cNvPicPr>
+          <p:nvPr/>
+        </p:nvPicPr>
+        <p:blipFill rotWithShape="1">
+          <a:blip r:embed="rId3">
+            <a:extLst>
+              <a:ext uri="{28A0092B-C50C-407E-A947-70E740481C1C}">
+                <a14:useLocalDpi xmlns:a14="http://schemas.microsoft.com/office/drawing/2010/main" val="0"/>
+              </a:ext>
+            </a:extLst>
+          </a:blip>
+          <a:srcRect t="17984"/>
+          <a:stretch/>
+        </p:blipFill>
+        <p:spPr bwMode="auto">
+          <a:xfrm>
+            <a:off x="6347894" y="861946"/>
+            <a:ext cx="4212590" cy="839470"/>
+          </a:xfrm>
+          <a:prstGeom prst="rect">
+            <a:avLst/>
+          </a:prstGeom>
+          <a:ln>
+            <a:noFill/>
+          </a:ln>
+          <a:extLst>
+            <a:ext uri="{53640926-AAD7-44D8-BBD7-CCE9431645EC}">
+              <a14:shadowObscured xmlns:a14="http://schemas.microsoft.com/office/drawing/2010/main"/>
+            </a:ext>
+          </a:extLst>
+        </p:spPr>
+      </p:pic>
+      <p:sp>
+        <p:nvSpPr>
+          <p:cNvPr id="3" name="TextBox 2">
+            <a:extLst>
+              <a:ext uri="{FF2B5EF4-FFF2-40B4-BE49-F238E27FC236}">
+                <a16:creationId xmlns:a16="http://schemas.microsoft.com/office/drawing/2014/main" id="{2E9DCE94-8F49-DA24-B3AC-F2407DAE9F30}"/>
+              </a:ext>
+            </a:extLst>
+          </p:cNvPr>
+          <p:cNvSpPr txBox="1"/>
+          <p:nvPr/>
+        </p:nvSpPr>
+        <p:spPr>
+          <a:xfrm>
+            <a:off x="8327923" y="2330245"/>
+            <a:ext cx="3825021" cy="3693319"/>
+          </a:xfrm>
+          <a:prstGeom prst="rect">
+            <a:avLst/>
+          </a:prstGeom>
+          <a:noFill/>
+        </p:spPr>
+        <p:txBody>
+          <a:bodyPr wrap="none" rtlCol="0">
+            <a:spAutoFit/>
+          </a:bodyPr>
+          <a:lstStyle/>
+          <a:p>
+            <a:r>
+              <a:rPr lang="en-US" dirty="0"/>
+              <a:t>Select fork in the given repo</a:t>
+            </a:r>
+          </a:p>
+          <a:p>
+            <a:endParaRPr lang="en-US" dirty="0"/>
+          </a:p>
+          <a:p>
+            <a:r>
+              <a:rPr lang="en-US" dirty="0"/>
+              <a:t>De-select Copy the branch only</a:t>
+            </a:r>
+          </a:p>
+          <a:p>
+            <a:endParaRPr lang="en-US" dirty="0"/>
+          </a:p>
+          <a:p>
+            <a:r>
+              <a:rPr lang="en-US" dirty="0"/>
+              <a:t>Create fork</a:t>
+            </a:r>
+          </a:p>
+          <a:p>
+            <a:endParaRPr lang="en-US" dirty="0"/>
+          </a:p>
+          <a:p>
+            <a:r>
+              <a:rPr lang="en-US" dirty="0"/>
+              <a:t>NOTE: if the fork or the repo does not</a:t>
+            </a:r>
+          </a:p>
+          <a:p>
+            <a:r>
+              <a:rPr lang="en-US" dirty="0"/>
+              <a:t>Have a DEV_ branch before the branch</a:t>
+            </a:r>
+          </a:p>
+          <a:p>
+            <a:r>
+              <a:rPr lang="en-US" dirty="0"/>
+              <a:t>Is created. This can be done after</a:t>
+            </a:r>
+          </a:p>
+          <a:p>
+            <a:endParaRPr lang="en-US" dirty="0"/>
+          </a:p>
+          <a:p>
+            <a:r>
+              <a:rPr lang="en-US" dirty="0"/>
+              <a:t>If the developer has an existing fork</a:t>
+            </a:r>
+          </a:p>
+          <a:p>
+            <a:r>
+              <a:rPr lang="en-US" dirty="0"/>
+              <a:t>Creating a branch and syncing can be</a:t>
+            </a:r>
+          </a:p>
+          <a:p>
+            <a:r>
+              <a:rPr lang="en-US" dirty="0"/>
+              <a:t>Done.</a:t>
+            </a:r>
+          </a:p>
+        </p:txBody>
+      </p:sp>
+    </p:spTree>
+    <p:extLst>
+      <p:ext uri="{BB962C8B-B14F-4D97-AF65-F5344CB8AC3E}">
+        <p14:creationId xmlns:p14="http://schemas.microsoft.com/office/powerpoint/2010/main" val="1090958267"/>
+      </p:ext>
+    </p:extLst>
+  </p:cSld>
+  <p:clrMapOvr>
+    <a:masterClrMapping/>
+  </p:clrMapOvr>
+</p:sld>
+</file>
+
+<file path=ppt/slides/slide6.xml><?xml version="1.0" encoding="utf-8"?>
+<p:sld xmlns:a="http://schemas.openxmlformats.org/drawingml/2006/main" xmlns:r="http://schemas.openxmlformats.org/officeDocument/2006/relationships" xmlns:p="http://schemas.openxmlformats.org/presentationml/2006/main">
+  <p:cSld>
+    <p:spTree>
+      <p:nvGrpSpPr>
+        <p:cNvPr id="1" name=""/>
+        <p:cNvGrpSpPr/>
+        <p:nvPr/>
+      </p:nvGrpSpPr>
+      <p:grpSpPr>
+        <a:xfrm>
+          <a:off x="0" y="0"/>
+          <a:ext cx="0" cy="0"/>
+          <a:chOff x="0" y="0"/>
+          <a:chExt cx="0" cy="0"/>
+        </a:xfrm>
+      </p:grpSpPr>
+      <p:sp>
+        <p:nvSpPr>
+          <p:cNvPr id="2" name="Title 1">
+            <a:extLst>
+              <a:ext uri="{FF2B5EF4-FFF2-40B4-BE49-F238E27FC236}">
+                <a16:creationId xmlns:a16="http://schemas.microsoft.com/office/drawing/2014/main" id="{92C58C41-C61A-7763-BB10-006C092DFCC3}"/>
+              </a:ext>
+            </a:extLst>
+          </p:cNvPr>
+          <p:cNvSpPr>
+            <a:spLocks noGrp="1"/>
+          </p:cNvSpPr>
+          <p:nvPr>
+            <p:ph type="title"/>
+          </p:nvPr>
+        </p:nvSpPr>
+        <p:spPr/>
+        <p:txBody>
+          <a:bodyPr/>
+          <a:lstStyle/>
+          <a:p>
+            <a:r>
+              <a:rPr lang="en-US" dirty="0"/>
+              <a:t>Issues</a:t>
+            </a:r>
+          </a:p>
+        </p:txBody>
+      </p:sp>
+      <p:sp>
+        <p:nvSpPr>
+          <p:cNvPr id="3" name="Content Placeholder 2">
+            <a:extLst>
+              <a:ext uri="{FF2B5EF4-FFF2-40B4-BE49-F238E27FC236}">
+                <a16:creationId xmlns:a16="http://schemas.microsoft.com/office/drawing/2014/main" id="{4D901822-48EA-73DB-BCCA-0C20DB06CC14}"/>
+              </a:ext>
+            </a:extLst>
+          </p:cNvPr>
+          <p:cNvSpPr>
+            <a:spLocks noGrp="1"/>
+          </p:cNvSpPr>
+          <p:nvPr>
+            <p:ph idx="1"/>
+          </p:nvPr>
+        </p:nvSpPr>
+        <p:spPr/>
+        <p:txBody>
+          <a:bodyPr/>
+          <a:lstStyle/>
+          <a:p>
+            <a:r>
+              <a:rPr lang="en-US" dirty="0"/>
+              <a:t>Shall be from the back-log &gt; moved to Current Development</a:t>
+            </a:r>
+          </a:p>
+          <a:p>
+            <a:r>
+              <a:rPr lang="en-US" dirty="0"/>
+              <a:t>Shall be associated to a DEV_ project</a:t>
+            </a:r>
+          </a:p>
+          <a:p>
+            <a:r>
+              <a:rPr lang="en-US" dirty="0"/>
+              <a:t>Shall be created on a DEV_ branch</a:t>
+            </a:r>
+          </a:p>
+          <a:p>
+            <a:r>
+              <a:rPr lang="en-US" dirty="0"/>
+              <a:t>Developer shall not close out issue without review</a:t>
+            </a:r>
+          </a:p>
+          <a:p>
+            <a:r>
+              <a:rPr lang="en-US" dirty="0"/>
+              <a:t>The reviewer shall close out the issue</a:t>
+            </a:r>
+          </a:p>
+          <a:p>
+            <a:r>
+              <a:rPr lang="en-US" dirty="0"/>
+              <a:t>Development shall be linked with a pull-request</a:t>
+            </a:r>
+          </a:p>
+        </p:txBody>
+      </p:sp>
+    </p:spTree>
+    <p:extLst>
+      <p:ext uri="{BB962C8B-B14F-4D97-AF65-F5344CB8AC3E}">
+        <p14:creationId xmlns:p14="http://schemas.microsoft.com/office/powerpoint/2010/main" val="882162805"/>
+      </p:ext>
+    </p:extLst>
+  </p:cSld>
+  <p:clrMapOvr>
+    <a:masterClrMapping/>
+  </p:clrMapOvr>
+</p:sld>
+</file>
+
+<file path=ppt/slides/slide7.xml><?xml version="1.0" encoding="utf-8"?>
+<p:sld xmlns:a="http://schemas.openxmlformats.org/drawingml/2006/main" xmlns:r="http://schemas.openxmlformats.org/officeDocument/2006/relationships" xmlns:p="http://schemas.openxmlformats.org/presentationml/2006/main">
+  <p:cSld>
+    <p:spTree>
+      <p:nvGrpSpPr>
+        <p:cNvPr id="1" name=""/>
+        <p:cNvGrpSpPr/>
+        <p:nvPr/>
+      </p:nvGrpSpPr>
+      <p:grpSpPr>
+        <a:xfrm>
+          <a:off x="0" y="0"/>
+          <a:ext cx="0" cy="0"/>
+          <a:chOff x="0" y="0"/>
+          <a:chExt cx="0" cy="0"/>
+        </a:xfrm>
+      </p:grpSpPr>
+      <p:sp>
+        <p:nvSpPr>
+          <p:cNvPr id="2" name="Title 1">
+            <a:extLst>
+              <a:ext uri="{FF2B5EF4-FFF2-40B4-BE49-F238E27FC236}">
+                <a16:creationId xmlns:a16="http://schemas.microsoft.com/office/drawing/2014/main" id="{92717FEA-3CDA-872C-1F54-E792FE648AB0}"/>
+              </a:ext>
+            </a:extLst>
+          </p:cNvPr>
+          <p:cNvSpPr>
+            <a:spLocks noGrp="1"/>
+          </p:cNvSpPr>
+          <p:nvPr>
+            <p:ph type="title"/>
+          </p:nvPr>
+        </p:nvSpPr>
+        <p:spPr>
+          <a:xfrm>
+            <a:off x="1259987" y="110767"/>
+            <a:ext cx="9905998" cy="1015502"/>
+          </a:xfrm>
+        </p:spPr>
+        <p:txBody>
+          <a:bodyPr/>
+          <a:lstStyle/>
+          <a:p>
+            <a:r>
+              <a:rPr lang="en-US" dirty="0"/>
+              <a:t>Issues</a:t>
+            </a:r>
+          </a:p>
+        </p:txBody>
+      </p:sp>
+      <p:pic>
+        <p:nvPicPr>
+          <p:cNvPr id="4" name="Content Placeholder 3" descr="A screenshot of a computer&#10;&#10;Description automatically generated">
+            <a:extLst>
+              <a:ext uri="{FF2B5EF4-FFF2-40B4-BE49-F238E27FC236}">
+                <a16:creationId xmlns:a16="http://schemas.microsoft.com/office/drawing/2014/main" id="{97209A42-D360-EF95-B3DC-FE9A1B9D0077}"/>
+              </a:ext>
+            </a:extLst>
+          </p:cNvPr>
+          <p:cNvPicPr>
+            <a:picLocks noGrp="1" noChangeAspect="1"/>
+          </p:cNvPicPr>
+          <p:nvPr>
+            <p:ph idx="1"/>
+          </p:nvPr>
+        </p:nvPicPr>
+        <p:blipFill rotWithShape="1">
+          <a:blip r:embed="rId2" cstate="print">
+            <a:extLst>
+              <a:ext uri="{28A0092B-C50C-407E-A947-70E740481C1C}">
+                <a14:useLocalDpi xmlns:a14="http://schemas.microsoft.com/office/drawing/2010/main" val="0"/>
+              </a:ext>
+            </a:extLst>
+          </a:blip>
+          <a:srcRect l="2563" t="-274" r="128" b="274"/>
+          <a:stretch/>
+        </p:blipFill>
+        <p:spPr bwMode="auto">
+          <a:xfrm>
+            <a:off x="1259987" y="901060"/>
+            <a:ext cx="9518870" cy="4581338"/>
+          </a:xfrm>
+          <a:prstGeom prst="rect">
+            <a:avLst/>
+          </a:prstGeom>
+          <a:ln>
+            <a:noFill/>
+          </a:ln>
+          <a:extLst>
+            <a:ext uri="{53640926-AAD7-44D8-BBD7-CCE9431645EC}">
+              <a14:shadowObscured xmlns:a14="http://schemas.microsoft.com/office/drawing/2010/main"/>
+            </a:ext>
+          </a:extLst>
+        </p:spPr>
+      </p:pic>
+      <p:sp>
+        <p:nvSpPr>
+          <p:cNvPr id="3" name="TextBox 2">
+            <a:extLst>
+              <a:ext uri="{FF2B5EF4-FFF2-40B4-BE49-F238E27FC236}">
+                <a16:creationId xmlns:a16="http://schemas.microsoft.com/office/drawing/2014/main" id="{32F3B414-99DC-2EDD-1DEE-B9FFF5C86248}"/>
+              </a:ext>
+            </a:extLst>
+          </p:cNvPr>
+          <p:cNvSpPr txBox="1"/>
+          <p:nvPr/>
+        </p:nvSpPr>
+        <p:spPr>
+          <a:xfrm>
+            <a:off x="1259987" y="5722374"/>
+            <a:ext cx="10362132" cy="923330"/>
+          </a:xfrm>
+          <a:prstGeom prst="rect">
+            <a:avLst/>
+          </a:prstGeom>
+          <a:noFill/>
+        </p:spPr>
+        <p:txBody>
+          <a:bodyPr wrap="none" rtlCol="0">
+            <a:spAutoFit/>
+          </a:bodyPr>
+          <a:lstStyle/>
+          <a:p>
+            <a:r>
+              <a:rPr lang="en-US" dirty="0"/>
+              <a:t>Most Issues are created as a draft in the Back-log. If the Issue is assigned to a DEV_ repo then it gets assigned.</a:t>
+            </a:r>
+          </a:p>
+          <a:p>
+            <a:r>
+              <a:rPr lang="en-US" dirty="0"/>
+              <a:t>A Label is not required. Project is required to be assigned. Should have Back-log if from a draft.</a:t>
+            </a:r>
+          </a:p>
+          <a:p>
+            <a:r>
+              <a:rPr lang="en-US" dirty="0"/>
+              <a:t>Description has all required information before the Issue has been researched.</a:t>
+            </a:r>
+          </a:p>
+        </p:txBody>
+      </p:sp>
+    </p:spTree>
+    <p:extLst>
+      <p:ext uri="{BB962C8B-B14F-4D97-AF65-F5344CB8AC3E}">
+        <p14:creationId xmlns:p14="http://schemas.microsoft.com/office/powerpoint/2010/main" val="944698361"/>
+      </p:ext>
+    </p:extLst>
+  </p:cSld>
+  <p:clrMapOvr>
+    <a:masterClrMapping/>
+  </p:clrMapOvr>
+</p:sld>
+</file>
+
+<file path=ppt/slides/slide8.xml><?xml version="1.0" encoding="utf-8"?>
 <p:sld xmlns:a="http://schemas.openxmlformats.org/drawingml/2006/main" xmlns:r="http://schemas.openxmlformats.org/officeDocument/2006/relationships" xmlns:p="http://schemas.openxmlformats.org/presentationml/2006/main">
   <p:cSld>
     <p:spTree>
@@ -12952,7 +15213,7 @@
           <a:p>
             <a:r>
               <a:rPr lang="en-US" dirty="0"/>
-              <a:t>Bash scripts to call for every dev</a:t>
+              <a:t>Obtaining the codebase bash files</a:t>
             </a:r>
           </a:p>
         </p:txBody>
@@ -13091,7 +15352,7 @@
         <p:spPr>
           <a:xfrm>
             <a:off x="1572126" y="4780547"/>
-            <a:ext cx="3350148" cy="646331"/>
+            <a:ext cx="7727180" cy="1200329"/>
           </a:xfrm>
           <a:prstGeom prst="rect">
             <a:avLst/>
@@ -13131,853 +15392,29 @@
               <a:t> &lt;DEV_ branch&gt;</a:t>
             </a:r>
           </a:p>
+          <a:p>
+            <a:endParaRPr lang="en-US" dirty="0"/>
+          </a:p>
+          <a:p>
+            <a:r>
+              <a:rPr lang="en-US" dirty="0"/>
+              <a:t>NOTE: this pulls from </a:t>
+            </a:r>
+            <a:r>
+              <a:rPr lang="en-US" dirty="0" err="1"/>
+              <a:t>BreaultSWD</a:t>
+            </a:r>
+            <a:r>
+              <a:rPr lang="en-US" dirty="0"/>
+              <a:t> and does not create a link to upload to GITHUB.</a:t>
+            </a:r>
+          </a:p>
         </p:txBody>
       </p:sp>
     </p:spTree>
     <p:extLst>
       <p:ext uri="{BB962C8B-B14F-4D97-AF65-F5344CB8AC3E}">
         <p14:creationId xmlns:p14="http://schemas.microsoft.com/office/powerpoint/2010/main" val="3808483206"/>
-      </p:ext>
-    </p:extLst>
-  </p:cSld>
-  <p:clrMapOvr>
-    <a:masterClrMapping/>
-  </p:clrMapOvr>
-</p:sld>
-</file>
-
-<file path=ppt/slides/slide2.xml><?xml version="1.0" encoding="utf-8"?>
-<p:sld xmlns:a="http://schemas.openxmlformats.org/drawingml/2006/main" xmlns:r="http://schemas.openxmlformats.org/officeDocument/2006/relationships" xmlns:p="http://schemas.openxmlformats.org/presentationml/2006/main">
-  <p:cSld>
-    <p:spTree>
-      <p:nvGrpSpPr>
-        <p:cNvPr id="1" name=""/>
-        <p:cNvGrpSpPr/>
-        <p:nvPr/>
-      </p:nvGrpSpPr>
-      <p:grpSpPr>
-        <a:xfrm>
-          <a:off x="0" y="0"/>
-          <a:ext cx="0" cy="0"/>
-          <a:chOff x="0" y="0"/>
-          <a:chExt cx="0" cy="0"/>
-        </a:xfrm>
-      </p:grpSpPr>
-      <p:sp>
-        <p:nvSpPr>
-          <p:cNvPr id="2" name="Title 1">
-            <a:extLst>
-              <a:ext uri="{FF2B5EF4-FFF2-40B4-BE49-F238E27FC236}">
-                <a16:creationId xmlns:a16="http://schemas.microsoft.com/office/drawing/2014/main" id="{B68E33C1-B991-97CB-A66A-3AE78583F4C2}"/>
-              </a:ext>
-            </a:extLst>
-          </p:cNvPr>
-          <p:cNvSpPr>
-            <a:spLocks noGrp="1"/>
-          </p:cNvSpPr>
-          <p:nvPr>
-            <p:ph type="title"/>
-          </p:nvPr>
-        </p:nvSpPr>
-        <p:spPr/>
-        <p:txBody>
-          <a:bodyPr/>
-          <a:lstStyle/>
-          <a:p>
-            <a:r>
-              <a:rPr lang="en-US" dirty="0" err="1"/>
-              <a:t>Github</a:t>
-            </a:r>
-            <a:r>
-              <a:rPr lang="en-US" dirty="0"/>
-              <a:t> navigation</a:t>
-            </a:r>
-          </a:p>
-        </p:txBody>
-      </p:sp>
-      <p:pic>
-        <p:nvPicPr>
-          <p:cNvPr id="4" name="Content Placeholder 3">
-            <a:extLst>
-              <a:ext uri="{FF2B5EF4-FFF2-40B4-BE49-F238E27FC236}">
-                <a16:creationId xmlns:a16="http://schemas.microsoft.com/office/drawing/2014/main" id="{9191007C-E76D-6777-BE9E-06616EAB48D0}"/>
-              </a:ext>
-            </a:extLst>
-          </p:cNvPr>
-          <p:cNvPicPr>
-            <a:picLocks noGrp="1" noChangeAspect="1"/>
-          </p:cNvPicPr>
-          <p:nvPr>
-            <p:ph idx="1"/>
-          </p:nvPr>
-        </p:nvPicPr>
-        <p:blipFill>
-          <a:blip r:embed="rId2"/>
-          <a:stretch>
-            <a:fillRect/>
-          </a:stretch>
-        </p:blipFill>
-        <p:spPr>
-          <a:xfrm>
-            <a:off x="295517" y="2097088"/>
-            <a:ext cx="11277630" cy="662154"/>
-          </a:xfrm>
-          <a:prstGeom prst="rect">
-            <a:avLst/>
-          </a:prstGeom>
-        </p:spPr>
-      </p:pic>
-      <p:pic>
-        <p:nvPicPr>
-          <p:cNvPr id="5" name="Picture 4">
-            <a:extLst>
-              <a:ext uri="{FF2B5EF4-FFF2-40B4-BE49-F238E27FC236}">
-                <a16:creationId xmlns:a16="http://schemas.microsoft.com/office/drawing/2014/main" id="{DC6A8B83-75B3-8885-9ADE-2606EFCF63D5}"/>
-              </a:ext>
-            </a:extLst>
-          </p:cNvPr>
-          <p:cNvPicPr>
-            <a:picLocks noChangeAspect="1"/>
-          </p:cNvPicPr>
-          <p:nvPr/>
-        </p:nvPicPr>
-        <p:blipFill>
-          <a:blip r:embed="rId3"/>
-          <a:stretch>
-            <a:fillRect/>
-          </a:stretch>
-        </p:blipFill>
-        <p:spPr>
-          <a:xfrm>
-            <a:off x="295516" y="4237811"/>
-            <a:ext cx="11277630" cy="718105"/>
-          </a:xfrm>
-          <a:prstGeom prst="rect">
-            <a:avLst/>
-          </a:prstGeom>
-        </p:spPr>
-      </p:pic>
-      <p:sp>
-        <p:nvSpPr>
-          <p:cNvPr id="6" name="TextBox 5">
-            <a:extLst>
-              <a:ext uri="{FF2B5EF4-FFF2-40B4-BE49-F238E27FC236}">
-                <a16:creationId xmlns:a16="http://schemas.microsoft.com/office/drawing/2014/main" id="{4AC07A09-2245-E7B0-8B3C-DDC9265CB9E6}"/>
-              </a:ext>
-            </a:extLst>
-          </p:cNvPr>
-          <p:cNvSpPr txBox="1"/>
-          <p:nvPr/>
-        </p:nvSpPr>
-        <p:spPr>
-          <a:xfrm>
-            <a:off x="295516" y="2759242"/>
-            <a:ext cx="11277630" cy="369332"/>
-          </a:xfrm>
-          <a:prstGeom prst="rect">
-            <a:avLst/>
-          </a:prstGeom>
-          <a:noFill/>
-        </p:spPr>
-        <p:txBody>
-          <a:bodyPr wrap="square" rtlCol="0">
-            <a:spAutoFit/>
-          </a:bodyPr>
-          <a:lstStyle/>
-          <a:p>
-            <a:r>
-              <a:rPr lang="en-US" dirty="0"/>
-              <a:t>Briefly before we navigated through GITHUB. This serves as a refresher. </a:t>
-            </a:r>
-          </a:p>
-        </p:txBody>
-      </p:sp>
-    </p:spTree>
-    <p:extLst>
-      <p:ext uri="{BB962C8B-B14F-4D97-AF65-F5344CB8AC3E}">
-        <p14:creationId xmlns:p14="http://schemas.microsoft.com/office/powerpoint/2010/main" val="230952666"/>
-      </p:ext>
-    </p:extLst>
-  </p:cSld>
-  <p:clrMapOvr>
-    <a:masterClrMapping/>
-  </p:clrMapOvr>
-</p:sld>
-</file>
-
-<file path=ppt/slides/slide3.xml><?xml version="1.0" encoding="utf-8"?>
-<p:sld xmlns:a="http://schemas.openxmlformats.org/drawingml/2006/main" xmlns:r="http://schemas.openxmlformats.org/officeDocument/2006/relationships" xmlns:p="http://schemas.openxmlformats.org/presentationml/2006/main">
-  <p:cSld>
-    <p:spTree>
-      <p:nvGrpSpPr>
-        <p:cNvPr id="1" name=""/>
-        <p:cNvGrpSpPr/>
-        <p:nvPr/>
-      </p:nvGrpSpPr>
-      <p:grpSpPr>
-        <a:xfrm>
-          <a:off x="0" y="0"/>
-          <a:ext cx="0" cy="0"/>
-          <a:chOff x="0" y="0"/>
-          <a:chExt cx="0" cy="0"/>
-        </a:xfrm>
-      </p:grpSpPr>
-      <p:sp>
-        <p:nvSpPr>
-          <p:cNvPr id="2" name="Title 1">
-            <a:extLst>
-              <a:ext uri="{FF2B5EF4-FFF2-40B4-BE49-F238E27FC236}">
-                <a16:creationId xmlns:a16="http://schemas.microsoft.com/office/drawing/2014/main" id="{4263945F-3198-5C74-D6ED-F5EEB7A3D8E7}"/>
-              </a:ext>
-            </a:extLst>
-          </p:cNvPr>
-          <p:cNvSpPr>
-            <a:spLocks noGrp="1"/>
-          </p:cNvSpPr>
-          <p:nvPr>
-            <p:ph type="title"/>
-          </p:nvPr>
-        </p:nvSpPr>
-        <p:spPr/>
-        <p:txBody>
-          <a:bodyPr/>
-          <a:lstStyle/>
-          <a:p>
-            <a:r>
-              <a:rPr lang="en-US" dirty="0"/>
-              <a:t>Projects</a:t>
-            </a:r>
-          </a:p>
-        </p:txBody>
-      </p:sp>
-      <p:pic>
-        <p:nvPicPr>
-          <p:cNvPr id="5" name="Content Placeholder 4">
-            <a:extLst>
-              <a:ext uri="{FF2B5EF4-FFF2-40B4-BE49-F238E27FC236}">
-                <a16:creationId xmlns:a16="http://schemas.microsoft.com/office/drawing/2014/main" id="{88CE9286-4AF0-1D39-2B9C-EF76A29453A8}"/>
-              </a:ext>
-            </a:extLst>
-          </p:cNvPr>
-          <p:cNvPicPr>
-            <a:picLocks noGrp="1" noChangeAspect="1"/>
-          </p:cNvPicPr>
-          <p:nvPr>
-            <p:ph idx="1"/>
-          </p:nvPr>
-        </p:nvPicPr>
-        <p:blipFill>
-          <a:blip r:embed="rId2"/>
-          <a:stretch>
-            <a:fillRect/>
-          </a:stretch>
-        </p:blipFill>
-        <p:spPr>
-          <a:xfrm>
-            <a:off x="1141413" y="2231723"/>
-            <a:ext cx="3831640" cy="3945555"/>
-          </a:xfrm>
-        </p:spPr>
-      </p:pic>
-      <p:pic>
-        <p:nvPicPr>
-          <p:cNvPr id="7" name="Picture 6">
-            <a:extLst>
-              <a:ext uri="{FF2B5EF4-FFF2-40B4-BE49-F238E27FC236}">
-                <a16:creationId xmlns:a16="http://schemas.microsoft.com/office/drawing/2014/main" id="{56764281-CEB5-3326-4B8D-CB597015DFBA}"/>
-              </a:ext>
-            </a:extLst>
-          </p:cNvPr>
-          <p:cNvPicPr>
-            <a:picLocks noChangeAspect="1"/>
-          </p:cNvPicPr>
-          <p:nvPr/>
-        </p:nvPicPr>
-        <p:blipFill>
-          <a:blip r:embed="rId3"/>
-          <a:stretch>
-            <a:fillRect/>
-          </a:stretch>
-        </p:blipFill>
-        <p:spPr>
-          <a:xfrm>
-            <a:off x="4973052" y="2231723"/>
-            <a:ext cx="4084343" cy="3945555"/>
-          </a:xfrm>
-          <a:prstGeom prst="rect">
-            <a:avLst/>
-          </a:prstGeom>
-        </p:spPr>
-      </p:pic>
-    </p:spTree>
-    <p:extLst>
-      <p:ext uri="{BB962C8B-B14F-4D97-AF65-F5344CB8AC3E}">
-        <p14:creationId xmlns:p14="http://schemas.microsoft.com/office/powerpoint/2010/main" val="396251604"/>
-      </p:ext>
-    </p:extLst>
-  </p:cSld>
-  <p:clrMapOvr>
-    <a:masterClrMapping/>
-  </p:clrMapOvr>
-</p:sld>
-</file>
-
-<file path=ppt/slides/slide4.xml><?xml version="1.0" encoding="utf-8"?>
-<p:sld xmlns:a="http://schemas.openxmlformats.org/drawingml/2006/main" xmlns:r="http://schemas.openxmlformats.org/officeDocument/2006/relationships" xmlns:p="http://schemas.openxmlformats.org/presentationml/2006/main">
-  <p:cSld>
-    <p:spTree>
-      <p:nvGrpSpPr>
-        <p:cNvPr id="1" name=""/>
-        <p:cNvGrpSpPr/>
-        <p:nvPr/>
-      </p:nvGrpSpPr>
-      <p:grpSpPr>
-        <a:xfrm>
-          <a:off x="0" y="0"/>
-          <a:ext cx="0" cy="0"/>
-          <a:chOff x="0" y="0"/>
-          <a:chExt cx="0" cy="0"/>
-        </a:xfrm>
-      </p:grpSpPr>
-      <p:sp>
-        <p:nvSpPr>
-          <p:cNvPr id="2" name="Title 1">
-            <a:extLst>
-              <a:ext uri="{FF2B5EF4-FFF2-40B4-BE49-F238E27FC236}">
-                <a16:creationId xmlns:a16="http://schemas.microsoft.com/office/drawing/2014/main" id="{11B1F766-2509-E54E-274A-981E50E2BADF}"/>
-              </a:ext>
-            </a:extLst>
-          </p:cNvPr>
-          <p:cNvSpPr>
-            <a:spLocks noGrp="1"/>
-          </p:cNvSpPr>
-          <p:nvPr>
-            <p:ph type="title"/>
-          </p:nvPr>
-        </p:nvSpPr>
-        <p:spPr/>
-        <p:txBody>
-          <a:bodyPr/>
-          <a:lstStyle/>
-          <a:p>
-            <a:r>
-              <a:rPr lang="en-US" dirty="0"/>
-              <a:t>Repository</a:t>
-            </a:r>
-          </a:p>
-        </p:txBody>
-      </p:sp>
-      <p:sp>
-        <p:nvSpPr>
-          <p:cNvPr id="3" name="Content Placeholder 2">
-            <a:extLst>
-              <a:ext uri="{FF2B5EF4-FFF2-40B4-BE49-F238E27FC236}">
-                <a16:creationId xmlns:a16="http://schemas.microsoft.com/office/drawing/2014/main" id="{5D2AA86D-35B9-3C64-6AA8-2F0836C7DCE7}"/>
-              </a:ext>
-            </a:extLst>
-          </p:cNvPr>
-          <p:cNvSpPr>
-            <a:spLocks noGrp="1"/>
-          </p:cNvSpPr>
-          <p:nvPr>
-            <p:ph idx="1"/>
-          </p:nvPr>
-        </p:nvSpPr>
-        <p:spPr/>
-        <p:txBody>
-          <a:bodyPr/>
-          <a:lstStyle/>
-          <a:p>
-            <a:r>
-              <a:rPr lang="en-US" dirty="0"/>
-              <a:t>Only the  DEV_ repo’s shall have Issues associated. </a:t>
-            </a:r>
-          </a:p>
-          <a:p>
-            <a:r>
-              <a:rPr lang="en-US" dirty="0"/>
-              <a:t>No development shall be done directly on the </a:t>
-            </a:r>
-            <a:r>
-              <a:rPr lang="en-US" dirty="0" err="1"/>
-              <a:t>BreaultSWD</a:t>
-            </a:r>
-            <a:r>
-              <a:rPr lang="en-US" dirty="0"/>
-              <a:t> repo’s</a:t>
-            </a:r>
-          </a:p>
-          <a:p>
-            <a:r>
-              <a:rPr lang="en-US" dirty="0"/>
-              <a:t>All development shall be on forks</a:t>
-            </a:r>
-          </a:p>
-          <a:p>
-            <a:r>
-              <a:rPr lang="en-US" dirty="0"/>
-              <a:t>All test cases shall be in associated </a:t>
-            </a:r>
-            <a:r>
-              <a:rPr lang="en-US" dirty="0" err="1"/>
-              <a:t>Test_Repo</a:t>
-            </a:r>
-            <a:endParaRPr lang="en-US" dirty="0"/>
-          </a:p>
-        </p:txBody>
-      </p:sp>
-    </p:spTree>
-    <p:extLst>
-      <p:ext uri="{BB962C8B-B14F-4D97-AF65-F5344CB8AC3E}">
-        <p14:creationId xmlns:p14="http://schemas.microsoft.com/office/powerpoint/2010/main" val="1863103280"/>
-      </p:ext>
-    </p:extLst>
-  </p:cSld>
-  <p:clrMapOvr>
-    <a:masterClrMapping/>
-  </p:clrMapOvr>
-</p:sld>
-</file>
-
-<file path=ppt/slides/slide5.xml><?xml version="1.0" encoding="utf-8"?>
-<p:sld xmlns:a="http://schemas.openxmlformats.org/drawingml/2006/main" xmlns:r="http://schemas.openxmlformats.org/officeDocument/2006/relationships" xmlns:p="http://schemas.openxmlformats.org/presentationml/2006/main">
-  <p:cSld>
-    <p:spTree>
-      <p:nvGrpSpPr>
-        <p:cNvPr id="1" name=""/>
-        <p:cNvGrpSpPr/>
-        <p:nvPr/>
-      </p:nvGrpSpPr>
-      <p:grpSpPr>
-        <a:xfrm>
-          <a:off x="0" y="0"/>
-          <a:ext cx="0" cy="0"/>
-          <a:chOff x="0" y="0"/>
-          <a:chExt cx="0" cy="0"/>
-        </a:xfrm>
-      </p:grpSpPr>
-      <p:sp>
-        <p:nvSpPr>
-          <p:cNvPr id="2" name="Title 1">
-            <a:extLst>
-              <a:ext uri="{FF2B5EF4-FFF2-40B4-BE49-F238E27FC236}">
-                <a16:creationId xmlns:a16="http://schemas.microsoft.com/office/drawing/2014/main" id="{3214BDEF-35E5-7F7B-D581-5A2A96C5A6C4}"/>
-              </a:ext>
-            </a:extLst>
-          </p:cNvPr>
-          <p:cNvSpPr>
-            <a:spLocks noGrp="1"/>
-          </p:cNvSpPr>
-          <p:nvPr>
-            <p:ph type="title"/>
-          </p:nvPr>
-        </p:nvSpPr>
-        <p:spPr/>
-        <p:txBody>
-          <a:bodyPr/>
-          <a:lstStyle/>
-          <a:p>
-            <a:r>
-              <a:rPr lang="en-US" dirty="0"/>
-              <a:t>Creating a new fork</a:t>
-            </a:r>
-          </a:p>
-        </p:txBody>
-      </p:sp>
-      <p:pic>
-        <p:nvPicPr>
-          <p:cNvPr id="4" name="Content Placeholder 3" descr="A screenshot of a computer&#10;&#10;Description automatically generated">
-            <a:extLst>
-              <a:ext uri="{FF2B5EF4-FFF2-40B4-BE49-F238E27FC236}">
-                <a16:creationId xmlns:a16="http://schemas.microsoft.com/office/drawing/2014/main" id="{95B761B1-FE14-82FA-1C4D-C5C9AAB85C93}"/>
-              </a:ext>
-            </a:extLst>
-          </p:cNvPr>
-          <p:cNvPicPr>
-            <a:picLocks noGrp="1" noChangeAspect="1"/>
-          </p:cNvPicPr>
-          <p:nvPr>
-            <p:ph idx="1"/>
-          </p:nvPr>
-        </p:nvPicPr>
-        <p:blipFill rotWithShape="1">
-          <a:blip r:embed="rId2">
-            <a:extLst>
-              <a:ext uri="{28A0092B-C50C-407E-A947-70E740481C1C}">
-                <a14:useLocalDpi xmlns:a14="http://schemas.microsoft.com/office/drawing/2010/main" val="0"/>
-              </a:ext>
-            </a:extLst>
-          </a:blip>
-          <a:srcRect t="3973" r="7436" b="3311"/>
-          <a:stretch/>
-        </p:blipFill>
-        <p:spPr bwMode="auto">
-          <a:xfrm>
-            <a:off x="1631516" y="1701416"/>
-            <a:ext cx="7407314" cy="5027444"/>
-          </a:xfrm>
-          <a:prstGeom prst="rect">
-            <a:avLst/>
-          </a:prstGeom>
-          <a:ln>
-            <a:noFill/>
-          </a:ln>
-          <a:extLst>
-            <a:ext uri="{53640926-AAD7-44D8-BBD7-CCE9431645EC}">
-              <a14:shadowObscured xmlns:a14="http://schemas.microsoft.com/office/drawing/2010/main"/>
-            </a:ext>
-          </a:extLst>
-        </p:spPr>
-      </p:pic>
-      <p:pic>
-        <p:nvPicPr>
-          <p:cNvPr id="5" name="Picture 4" descr="A screenshot of a computer&#10;&#10;Description automatically generated">
-            <a:extLst>
-              <a:ext uri="{FF2B5EF4-FFF2-40B4-BE49-F238E27FC236}">
-                <a16:creationId xmlns:a16="http://schemas.microsoft.com/office/drawing/2014/main" id="{92DB6C5C-3533-FD89-C508-2AB84CAD1B8F}"/>
-              </a:ext>
-            </a:extLst>
-          </p:cNvPr>
-          <p:cNvPicPr>
-            <a:picLocks noChangeAspect="1"/>
-          </p:cNvPicPr>
-          <p:nvPr/>
-        </p:nvPicPr>
-        <p:blipFill rotWithShape="1">
-          <a:blip r:embed="rId3">
-            <a:extLst>
-              <a:ext uri="{28A0092B-C50C-407E-A947-70E740481C1C}">
-                <a14:useLocalDpi xmlns:a14="http://schemas.microsoft.com/office/drawing/2010/main" val="0"/>
-              </a:ext>
-            </a:extLst>
-          </a:blip>
-          <a:srcRect t="17984"/>
-          <a:stretch/>
-        </p:blipFill>
-        <p:spPr bwMode="auto">
-          <a:xfrm>
-            <a:off x="6347894" y="861946"/>
-            <a:ext cx="4212590" cy="839470"/>
-          </a:xfrm>
-          <a:prstGeom prst="rect">
-            <a:avLst/>
-          </a:prstGeom>
-          <a:ln>
-            <a:noFill/>
-          </a:ln>
-          <a:extLst>
-            <a:ext uri="{53640926-AAD7-44D8-BBD7-CCE9431645EC}">
-              <a14:shadowObscured xmlns:a14="http://schemas.microsoft.com/office/drawing/2010/main"/>
-            </a:ext>
-          </a:extLst>
-        </p:spPr>
-      </p:pic>
-    </p:spTree>
-    <p:extLst>
-      <p:ext uri="{BB962C8B-B14F-4D97-AF65-F5344CB8AC3E}">
-        <p14:creationId xmlns:p14="http://schemas.microsoft.com/office/powerpoint/2010/main" val="1090958267"/>
-      </p:ext>
-    </p:extLst>
-  </p:cSld>
-  <p:clrMapOvr>
-    <a:masterClrMapping/>
-  </p:clrMapOvr>
-</p:sld>
-</file>
-
-<file path=ppt/slides/slide6.xml><?xml version="1.0" encoding="utf-8"?>
-<p:sld xmlns:a="http://schemas.openxmlformats.org/drawingml/2006/main" xmlns:r="http://schemas.openxmlformats.org/officeDocument/2006/relationships" xmlns:p="http://schemas.openxmlformats.org/presentationml/2006/main">
-  <p:cSld>
-    <p:spTree>
-      <p:nvGrpSpPr>
-        <p:cNvPr id="1" name=""/>
-        <p:cNvGrpSpPr/>
-        <p:nvPr/>
-      </p:nvGrpSpPr>
-      <p:grpSpPr>
-        <a:xfrm>
-          <a:off x="0" y="0"/>
-          <a:ext cx="0" cy="0"/>
-          <a:chOff x="0" y="0"/>
-          <a:chExt cx="0" cy="0"/>
-        </a:xfrm>
-      </p:grpSpPr>
-      <p:sp>
-        <p:nvSpPr>
-          <p:cNvPr id="2" name="Title 1">
-            <a:extLst>
-              <a:ext uri="{FF2B5EF4-FFF2-40B4-BE49-F238E27FC236}">
-                <a16:creationId xmlns:a16="http://schemas.microsoft.com/office/drawing/2014/main" id="{92C58C41-C61A-7763-BB10-006C092DFCC3}"/>
-              </a:ext>
-            </a:extLst>
-          </p:cNvPr>
-          <p:cNvSpPr>
-            <a:spLocks noGrp="1"/>
-          </p:cNvSpPr>
-          <p:nvPr>
-            <p:ph type="title"/>
-          </p:nvPr>
-        </p:nvSpPr>
-        <p:spPr/>
-        <p:txBody>
-          <a:bodyPr/>
-          <a:lstStyle/>
-          <a:p>
-            <a:r>
-              <a:rPr lang="en-US" dirty="0"/>
-              <a:t>Issues</a:t>
-            </a:r>
-          </a:p>
-        </p:txBody>
-      </p:sp>
-      <p:sp>
-        <p:nvSpPr>
-          <p:cNvPr id="3" name="Content Placeholder 2">
-            <a:extLst>
-              <a:ext uri="{FF2B5EF4-FFF2-40B4-BE49-F238E27FC236}">
-                <a16:creationId xmlns:a16="http://schemas.microsoft.com/office/drawing/2014/main" id="{4D901822-48EA-73DB-BCCA-0C20DB06CC14}"/>
-              </a:ext>
-            </a:extLst>
-          </p:cNvPr>
-          <p:cNvSpPr>
-            <a:spLocks noGrp="1"/>
-          </p:cNvSpPr>
-          <p:nvPr>
-            <p:ph idx="1"/>
-          </p:nvPr>
-        </p:nvSpPr>
-        <p:spPr/>
-        <p:txBody>
-          <a:bodyPr/>
-          <a:lstStyle/>
-          <a:p>
-            <a:r>
-              <a:rPr lang="en-US" dirty="0"/>
-              <a:t>Shall be from the back-log</a:t>
-            </a:r>
-          </a:p>
-          <a:p>
-            <a:r>
-              <a:rPr lang="en-US" dirty="0"/>
-              <a:t>Shall be associated to a DEV_ project</a:t>
-            </a:r>
-          </a:p>
-          <a:p>
-            <a:r>
-              <a:rPr lang="en-US" dirty="0"/>
-              <a:t>Shall be created on a DEV_ branch</a:t>
-            </a:r>
-          </a:p>
-          <a:p>
-            <a:r>
-              <a:rPr lang="en-US" dirty="0"/>
-              <a:t>Developer cannot close out issue without review</a:t>
-            </a:r>
-          </a:p>
-          <a:p>
-            <a:r>
-              <a:rPr lang="en-US" dirty="0"/>
-              <a:t>The reviewer shall close out the issue</a:t>
-            </a:r>
-          </a:p>
-          <a:p>
-            <a:r>
-              <a:rPr lang="en-US" dirty="0"/>
-              <a:t>Development shall be linked with a pull-request</a:t>
-            </a:r>
-          </a:p>
-        </p:txBody>
-      </p:sp>
-    </p:spTree>
-    <p:extLst>
-      <p:ext uri="{BB962C8B-B14F-4D97-AF65-F5344CB8AC3E}">
-        <p14:creationId xmlns:p14="http://schemas.microsoft.com/office/powerpoint/2010/main" val="882162805"/>
-      </p:ext>
-    </p:extLst>
-  </p:cSld>
-  <p:clrMapOvr>
-    <a:masterClrMapping/>
-  </p:clrMapOvr>
-</p:sld>
-</file>
-
-<file path=ppt/slides/slide7.xml><?xml version="1.0" encoding="utf-8"?>
-<p:sld xmlns:a="http://schemas.openxmlformats.org/drawingml/2006/main" xmlns:r="http://schemas.openxmlformats.org/officeDocument/2006/relationships" xmlns:p="http://schemas.openxmlformats.org/presentationml/2006/main">
-  <p:cSld>
-    <p:spTree>
-      <p:nvGrpSpPr>
-        <p:cNvPr id="1" name=""/>
-        <p:cNvGrpSpPr/>
-        <p:nvPr/>
-      </p:nvGrpSpPr>
-      <p:grpSpPr>
-        <a:xfrm>
-          <a:off x="0" y="0"/>
-          <a:ext cx="0" cy="0"/>
-          <a:chOff x="0" y="0"/>
-          <a:chExt cx="0" cy="0"/>
-        </a:xfrm>
-      </p:grpSpPr>
-      <p:sp>
-        <p:nvSpPr>
-          <p:cNvPr id="2" name="Title 1">
-            <a:extLst>
-              <a:ext uri="{FF2B5EF4-FFF2-40B4-BE49-F238E27FC236}">
-                <a16:creationId xmlns:a16="http://schemas.microsoft.com/office/drawing/2014/main" id="{92717FEA-3CDA-872C-1F54-E792FE648AB0}"/>
-              </a:ext>
-            </a:extLst>
-          </p:cNvPr>
-          <p:cNvSpPr>
-            <a:spLocks noGrp="1"/>
-          </p:cNvSpPr>
-          <p:nvPr>
-            <p:ph type="title"/>
-          </p:nvPr>
-        </p:nvSpPr>
-        <p:spPr/>
-        <p:txBody>
-          <a:bodyPr/>
-          <a:lstStyle/>
-          <a:p>
-            <a:r>
-              <a:rPr lang="en-US" dirty="0"/>
-              <a:t>Issues</a:t>
-            </a:r>
-          </a:p>
-        </p:txBody>
-      </p:sp>
-      <p:pic>
-        <p:nvPicPr>
-          <p:cNvPr id="4" name="Content Placeholder 3" descr="A screenshot of a computer&#10;&#10;Description automatically generated">
-            <a:extLst>
-              <a:ext uri="{FF2B5EF4-FFF2-40B4-BE49-F238E27FC236}">
-                <a16:creationId xmlns:a16="http://schemas.microsoft.com/office/drawing/2014/main" id="{97209A42-D360-EF95-B3DC-FE9A1B9D0077}"/>
-              </a:ext>
-            </a:extLst>
-          </p:cNvPr>
-          <p:cNvPicPr>
-            <a:picLocks noGrp="1" noChangeAspect="1"/>
-          </p:cNvPicPr>
-          <p:nvPr>
-            <p:ph idx="1"/>
-          </p:nvPr>
-        </p:nvPicPr>
-        <p:blipFill rotWithShape="1">
-          <a:blip r:embed="rId2" cstate="print">
-            <a:extLst>
-              <a:ext uri="{28A0092B-C50C-407E-A947-70E740481C1C}">
-                <a14:useLocalDpi xmlns:a14="http://schemas.microsoft.com/office/drawing/2010/main" val="0"/>
-              </a:ext>
-            </a:extLst>
-          </a:blip>
-          <a:srcRect l="2563" t="-274" r="128" b="274"/>
-          <a:stretch/>
-        </p:blipFill>
-        <p:spPr bwMode="auto">
-          <a:xfrm>
-            <a:off x="1259987" y="1658144"/>
-            <a:ext cx="9518870" cy="4581338"/>
-          </a:xfrm>
-          <a:prstGeom prst="rect">
-            <a:avLst/>
-          </a:prstGeom>
-          <a:ln>
-            <a:noFill/>
-          </a:ln>
-          <a:extLst>
-            <a:ext uri="{53640926-AAD7-44D8-BBD7-CCE9431645EC}">
-              <a14:shadowObscured xmlns:a14="http://schemas.microsoft.com/office/drawing/2010/main"/>
-            </a:ext>
-          </a:extLst>
-        </p:spPr>
-      </p:pic>
-    </p:spTree>
-    <p:extLst>
-      <p:ext uri="{BB962C8B-B14F-4D97-AF65-F5344CB8AC3E}">
-        <p14:creationId xmlns:p14="http://schemas.microsoft.com/office/powerpoint/2010/main" val="944698361"/>
-      </p:ext>
-    </p:extLst>
-  </p:cSld>
-  <p:clrMapOvr>
-    <a:masterClrMapping/>
-  </p:clrMapOvr>
-</p:sld>
-</file>
-
-<file path=ppt/slides/slide8.xml><?xml version="1.0" encoding="utf-8"?>
-<p:sld xmlns:a="http://schemas.openxmlformats.org/drawingml/2006/main" xmlns:r="http://schemas.openxmlformats.org/officeDocument/2006/relationships" xmlns:p="http://schemas.openxmlformats.org/presentationml/2006/main">
-  <p:cSld>
-    <p:spTree>
-      <p:nvGrpSpPr>
-        <p:cNvPr id="1" name=""/>
-        <p:cNvGrpSpPr/>
-        <p:nvPr/>
-      </p:nvGrpSpPr>
-      <p:grpSpPr>
-        <a:xfrm>
-          <a:off x="0" y="0"/>
-          <a:ext cx="0" cy="0"/>
-          <a:chOff x="0" y="0"/>
-          <a:chExt cx="0" cy="0"/>
-        </a:xfrm>
-      </p:grpSpPr>
-      <p:sp>
-        <p:nvSpPr>
-          <p:cNvPr id="2" name="Title 1">
-            <a:extLst>
-              <a:ext uri="{FF2B5EF4-FFF2-40B4-BE49-F238E27FC236}">
-                <a16:creationId xmlns:a16="http://schemas.microsoft.com/office/drawing/2014/main" id="{48DFBDBF-7B87-A11F-42DD-AC8E4F665B84}"/>
-              </a:ext>
-            </a:extLst>
-          </p:cNvPr>
-          <p:cNvSpPr>
-            <a:spLocks noGrp="1"/>
-          </p:cNvSpPr>
-          <p:nvPr>
-            <p:ph type="title"/>
-          </p:nvPr>
-        </p:nvSpPr>
-        <p:spPr/>
-        <p:txBody>
-          <a:bodyPr/>
-          <a:lstStyle/>
-          <a:p>
-            <a:r>
-              <a:rPr lang="en-US" dirty="0"/>
-              <a:t>Obtaining the codebase bash files</a:t>
-            </a:r>
-          </a:p>
-        </p:txBody>
-      </p:sp>
-      <p:sp>
-        <p:nvSpPr>
-          <p:cNvPr id="3" name="Content Placeholder 2">
-            <a:extLst>
-              <a:ext uri="{FF2B5EF4-FFF2-40B4-BE49-F238E27FC236}">
-                <a16:creationId xmlns:a16="http://schemas.microsoft.com/office/drawing/2014/main" id="{37004F8C-88EC-EEFA-7036-55B34A399328}"/>
-              </a:ext>
-            </a:extLst>
-          </p:cNvPr>
-          <p:cNvSpPr>
-            <a:spLocks noGrp="1"/>
-          </p:cNvSpPr>
-          <p:nvPr>
-            <p:ph idx="1"/>
-          </p:nvPr>
-        </p:nvSpPr>
-        <p:spPr/>
-        <p:txBody>
-          <a:bodyPr/>
-          <a:lstStyle/>
-          <a:p>
-            <a:endParaRPr lang="en-US" dirty="0"/>
-          </a:p>
-        </p:txBody>
-      </p:sp>
-    </p:spTree>
-    <p:extLst>
-      <p:ext uri="{BB962C8B-B14F-4D97-AF65-F5344CB8AC3E}">
-        <p14:creationId xmlns:p14="http://schemas.microsoft.com/office/powerpoint/2010/main" val="819485861"/>
       </p:ext>
     </p:extLst>
   </p:cSld>
@@ -14009,7 +15446,7 @@
           <p:cNvPr id="2" name="Title 1">
             <a:extLst>
               <a:ext uri="{FF2B5EF4-FFF2-40B4-BE49-F238E27FC236}">
-                <a16:creationId xmlns:a16="http://schemas.microsoft.com/office/drawing/2014/main" id="{940A8AC8-75DF-B1EF-EF4E-3B0B9AF067DA}"/>
+                <a16:creationId xmlns:a16="http://schemas.microsoft.com/office/drawing/2014/main" id="{8A9F7A48-AB86-2BE9-3939-F96156266CB7}"/>
               </a:ext>
             </a:extLst>
           </p:cNvPr>
@@ -14027,310 +15464,107 @@
           <a:p>
             <a:r>
               <a:rPr lang="en-US" dirty="0"/>
-              <a:t>Commits in bash</a:t>
+              <a:t>Bash scripts to call for new development</a:t>
+            </a:r>
+          </a:p>
+        </p:txBody>
+      </p:sp>
+      <p:sp>
+        <p:nvSpPr>
+          <p:cNvPr id="3" name="Content Placeholder 2">
+            <a:extLst>
+              <a:ext uri="{FF2B5EF4-FFF2-40B4-BE49-F238E27FC236}">
+                <a16:creationId xmlns:a16="http://schemas.microsoft.com/office/drawing/2014/main" id="{560E46F6-2C1C-38E4-F921-833EDCE9FF65}"/>
+              </a:ext>
+            </a:extLst>
+          </p:cNvPr>
+          <p:cNvSpPr>
+            <a:spLocks noGrp="1"/>
+          </p:cNvSpPr>
+          <p:nvPr>
+            <p:ph idx="1"/>
+          </p:nvPr>
+        </p:nvSpPr>
+        <p:spPr/>
+        <p:txBody>
+          <a:bodyPr/>
+          <a:lstStyle/>
+          <a:p>
+            <a:r>
+              <a:rPr lang="en-US" dirty="0"/>
+              <a:t>Delete the files within and keep the  main folders</a:t>
+            </a:r>
+          </a:p>
+          <a:p>
+            <a:r>
+              <a:rPr lang="en-US" dirty="0"/>
+              <a:t>From VS7ZARBC call a git bash here</a:t>
             </a:r>
           </a:p>
         </p:txBody>
       </p:sp>
       <p:pic>
         <p:nvPicPr>
-          <p:cNvPr id="5" name="Content Placeholder 4">
+          <p:cNvPr id="5" name="Picture 4">
             <a:extLst>
               <a:ext uri="{FF2B5EF4-FFF2-40B4-BE49-F238E27FC236}">
-                <a16:creationId xmlns:a16="http://schemas.microsoft.com/office/drawing/2014/main" id="{F8560C1A-7386-18D9-9A51-B40E593F25C8}"/>
+                <a16:creationId xmlns:a16="http://schemas.microsoft.com/office/drawing/2014/main" id="{C175FC0D-A2F9-9DE7-8436-033C31F01F93}"/>
               </a:ext>
             </a:extLst>
           </p:cNvPr>
           <p:cNvPicPr>
-            <a:picLocks noGrp="1" noChangeAspect="1"/>
+            <a:picLocks noChangeAspect="1"/>
           </p:cNvPicPr>
-          <p:nvPr>
-            <p:ph idx="1"/>
-          </p:nvPr>
+          <p:nvPr/>
         </p:nvPicPr>
         <p:blipFill>
           <a:blip r:embed="rId2"/>
-          <a:stretch>
-            <a:fillRect/>
-          </a:stretch>
+          <a:srcRect l="6692"/>
+          <a:stretch/>
         </p:blipFill>
         <p:spPr>
           <a:xfrm>
-            <a:off x="5160397" y="1948875"/>
-            <a:ext cx="6782497" cy="2761445"/>
-          </a:xfrm>
-        </p:spPr>
-      </p:pic>
-      <p:sp>
-        <p:nvSpPr>
-          <p:cNvPr id="6" name="TextBox 5">
-            <a:extLst>
-              <a:ext uri="{FF2B5EF4-FFF2-40B4-BE49-F238E27FC236}">
-                <a16:creationId xmlns:a16="http://schemas.microsoft.com/office/drawing/2014/main" id="{4B3908E8-E7C2-0A08-F649-4D1054BB9D7F}"/>
-              </a:ext>
-            </a:extLst>
-          </p:cNvPr>
-          <p:cNvSpPr txBox="1"/>
-          <p:nvPr/>
-        </p:nvSpPr>
-        <p:spPr>
-          <a:xfrm>
-            <a:off x="730370" y="2097088"/>
-            <a:ext cx="4268797" cy="3162019"/>
+            <a:off x="7555832" y="2097088"/>
+            <a:ext cx="4636168" cy="1996613"/>
           </a:xfrm>
           <a:prstGeom prst="rect">
             <a:avLst/>
           </a:prstGeom>
-          <a:noFill/>
         </p:spPr>
-        <p:txBody>
-          <a:bodyPr wrap="none" rtlCol="0">
-            <a:spAutoFit/>
-          </a:bodyPr>
-          <a:lstStyle/>
-          <a:p>
-            <a:pPr marL="0" marR="0">
-              <a:lnSpc>
-                <a:spcPct val="107000"/>
-              </a:lnSpc>
-              <a:spcBef>
-                <a:spcPts val="0"/>
-              </a:spcBef>
-              <a:spcAft>
-                <a:spcPts val="800"/>
-              </a:spcAft>
-            </a:pPr>
-            <a:r>
-              <a:rPr lang="en-US" sz="1800" i="1" kern="100" dirty="0">
-                <a:effectLst/>
-                <a:latin typeface="Aptos" panose="020B0004020202020204" pitchFamily="34" charset="0"/>
-                <a:ea typeface="Aptos" panose="020B0004020202020204" pitchFamily="34" charset="0"/>
-                <a:cs typeface="Times New Roman" panose="02020603050405020304" pitchFamily="18" charset="0"/>
-              </a:rPr>
-              <a:t>git </a:t>
-            </a:r>
-            <a:r>
-              <a:rPr lang="en-US" sz="1800" i="1" kern="100" dirty="0" err="1">
-                <a:effectLst/>
-                <a:latin typeface="Aptos" panose="020B0004020202020204" pitchFamily="34" charset="0"/>
-                <a:ea typeface="Aptos" panose="020B0004020202020204" pitchFamily="34" charset="0"/>
-                <a:cs typeface="Times New Roman" panose="02020603050405020304" pitchFamily="18" charset="0"/>
-              </a:rPr>
-              <a:t>init</a:t>
-            </a:r>
-            <a:r>
-              <a:rPr lang="en-US" sz="1800" i="1" kern="100" dirty="0">
-                <a:effectLst/>
-                <a:latin typeface="Aptos" panose="020B0004020202020204" pitchFamily="34" charset="0"/>
-                <a:ea typeface="Aptos" panose="020B0004020202020204" pitchFamily="34" charset="0"/>
-                <a:cs typeface="Times New Roman" panose="02020603050405020304" pitchFamily="18" charset="0"/>
-              </a:rPr>
-              <a:t> -b &lt;name of the local branch&gt;</a:t>
-            </a:r>
-            <a:endParaRPr lang="en-US" sz="1800" kern="100" dirty="0">
-              <a:effectLst/>
-              <a:latin typeface="Aptos" panose="020B0004020202020204" pitchFamily="34" charset="0"/>
-              <a:ea typeface="Aptos" panose="020B0004020202020204" pitchFamily="34" charset="0"/>
-              <a:cs typeface="Times New Roman" panose="02020603050405020304" pitchFamily="18" charset="0"/>
-            </a:endParaRPr>
-          </a:p>
-          <a:p>
-            <a:pPr marL="0" marR="0">
-              <a:lnSpc>
-                <a:spcPct val="107000"/>
-              </a:lnSpc>
-              <a:spcBef>
-                <a:spcPts val="0"/>
-              </a:spcBef>
-              <a:spcAft>
-                <a:spcPts val="800"/>
-              </a:spcAft>
-            </a:pPr>
-            <a:r>
-              <a:rPr lang="en-US" sz="1800" i="1" kern="100" dirty="0">
-                <a:effectLst/>
-                <a:latin typeface="Aptos" panose="020B0004020202020204" pitchFamily="34" charset="0"/>
-                <a:ea typeface="Aptos" panose="020B0004020202020204" pitchFamily="34" charset="0"/>
-                <a:cs typeface="Times New Roman" panose="02020603050405020304" pitchFamily="18" charset="0"/>
-              </a:rPr>
-              <a:t>Git checkout -b &lt;name of branch&gt;</a:t>
-            </a:r>
-            <a:endParaRPr lang="en-US" sz="1800" kern="100" dirty="0">
-              <a:effectLst/>
-              <a:latin typeface="Aptos" panose="020B0004020202020204" pitchFamily="34" charset="0"/>
-              <a:ea typeface="Aptos" panose="020B0004020202020204" pitchFamily="34" charset="0"/>
-              <a:cs typeface="Times New Roman" panose="02020603050405020304" pitchFamily="18" charset="0"/>
-            </a:endParaRPr>
-          </a:p>
-          <a:p>
-            <a:pPr marL="0" marR="0">
-              <a:lnSpc>
-                <a:spcPct val="107000"/>
-              </a:lnSpc>
-              <a:spcBef>
-                <a:spcPts val="0"/>
-              </a:spcBef>
-              <a:spcAft>
-                <a:spcPts val="800"/>
-              </a:spcAft>
-            </a:pPr>
-            <a:r>
-              <a:rPr lang="en-US" sz="1800" kern="100" dirty="0">
-                <a:effectLst/>
-                <a:latin typeface="Aptos" panose="020B0004020202020204" pitchFamily="34" charset="0"/>
-                <a:ea typeface="Aptos" panose="020B0004020202020204" pitchFamily="34" charset="0"/>
-                <a:cs typeface="Times New Roman" panose="02020603050405020304" pitchFamily="18" charset="0"/>
-              </a:rPr>
-              <a:t>Add the files to your current local Branch:</a:t>
-            </a:r>
-          </a:p>
-          <a:p>
-            <a:pPr marL="0" marR="0">
-              <a:lnSpc>
-                <a:spcPct val="107000"/>
-              </a:lnSpc>
-              <a:spcBef>
-                <a:spcPts val="0"/>
-              </a:spcBef>
-              <a:spcAft>
-                <a:spcPts val="800"/>
-              </a:spcAft>
-            </a:pPr>
-            <a:r>
-              <a:rPr lang="en-US" sz="1800" i="1" kern="100" dirty="0">
-                <a:effectLst/>
-                <a:latin typeface="Aptos" panose="020B0004020202020204" pitchFamily="34" charset="0"/>
-                <a:ea typeface="Aptos" panose="020B0004020202020204" pitchFamily="34" charset="0"/>
-                <a:cs typeface="Times New Roman" panose="02020603050405020304" pitchFamily="18" charset="0"/>
-              </a:rPr>
-              <a:t>git add .</a:t>
-            </a:r>
-            <a:endParaRPr lang="en-US" sz="1800" kern="100" dirty="0">
-              <a:effectLst/>
-              <a:latin typeface="Aptos" panose="020B0004020202020204" pitchFamily="34" charset="0"/>
-              <a:ea typeface="Aptos" panose="020B0004020202020204" pitchFamily="34" charset="0"/>
-              <a:cs typeface="Times New Roman" panose="02020603050405020304" pitchFamily="18" charset="0"/>
-            </a:endParaRPr>
-          </a:p>
-          <a:p>
-            <a:pPr marL="0" marR="0">
-              <a:lnSpc>
-                <a:spcPct val="107000"/>
-              </a:lnSpc>
-              <a:spcBef>
-                <a:spcPts val="0"/>
-              </a:spcBef>
-              <a:spcAft>
-                <a:spcPts val="800"/>
-              </a:spcAft>
-            </a:pPr>
-            <a:r>
-              <a:rPr lang="en-US" sz="1800" i="1" kern="100" dirty="0">
-                <a:effectLst/>
-                <a:latin typeface="Aptos" panose="020B0004020202020204" pitchFamily="34" charset="0"/>
-                <a:ea typeface="Aptos" panose="020B0004020202020204" pitchFamily="34" charset="0"/>
-                <a:cs typeface="Times New Roman" panose="02020603050405020304" pitchFamily="18" charset="0"/>
-              </a:rPr>
-              <a:t>git commit -m “&lt;</a:t>
-            </a:r>
-            <a:r>
-              <a:rPr lang="en-US" sz="1800" i="1" kern="100" dirty="0" err="1">
-                <a:effectLst/>
-                <a:latin typeface="Aptos" panose="020B0004020202020204" pitchFamily="34" charset="0"/>
-                <a:ea typeface="Aptos" panose="020B0004020202020204" pitchFamily="34" charset="0"/>
-                <a:cs typeface="Times New Roman" panose="02020603050405020304" pitchFamily="18" charset="0"/>
-              </a:rPr>
-              <a:t>DEV_</a:t>
-            </a:r>
-            <a:r>
-              <a:rPr lang="en-US" i="1" kern="100" dirty="0" err="1">
-                <a:latin typeface="Aptos" panose="020B0004020202020204" pitchFamily="34" charset="0"/>
-                <a:ea typeface="Aptos" panose="020B0004020202020204" pitchFamily="34" charset="0"/>
-                <a:cs typeface="Times New Roman" panose="02020603050405020304" pitchFamily="18" charset="0"/>
-              </a:rPr>
-              <a:t>note</a:t>
-            </a:r>
-            <a:r>
-              <a:rPr lang="en-US" sz="1800" i="1" kern="100" dirty="0">
-                <a:effectLst/>
-                <a:latin typeface="Aptos" panose="020B0004020202020204" pitchFamily="34" charset="0"/>
-                <a:ea typeface="Aptos" panose="020B0004020202020204" pitchFamily="34" charset="0"/>
-                <a:cs typeface="Times New Roman" panose="02020603050405020304" pitchFamily="18" charset="0"/>
-              </a:rPr>
-              <a:t>&gt;”</a:t>
-            </a:r>
-            <a:endParaRPr lang="en-US" sz="1800" kern="100" dirty="0">
-              <a:effectLst/>
-              <a:latin typeface="Aptos" panose="020B0004020202020204" pitchFamily="34" charset="0"/>
-              <a:ea typeface="Aptos" panose="020B0004020202020204" pitchFamily="34" charset="0"/>
-              <a:cs typeface="Times New Roman" panose="02020603050405020304" pitchFamily="18" charset="0"/>
-            </a:endParaRPr>
-          </a:p>
-          <a:p>
-            <a:pPr marL="0" marR="0">
-              <a:lnSpc>
-                <a:spcPct val="107000"/>
-              </a:lnSpc>
-              <a:spcBef>
-                <a:spcPts val="0"/>
-              </a:spcBef>
-              <a:spcAft>
-                <a:spcPts val="800"/>
-              </a:spcAft>
-            </a:pPr>
-            <a:r>
-              <a:rPr lang="en-US" sz="1800" i="1" kern="100" dirty="0">
-                <a:effectLst/>
-                <a:latin typeface="Aptos" panose="020B0004020202020204" pitchFamily="34" charset="0"/>
-                <a:ea typeface="Aptos" panose="020B0004020202020204" pitchFamily="34" charset="0"/>
-                <a:cs typeface="Times New Roman" panose="02020603050405020304" pitchFamily="18" charset="0"/>
-              </a:rPr>
-              <a:t>git remote add &lt;name&gt; &lt;URL fork link&gt;</a:t>
-            </a:r>
-            <a:endParaRPr lang="en-US" sz="1800" kern="100" dirty="0">
-              <a:effectLst/>
-              <a:latin typeface="Aptos" panose="020B0004020202020204" pitchFamily="34" charset="0"/>
-              <a:ea typeface="Aptos" panose="020B0004020202020204" pitchFamily="34" charset="0"/>
-              <a:cs typeface="Times New Roman" panose="02020603050405020304" pitchFamily="18" charset="0"/>
-            </a:endParaRPr>
-          </a:p>
-          <a:p>
-            <a:pPr marL="0" marR="0">
-              <a:lnSpc>
-                <a:spcPct val="107000"/>
-              </a:lnSpc>
-              <a:spcBef>
-                <a:spcPts val="0"/>
-              </a:spcBef>
-              <a:spcAft>
-                <a:spcPts val="800"/>
-              </a:spcAft>
-            </a:pPr>
-            <a:r>
-              <a:rPr lang="en-US" sz="1800" i="1" kern="100" dirty="0">
-                <a:effectLst/>
-                <a:latin typeface="Aptos" panose="020B0004020202020204" pitchFamily="34" charset="0"/>
-                <a:ea typeface="Aptos" panose="020B0004020202020204" pitchFamily="34" charset="0"/>
-                <a:cs typeface="Times New Roman" panose="02020603050405020304" pitchFamily="18" charset="0"/>
-              </a:rPr>
-              <a:t>git push &lt;remote&gt; &lt;branch&gt;</a:t>
-            </a:r>
-            <a:endParaRPr lang="en-US" sz="1800" kern="100" dirty="0">
-              <a:effectLst/>
-              <a:latin typeface="Aptos" panose="020B0004020202020204" pitchFamily="34" charset="0"/>
-              <a:ea typeface="Aptos" panose="020B0004020202020204" pitchFamily="34" charset="0"/>
-              <a:cs typeface="Times New Roman" panose="02020603050405020304" pitchFamily="18" charset="0"/>
-            </a:endParaRPr>
-          </a:p>
-          <a:p>
-            <a:endParaRPr lang="en-US" dirty="0"/>
-          </a:p>
-        </p:txBody>
-      </p:sp>
+      </p:pic>
+      <p:pic>
+        <p:nvPicPr>
+          <p:cNvPr id="7" name="Picture 6">
+            <a:extLst>
+              <a:ext uri="{FF2B5EF4-FFF2-40B4-BE49-F238E27FC236}">
+                <a16:creationId xmlns:a16="http://schemas.microsoft.com/office/drawing/2014/main" id="{78D65101-9341-7C7A-31D7-C3B092D33495}"/>
+              </a:ext>
+            </a:extLst>
+          </p:cNvPr>
+          <p:cNvPicPr>
+            <a:picLocks noChangeAspect="1"/>
+          </p:cNvPicPr>
+          <p:nvPr/>
+        </p:nvPicPr>
+        <p:blipFill>
+          <a:blip r:embed="rId3"/>
+          <a:srcRect b="36573"/>
+          <a:stretch/>
+        </p:blipFill>
+        <p:spPr>
+          <a:xfrm>
+            <a:off x="845833" y="3429000"/>
+            <a:ext cx="6264183" cy="3296477"/>
+          </a:xfrm>
+          <a:prstGeom prst="rect">
+            <a:avLst/>
+          </a:prstGeom>
+        </p:spPr>
+      </p:pic>
     </p:spTree>
     <p:extLst>
       <p:ext uri="{BB962C8B-B14F-4D97-AF65-F5344CB8AC3E}">
-        <p14:creationId xmlns:p14="http://schemas.microsoft.com/office/powerpoint/2010/main" val="3641515971"/>
+        <p14:creationId xmlns:p14="http://schemas.microsoft.com/office/powerpoint/2010/main" val="2374872806"/>
       </p:ext>
     </p:extLst>
   </p:cSld>

--- a/BREAULT SWD TRAINING.pptx
+++ b/BREAULT SWD TRAINING.pptx
@@ -10,18 +10,22 @@
     <p:sldId id="258" r:id="rId4"/>
     <p:sldId id="259" r:id="rId5"/>
     <p:sldId id="260" r:id="rId6"/>
-    <p:sldId id="262" r:id="rId7"/>
-    <p:sldId id="261" r:id="rId8"/>
-    <p:sldId id="268" r:id="rId9"/>
-    <p:sldId id="267" r:id="rId10"/>
-    <p:sldId id="264" r:id="rId11"/>
-    <p:sldId id="266" r:id="rId12"/>
-    <p:sldId id="265" r:id="rId13"/>
-    <p:sldId id="269" r:id="rId14"/>
-    <p:sldId id="263" r:id="rId15"/>
-    <p:sldId id="270" r:id="rId16"/>
-    <p:sldId id="271" r:id="rId17"/>
-    <p:sldId id="272" r:id="rId18"/>
+    <p:sldId id="275" r:id="rId7"/>
+    <p:sldId id="276" r:id="rId8"/>
+    <p:sldId id="262" r:id="rId9"/>
+    <p:sldId id="261" r:id="rId10"/>
+    <p:sldId id="268" r:id="rId11"/>
+    <p:sldId id="267" r:id="rId12"/>
+    <p:sldId id="264" r:id="rId13"/>
+    <p:sldId id="273" r:id="rId14"/>
+    <p:sldId id="266" r:id="rId15"/>
+    <p:sldId id="265" r:id="rId16"/>
+    <p:sldId id="269" r:id="rId17"/>
+    <p:sldId id="263" r:id="rId18"/>
+    <p:sldId id="270" r:id="rId19"/>
+    <p:sldId id="271" r:id="rId20"/>
+    <p:sldId id="272" r:id="rId21"/>
+    <p:sldId id="274" r:id="rId22"/>
   </p:sldIdLst>
   <p:sldSz cx="12192000" cy="6858000"/>
   <p:notesSz cx="6858000" cy="9144000"/>
@@ -178,7 +182,7 @@
           <a:noFill/>
           <a:extLst>
             <a:ext uri="{909E8E84-426E-40dd-AFC4-6F175D3DCCD1}">
-              <a14:hiddenFill xmlns:a14="http://schemas.microsoft.com/office/drawing/2010/main" xmlns="">
+              <a14:hiddenFill xmlns="" xmlns:a14="http://schemas.microsoft.com/office/drawing/2010/main">
                 <a:solidFill>
                   <a:srgbClr val="FFFFFF"/>
                 </a:solidFill>
@@ -238,7 +242,7 @@
             </a:ln>
             <a:extLst>
               <a:ext uri="{91240B29-F687-4f45-9708-019B960494DF}">
-                <a14:hiddenLine xmlns:a14="http://schemas.microsoft.com/office/drawing/2010/main" xmlns="" w="9525">
+                <a14:hiddenLine xmlns="" xmlns:a14="http://schemas.microsoft.com/office/drawing/2010/main" w="9525">
                   <a:solidFill>
                     <a:srgbClr val="000000"/>
                   </a:solidFill>
@@ -328,7 +332,7 @@
             </a:ln>
             <a:extLst>
               <a:ext uri="{91240B29-F687-4f45-9708-019B960494DF}">
-                <a14:hiddenLine xmlns:a14="http://schemas.microsoft.com/office/drawing/2010/main" xmlns="" w="9525">
+                <a14:hiddenLine xmlns="" xmlns:a14="http://schemas.microsoft.com/office/drawing/2010/main" w="9525">
                   <a:solidFill>
                     <a:srgbClr val="000000"/>
                   </a:solidFill>
@@ -418,7 +422,7 @@
             </a:ln>
             <a:extLst>
               <a:ext uri="{91240B29-F687-4f45-9708-019B960494DF}">
-                <a14:hiddenLine xmlns:a14="http://schemas.microsoft.com/office/drawing/2010/main" xmlns="" w="9525">
+                <a14:hiddenLine xmlns="" xmlns:a14="http://schemas.microsoft.com/office/drawing/2010/main" w="9525">
                   <a:solidFill>
                     <a:srgbClr val="000000"/>
                   </a:solidFill>
@@ -452,7 +456,7 @@
             </a:ln>
             <a:extLst>
               <a:ext uri="{91240B29-F687-4f45-9708-019B960494DF}">
-                <a14:hiddenLine xmlns:a14="http://schemas.microsoft.com/office/drawing/2010/main" xmlns="" w="9525">
+                <a14:hiddenLine xmlns="" xmlns:a14="http://schemas.microsoft.com/office/drawing/2010/main" w="9525">
                   <a:solidFill>
                     <a:srgbClr val="000000"/>
                   </a:solidFill>
@@ -542,7 +546,7 @@
             </a:ln>
             <a:extLst>
               <a:ext uri="{91240B29-F687-4f45-9708-019B960494DF}">
-                <a14:hiddenLine xmlns:a14="http://schemas.microsoft.com/office/drawing/2010/main" xmlns="" w="9525">
+                <a14:hiddenLine xmlns="" xmlns:a14="http://schemas.microsoft.com/office/drawing/2010/main" w="9525">
                   <a:solidFill>
                     <a:srgbClr val="000000"/>
                   </a:solidFill>
@@ -604,7 +608,7 @@
             </a:ln>
             <a:extLst>
               <a:ext uri="{91240B29-F687-4f45-9708-019B960494DF}">
-                <a14:hiddenLine xmlns:a14="http://schemas.microsoft.com/office/drawing/2010/main" xmlns="" w="9525">
+                <a14:hiddenLine xmlns="" xmlns:a14="http://schemas.microsoft.com/office/drawing/2010/main" w="9525">
                   <a:solidFill>
                     <a:srgbClr val="000000"/>
                   </a:solidFill>
@@ -666,7 +670,7 @@
             </a:ln>
             <a:extLst>
               <a:ext uri="{91240B29-F687-4f45-9708-019B960494DF}">
-                <a14:hiddenLine xmlns:a14="http://schemas.microsoft.com/office/drawing/2010/main" xmlns="" w="9525">
+                <a14:hiddenLine xmlns="" xmlns:a14="http://schemas.microsoft.com/office/drawing/2010/main" w="9525">
                   <a:solidFill>
                     <a:srgbClr val="000000"/>
                   </a:solidFill>
@@ -756,7 +760,7 @@
             </a:ln>
             <a:extLst>
               <a:ext uri="{91240B29-F687-4f45-9708-019B960494DF}">
-                <a14:hiddenLine xmlns:a14="http://schemas.microsoft.com/office/drawing/2010/main" xmlns="" w="9525">
+                <a14:hiddenLine xmlns="" xmlns:a14="http://schemas.microsoft.com/office/drawing/2010/main" w="9525">
                   <a:solidFill>
                     <a:srgbClr val="000000"/>
                   </a:solidFill>
@@ -818,7 +822,7 @@
             </a:ln>
             <a:extLst>
               <a:ext uri="{91240B29-F687-4f45-9708-019B960494DF}">
-                <a14:hiddenLine xmlns:a14="http://schemas.microsoft.com/office/drawing/2010/main" xmlns="" w="9525">
+                <a14:hiddenLine xmlns="" xmlns:a14="http://schemas.microsoft.com/office/drawing/2010/main" w="9525">
                   <a:solidFill>
                     <a:srgbClr val="000000"/>
                   </a:solidFill>
@@ -880,7 +884,7 @@
             </a:ln>
             <a:extLst>
               <a:ext uri="{91240B29-F687-4f45-9708-019B960494DF}">
-                <a14:hiddenLine xmlns:a14="http://schemas.microsoft.com/office/drawing/2010/main" xmlns="" w="9525">
+                <a14:hiddenLine xmlns="" xmlns:a14="http://schemas.microsoft.com/office/drawing/2010/main" w="9525">
                   <a:solidFill>
                     <a:srgbClr val="000000"/>
                   </a:solidFill>
@@ -970,7 +974,7 @@
             </a:ln>
             <a:extLst>
               <a:ext uri="{91240B29-F687-4f45-9708-019B960494DF}">
-                <a14:hiddenLine xmlns:a14="http://schemas.microsoft.com/office/drawing/2010/main" xmlns="" w="9525">
+                <a14:hiddenLine xmlns="" xmlns:a14="http://schemas.microsoft.com/office/drawing/2010/main" w="9525">
                   <a:solidFill>
                     <a:srgbClr val="000000"/>
                   </a:solidFill>
@@ -1060,7 +1064,7 @@
             </a:ln>
             <a:extLst>
               <a:ext uri="{91240B29-F687-4f45-9708-019B960494DF}">
-                <a14:hiddenLine xmlns:a14="http://schemas.microsoft.com/office/drawing/2010/main" xmlns="" w="9525">
+                <a14:hiddenLine xmlns="" xmlns:a14="http://schemas.microsoft.com/office/drawing/2010/main" w="9525">
                   <a:solidFill>
                     <a:srgbClr val="000000"/>
                   </a:solidFill>
@@ -1122,7 +1126,7 @@
             </a:ln>
             <a:extLst>
               <a:ext uri="{91240B29-F687-4f45-9708-019B960494DF}">
-                <a14:hiddenLine xmlns:a14="http://schemas.microsoft.com/office/drawing/2010/main" xmlns="" w="9525">
+                <a14:hiddenLine xmlns="" xmlns:a14="http://schemas.microsoft.com/office/drawing/2010/main" w="9525">
                   <a:solidFill>
                     <a:srgbClr val="000000"/>
                   </a:solidFill>
@@ -1232,7 +1236,7 @@
             </a:ln>
             <a:extLst>
               <a:ext uri="{91240B29-F687-4f45-9708-019B960494DF}">
-                <a14:hiddenLine xmlns:a14="http://schemas.microsoft.com/office/drawing/2010/main" xmlns="" w="9525">
+                <a14:hiddenLine xmlns="" xmlns:a14="http://schemas.microsoft.com/office/drawing/2010/main" w="9525">
                   <a:solidFill>
                     <a:srgbClr val="000000"/>
                   </a:solidFill>
@@ -1294,7 +1298,7 @@
             </a:ln>
             <a:extLst>
               <a:ext uri="{91240B29-F687-4f45-9708-019B960494DF}">
-                <a14:hiddenLine xmlns:a14="http://schemas.microsoft.com/office/drawing/2010/main" xmlns="" w="9525">
+                <a14:hiddenLine xmlns="" xmlns:a14="http://schemas.microsoft.com/office/drawing/2010/main" w="9525">
                   <a:solidFill>
                     <a:srgbClr val="000000"/>
                   </a:solidFill>
@@ -1384,7 +1388,7 @@
             </a:ln>
             <a:extLst>
               <a:ext uri="{91240B29-F687-4f45-9708-019B960494DF}">
-                <a14:hiddenLine xmlns:a14="http://schemas.microsoft.com/office/drawing/2010/main" xmlns="" w="9525">
+                <a14:hiddenLine xmlns="" xmlns:a14="http://schemas.microsoft.com/office/drawing/2010/main" w="9525">
                   <a:solidFill>
                     <a:srgbClr val="000000"/>
                   </a:solidFill>
@@ -1474,7 +1478,7 @@
             </a:ln>
             <a:extLst>
               <a:ext uri="{91240B29-F687-4f45-9708-019B960494DF}">
-                <a14:hiddenLine xmlns:a14="http://schemas.microsoft.com/office/drawing/2010/main" xmlns="" w="9525">
+                <a14:hiddenLine xmlns="" xmlns:a14="http://schemas.microsoft.com/office/drawing/2010/main" w="9525">
                   <a:solidFill>
                     <a:srgbClr val="000000"/>
                   </a:solidFill>
@@ -1536,7 +1540,7 @@
             </a:ln>
             <a:extLst>
               <a:ext uri="{91240B29-F687-4f45-9708-019B960494DF}">
-                <a14:hiddenLine xmlns:a14="http://schemas.microsoft.com/office/drawing/2010/main" xmlns="" w="9525">
+                <a14:hiddenLine xmlns="" xmlns:a14="http://schemas.microsoft.com/office/drawing/2010/main" w="9525">
                   <a:solidFill>
                     <a:srgbClr val="000000"/>
                   </a:solidFill>
@@ -1626,7 +1630,7 @@
             </a:ln>
             <a:extLst>
               <a:ext uri="{91240B29-F687-4f45-9708-019B960494DF}">
-                <a14:hiddenLine xmlns:a14="http://schemas.microsoft.com/office/drawing/2010/main" xmlns="" w="9525">
+                <a14:hiddenLine xmlns="" xmlns:a14="http://schemas.microsoft.com/office/drawing/2010/main" w="9525">
                   <a:solidFill>
                     <a:srgbClr val="000000"/>
                   </a:solidFill>
@@ -1716,7 +1720,7 @@
             </a:ln>
             <a:extLst>
               <a:ext uri="{91240B29-F687-4f45-9708-019B960494DF}">
-                <a14:hiddenLine xmlns:a14="http://schemas.microsoft.com/office/drawing/2010/main" xmlns="" w="9525">
+                <a14:hiddenLine xmlns="" xmlns:a14="http://schemas.microsoft.com/office/drawing/2010/main" w="9525">
                   <a:solidFill>
                     <a:srgbClr val="000000"/>
                   </a:solidFill>
@@ -1772,7 +1776,7 @@
             </a:ln>
             <a:extLst>
               <a:ext uri="{91240B29-F687-4f45-9708-019B960494DF}">
-                <a14:hiddenLine xmlns:a14="http://schemas.microsoft.com/office/drawing/2010/main" xmlns="" w="9525">
+                <a14:hiddenLine xmlns="" xmlns:a14="http://schemas.microsoft.com/office/drawing/2010/main" w="9525">
                   <a:solidFill>
                     <a:srgbClr val="000000"/>
                   </a:solidFill>
@@ -1862,7 +1866,7 @@
             </a:ln>
             <a:extLst>
               <a:ext uri="{91240B29-F687-4f45-9708-019B960494DF}">
-                <a14:hiddenLine xmlns:a14="http://schemas.microsoft.com/office/drawing/2010/main" xmlns="" w="9525">
+                <a14:hiddenLine xmlns="" xmlns:a14="http://schemas.microsoft.com/office/drawing/2010/main" w="9525">
                   <a:solidFill>
                     <a:srgbClr val="000000"/>
                   </a:solidFill>
@@ -1918,7 +1922,7 @@
             </a:ln>
             <a:extLst>
               <a:ext uri="{91240B29-F687-4f45-9708-019B960494DF}">
-                <a14:hiddenLine xmlns:a14="http://schemas.microsoft.com/office/drawing/2010/main" xmlns="" w="9525">
+                <a14:hiddenLine xmlns="" xmlns:a14="http://schemas.microsoft.com/office/drawing/2010/main" w="9525">
                   <a:solidFill>
                     <a:srgbClr val="000000"/>
                   </a:solidFill>
@@ -2008,7 +2012,7 @@
             </a:ln>
             <a:extLst>
               <a:ext uri="{91240B29-F687-4f45-9708-019B960494DF}">
-                <a14:hiddenLine xmlns:a14="http://schemas.microsoft.com/office/drawing/2010/main" xmlns="" w="9525">
+                <a14:hiddenLine xmlns="" xmlns:a14="http://schemas.microsoft.com/office/drawing/2010/main" w="9525">
                   <a:solidFill>
                     <a:srgbClr val="000000"/>
                   </a:solidFill>
@@ -2076,7 +2080,7 @@
             </a:ln>
             <a:extLst>
               <a:ext uri="{91240B29-F687-4f45-9708-019B960494DF}">
-                <a14:hiddenLine xmlns:a14="http://schemas.microsoft.com/office/drawing/2010/main" xmlns="" w="9525">
+                <a14:hiddenLine xmlns="" xmlns:a14="http://schemas.microsoft.com/office/drawing/2010/main" w="9525">
                   <a:solidFill>
                     <a:srgbClr val="000000"/>
                   </a:solidFill>
@@ -2166,7 +2170,7 @@
             </a:ln>
             <a:extLst>
               <a:ext uri="{91240B29-F687-4f45-9708-019B960494DF}">
-                <a14:hiddenLine xmlns:a14="http://schemas.microsoft.com/office/drawing/2010/main" xmlns="" w="9525">
+                <a14:hiddenLine xmlns="" xmlns:a14="http://schemas.microsoft.com/office/drawing/2010/main" w="9525">
                   <a:solidFill>
                     <a:srgbClr val="000000"/>
                   </a:solidFill>
@@ -2234,7 +2238,7 @@
             </a:ln>
             <a:extLst>
               <a:ext uri="{91240B29-F687-4f45-9708-019B960494DF}">
-                <a14:hiddenLine xmlns:a14="http://schemas.microsoft.com/office/drawing/2010/main" xmlns="" w="9525">
+                <a14:hiddenLine xmlns="" xmlns:a14="http://schemas.microsoft.com/office/drawing/2010/main" w="9525">
                   <a:solidFill>
                     <a:srgbClr val="000000"/>
                   </a:solidFill>
@@ -2324,7 +2328,7 @@
             </a:ln>
             <a:extLst>
               <a:ext uri="{91240B29-F687-4f45-9708-019B960494DF}">
-                <a14:hiddenLine xmlns:a14="http://schemas.microsoft.com/office/drawing/2010/main" xmlns="" w="9525">
+                <a14:hiddenLine xmlns="" xmlns:a14="http://schemas.microsoft.com/office/drawing/2010/main" w="9525">
                   <a:solidFill>
                     <a:srgbClr val="000000"/>
                   </a:solidFill>
@@ -2358,7 +2362,7 @@
             </a:ln>
             <a:extLst>
               <a:ext uri="{91240B29-F687-4f45-9708-019B960494DF}">
-                <a14:hiddenLine xmlns:a14="http://schemas.microsoft.com/office/drawing/2010/main" xmlns="" w="9525">
+                <a14:hiddenLine xmlns="" xmlns:a14="http://schemas.microsoft.com/office/drawing/2010/main" w="9525">
                   <a:solidFill>
                     <a:srgbClr val="000000"/>
                   </a:solidFill>
@@ -2448,7 +2452,7 @@
             </a:ln>
             <a:extLst>
               <a:ext uri="{91240B29-F687-4f45-9708-019B960494DF}">
-                <a14:hiddenLine xmlns:a14="http://schemas.microsoft.com/office/drawing/2010/main" xmlns="" w="9525">
+                <a14:hiddenLine xmlns="" xmlns:a14="http://schemas.microsoft.com/office/drawing/2010/main" w="9525">
                   <a:solidFill>
                     <a:srgbClr val="000000"/>
                   </a:solidFill>
@@ -2510,7 +2514,7 @@
             </a:ln>
             <a:extLst>
               <a:ext uri="{91240B29-F687-4f45-9708-019B960494DF}">
-                <a14:hiddenLine xmlns:a14="http://schemas.microsoft.com/office/drawing/2010/main" xmlns="" w="9525">
+                <a14:hiddenLine xmlns="" xmlns:a14="http://schemas.microsoft.com/office/drawing/2010/main" w="9525">
                   <a:solidFill>
                     <a:srgbClr val="000000"/>
                   </a:solidFill>
@@ -2572,7 +2576,7 @@
             </a:ln>
             <a:extLst>
               <a:ext uri="{91240B29-F687-4f45-9708-019B960494DF}">
-                <a14:hiddenLine xmlns:a14="http://schemas.microsoft.com/office/drawing/2010/main" xmlns="" w="9525">
+                <a14:hiddenLine xmlns="" xmlns:a14="http://schemas.microsoft.com/office/drawing/2010/main" w="9525">
                   <a:solidFill>
                     <a:srgbClr val="000000"/>
                   </a:solidFill>
@@ -2662,7 +2666,7 @@
             </a:ln>
             <a:extLst>
               <a:ext uri="{91240B29-F687-4f45-9708-019B960494DF}">
-                <a14:hiddenLine xmlns:a14="http://schemas.microsoft.com/office/drawing/2010/main" xmlns="" w="9525">
+                <a14:hiddenLine xmlns="" xmlns:a14="http://schemas.microsoft.com/office/drawing/2010/main" w="9525">
                   <a:solidFill>
                     <a:srgbClr val="000000"/>
                   </a:solidFill>
@@ -2730,7 +2734,7 @@
             </a:ln>
             <a:extLst>
               <a:ext uri="{91240B29-F687-4f45-9708-019B960494DF}">
-                <a14:hiddenLine xmlns:a14="http://schemas.microsoft.com/office/drawing/2010/main" xmlns="" w="9525">
+                <a14:hiddenLine xmlns="" xmlns:a14="http://schemas.microsoft.com/office/drawing/2010/main" w="9525">
                   <a:solidFill>
                     <a:srgbClr val="000000"/>
                   </a:solidFill>
@@ -2792,7 +2796,7 @@
             </a:ln>
             <a:extLst>
               <a:ext uri="{91240B29-F687-4f45-9708-019B960494DF}">
-                <a14:hiddenLine xmlns:a14="http://schemas.microsoft.com/office/drawing/2010/main" xmlns="" w="9525">
+                <a14:hiddenLine xmlns="" xmlns:a14="http://schemas.microsoft.com/office/drawing/2010/main" w="9525">
                   <a:solidFill>
                     <a:srgbClr val="000000"/>
                   </a:solidFill>
@@ -2882,7 +2886,7 @@
             </a:ln>
             <a:extLst>
               <a:ext uri="{91240B29-F687-4f45-9708-019B960494DF}">
-                <a14:hiddenLine xmlns:a14="http://schemas.microsoft.com/office/drawing/2010/main" xmlns="" w="9525">
+                <a14:hiddenLine xmlns="" xmlns:a14="http://schemas.microsoft.com/office/drawing/2010/main" w="9525">
                   <a:solidFill>
                     <a:srgbClr val="000000"/>
                   </a:solidFill>
@@ -2944,7 +2948,7 @@
             </a:ln>
             <a:extLst>
               <a:ext uri="{91240B29-F687-4f45-9708-019B960494DF}">
-                <a14:hiddenLine xmlns:a14="http://schemas.microsoft.com/office/drawing/2010/main" xmlns="" w="9525">
+                <a14:hiddenLine xmlns="" xmlns:a14="http://schemas.microsoft.com/office/drawing/2010/main" w="9525">
                   <a:solidFill>
                     <a:srgbClr val="000000"/>
                   </a:solidFill>
@@ -3034,7 +3038,7 @@
             </a:ln>
             <a:extLst>
               <a:ext uri="{91240B29-F687-4f45-9708-019B960494DF}">
-                <a14:hiddenLine xmlns:a14="http://schemas.microsoft.com/office/drawing/2010/main" xmlns="" w="9525">
+                <a14:hiddenLine xmlns="" xmlns:a14="http://schemas.microsoft.com/office/drawing/2010/main" w="9525">
                   <a:solidFill>
                     <a:srgbClr val="000000"/>
                   </a:solidFill>
@@ -3096,7 +3100,7 @@
             </a:ln>
             <a:extLst>
               <a:ext uri="{91240B29-F687-4f45-9708-019B960494DF}">
-                <a14:hiddenLine xmlns:a14="http://schemas.microsoft.com/office/drawing/2010/main" xmlns="" w="9525">
+                <a14:hiddenLine xmlns="" xmlns:a14="http://schemas.microsoft.com/office/drawing/2010/main" w="9525">
                   <a:solidFill>
                     <a:srgbClr val="000000"/>
                   </a:solidFill>
@@ -3186,7 +3190,7 @@
             </a:ln>
             <a:extLst>
               <a:ext uri="{91240B29-F687-4f45-9708-019B960494DF}">
-                <a14:hiddenLine xmlns:a14="http://schemas.microsoft.com/office/drawing/2010/main" xmlns="" w="9525">
+                <a14:hiddenLine xmlns="" xmlns:a14="http://schemas.microsoft.com/office/drawing/2010/main" w="9525">
                   <a:solidFill>
                     <a:srgbClr val="000000"/>
                   </a:solidFill>
@@ -3220,7 +3224,7 @@
             </a:ln>
             <a:extLst>
               <a:ext uri="{91240B29-F687-4f45-9708-019B960494DF}">
-                <a14:hiddenLine xmlns:a14="http://schemas.microsoft.com/office/drawing/2010/main" xmlns="" w="9525">
+                <a14:hiddenLine xmlns="" xmlns:a14="http://schemas.microsoft.com/office/drawing/2010/main" w="9525">
                   <a:solidFill>
                     <a:srgbClr val="000000"/>
                   </a:solidFill>
@@ -3285,7 +3289,7 @@
             </a:ln>
             <a:extLst>
               <a:ext uri="{91240B29-F687-4f45-9708-019B960494DF}">
-                <a14:hiddenLine xmlns:a14="http://schemas.microsoft.com/office/drawing/2010/main" xmlns="" w="9525">
+                <a14:hiddenLine xmlns="" xmlns:a14="http://schemas.microsoft.com/office/drawing/2010/main" w="9525">
                   <a:solidFill>
                     <a:srgbClr val="000000"/>
                   </a:solidFill>
@@ -3375,7 +3379,7 @@
             </a:ln>
             <a:extLst>
               <a:ext uri="{91240B29-F687-4f45-9708-019B960494DF}">
-                <a14:hiddenLine xmlns:a14="http://schemas.microsoft.com/office/drawing/2010/main" xmlns="" w="9525">
+                <a14:hiddenLine xmlns="" xmlns:a14="http://schemas.microsoft.com/office/drawing/2010/main" w="9525">
                   <a:solidFill>
                     <a:srgbClr val="000000"/>
                   </a:solidFill>
@@ -3437,7 +3441,7 @@
             </a:ln>
             <a:extLst>
               <a:ext uri="{91240B29-F687-4f45-9708-019B960494DF}">
-                <a14:hiddenLine xmlns:a14="http://schemas.microsoft.com/office/drawing/2010/main" xmlns="" w="9525">
+                <a14:hiddenLine xmlns="" xmlns:a14="http://schemas.microsoft.com/office/drawing/2010/main" w="9525">
                   <a:solidFill>
                     <a:srgbClr val="000000"/>
                   </a:solidFill>
@@ -3527,7 +3531,7 @@
             </a:ln>
             <a:extLst>
               <a:ext uri="{91240B29-F687-4f45-9708-019B960494DF}">
-                <a14:hiddenLine xmlns:a14="http://schemas.microsoft.com/office/drawing/2010/main" xmlns="" w="9525">
+                <a14:hiddenLine xmlns="" xmlns:a14="http://schemas.microsoft.com/office/drawing/2010/main" w="9525">
                   <a:solidFill>
                     <a:srgbClr val="000000"/>
                   </a:solidFill>
@@ -3617,7 +3621,7 @@
             </a:ln>
             <a:extLst>
               <a:ext uri="{91240B29-F687-4f45-9708-019B960494DF}">
-                <a14:hiddenLine xmlns:a14="http://schemas.microsoft.com/office/drawing/2010/main" xmlns="" w="9525">
+                <a14:hiddenLine xmlns="" xmlns:a14="http://schemas.microsoft.com/office/drawing/2010/main" w="9525">
                   <a:solidFill>
                     <a:srgbClr val="000000"/>
                   </a:solidFill>
@@ -3682,7 +3686,7 @@
             </a:ln>
             <a:extLst>
               <a:ext uri="{91240B29-F687-4f45-9708-019B960494DF}">
-                <a14:hiddenLine xmlns:a14="http://schemas.microsoft.com/office/drawing/2010/main" xmlns="" w="9525">
+                <a14:hiddenLine xmlns="" xmlns:a14="http://schemas.microsoft.com/office/drawing/2010/main" w="9525">
                   <a:solidFill>
                     <a:srgbClr val="000000"/>
                   </a:solidFill>
@@ -3744,7 +3748,7 @@
             </a:ln>
             <a:extLst>
               <a:ext uri="{91240B29-F687-4f45-9708-019B960494DF}">
-                <a14:hiddenLine xmlns:a14="http://schemas.microsoft.com/office/drawing/2010/main" xmlns="" w="9525">
+                <a14:hiddenLine xmlns="" xmlns:a14="http://schemas.microsoft.com/office/drawing/2010/main" w="9525">
                   <a:solidFill>
                     <a:srgbClr val="000000"/>
                   </a:solidFill>
@@ -3834,7 +3838,7 @@
             </a:ln>
             <a:extLst>
               <a:ext uri="{91240B29-F687-4f45-9708-019B960494DF}">
-                <a14:hiddenLine xmlns:a14="http://schemas.microsoft.com/office/drawing/2010/main" xmlns="" w="9525">
+                <a14:hiddenLine xmlns="" xmlns:a14="http://schemas.microsoft.com/office/drawing/2010/main" w="9525">
                   <a:solidFill>
                     <a:srgbClr val="000000"/>
                   </a:solidFill>
@@ -3924,7 +3928,7 @@
             </a:ln>
             <a:extLst>
               <a:ext uri="{91240B29-F687-4f45-9708-019B960494DF}">
-                <a14:hiddenLine xmlns:a14="http://schemas.microsoft.com/office/drawing/2010/main" xmlns="" w="9525">
+                <a14:hiddenLine xmlns="" xmlns:a14="http://schemas.microsoft.com/office/drawing/2010/main" w="9525">
                   <a:solidFill>
                     <a:srgbClr val="000000"/>
                   </a:solidFill>
@@ -3986,7 +3990,7 @@
             </a:ln>
             <a:extLst>
               <a:ext uri="{91240B29-F687-4f45-9708-019B960494DF}">
-                <a14:hiddenLine xmlns:a14="http://schemas.microsoft.com/office/drawing/2010/main" xmlns="" w="9525">
+                <a14:hiddenLine xmlns="" xmlns:a14="http://schemas.microsoft.com/office/drawing/2010/main" w="9525">
                   <a:solidFill>
                     <a:srgbClr val="000000"/>
                   </a:solidFill>
@@ -4106,7 +4110,7 @@
             </a:ln>
             <a:extLst>
               <a:ext uri="{91240B29-F687-4f45-9708-019B960494DF}">
-                <a14:hiddenLine xmlns:a14="http://schemas.microsoft.com/office/drawing/2010/main" xmlns="" w="9525">
+                <a14:hiddenLine xmlns="" xmlns:a14="http://schemas.microsoft.com/office/drawing/2010/main" w="9525">
                   <a:solidFill>
                     <a:srgbClr val="000000"/>
                   </a:solidFill>
@@ -4174,7 +4178,7 @@
             </a:ln>
             <a:extLst>
               <a:ext uri="{91240B29-F687-4f45-9708-019B960494DF}">
-                <a14:hiddenLine xmlns:a14="http://schemas.microsoft.com/office/drawing/2010/main" xmlns="" w="9525">
+                <a14:hiddenLine xmlns="" xmlns:a14="http://schemas.microsoft.com/office/drawing/2010/main" w="9525">
                   <a:solidFill>
                     <a:srgbClr val="000000"/>
                   </a:solidFill>
@@ -4264,7 +4268,7 @@
             </a:ln>
             <a:extLst>
               <a:ext uri="{91240B29-F687-4f45-9708-019B960494DF}">
-                <a14:hiddenLine xmlns:a14="http://schemas.microsoft.com/office/drawing/2010/main" xmlns="" w="9525">
+                <a14:hiddenLine xmlns="" xmlns:a14="http://schemas.microsoft.com/office/drawing/2010/main" w="9525">
                   <a:solidFill>
                     <a:srgbClr val="000000"/>
                   </a:solidFill>
@@ -4404,7 +4408,7 @@
           <a:p>
             <a:fld id="{DD51F831-EA92-4206-911B-8214351FFF08}" type="datetimeFigureOut">
               <a:rPr lang="en-US" smtClean="0"/>
-              <a:t>9/11/2024</a:t>
+              <a:t>9/12/2024</a:t>
             </a:fld>
             <a:endParaRPr lang="en-US"/>
           </a:p>
@@ -4671,7 +4675,7 @@
           <a:p>
             <a:fld id="{DD51F831-EA92-4206-911B-8214351FFF08}" type="datetimeFigureOut">
               <a:rPr lang="en-US" smtClean="0"/>
-              <a:t>9/11/2024</a:t>
+              <a:t>9/12/2024</a:t>
             </a:fld>
             <a:endParaRPr lang="en-US"/>
           </a:p>
@@ -4867,7 +4871,7 @@
           <a:p>
             <a:fld id="{DD51F831-EA92-4206-911B-8214351FFF08}" type="datetimeFigureOut">
               <a:rPr lang="en-US" smtClean="0"/>
-              <a:t>9/11/2024</a:t>
+              <a:t>9/12/2024</a:t>
             </a:fld>
             <a:endParaRPr lang="en-US"/>
           </a:p>
@@ -5130,7 +5134,7 @@
           <a:p>
             <a:fld id="{DD51F831-EA92-4206-911B-8214351FFF08}" type="datetimeFigureOut">
               <a:rPr lang="en-US" smtClean="0"/>
-              <a:t>9/11/2024</a:t>
+              <a:t>9/12/2024</a:t>
             </a:fld>
             <a:endParaRPr lang="en-US"/>
           </a:p>
@@ -5564,7 +5568,7 @@
           <a:p>
             <a:fld id="{DD51F831-EA92-4206-911B-8214351FFF08}" type="datetimeFigureOut">
               <a:rPr lang="en-US" smtClean="0"/>
-              <a:t>9/11/2024</a:t>
+              <a:t>9/12/2024</a:t>
             </a:fld>
             <a:endParaRPr lang="en-US"/>
           </a:p>
@@ -6110,7 +6114,7 @@
           <a:p>
             <a:fld id="{DD51F831-EA92-4206-911B-8214351FFF08}" type="datetimeFigureOut">
               <a:rPr lang="en-US" smtClean="0"/>
-              <a:t>9/11/2024</a:t>
+              <a:t>9/12/2024</a:t>
             </a:fld>
             <a:endParaRPr lang="en-US"/>
           </a:p>
@@ -6830,7 +6834,7 @@
           <a:p>
             <a:fld id="{DD51F831-EA92-4206-911B-8214351FFF08}" type="datetimeFigureOut">
               <a:rPr lang="en-US" smtClean="0"/>
-              <a:t>9/11/2024</a:t>
+              <a:t>9/12/2024</a:t>
             </a:fld>
             <a:endParaRPr lang="en-US"/>
           </a:p>
@@ -7000,7 +7004,7 @@
           <a:p>
             <a:fld id="{DD51F831-EA92-4206-911B-8214351FFF08}" type="datetimeFigureOut">
               <a:rPr lang="en-US" smtClean="0"/>
-              <a:t>9/11/2024</a:t>
+              <a:t>9/12/2024</a:t>
             </a:fld>
             <a:endParaRPr lang="en-US"/>
           </a:p>
@@ -7180,7 +7184,7 @@
           <a:p>
             <a:fld id="{DD51F831-EA92-4206-911B-8214351FFF08}" type="datetimeFigureOut">
               <a:rPr lang="en-US" smtClean="0"/>
-              <a:t>9/11/2024</a:t>
+              <a:t>9/12/2024</a:t>
             </a:fld>
             <a:endParaRPr lang="en-US"/>
           </a:p>
@@ -7350,7 +7354,7 @@
           <a:p>
             <a:fld id="{DD51F831-EA92-4206-911B-8214351FFF08}" type="datetimeFigureOut">
               <a:rPr lang="en-US" smtClean="0"/>
-              <a:t>9/11/2024</a:t>
+              <a:t>9/12/2024</a:t>
             </a:fld>
             <a:endParaRPr lang="en-US"/>
           </a:p>
@@ -7600,7 +7604,7 @@
           <a:p>
             <a:fld id="{DD51F831-EA92-4206-911B-8214351FFF08}" type="datetimeFigureOut">
               <a:rPr lang="en-US" smtClean="0"/>
-              <a:t>9/11/2024</a:t>
+              <a:t>9/12/2024</a:t>
             </a:fld>
             <a:endParaRPr lang="en-US"/>
           </a:p>
@@ -7832,7 +7836,7 @@
           <a:p>
             <a:fld id="{DD51F831-EA92-4206-911B-8214351FFF08}" type="datetimeFigureOut">
               <a:rPr lang="en-US" smtClean="0"/>
-              <a:t>9/11/2024</a:t>
+              <a:t>9/12/2024</a:t>
             </a:fld>
             <a:endParaRPr lang="en-US"/>
           </a:p>
@@ -8213,7 +8217,7 @@
           <a:p>
             <a:fld id="{DD51F831-EA92-4206-911B-8214351FFF08}" type="datetimeFigureOut">
               <a:rPr lang="en-US" smtClean="0"/>
-              <a:t>9/11/2024</a:t>
+              <a:t>9/12/2024</a:t>
             </a:fld>
             <a:endParaRPr lang="en-US"/>
           </a:p>
@@ -8331,7 +8335,7 @@
           <a:p>
             <a:fld id="{DD51F831-EA92-4206-911B-8214351FFF08}" type="datetimeFigureOut">
               <a:rPr lang="en-US" smtClean="0"/>
-              <a:t>9/11/2024</a:t>
+              <a:t>9/12/2024</a:t>
             </a:fld>
             <a:endParaRPr lang="en-US"/>
           </a:p>
@@ -8426,7 +8430,7 @@
           <a:p>
             <a:fld id="{DD51F831-EA92-4206-911B-8214351FFF08}" type="datetimeFigureOut">
               <a:rPr lang="en-US" smtClean="0"/>
-              <a:t>9/11/2024</a:t>
+              <a:t>9/12/2024</a:t>
             </a:fld>
             <a:endParaRPr lang="en-US"/>
           </a:p>
@@ -8675,7 +8679,7 @@
           <a:p>
             <a:fld id="{DD51F831-EA92-4206-911B-8214351FFF08}" type="datetimeFigureOut">
               <a:rPr lang="en-US" smtClean="0"/>
-              <a:t>9/11/2024</a:t>
+              <a:t>9/12/2024</a:t>
             </a:fld>
             <a:endParaRPr lang="en-US"/>
           </a:p>
@@ -8955,7 +8959,7 @@
           <a:p>
             <a:fld id="{DD51F831-EA92-4206-911B-8214351FFF08}" type="datetimeFigureOut">
               <a:rPr lang="en-US" smtClean="0"/>
-              <a:t>9/11/2024</a:t>
+              <a:t>9/12/2024</a:t>
             </a:fld>
             <a:endParaRPr lang="en-US"/>
           </a:p>
@@ -9071,7 +9075,7 @@
           <a:noFill/>
           <a:extLst>
             <a:ext uri="{909E8E84-426E-40dd-AFC4-6F175D3DCCD1}">
-              <a14:hiddenFill xmlns:a14="http://schemas.microsoft.com/office/drawing/2010/main" xmlns="">
+              <a14:hiddenFill xmlns="" xmlns:a14="http://schemas.microsoft.com/office/drawing/2010/main">
                 <a:solidFill>
                   <a:srgbClr val="FFFFFF"/>
                 </a:solidFill>
@@ -9145,7 +9149,7 @@
               </a:ln>
               <a:extLst>
                 <a:ext uri="{91240B29-F687-4f45-9708-019B960494DF}">
-                  <a14:hiddenLine xmlns:a14="http://schemas.microsoft.com/office/drawing/2010/main" xmlns="" w="9525">
+                  <a14:hiddenLine xmlns="" xmlns:a14="http://schemas.microsoft.com/office/drawing/2010/main" w="9525">
                     <a:solidFill>
                       <a:srgbClr val="000000"/>
                     </a:solidFill>
@@ -9235,7 +9239,7 @@
               </a:ln>
               <a:extLst>
                 <a:ext uri="{91240B29-F687-4f45-9708-019B960494DF}">
-                  <a14:hiddenLine xmlns:a14="http://schemas.microsoft.com/office/drawing/2010/main" xmlns="" w="9525">
+                  <a14:hiddenLine xmlns="" xmlns:a14="http://schemas.microsoft.com/office/drawing/2010/main" w="9525">
                     <a:solidFill>
                       <a:srgbClr val="000000"/>
                     </a:solidFill>
@@ -9325,7 +9329,7 @@
               </a:ln>
               <a:extLst>
                 <a:ext uri="{91240B29-F687-4f45-9708-019B960494DF}">
-                  <a14:hiddenLine xmlns:a14="http://schemas.microsoft.com/office/drawing/2010/main" xmlns="" w="9525">
+                  <a14:hiddenLine xmlns="" xmlns:a14="http://schemas.microsoft.com/office/drawing/2010/main" w="9525">
                     <a:solidFill>
                       <a:srgbClr val="000000"/>
                     </a:solidFill>
@@ -9387,7 +9391,7 @@
               </a:ln>
               <a:extLst>
                 <a:ext uri="{91240B29-F687-4f45-9708-019B960494DF}">
-                  <a14:hiddenLine xmlns:a14="http://schemas.microsoft.com/office/drawing/2010/main" xmlns="" w="9525">
+                  <a14:hiddenLine xmlns="" xmlns:a14="http://schemas.microsoft.com/office/drawing/2010/main" w="9525">
                     <a:solidFill>
                       <a:srgbClr val="000000"/>
                     </a:solidFill>
@@ -9477,7 +9481,7 @@
               </a:ln>
               <a:extLst>
                 <a:ext uri="{91240B29-F687-4f45-9708-019B960494DF}">
-                  <a14:hiddenLine xmlns:a14="http://schemas.microsoft.com/office/drawing/2010/main" xmlns="" w="9525">
+                  <a14:hiddenLine xmlns="" xmlns:a14="http://schemas.microsoft.com/office/drawing/2010/main" w="9525">
                     <a:solidFill>
                       <a:srgbClr val="000000"/>
                     </a:solidFill>
@@ -9539,7 +9543,7 @@
               </a:ln>
               <a:extLst>
                 <a:ext uri="{91240B29-F687-4f45-9708-019B960494DF}">
-                  <a14:hiddenLine xmlns:a14="http://schemas.microsoft.com/office/drawing/2010/main" xmlns="" w="9525">
+                  <a14:hiddenLine xmlns="" xmlns:a14="http://schemas.microsoft.com/office/drawing/2010/main" w="9525">
                     <a:solidFill>
                       <a:srgbClr val="000000"/>
                     </a:solidFill>
@@ -9601,7 +9605,7 @@
               </a:ln>
               <a:extLst>
                 <a:ext uri="{91240B29-F687-4f45-9708-019B960494DF}">
-                  <a14:hiddenLine xmlns:a14="http://schemas.microsoft.com/office/drawing/2010/main" xmlns="" w="9525">
+                  <a14:hiddenLine xmlns="" xmlns:a14="http://schemas.microsoft.com/office/drawing/2010/main" w="9525">
                     <a:solidFill>
                       <a:srgbClr val="000000"/>
                     </a:solidFill>
@@ -9691,7 +9695,7 @@
               </a:ln>
               <a:extLst>
                 <a:ext uri="{91240B29-F687-4f45-9708-019B960494DF}">
-                  <a14:hiddenLine xmlns:a14="http://schemas.microsoft.com/office/drawing/2010/main" xmlns="" w="9525">
+                  <a14:hiddenLine xmlns="" xmlns:a14="http://schemas.microsoft.com/office/drawing/2010/main" w="9525">
                     <a:solidFill>
                       <a:srgbClr val="000000"/>
                     </a:solidFill>
@@ -9781,7 +9785,7 @@
               </a:ln>
               <a:extLst>
                 <a:ext uri="{91240B29-F687-4f45-9708-019B960494DF}">
-                  <a14:hiddenLine xmlns:a14="http://schemas.microsoft.com/office/drawing/2010/main" xmlns="" w="9525">
+                  <a14:hiddenLine xmlns="" xmlns:a14="http://schemas.microsoft.com/office/drawing/2010/main" w="9525">
                     <a:solidFill>
                       <a:srgbClr val="000000"/>
                     </a:solidFill>
@@ -9843,7 +9847,7 @@
               </a:ln>
               <a:extLst>
                 <a:ext uri="{91240B29-F687-4f45-9708-019B960494DF}">
-                  <a14:hiddenLine xmlns:a14="http://schemas.microsoft.com/office/drawing/2010/main" xmlns="" w="9525">
+                  <a14:hiddenLine xmlns="" xmlns:a14="http://schemas.microsoft.com/office/drawing/2010/main" w="9525">
                     <a:solidFill>
                       <a:srgbClr val="000000"/>
                     </a:solidFill>
@@ -9953,7 +9957,7 @@
               </a:ln>
               <a:extLst>
                 <a:ext uri="{91240B29-F687-4f45-9708-019B960494DF}">
-                  <a14:hiddenLine xmlns:a14="http://schemas.microsoft.com/office/drawing/2010/main" xmlns="" w="9525">
+                  <a14:hiddenLine xmlns="" xmlns:a14="http://schemas.microsoft.com/office/drawing/2010/main" w="9525">
                     <a:solidFill>
                       <a:srgbClr val="000000"/>
                     </a:solidFill>
@@ -10037,7 +10041,7 @@
               </a:ln>
               <a:extLst>
                 <a:ext uri="{91240B29-F687-4f45-9708-019B960494DF}">
-                  <a14:hiddenLine xmlns:a14="http://schemas.microsoft.com/office/drawing/2010/main" xmlns="" w="9525">
+                  <a14:hiddenLine xmlns="" xmlns:a14="http://schemas.microsoft.com/office/drawing/2010/main" w="9525">
                     <a:solidFill>
                       <a:srgbClr val="000000"/>
                     </a:solidFill>
@@ -10099,7 +10103,7 @@
               </a:ln>
               <a:extLst>
                 <a:ext uri="{91240B29-F687-4f45-9708-019B960494DF}">
-                  <a14:hiddenLine xmlns:a14="http://schemas.microsoft.com/office/drawing/2010/main" xmlns="" w="9525">
+                  <a14:hiddenLine xmlns="" xmlns:a14="http://schemas.microsoft.com/office/drawing/2010/main" w="9525">
                     <a:solidFill>
                       <a:srgbClr val="000000"/>
                     </a:solidFill>
@@ -10161,7 +10165,7 @@
               </a:ln>
               <a:extLst>
                 <a:ext uri="{91240B29-F687-4f45-9708-019B960494DF}">
-                  <a14:hiddenLine xmlns:a14="http://schemas.microsoft.com/office/drawing/2010/main" xmlns="" w="9525">
+                  <a14:hiddenLine xmlns="" xmlns:a14="http://schemas.microsoft.com/office/drawing/2010/main" w="9525">
                     <a:solidFill>
                       <a:srgbClr val="000000"/>
                     </a:solidFill>
@@ -10251,7 +10255,7 @@
               </a:ln>
               <a:extLst>
                 <a:ext uri="{91240B29-F687-4f45-9708-019B960494DF}">
-                  <a14:hiddenLine xmlns:a14="http://schemas.microsoft.com/office/drawing/2010/main" xmlns="" w="9525">
+                  <a14:hiddenLine xmlns="" xmlns:a14="http://schemas.microsoft.com/office/drawing/2010/main" w="9525">
                     <a:solidFill>
                       <a:srgbClr val="000000"/>
                     </a:solidFill>
@@ -10285,7 +10289,7 @@
               </a:ln>
               <a:extLst>
                 <a:ext uri="{91240B29-F687-4f45-9708-019B960494DF}">
-                  <a14:hiddenLine xmlns:a14="http://schemas.microsoft.com/office/drawing/2010/main" xmlns="" w="9525">
+                  <a14:hiddenLine xmlns="" xmlns:a14="http://schemas.microsoft.com/office/drawing/2010/main" w="9525">
                     <a:solidFill>
                       <a:srgbClr val="000000"/>
                     </a:solidFill>
@@ -10350,7 +10354,7 @@
               </a:ln>
               <a:extLst>
                 <a:ext uri="{91240B29-F687-4f45-9708-019B960494DF}">
-                  <a14:hiddenLine xmlns:a14="http://schemas.microsoft.com/office/drawing/2010/main" xmlns="" w="9525">
+                  <a14:hiddenLine xmlns="" xmlns:a14="http://schemas.microsoft.com/office/drawing/2010/main" w="9525">
                     <a:solidFill>
                       <a:srgbClr val="000000"/>
                     </a:solidFill>
@@ -10440,7 +10444,7 @@
               </a:ln>
               <a:extLst>
                 <a:ext uri="{91240B29-F687-4f45-9708-019B960494DF}">
-                  <a14:hiddenLine xmlns:a14="http://schemas.microsoft.com/office/drawing/2010/main" xmlns="" w="9525">
+                  <a14:hiddenLine xmlns="" xmlns:a14="http://schemas.microsoft.com/office/drawing/2010/main" w="9525">
                     <a:solidFill>
                       <a:srgbClr val="000000"/>
                     </a:solidFill>
@@ -10502,7 +10506,7 @@
               </a:ln>
               <a:extLst>
                 <a:ext uri="{91240B29-F687-4f45-9708-019B960494DF}">
-                  <a14:hiddenLine xmlns:a14="http://schemas.microsoft.com/office/drawing/2010/main" xmlns="" w="9525">
+                  <a14:hiddenLine xmlns="" xmlns:a14="http://schemas.microsoft.com/office/drawing/2010/main" w="9525">
                     <a:solidFill>
                       <a:srgbClr val="000000"/>
                     </a:solidFill>
@@ -10592,7 +10596,7 @@
               </a:ln>
               <a:extLst>
                 <a:ext uri="{91240B29-F687-4f45-9708-019B960494DF}">
-                  <a14:hiddenLine xmlns:a14="http://schemas.microsoft.com/office/drawing/2010/main" xmlns="" w="9525">
+                  <a14:hiddenLine xmlns="" xmlns:a14="http://schemas.microsoft.com/office/drawing/2010/main" w="9525">
                     <a:solidFill>
                       <a:srgbClr val="000000"/>
                     </a:solidFill>
@@ -10657,7 +10661,7 @@
               </a:ln>
               <a:extLst>
                 <a:ext uri="{91240B29-F687-4f45-9708-019B960494DF}">
-                  <a14:hiddenLine xmlns:a14="http://schemas.microsoft.com/office/drawing/2010/main" xmlns="" w="9525">
+                  <a14:hiddenLine xmlns="" xmlns:a14="http://schemas.microsoft.com/office/drawing/2010/main" w="9525">
                     <a:solidFill>
                       <a:srgbClr val="000000"/>
                     </a:solidFill>
@@ -10719,7 +10723,7 @@
               </a:ln>
               <a:extLst>
                 <a:ext uri="{91240B29-F687-4f45-9708-019B960494DF}">
-                  <a14:hiddenLine xmlns:a14="http://schemas.microsoft.com/office/drawing/2010/main" xmlns="" w="9525">
+                  <a14:hiddenLine xmlns="" xmlns:a14="http://schemas.microsoft.com/office/drawing/2010/main" w="9525">
                     <a:solidFill>
                       <a:srgbClr val="000000"/>
                     </a:solidFill>
@@ -10809,7 +10813,7 @@
               </a:ln>
               <a:extLst>
                 <a:ext uri="{91240B29-F687-4f45-9708-019B960494DF}">
-                  <a14:hiddenLine xmlns:a14="http://schemas.microsoft.com/office/drawing/2010/main" xmlns="" w="9525">
+                  <a14:hiddenLine xmlns="" xmlns:a14="http://schemas.microsoft.com/office/drawing/2010/main" w="9525">
                     <a:solidFill>
                       <a:srgbClr val="000000"/>
                     </a:solidFill>
@@ -10899,7 +10903,7 @@
               </a:ln>
               <a:extLst>
                 <a:ext uri="{91240B29-F687-4f45-9708-019B960494DF}">
-                  <a14:hiddenLine xmlns:a14="http://schemas.microsoft.com/office/drawing/2010/main" xmlns="" w="9525">
+                  <a14:hiddenLine xmlns="" xmlns:a14="http://schemas.microsoft.com/office/drawing/2010/main" w="9525">
                     <a:solidFill>
                       <a:srgbClr val="000000"/>
                     </a:solidFill>
@@ -10964,7 +10968,7 @@
               </a:ln>
               <a:extLst>
                 <a:ext uri="{91240B29-F687-4f45-9708-019B960494DF}">
-                  <a14:hiddenLine xmlns:a14="http://schemas.microsoft.com/office/drawing/2010/main" xmlns="" w="9525">
+                  <a14:hiddenLine xmlns="" xmlns:a14="http://schemas.microsoft.com/office/drawing/2010/main" w="9525">
                     <a:solidFill>
                       <a:srgbClr val="000000"/>
                     </a:solidFill>
@@ -11084,7 +11088,7 @@
               </a:ln>
               <a:extLst>
                 <a:ext uri="{91240B29-F687-4f45-9708-019B960494DF}">
-                  <a14:hiddenLine xmlns:a14="http://schemas.microsoft.com/office/drawing/2010/main" xmlns="" w="9525">
+                  <a14:hiddenLine xmlns="" xmlns:a14="http://schemas.microsoft.com/office/drawing/2010/main" w="9525">
                     <a:solidFill>
                       <a:srgbClr val="000000"/>
                     </a:solidFill>
@@ -11182,7 +11186,7 @@
               </a:ln>
               <a:extLst>
                 <a:ext uri="{91240B29-F687-4f45-9708-019B960494DF}">
-                  <a14:hiddenLine xmlns:a14="http://schemas.microsoft.com/office/drawing/2010/main" xmlns="" w="9525">
+                  <a14:hiddenLine xmlns="" xmlns:a14="http://schemas.microsoft.com/office/drawing/2010/main" w="9525">
                     <a:solidFill>
                       <a:srgbClr val="000000"/>
                     </a:solidFill>
@@ -11297,7 +11301,7 @@
               </a:ln>
               <a:extLst>
                 <a:ext uri="{91240B29-F687-4f45-9708-019B960494DF}">
-                  <a14:hiddenLine xmlns:a14="http://schemas.microsoft.com/office/drawing/2010/main" xmlns="" w="9525">
+                  <a14:hiddenLine xmlns="" xmlns:a14="http://schemas.microsoft.com/office/drawing/2010/main" w="9525">
                     <a:solidFill>
                       <a:srgbClr val="000000"/>
                     </a:solidFill>
@@ -11387,7 +11391,7 @@
               </a:ln>
               <a:extLst>
                 <a:ext uri="{91240B29-F687-4f45-9708-019B960494DF}">
-                  <a14:hiddenLine xmlns:a14="http://schemas.microsoft.com/office/drawing/2010/main" xmlns="" w="9525">
+                  <a14:hiddenLine xmlns="" xmlns:a14="http://schemas.microsoft.com/office/drawing/2010/main" w="9525">
                     <a:solidFill>
                       <a:srgbClr val="000000"/>
                     </a:solidFill>
@@ -11452,7 +11456,7 @@
               </a:ln>
               <a:extLst>
                 <a:ext uri="{91240B29-F687-4f45-9708-019B960494DF}">
-                  <a14:hiddenLine xmlns:a14="http://schemas.microsoft.com/office/drawing/2010/main" xmlns="" w="9525">
+                  <a14:hiddenLine xmlns="" xmlns:a14="http://schemas.microsoft.com/office/drawing/2010/main" w="9525">
                     <a:solidFill>
                       <a:srgbClr val="000000"/>
                     </a:solidFill>
@@ -11542,7 +11546,7 @@
               </a:ln>
               <a:extLst>
                 <a:ext uri="{91240B29-F687-4f45-9708-019B960494DF}">
-                  <a14:hiddenLine xmlns:a14="http://schemas.microsoft.com/office/drawing/2010/main" xmlns="" w="9525">
+                  <a14:hiddenLine xmlns="" xmlns:a14="http://schemas.microsoft.com/office/drawing/2010/main" w="9525">
                     <a:solidFill>
                       <a:srgbClr val="000000"/>
                     </a:solidFill>
@@ -11610,7 +11614,7 @@
               </a:ln>
               <a:extLst>
                 <a:ext uri="{91240B29-F687-4f45-9708-019B960494DF}">
-                  <a14:hiddenLine xmlns:a14="http://schemas.microsoft.com/office/drawing/2010/main" xmlns="" w="9525">
+                  <a14:hiddenLine xmlns="" xmlns:a14="http://schemas.microsoft.com/office/drawing/2010/main" w="9525">
                     <a:solidFill>
                       <a:srgbClr val="000000"/>
                     </a:solidFill>
@@ -11700,7 +11704,7 @@
               </a:ln>
               <a:extLst>
                 <a:ext uri="{91240B29-F687-4f45-9708-019B960494DF}">
-                  <a14:hiddenLine xmlns:a14="http://schemas.microsoft.com/office/drawing/2010/main" xmlns="" w="9525">
+                  <a14:hiddenLine xmlns="" xmlns:a14="http://schemas.microsoft.com/office/drawing/2010/main" w="9525">
                     <a:solidFill>
                       <a:srgbClr val="000000"/>
                     </a:solidFill>
@@ -11768,7 +11772,7 @@
               </a:ln>
               <a:extLst>
                 <a:ext uri="{91240B29-F687-4f45-9708-019B960494DF}">
-                  <a14:hiddenLine xmlns:a14="http://schemas.microsoft.com/office/drawing/2010/main" xmlns="" w="9525">
+                  <a14:hiddenLine xmlns="" xmlns:a14="http://schemas.microsoft.com/office/drawing/2010/main" w="9525">
                     <a:solidFill>
                       <a:srgbClr val="000000"/>
                     </a:solidFill>
@@ -11858,7 +11862,7 @@
               </a:ln>
               <a:extLst>
                 <a:ext uri="{91240B29-F687-4f45-9708-019B960494DF}">
-                  <a14:hiddenLine xmlns:a14="http://schemas.microsoft.com/office/drawing/2010/main" xmlns="" w="9525">
+                  <a14:hiddenLine xmlns="" xmlns:a14="http://schemas.microsoft.com/office/drawing/2010/main" w="9525">
                     <a:solidFill>
                       <a:srgbClr val="000000"/>
                     </a:solidFill>
@@ -11892,7 +11896,7 @@
               </a:ln>
               <a:extLst>
                 <a:ext uri="{91240B29-F687-4f45-9708-019B960494DF}">
-                  <a14:hiddenLine xmlns:a14="http://schemas.microsoft.com/office/drawing/2010/main" xmlns="" w="9525">
+                  <a14:hiddenLine xmlns="" xmlns:a14="http://schemas.microsoft.com/office/drawing/2010/main" w="9525">
                     <a:solidFill>
                       <a:srgbClr val="000000"/>
                     </a:solidFill>
@@ -12032,7 +12036,7 @@
           <a:p>
             <a:fld id="{DD51F831-EA92-4206-911B-8214351FFF08}" type="datetimeFigureOut">
               <a:rPr lang="en-US" smtClean="0"/>
-              <a:t>9/11/2024</a:t>
+              <a:t>9/12/2024</a:t>
             </a:fld>
             <a:endParaRPr lang="en-US"/>
           </a:p>
@@ -12592,2609 +12596,6 @@
           <p:cNvPr id="2" name="Title 1">
             <a:extLst>
               <a:ext uri="{FF2B5EF4-FFF2-40B4-BE49-F238E27FC236}">
-                <a16:creationId xmlns:a16="http://schemas.microsoft.com/office/drawing/2014/main" id="{940A8AC8-75DF-B1EF-EF4E-3B0B9AF067DA}"/>
-              </a:ext>
-            </a:extLst>
-          </p:cNvPr>
-          <p:cNvSpPr>
-            <a:spLocks noGrp="1"/>
-          </p:cNvSpPr>
-          <p:nvPr>
-            <p:ph type="title"/>
-          </p:nvPr>
-        </p:nvSpPr>
-        <p:spPr/>
-        <p:txBody>
-          <a:bodyPr/>
-          <a:lstStyle/>
-          <a:p>
-            <a:r>
-              <a:rPr lang="en-US" dirty="0"/>
-              <a:t>Commits in bash</a:t>
-            </a:r>
-          </a:p>
-        </p:txBody>
-      </p:sp>
-      <p:pic>
-        <p:nvPicPr>
-          <p:cNvPr id="5" name="Content Placeholder 4">
-            <a:extLst>
-              <a:ext uri="{FF2B5EF4-FFF2-40B4-BE49-F238E27FC236}">
-                <a16:creationId xmlns:a16="http://schemas.microsoft.com/office/drawing/2014/main" id="{F8560C1A-7386-18D9-9A51-B40E593F25C8}"/>
-              </a:ext>
-            </a:extLst>
-          </p:cNvPr>
-          <p:cNvPicPr>
-            <a:picLocks noGrp="1" noChangeAspect="1"/>
-          </p:cNvPicPr>
-          <p:nvPr>
-            <p:ph idx="1"/>
-          </p:nvPr>
-        </p:nvPicPr>
-        <p:blipFill>
-          <a:blip r:embed="rId2"/>
-          <a:stretch>
-            <a:fillRect/>
-          </a:stretch>
-        </p:blipFill>
-        <p:spPr>
-          <a:xfrm>
-            <a:off x="5160397" y="1948875"/>
-            <a:ext cx="6782497" cy="2761445"/>
-          </a:xfrm>
-        </p:spPr>
-      </p:pic>
-      <p:sp>
-        <p:nvSpPr>
-          <p:cNvPr id="6" name="TextBox 5">
-            <a:extLst>
-              <a:ext uri="{FF2B5EF4-FFF2-40B4-BE49-F238E27FC236}">
-                <a16:creationId xmlns:a16="http://schemas.microsoft.com/office/drawing/2014/main" id="{4B3908E8-E7C2-0A08-F649-4D1054BB9D7F}"/>
-              </a:ext>
-            </a:extLst>
-          </p:cNvPr>
-          <p:cNvSpPr txBox="1"/>
-          <p:nvPr/>
-        </p:nvSpPr>
-        <p:spPr>
-          <a:xfrm>
-            <a:off x="730370" y="2097088"/>
-            <a:ext cx="4268797" cy="3162019"/>
-          </a:xfrm>
-          <a:prstGeom prst="rect">
-            <a:avLst/>
-          </a:prstGeom>
-          <a:noFill/>
-        </p:spPr>
-        <p:txBody>
-          <a:bodyPr wrap="none" rtlCol="0">
-            <a:spAutoFit/>
-          </a:bodyPr>
-          <a:lstStyle/>
-          <a:p>
-            <a:pPr marL="0" marR="0">
-              <a:lnSpc>
-                <a:spcPct val="107000"/>
-              </a:lnSpc>
-              <a:spcBef>
-                <a:spcPts val="0"/>
-              </a:spcBef>
-              <a:spcAft>
-                <a:spcPts val="800"/>
-              </a:spcAft>
-            </a:pPr>
-            <a:r>
-              <a:rPr lang="en-US" sz="1800" i="1" kern="100" dirty="0">
-                <a:effectLst/>
-                <a:latin typeface="Aptos" panose="020B0004020202020204" pitchFamily="34" charset="0"/>
-                <a:ea typeface="Aptos" panose="020B0004020202020204" pitchFamily="34" charset="0"/>
-                <a:cs typeface="Times New Roman" panose="02020603050405020304" pitchFamily="18" charset="0"/>
-              </a:rPr>
-              <a:t>git </a:t>
-            </a:r>
-            <a:r>
-              <a:rPr lang="en-US" sz="1800" i="1" kern="100" dirty="0" err="1">
-                <a:effectLst/>
-                <a:latin typeface="Aptos" panose="020B0004020202020204" pitchFamily="34" charset="0"/>
-                <a:ea typeface="Aptos" panose="020B0004020202020204" pitchFamily="34" charset="0"/>
-                <a:cs typeface="Times New Roman" panose="02020603050405020304" pitchFamily="18" charset="0"/>
-              </a:rPr>
-              <a:t>init</a:t>
-            </a:r>
-            <a:r>
-              <a:rPr lang="en-US" sz="1800" i="1" kern="100" dirty="0">
-                <a:effectLst/>
-                <a:latin typeface="Aptos" panose="020B0004020202020204" pitchFamily="34" charset="0"/>
-                <a:ea typeface="Aptos" panose="020B0004020202020204" pitchFamily="34" charset="0"/>
-                <a:cs typeface="Times New Roman" panose="02020603050405020304" pitchFamily="18" charset="0"/>
-              </a:rPr>
-              <a:t> -b &lt;name of the local branch&gt;</a:t>
-            </a:r>
-            <a:endParaRPr lang="en-US" sz="1800" kern="100" dirty="0">
-              <a:effectLst/>
-              <a:latin typeface="Aptos" panose="020B0004020202020204" pitchFamily="34" charset="0"/>
-              <a:ea typeface="Aptos" panose="020B0004020202020204" pitchFamily="34" charset="0"/>
-              <a:cs typeface="Times New Roman" panose="02020603050405020304" pitchFamily="18" charset="0"/>
-            </a:endParaRPr>
-          </a:p>
-          <a:p>
-            <a:pPr marL="0" marR="0">
-              <a:lnSpc>
-                <a:spcPct val="107000"/>
-              </a:lnSpc>
-              <a:spcBef>
-                <a:spcPts val="0"/>
-              </a:spcBef>
-              <a:spcAft>
-                <a:spcPts val="800"/>
-              </a:spcAft>
-            </a:pPr>
-            <a:r>
-              <a:rPr lang="en-US" sz="1800" i="1" kern="100" dirty="0">
-                <a:effectLst/>
-                <a:latin typeface="Aptos" panose="020B0004020202020204" pitchFamily="34" charset="0"/>
-                <a:ea typeface="Aptos" panose="020B0004020202020204" pitchFamily="34" charset="0"/>
-                <a:cs typeface="Times New Roman" panose="02020603050405020304" pitchFamily="18" charset="0"/>
-              </a:rPr>
-              <a:t>Git checkout -b &lt;name of branch&gt;</a:t>
-            </a:r>
-            <a:endParaRPr lang="en-US" sz="1800" kern="100" dirty="0">
-              <a:effectLst/>
-              <a:latin typeface="Aptos" panose="020B0004020202020204" pitchFamily="34" charset="0"/>
-              <a:ea typeface="Aptos" panose="020B0004020202020204" pitchFamily="34" charset="0"/>
-              <a:cs typeface="Times New Roman" panose="02020603050405020304" pitchFamily="18" charset="0"/>
-            </a:endParaRPr>
-          </a:p>
-          <a:p>
-            <a:pPr marL="0" marR="0">
-              <a:lnSpc>
-                <a:spcPct val="107000"/>
-              </a:lnSpc>
-              <a:spcBef>
-                <a:spcPts val="0"/>
-              </a:spcBef>
-              <a:spcAft>
-                <a:spcPts val="800"/>
-              </a:spcAft>
-            </a:pPr>
-            <a:r>
-              <a:rPr lang="en-US" sz="1800" kern="100" dirty="0">
-                <a:effectLst/>
-                <a:latin typeface="Aptos" panose="020B0004020202020204" pitchFamily="34" charset="0"/>
-                <a:ea typeface="Aptos" panose="020B0004020202020204" pitchFamily="34" charset="0"/>
-                <a:cs typeface="Times New Roman" panose="02020603050405020304" pitchFamily="18" charset="0"/>
-              </a:rPr>
-              <a:t>Add the files to your current local Branch:</a:t>
-            </a:r>
-          </a:p>
-          <a:p>
-            <a:pPr marL="0" marR="0">
-              <a:lnSpc>
-                <a:spcPct val="107000"/>
-              </a:lnSpc>
-              <a:spcBef>
-                <a:spcPts val="0"/>
-              </a:spcBef>
-              <a:spcAft>
-                <a:spcPts val="800"/>
-              </a:spcAft>
-            </a:pPr>
-            <a:r>
-              <a:rPr lang="en-US" sz="1800" i="1" kern="100" dirty="0">
-                <a:effectLst/>
-                <a:latin typeface="Aptos" panose="020B0004020202020204" pitchFamily="34" charset="0"/>
-                <a:ea typeface="Aptos" panose="020B0004020202020204" pitchFamily="34" charset="0"/>
-                <a:cs typeface="Times New Roman" panose="02020603050405020304" pitchFamily="18" charset="0"/>
-              </a:rPr>
-              <a:t>git add .</a:t>
-            </a:r>
-            <a:endParaRPr lang="en-US" sz="1800" kern="100" dirty="0">
-              <a:effectLst/>
-              <a:latin typeface="Aptos" panose="020B0004020202020204" pitchFamily="34" charset="0"/>
-              <a:ea typeface="Aptos" panose="020B0004020202020204" pitchFamily="34" charset="0"/>
-              <a:cs typeface="Times New Roman" panose="02020603050405020304" pitchFamily="18" charset="0"/>
-            </a:endParaRPr>
-          </a:p>
-          <a:p>
-            <a:pPr marL="0" marR="0">
-              <a:lnSpc>
-                <a:spcPct val="107000"/>
-              </a:lnSpc>
-              <a:spcBef>
-                <a:spcPts val="0"/>
-              </a:spcBef>
-              <a:spcAft>
-                <a:spcPts val="800"/>
-              </a:spcAft>
-            </a:pPr>
-            <a:r>
-              <a:rPr lang="en-US" sz="1800" i="1" kern="100" dirty="0">
-                <a:effectLst/>
-                <a:latin typeface="Aptos" panose="020B0004020202020204" pitchFamily="34" charset="0"/>
-                <a:ea typeface="Aptos" panose="020B0004020202020204" pitchFamily="34" charset="0"/>
-                <a:cs typeface="Times New Roman" panose="02020603050405020304" pitchFamily="18" charset="0"/>
-              </a:rPr>
-              <a:t>git commit -m “&lt;</a:t>
-            </a:r>
-            <a:r>
-              <a:rPr lang="en-US" sz="1800" i="1" kern="100" dirty="0" err="1">
-                <a:effectLst/>
-                <a:latin typeface="Aptos" panose="020B0004020202020204" pitchFamily="34" charset="0"/>
-                <a:ea typeface="Aptos" panose="020B0004020202020204" pitchFamily="34" charset="0"/>
-                <a:cs typeface="Times New Roman" panose="02020603050405020304" pitchFamily="18" charset="0"/>
-              </a:rPr>
-              <a:t>DEV_</a:t>
-            </a:r>
-            <a:r>
-              <a:rPr lang="en-US" i="1" kern="100" dirty="0" err="1">
-                <a:latin typeface="Aptos" panose="020B0004020202020204" pitchFamily="34" charset="0"/>
-                <a:ea typeface="Aptos" panose="020B0004020202020204" pitchFamily="34" charset="0"/>
-                <a:cs typeface="Times New Roman" panose="02020603050405020304" pitchFamily="18" charset="0"/>
-              </a:rPr>
-              <a:t>note</a:t>
-            </a:r>
-            <a:r>
-              <a:rPr lang="en-US" sz="1800" i="1" kern="100" dirty="0">
-                <a:effectLst/>
-                <a:latin typeface="Aptos" panose="020B0004020202020204" pitchFamily="34" charset="0"/>
-                <a:ea typeface="Aptos" panose="020B0004020202020204" pitchFamily="34" charset="0"/>
-                <a:cs typeface="Times New Roman" panose="02020603050405020304" pitchFamily="18" charset="0"/>
-              </a:rPr>
-              <a:t>&gt;”</a:t>
-            </a:r>
-            <a:endParaRPr lang="en-US" sz="1800" kern="100" dirty="0">
-              <a:effectLst/>
-              <a:latin typeface="Aptos" panose="020B0004020202020204" pitchFamily="34" charset="0"/>
-              <a:ea typeface="Aptos" panose="020B0004020202020204" pitchFamily="34" charset="0"/>
-              <a:cs typeface="Times New Roman" panose="02020603050405020304" pitchFamily="18" charset="0"/>
-            </a:endParaRPr>
-          </a:p>
-          <a:p>
-            <a:pPr marL="0" marR="0">
-              <a:lnSpc>
-                <a:spcPct val="107000"/>
-              </a:lnSpc>
-              <a:spcBef>
-                <a:spcPts val="0"/>
-              </a:spcBef>
-              <a:spcAft>
-                <a:spcPts val="800"/>
-              </a:spcAft>
-            </a:pPr>
-            <a:r>
-              <a:rPr lang="en-US" sz="1800" i="1" kern="100" dirty="0">
-                <a:effectLst/>
-                <a:latin typeface="Aptos" panose="020B0004020202020204" pitchFamily="34" charset="0"/>
-                <a:ea typeface="Aptos" panose="020B0004020202020204" pitchFamily="34" charset="0"/>
-                <a:cs typeface="Times New Roman" panose="02020603050405020304" pitchFamily="18" charset="0"/>
-              </a:rPr>
-              <a:t>git remote add &lt;name&gt; &lt;URL fork link&gt;</a:t>
-            </a:r>
-            <a:endParaRPr lang="en-US" sz="1800" kern="100" dirty="0">
-              <a:effectLst/>
-              <a:latin typeface="Aptos" panose="020B0004020202020204" pitchFamily="34" charset="0"/>
-              <a:ea typeface="Aptos" panose="020B0004020202020204" pitchFamily="34" charset="0"/>
-              <a:cs typeface="Times New Roman" panose="02020603050405020304" pitchFamily="18" charset="0"/>
-            </a:endParaRPr>
-          </a:p>
-          <a:p>
-            <a:pPr marL="0" marR="0">
-              <a:lnSpc>
-                <a:spcPct val="107000"/>
-              </a:lnSpc>
-              <a:spcBef>
-                <a:spcPts val="0"/>
-              </a:spcBef>
-              <a:spcAft>
-                <a:spcPts val="800"/>
-              </a:spcAft>
-            </a:pPr>
-            <a:r>
-              <a:rPr lang="en-US" sz="1800" i="1" kern="100" dirty="0">
-                <a:effectLst/>
-                <a:latin typeface="Aptos" panose="020B0004020202020204" pitchFamily="34" charset="0"/>
-                <a:ea typeface="Aptos" panose="020B0004020202020204" pitchFamily="34" charset="0"/>
-                <a:cs typeface="Times New Roman" panose="02020603050405020304" pitchFamily="18" charset="0"/>
-              </a:rPr>
-              <a:t>git push &lt;remote&gt; &lt;branch&gt;</a:t>
-            </a:r>
-            <a:endParaRPr lang="en-US" sz="1800" kern="100" dirty="0">
-              <a:effectLst/>
-              <a:latin typeface="Aptos" panose="020B0004020202020204" pitchFamily="34" charset="0"/>
-              <a:ea typeface="Aptos" panose="020B0004020202020204" pitchFamily="34" charset="0"/>
-              <a:cs typeface="Times New Roman" panose="02020603050405020304" pitchFamily="18" charset="0"/>
-            </a:endParaRPr>
-          </a:p>
-          <a:p>
-            <a:endParaRPr lang="en-US" dirty="0"/>
-          </a:p>
-        </p:txBody>
-      </p:sp>
-    </p:spTree>
-    <p:extLst>
-      <p:ext uri="{BB962C8B-B14F-4D97-AF65-F5344CB8AC3E}">
-        <p14:creationId xmlns:p14="http://schemas.microsoft.com/office/powerpoint/2010/main" val="3641515971"/>
-      </p:ext>
-    </p:extLst>
-  </p:cSld>
-  <p:clrMapOvr>
-    <a:masterClrMapping/>
-  </p:clrMapOvr>
-</p:sld>
-</file>
-
-<file path=ppt/slides/slide11.xml><?xml version="1.0" encoding="utf-8"?>
-<p:sld xmlns:a="http://schemas.openxmlformats.org/drawingml/2006/main" xmlns:r="http://schemas.openxmlformats.org/officeDocument/2006/relationships" xmlns:p="http://schemas.openxmlformats.org/presentationml/2006/main">
-  <p:cSld>
-    <p:spTree>
-      <p:nvGrpSpPr>
-        <p:cNvPr id="1" name=""/>
-        <p:cNvGrpSpPr/>
-        <p:nvPr/>
-      </p:nvGrpSpPr>
-      <p:grpSpPr>
-        <a:xfrm>
-          <a:off x="0" y="0"/>
-          <a:ext cx="0" cy="0"/>
-          <a:chOff x="0" y="0"/>
-          <a:chExt cx="0" cy="0"/>
-        </a:xfrm>
-      </p:grpSpPr>
-      <p:sp>
-        <p:nvSpPr>
-          <p:cNvPr id="2" name="Title 1">
-            <a:extLst>
-              <a:ext uri="{FF2B5EF4-FFF2-40B4-BE49-F238E27FC236}">
-                <a16:creationId xmlns:a16="http://schemas.microsoft.com/office/drawing/2014/main" id="{48DFBDBF-7B87-A11F-42DD-AC8E4F665B84}"/>
-              </a:ext>
-            </a:extLst>
-          </p:cNvPr>
-          <p:cNvSpPr>
-            <a:spLocks noGrp="1"/>
-          </p:cNvSpPr>
-          <p:nvPr>
-            <p:ph type="title"/>
-          </p:nvPr>
-        </p:nvSpPr>
-        <p:spPr/>
-        <p:txBody>
-          <a:bodyPr/>
-          <a:lstStyle/>
-          <a:p>
-            <a:r>
-              <a:rPr lang="en-US" dirty="0"/>
-              <a:t>Cloning in git </a:t>
-            </a:r>
-            <a:r>
-              <a:rPr lang="en-US" dirty="0" err="1"/>
-              <a:t>gui</a:t>
-            </a:r>
-            <a:endParaRPr lang="en-US" dirty="0"/>
-          </a:p>
-        </p:txBody>
-      </p:sp>
-      <p:pic>
-        <p:nvPicPr>
-          <p:cNvPr id="5" name="Content Placeholder 4">
-            <a:extLst>
-              <a:ext uri="{FF2B5EF4-FFF2-40B4-BE49-F238E27FC236}">
-                <a16:creationId xmlns:a16="http://schemas.microsoft.com/office/drawing/2014/main" id="{FC1A7F4C-C83B-8476-2BE9-598AA5375DD2}"/>
-              </a:ext>
-            </a:extLst>
-          </p:cNvPr>
-          <p:cNvPicPr>
-            <a:picLocks noGrp="1" noChangeAspect="1"/>
-          </p:cNvPicPr>
-          <p:nvPr>
-            <p:ph idx="1"/>
-          </p:nvPr>
-        </p:nvPicPr>
-        <p:blipFill>
-          <a:blip r:embed="rId2"/>
-          <a:srcRect l="4241" t="3764" r="3469" b="5719"/>
-          <a:stretch/>
-        </p:blipFill>
-        <p:spPr>
-          <a:xfrm>
-            <a:off x="164432" y="1641987"/>
-            <a:ext cx="3903406" cy="2635045"/>
-          </a:xfrm>
-        </p:spPr>
-      </p:pic>
-      <p:pic>
-        <p:nvPicPr>
-          <p:cNvPr id="7" name="Picture 6" descr="A screenshot of a computer&#10;&#10;Description automatically generated">
-            <a:extLst>
-              <a:ext uri="{FF2B5EF4-FFF2-40B4-BE49-F238E27FC236}">
-                <a16:creationId xmlns:a16="http://schemas.microsoft.com/office/drawing/2014/main" id="{675B8239-103E-84C4-4A67-9F8418662FC4}"/>
-              </a:ext>
-            </a:extLst>
-          </p:cNvPr>
-          <p:cNvPicPr>
-            <a:picLocks noChangeAspect="1"/>
-          </p:cNvPicPr>
-          <p:nvPr/>
-        </p:nvPicPr>
-        <p:blipFill>
-          <a:blip r:embed="rId3">
-            <a:extLst>
-              <a:ext uri="{28A0092B-C50C-407E-A947-70E740481C1C}">
-                <a14:useLocalDpi xmlns:a14="http://schemas.microsoft.com/office/drawing/2010/main" val="0"/>
-              </a:ext>
-            </a:extLst>
-          </a:blip>
-          <a:stretch>
-            <a:fillRect/>
-          </a:stretch>
-        </p:blipFill>
-        <p:spPr>
-          <a:xfrm>
-            <a:off x="1" y="3535107"/>
-            <a:ext cx="6596882" cy="2684068"/>
-          </a:xfrm>
-          <a:prstGeom prst="rect">
-            <a:avLst/>
-          </a:prstGeom>
-        </p:spPr>
-      </p:pic>
-      <p:pic>
-        <p:nvPicPr>
-          <p:cNvPr id="9" name="Picture 8" descr="A screenshot of a computer&#10;&#10;Description automatically generated">
-            <a:extLst>
-              <a:ext uri="{FF2B5EF4-FFF2-40B4-BE49-F238E27FC236}">
-                <a16:creationId xmlns:a16="http://schemas.microsoft.com/office/drawing/2014/main" id="{E525984E-43DE-6331-17FB-EA6706FA3DBA}"/>
-              </a:ext>
-            </a:extLst>
-          </p:cNvPr>
-          <p:cNvPicPr>
-            <a:picLocks noChangeAspect="1"/>
-          </p:cNvPicPr>
-          <p:nvPr/>
-        </p:nvPicPr>
-        <p:blipFill>
-          <a:blip r:embed="rId4">
-            <a:extLst>
-              <a:ext uri="{28A0092B-C50C-407E-A947-70E740481C1C}">
-                <a14:useLocalDpi xmlns:a14="http://schemas.microsoft.com/office/drawing/2010/main" val="0"/>
-              </a:ext>
-            </a:extLst>
-          </a:blip>
-          <a:stretch>
-            <a:fillRect/>
-          </a:stretch>
-        </p:blipFill>
-        <p:spPr>
-          <a:xfrm>
-            <a:off x="6499121" y="112797"/>
-            <a:ext cx="5525271" cy="6106377"/>
-          </a:xfrm>
-          <a:prstGeom prst="rect">
-            <a:avLst/>
-          </a:prstGeom>
-        </p:spPr>
-      </p:pic>
-      <p:sp>
-        <p:nvSpPr>
-          <p:cNvPr id="10" name="TextBox 9">
-            <a:extLst>
-              <a:ext uri="{FF2B5EF4-FFF2-40B4-BE49-F238E27FC236}">
-                <a16:creationId xmlns:a16="http://schemas.microsoft.com/office/drawing/2014/main" id="{738D293C-EB03-1DA9-1A92-8D7203AB9B94}"/>
-              </a:ext>
-            </a:extLst>
-          </p:cNvPr>
-          <p:cNvSpPr txBox="1"/>
-          <p:nvPr/>
-        </p:nvSpPr>
-        <p:spPr>
-          <a:xfrm>
-            <a:off x="2261419" y="6489290"/>
-            <a:ext cx="5048113" cy="369332"/>
-          </a:xfrm>
-          <a:prstGeom prst="rect">
-            <a:avLst/>
-          </a:prstGeom>
-          <a:noFill/>
-        </p:spPr>
-        <p:txBody>
-          <a:bodyPr wrap="none" rtlCol="0">
-            <a:spAutoFit/>
-          </a:bodyPr>
-          <a:lstStyle/>
-          <a:p>
-            <a:r>
-              <a:rPr lang="en-US" dirty="0"/>
-              <a:t>NOTE: The last /APXSRC folder cannot exist in clone</a:t>
-            </a:r>
-          </a:p>
-        </p:txBody>
-      </p:sp>
-    </p:spTree>
-    <p:extLst>
-      <p:ext uri="{BB962C8B-B14F-4D97-AF65-F5344CB8AC3E}">
-        <p14:creationId xmlns:p14="http://schemas.microsoft.com/office/powerpoint/2010/main" val="819485861"/>
-      </p:ext>
-    </p:extLst>
-  </p:cSld>
-  <p:clrMapOvr>
-    <a:masterClrMapping/>
-  </p:clrMapOvr>
-</p:sld>
-</file>
-
-<file path=ppt/slides/slide12.xml><?xml version="1.0" encoding="utf-8"?>
-<p:sld xmlns:a="http://schemas.openxmlformats.org/drawingml/2006/main" xmlns:r="http://schemas.openxmlformats.org/officeDocument/2006/relationships" xmlns:p="http://schemas.openxmlformats.org/presentationml/2006/main">
-  <p:cSld>
-    <p:spTree>
-      <p:nvGrpSpPr>
-        <p:cNvPr id="1" name=""/>
-        <p:cNvGrpSpPr/>
-        <p:nvPr/>
-      </p:nvGrpSpPr>
-      <p:grpSpPr>
-        <a:xfrm>
-          <a:off x="0" y="0"/>
-          <a:ext cx="0" cy="0"/>
-          <a:chOff x="0" y="0"/>
-          <a:chExt cx="0" cy="0"/>
-        </a:xfrm>
-      </p:grpSpPr>
-      <p:sp>
-        <p:nvSpPr>
-          <p:cNvPr id="2" name="Title 1">
-            <a:extLst>
-              <a:ext uri="{FF2B5EF4-FFF2-40B4-BE49-F238E27FC236}">
-                <a16:creationId xmlns:a16="http://schemas.microsoft.com/office/drawing/2014/main" id="{1C75A40D-3E81-4D0C-4F9B-6C6D6AFEBA7E}"/>
-              </a:ext>
-            </a:extLst>
-          </p:cNvPr>
-          <p:cNvSpPr>
-            <a:spLocks noGrp="1"/>
-          </p:cNvSpPr>
-          <p:nvPr>
-            <p:ph type="title"/>
-          </p:nvPr>
-        </p:nvSpPr>
-        <p:spPr/>
-        <p:txBody>
-          <a:bodyPr/>
-          <a:lstStyle/>
-          <a:p>
-            <a:r>
-              <a:rPr lang="en-US" dirty="0"/>
-              <a:t>Commits in git </a:t>
-            </a:r>
-            <a:r>
-              <a:rPr lang="en-US" dirty="0" err="1"/>
-              <a:t>gui</a:t>
-            </a:r>
-            <a:endParaRPr lang="en-US" dirty="0"/>
-          </a:p>
-        </p:txBody>
-      </p:sp>
-      <p:pic>
-        <p:nvPicPr>
-          <p:cNvPr id="5" name="Content Placeholder 4">
-            <a:extLst>
-              <a:ext uri="{FF2B5EF4-FFF2-40B4-BE49-F238E27FC236}">
-                <a16:creationId xmlns:a16="http://schemas.microsoft.com/office/drawing/2014/main" id="{DA773DB2-7866-946C-ED7E-4B5F87061D58}"/>
-              </a:ext>
-            </a:extLst>
-          </p:cNvPr>
-          <p:cNvPicPr>
-            <a:picLocks noGrp="1" noChangeAspect="1"/>
-          </p:cNvPicPr>
-          <p:nvPr>
-            <p:ph idx="1"/>
-          </p:nvPr>
-        </p:nvPicPr>
-        <p:blipFill>
-          <a:blip r:embed="rId2"/>
-          <a:stretch>
-            <a:fillRect/>
-          </a:stretch>
-        </p:blipFill>
-        <p:spPr>
-          <a:xfrm>
-            <a:off x="6416951" y="1478570"/>
-            <a:ext cx="5117762" cy="4760912"/>
-          </a:xfrm>
-        </p:spPr>
-      </p:pic>
-      <p:pic>
-        <p:nvPicPr>
-          <p:cNvPr id="4" name="Picture 3">
-            <a:extLst>
-              <a:ext uri="{FF2B5EF4-FFF2-40B4-BE49-F238E27FC236}">
-                <a16:creationId xmlns:a16="http://schemas.microsoft.com/office/drawing/2014/main" id="{12277F98-C013-0DD4-3746-8A335F61FB3C}"/>
-              </a:ext>
-            </a:extLst>
-          </p:cNvPr>
-          <p:cNvPicPr>
-            <a:picLocks noChangeAspect="1"/>
-          </p:cNvPicPr>
-          <p:nvPr/>
-        </p:nvPicPr>
-        <p:blipFill>
-          <a:blip r:embed="rId3"/>
-          <a:stretch>
-            <a:fillRect/>
-          </a:stretch>
-        </p:blipFill>
-        <p:spPr>
-          <a:xfrm>
-            <a:off x="1011432" y="1704972"/>
-            <a:ext cx="5082980" cy="1501270"/>
-          </a:xfrm>
-          <a:prstGeom prst="rect">
-            <a:avLst/>
-          </a:prstGeom>
-        </p:spPr>
-      </p:pic>
-      <p:sp>
-        <p:nvSpPr>
-          <p:cNvPr id="6" name="TextBox 5">
-            <a:extLst>
-              <a:ext uri="{FF2B5EF4-FFF2-40B4-BE49-F238E27FC236}">
-                <a16:creationId xmlns:a16="http://schemas.microsoft.com/office/drawing/2014/main" id="{C330B994-8032-4A5F-A289-37655EB4AD2E}"/>
-              </a:ext>
-            </a:extLst>
-          </p:cNvPr>
-          <p:cNvSpPr txBox="1"/>
-          <p:nvPr/>
-        </p:nvSpPr>
-        <p:spPr>
-          <a:xfrm>
-            <a:off x="1141413" y="3755923"/>
-            <a:ext cx="3957943" cy="1477328"/>
-          </a:xfrm>
-          <a:prstGeom prst="rect">
-            <a:avLst/>
-          </a:prstGeom>
-          <a:noFill/>
-        </p:spPr>
-        <p:txBody>
-          <a:bodyPr wrap="none" rtlCol="0">
-            <a:spAutoFit/>
-          </a:bodyPr>
-          <a:lstStyle/>
-          <a:p>
-            <a:r>
-              <a:rPr lang="en-US" dirty="0"/>
-              <a:t>Select Rescan </a:t>
-            </a:r>
-          </a:p>
-          <a:p>
-            <a:r>
-              <a:rPr lang="en-US" dirty="0"/>
-              <a:t>Select Stage Changes</a:t>
-            </a:r>
-          </a:p>
-          <a:p>
-            <a:r>
-              <a:rPr lang="en-US" dirty="0"/>
-              <a:t>Add a commit message</a:t>
-            </a:r>
-          </a:p>
-          <a:p>
-            <a:r>
-              <a:rPr lang="en-US" dirty="0"/>
-              <a:t>Commit</a:t>
-            </a:r>
-          </a:p>
-          <a:p>
-            <a:r>
-              <a:rPr lang="en-US" dirty="0"/>
-              <a:t>Push – this will submit changes to GITHUB</a:t>
-            </a:r>
-          </a:p>
-        </p:txBody>
-      </p:sp>
-    </p:spTree>
-    <p:extLst>
-      <p:ext uri="{BB962C8B-B14F-4D97-AF65-F5344CB8AC3E}">
-        <p14:creationId xmlns:p14="http://schemas.microsoft.com/office/powerpoint/2010/main" val="2748064685"/>
-      </p:ext>
-    </p:extLst>
-  </p:cSld>
-  <p:clrMapOvr>
-    <a:masterClrMapping/>
-  </p:clrMapOvr>
-</p:sld>
-</file>
-
-<file path=ppt/slides/slide13.xml><?xml version="1.0" encoding="utf-8"?>
-<p:sld xmlns:a="http://schemas.openxmlformats.org/drawingml/2006/main" xmlns:r="http://schemas.openxmlformats.org/officeDocument/2006/relationships" xmlns:p="http://schemas.openxmlformats.org/presentationml/2006/main">
-  <p:cSld>
-    <p:spTree>
-      <p:nvGrpSpPr>
-        <p:cNvPr id="1" name=""/>
-        <p:cNvGrpSpPr/>
-        <p:nvPr/>
-      </p:nvGrpSpPr>
-      <p:grpSpPr>
-        <a:xfrm>
-          <a:off x="0" y="0"/>
-          <a:ext cx="0" cy="0"/>
-          <a:chOff x="0" y="0"/>
-          <a:chExt cx="0" cy="0"/>
-        </a:xfrm>
-      </p:grpSpPr>
-      <p:sp>
-        <p:nvSpPr>
-          <p:cNvPr id="2" name="Title 1">
-            <a:extLst>
-              <a:ext uri="{FF2B5EF4-FFF2-40B4-BE49-F238E27FC236}">
-                <a16:creationId xmlns:a16="http://schemas.microsoft.com/office/drawing/2014/main" id="{413557E4-A4EB-FDFA-B561-32F6AB6CAFFB}"/>
-              </a:ext>
-            </a:extLst>
-          </p:cNvPr>
-          <p:cNvSpPr>
-            <a:spLocks noGrp="1"/>
-          </p:cNvSpPr>
-          <p:nvPr>
-            <p:ph type="title"/>
-          </p:nvPr>
-        </p:nvSpPr>
-        <p:spPr/>
-        <p:txBody>
-          <a:bodyPr/>
-          <a:lstStyle/>
-          <a:p>
-            <a:r>
-              <a:rPr lang="en-US" dirty="0"/>
-              <a:t>Zip download from </a:t>
-            </a:r>
-            <a:r>
-              <a:rPr lang="en-US" dirty="0" err="1"/>
-              <a:t>github</a:t>
-            </a:r>
-            <a:endParaRPr lang="en-US" dirty="0"/>
-          </a:p>
-        </p:txBody>
-      </p:sp>
-      <p:pic>
-        <p:nvPicPr>
-          <p:cNvPr id="5" name="Content Placeholder 4">
-            <a:extLst>
-              <a:ext uri="{FF2B5EF4-FFF2-40B4-BE49-F238E27FC236}">
-                <a16:creationId xmlns:a16="http://schemas.microsoft.com/office/drawing/2014/main" id="{B84CCC23-369F-09C7-921D-DB32B24C5CD6}"/>
-              </a:ext>
-            </a:extLst>
-          </p:cNvPr>
-          <p:cNvPicPr>
-            <a:picLocks noGrp="1" noChangeAspect="1"/>
-          </p:cNvPicPr>
-          <p:nvPr>
-            <p:ph idx="1"/>
-          </p:nvPr>
-        </p:nvPicPr>
-        <p:blipFill>
-          <a:blip r:embed="rId2"/>
-          <a:stretch>
-            <a:fillRect/>
-          </a:stretch>
-        </p:blipFill>
-        <p:spPr>
-          <a:xfrm>
-            <a:off x="1141413" y="1763885"/>
-            <a:ext cx="4954540" cy="4046980"/>
-          </a:xfrm>
-        </p:spPr>
-      </p:pic>
-      <p:sp>
-        <p:nvSpPr>
-          <p:cNvPr id="6" name="TextBox 5">
-            <a:extLst>
-              <a:ext uri="{FF2B5EF4-FFF2-40B4-BE49-F238E27FC236}">
-                <a16:creationId xmlns:a16="http://schemas.microsoft.com/office/drawing/2014/main" id="{1B13A0D3-E43C-B694-6B93-07D7E2686A2E}"/>
-              </a:ext>
-            </a:extLst>
-          </p:cNvPr>
-          <p:cNvSpPr txBox="1"/>
-          <p:nvPr/>
-        </p:nvSpPr>
-        <p:spPr>
-          <a:xfrm>
-            <a:off x="6607277" y="2182761"/>
-            <a:ext cx="5218095" cy="2862322"/>
-          </a:xfrm>
-          <a:prstGeom prst="rect">
-            <a:avLst/>
-          </a:prstGeom>
-          <a:noFill/>
-        </p:spPr>
-        <p:txBody>
-          <a:bodyPr wrap="none" rtlCol="0">
-            <a:spAutoFit/>
-          </a:bodyPr>
-          <a:lstStyle/>
-          <a:p>
-            <a:r>
-              <a:rPr lang="en-US" dirty="0"/>
-              <a:t>From the &lt;&gt; Code tab the dev can obtain the git </a:t>
-            </a:r>
-            <a:r>
-              <a:rPr lang="en-US" dirty="0" err="1"/>
-              <a:t>url</a:t>
-            </a:r>
-            <a:endParaRPr lang="en-US" dirty="0"/>
-          </a:p>
-          <a:p>
-            <a:endParaRPr lang="en-US" dirty="0"/>
-          </a:p>
-          <a:p>
-            <a:r>
-              <a:rPr lang="en-US" dirty="0"/>
-              <a:t>Dev team is not currently using GitHub Desktop.</a:t>
-            </a:r>
-          </a:p>
-          <a:p>
-            <a:endParaRPr lang="en-US" dirty="0"/>
-          </a:p>
-          <a:p>
-            <a:r>
-              <a:rPr lang="en-US" dirty="0"/>
-              <a:t>Download zip is easiest to use on the one off obtaining</a:t>
-            </a:r>
-          </a:p>
-          <a:p>
-            <a:r>
-              <a:rPr lang="en-US" dirty="0"/>
-              <a:t>Files. The problem with getting the whole </a:t>
-            </a:r>
-            <a:r>
-              <a:rPr lang="en-US" dirty="0" err="1"/>
-              <a:t>codespace</a:t>
-            </a:r>
-            <a:endParaRPr lang="en-US" dirty="0"/>
-          </a:p>
-          <a:p>
-            <a:r>
-              <a:rPr lang="en-US" dirty="0"/>
-              <a:t>Causes a failure loading symbols in the IDE from a </a:t>
-            </a:r>
-          </a:p>
-          <a:p>
-            <a:r>
-              <a:rPr lang="en-US" dirty="0"/>
-              <a:t>Microsoft security issue. This can be fixed by going </a:t>
-            </a:r>
-          </a:p>
-          <a:p>
-            <a:r>
-              <a:rPr lang="en-US" dirty="0"/>
-              <a:t>In the file explorer to those files and changing the </a:t>
-            </a:r>
-          </a:p>
-          <a:p>
-            <a:r>
-              <a:rPr lang="en-US"/>
-              <a:t>Security settings.</a:t>
-            </a:r>
-          </a:p>
-        </p:txBody>
-      </p:sp>
-    </p:spTree>
-    <p:extLst>
-      <p:ext uri="{BB962C8B-B14F-4D97-AF65-F5344CB8AC3E}">
-        <p14:creationId xmlns:p14="http://schemas.microsoft.com/office/powerpoint/2010/main" val="1854116891"/>
-      </p:ext>
-    </p:extLst>
-  </p:cSld>
-  <p:clrMapOvr>
-    <a:masterClrMapping/>
-  </p:clrMapOvr>
-</p:sld>
-</file>
-
-<file path=ppt/slides/slide14.xml><?xml version="1.0" encoding="utf-8"?>
-<p:sld xmlns:a="http://schemas.openxmlformats.org/drawingml/2006/main" xmlns:r="http://schemas.openxmlformats.org/officeDocument/2006/relationships" xmlns:p="http://schemas.openxmlformats.org/presentationml/2006/main">
-  <p:cSld>
-    <p:spTree>
-      <p:nvGrpSpPr>
-        <p:cNvPr id="1" name=""/>
-        <p:cNvGrpSpPr/>
-        <p:nvPr/>
-      </p:nvGrpSpPr>
-      <p:grpSpPr>
-        <a:xfrm>
-          <a:off x="0" y="0"/>
-          <a:ext cx="0" cy="0"/>
-          <a:chOff x="0" y="0"/>
-          <a:chExt cx="0" cy="0"/>
-        </a:xfrm>
-      </p:grpSpPr>
-      <p:sp>
-        <p:nvSpPr>
-          <p:cNvPr id="2" name="Title 1">
-            <a:extLst>
-              <a:ext uri="{FF2B5EF4-FFF2-40B4-BE49-F238E27FC236}">
-                <a16:creationId xmlns:a16="http://schemas.microsoft.com/office/drawing/2014/main" id="{CC1EF2C1-08B2-2782-3CE6-1A82BD0F0D48}"/>
-              </a:ext>
-            </a:extLst>
-          </p:cNvPr>
-          <p:cNvSpPr>
-            <a:spLocks noGrp="1"/>
-          </p:cNvSpPr>
-          <p:nvPr>
-            <p:ph type="title"/>
-          </p:nvPr>
-        </p:nvSpPr>
-        <p:spPr/>
-        <p:txBody>
-          <a:bodyPr/>
-          <a:lstStyle/>
-          <a:p>
-            <a:r>
-              <a:rPr lang="en-US" dirty="0"/>
-              <a:t>Commits in </a:t>
-            </a:r>
-            <a:r>
-              <a:rPr lang="en-US" dirty="0" err="1"/>
-              <a:t>github</a:t>
-            </a:r>
-            <a:endParaRPr lang="en-US" dirty="0"/>
-          </a:p>
-        </p:txBody>
-      </p:sp>
-      <p:pic>
-        <p:nvPicPr>
-          <p:cNvPr id="4" name="Content Placeholder 3" descr="A screenshot of a computer program&#10;&#10;Description automatically generated">
-            <a:extLst>
-              <a:ext uri="{FF2B5EF4-FFF2-40B4-BE49-F238E27FC236}">
-                <a16:creationId xmlns:a16="http://schemas.microsoft.com/office/drawing/2014/main" id="{796A10DB-3629-0760-BDF1-81C131AC6EDA}"/>
-              </a:ext>
-            </a:extLst>
-          </p:cNvPr>
-          <p:cNvPicPr>
-            <a:picLocks noGrp="1" noChangeAspect="1"/>
-          </p:cNvPicPr>
-          <p:nvPr>
-            <p:ph idx="1"/>
-          </p:nvPr>
-        </p:nvPicPr>
-        <p:blipFill rotWithShape="1">
-          <a:blip r:embed="rId2">
-            <a:extLst>
-              <a:ext uri="{28A0092B-C50C-407E-A947-70E740481C1C}">
-                <a14:useLocalDpi xmlns:a14="http://schemas.microsoft.com/office/drawing/2010/main" val="0"/>
-              </a:ext>
-            </a:extLst>
-          </a:blip>
-          <a:srcRect l="2011" r="1609"/>
-          <a:stretch/>
-        </p:blipFill>
-        <p:spPr bwMode="auto">
-          <a:xfrm>
-            <a:off x="5525976" y="326232"/>
-            <a:ext cx="5521436" cy="5913250"/>
-          </a:xfrm>
-          <a:prstGeom prst="rect">
-            <a:avLst/>
-          </a:prstGeom>
-          <a:ln>
-            <a:noFill/>
-          </a:ln>
-          <a:extLst>
-            <a:ext uri="{53640926-AAD7-44D8-BBD7-CCE9431645EC}">
-              <a14:shadowObscured xmlns:a14="http://schemas.microsoft.com/office/drawing/2010/main"/>
-            </a:ext>
-          </a:extLst>
-        </p:spPr>
-      </p:pic>
-    </p:spTree>
-    <p:extLst>
-      <p:ext uri="{BB962C8B-B14F-4D97-AF65-F5344CB8AC3E}">
-        <p14:creationId xmlns:p14="http://schemas.microsoft.com/office/powerpoint/2010/main" val="2514870190"/>
-      </p:ext>
-    </p:extLst>
-  </p:cSld>
-  <p:clrMapOvr>
-    <a:masterClrMapping/>
-  </p:clrMapOvr>
-</p:sld>
-</file>
-
-<file path=ppt/slides/slide15.xml><?xml version="1.0" encoding="utf-8"?>
-<p:sld xmlns:a="http://schemas.openxmlformats.org/drawingml/2006/main" xmlns:r="http://schemas.openxmlformats.org/officeDocument/2006/relationships" xmlns:p="http://schemas.openxmlformats.org/presentationml/2006/main">
-  <p:cSld>
-    <p:spTree>
-      <p:nvGrpSpPr>
-        <p:cNvPr id="1" name=""/>
-        <p:cNvGrpSpPr/>
-        <p:nvPr/>
-      </p:nvGrpSpPr>
-      <p:grpSpPr>
-        <a:xfrm>
-          <a:off x="0" y="0"/>
-          <a:ext cx="0" cy="0"/>
-          <a:chOff x="0" y="0"/>
-          <a:chExt cx="0" cy="0"/>
-        </a:xfrm>
-      </p:grpSpPr>
-      <p:sp>
-        <p:nvSpPr>
-          <p:cNvPr id="2" name="Title 1">
-            <a:extLst>
-              <a:ext uri="{FF2B5EF4-FFF2-40B4-BE49-F238E27FC236}">
-                <a16:creationId xmlns:a16="http://schemas.microsoft.com/office/drawing/2014/main" id="{330C7730-28B8-A44C-72A6-D1C15A4BCDFA}"/>
-              </a:ext>
-            </a:extLst>
-          </p:cNvPr>
-          <p:cNvSpPr>
-            <a:spLocks noGrp="1"/>
-          </p:cNvSpPr>
-          <p:nvPr>
-            <p:ph type="title"/>
-          </p:nvPr>
-        </p:nvSpPr>
-        <p:spPr/>
-        <p:txBody>
-          <a:bodyPr/>
-          <a:lstStyle/>
-          <a:p>
-            <a:r>
-              <a:rPr lang="en-US" dirty="0"/>
-              <a:t>Pull-request (Development)</a:t>
-            </a:r>
-          </a:p>
-        </p:txBody>
-      </p:sp>
-      <p:sp>
-        <p:nvSpPr>
-          <p:cNvPr id="3" name="Content Placeholder 2">
-            <a:extLst>
-              <a:ext uri="{FF2B5EF4-FFF2-40B4-BE49-F238E27FC236}">
-                <a16:creationId xmlns:a16="http://schemas.microsoft.com/office/drawing/2014/main" id="{37696794-D229-53AE-EF60-3E7550EFA6C0}"/>
-              </a:ext>
-            </a:extLst>
-          </p:cNvPr>
-          <p:cNvSpPr>
-            <a:spLocks noGrp="1"/>
-          </p:cNvSpPr>
-          <p:nvPr>
-            <p:ph idx="1"/>
-          </p:nvPr>
-        </p:nvSpPr>
-        <p:spPr>
-          <a:xfrm>
-            <a:off x="1141412" y="2249486"/>
-            <a:ext cx="9905999" cy="4318461"/>
-          </a:xfrm>
-        </p:spPr>
-        <p:txBody>
-          <a:bodyPr>
-            <a:normAutofit fontScale="92500" lnSpcReduction="10000"/>
-          </a:bodyPr>
-          <a:lstStyle/>
-          <a:p>
-            <a:r>
-              <a:rPr lang="en-US" dirty="0"/>
-              <a:t>Shall be from personal fork to DEV_ branch</a:t>
-            </a:r>
-          </a:p>
-          <a:p>
-            <a:r>
-              <a:rPr lang="en-US" dirty="0"/>
-              <a:t>Shall never be into </a:t>
-            </a:r>
-            <a:r>
-              <a:rPr lang="en-US" dirty="0" err="1"/>
-              <a:t>BuildInit</a:t>
-            </a:r>
-            <a:r>
-              <a:rPr lang="en-US" dirty="0"/>
-              <a:t> (should be able to change in edit)</a:t>
-            </a:r>
-          </a:p>
-          <a:p>
-            <a:r>
-              <a:rPr lang="en-US" dirty="0"/>
-              <a:t>Shall be linked under development in the issue</a:t>
-            </a:r>
-          </a:p>
-          <a:p>
-            <a:r>
-              <a:rPr lang="en-US" dirty="0"/>
-              <a:t>Can be preformed in git bash, yet shall be within GITHUB</a:t>
-            </a:r>
-          </a:p>
-          <a:p>
-            <a:r>
-              <a:rPr lang="en-US" dirty="0"/>
-              <a:t>Shall be reviewed by another developer</a:t>
-            </a:r>
-          </a:p>
-          <a:p>
-            <a:r>
-              <a:rPr lang="en-US" dirty="0"/>
-              <a:t>Reviewer shall merge</a:t>
-            </a:r>
-          </a:p>
-          <a:p>
-            <a:r>
-              <a:rPr lang="en-US" dirty="0"/>
-              <a:t>If force merge, requires two verifications prior to merge</a:t>
-            </a:r>
-          </a:p>
-          <a:p>
-            <a:r>
-              <a:rPr lang="en-US" dirty="0"/>
-              <a:t>All requested alterations, commented on code, shall be preformed by author developer, not reviewer (even if simple)</a:t>
-            </a:r>
-          </a:p>
-        </p:txBody>
-      </p:sp>
-    </p:spTree>
-    <p:extLst>
-      <p:ext uri="{BB962C8B-B14F-4D97-AF65-F5344CB8AC3E}">
-        <p14:creationId xmlns:p14="http://schemas.microsoft.com/office/powerpoint/2010/main" val="1874483503"/>
-      </p:ext>
-    </p:extLst>
-  </p:cSld>
-  <p:clrMapOvr>
-    <a:masterClrMapping/>
-  </p:clrMapOvr>
-</p:sld>
-</file>
-
-<file path=ppt/slides/slide16.xml><?xml version="1.0" encoding="utf-8"?>
-<p:sld xmlns:a="http://schemas.openxmlformats.org/drawingml/2006/main" xmlns:r="http://schemas.openxmlformats.org/officeDocument/2006/relationships" xmlns:p="http://schemas.openxmlformats.org/presentationml/2006/main">
-  <p:cSld>
-    <p:spTree>
-      <p:nvGrpSpPr>
-        <p:cNvPr id="1" name=""/>
-        <p:cNvGrpSpPr/>
-        <p:nvPr/>
-      </p:nvGrpSpPr>
-      <p:grpSpPr>
-        <a:xfrm>
-          <a:off x="0" y="0"/>
-          <a:ext cx="0" cy="0"/>
-          <a:chOff x="0" y="0"/>
-          <a:chExt cx="0" cy="0"/>
-        </a:xfrm>
-      </p:grpSpPr>
-      <p:sp>
-        <p:nvSpPr>
-          <p:cNvPr id="2" name="Title 1">
-            <a:extLst>
-              <a:ext uri="{FF2B5EF4-FFF2-40B4-BE49-F238E27FC236}">
-                <a16:creationId xmlns:a16="http://schemas.microsoft.com/office/drawing/2014/main" id="{9BE933B0-0462-6DEB-E71D-568A761372DF}"/>
-              </a:ext>
-            </a:extLst>
-          </p:cNvPr>
-          <p:cNvSpPr>
-            <a:spLocks noGrp="1"/>
-          </p:cNvSpPr>
-          <p:nvPr>
-            <p:ph type="title"/>
-          </p:nvPr>
-        </p:nvSpPr>
-        <p:spPr/>
-        <p:txBody>
-          <a:bodyPr/>
-          <a:lstStyle/>
-          <a:p>
-            <a:r>
-              <a:rPr lang="en-US" dirty="0"/>
-              <a:t>Pull-Request in GITHUB</a:t>
-            </a:r>
-          </a:p>
-        </p:txBody>
-      </p:sp>
-      <p:pic>
-        <p:nvPicPr>
-          <p:cNvPr id="5" name="Content Placeholder 4">
-            <a:extLst>
-              <a:ext uri="{FF2B5EF4-FFF2-40B4-BE49-F238E27FC236}">
-                <a16:creationId xmlns:a16="http://schemas.microsoft.com/office/drawing/2014/main" id="{6EF8BFD5-0FF3-F2BC-D0A3-ABC420929CDD}"/>
-              </a:ext>
-            </a:extLst>
-          </p:cNvPr>
-          <p:cNvPicPr>
-            <a:picLocks noGrp="1" noChangeAspect="1"/>
-          </p:cNvPicPr>
-          <p:nvPr>
-            <p:ph idx="1"/>
-          </p:nvPr>
-        </p:nvPicPr>
-        <p:blipFill>
-          <a:blip r:embed="rId2"/>
-          <a:stretch>
-            <a:fillRect/>
-          </a:stretch>
-        </p:blipFill>
-        <p:spPr>
-          <a:xfrm>
-            <a:off x="1554368" y="4783290"/>
-            <a:ext cx="6744284" cy="853514"/>
-          </a:xfrm>
-        </p:spPr>
-      </p:pic>
-      <p:pic>
-        <p:nvPicPr>
-          <p:cNvPr id="6" name="Picture 5" descr="A screenshot of a computer&#10;&#10;Description automatically generated">
-            <a:extLst>
-              <a:ext uri="{FF2B5EF4-FFF2-40B4-BE49-F238E27FC236}">
-                <a16:creationId xmlns:a16="http://schemas.microsoft.com/office/drawing/2014/main" id="{D8042A7C-FE07-2AC9-FA86-E0195CA2E7AC}"/>
-              </a:ext>
-            </a:extLst>
-          </p:cNvPr>
-          <p:cNvPicPr>
-            <a:picLocks noChangeAspect="1"/>
-          </p:cNvPicPr>
-          <p:nvPr/>
-        </p:nvPicPr>
-        <p:blipFill>
-          <a:blip r:embed="rId3">
-            <a:extLst>
-              <a:ext uri="{28A0092B-C50C-407E-A947-70E740481C1C}">
-                <a14:useLocalDpi xmlns:a14="http://schemas.microsoft.com/office/drawing/2010/main" val="0"/>
-              </a:ext>
-            </a:extLst>
-          </a:blip>
-          <a:stretch>
-            <a:fillRect/>
-          </a:stretch>
-        </p:blipFill>
-        <p:spPr>
-          <a:xfrm>
-            <a:off x="8188059" y="454496"/>
-            <a:ext cx="3642360" cy="2606040"/>
-          </a:xfrm>
-          <a:prstGeom prst="rect">
-            <a:avLst/>
-          </a:prstGeom>
-        </p:spPr>
-      </p:pic>
-      <p:pic>
-        <p:nvPicPr>
-          <p:cNvPr id="7" name="Picture 6">
-            <a:extLst>
-              <a:ext uri="{FF2B5EF4-FFF2-40B4-BE49-F238E27FC236}">
-                <a16:creationId xmlns:a16="http://schemas.microsoft.com/office/drawing/2014/main" id="{4EE8D71C-B23B-FE5B-A155-98236E405FB4}"/>
-              </a:ext>
-            </a:extLst>
-          </p:cNvPr>
-          <p:cNvPicPr>
-            <a:picLocks noChangeAspect="1"/>
-          </p:cNvPicPr>
-          <p:nvPr/>
-        </p:nvPicPr>
-        <p:blipFill>
-          <a:blip r:embed="rId4"/>
-          <a:stretch>
-            <a:fillRect/>
-          </a:stretch>
-        </p:blipFill>
-        <p:spPr>
-          <a:xfrm>
-            <a:off x="594266" y="3183322"/>
-            <a:ext cx="10406174" cy="758228"/>
-          </a:xfrm>
-          <a:prstGeom prst="rect">
-            <a:avLst/>
-          </a:prstGeom>
-        </p:spPr>
-      </p:pic>
-      <p:sp>
-        <p:nvSpPr>
-          <p:cNvPr id="9" name="TextBox 8">
-            <a:extLst>
-              <a:ext uri="{FF2B5EF4-FFF2-40B4-BE49-F238E27FC236}">
-                <a16:creationId xmlns:a16="http://schemas.microsoft.com/office/drawing/2014/main" id="{A8DE5F84-CFBD-E389-D3DB-20DD766E0BFC}"/>
-              </a:ext>
-            </a:extLst>
-          </p:cNvPr>
-          <p:cNvSpPr txBox="1"/>
-          <p:nvPr/>
-        </p:nvSpPr>
-        <p:spPr>
-          <a:xfrm>
-            <a:off x="1268361" y="2005781"/>
-            <a:ext cx="5745484" cy="923330"/>
-          </a:xfrm>
-          <a:prstGeom prst="rect">
-            <a:avLst/>
-          </a:prstGeom>
-          <a:noFill/>
-        </p:spPr>
-        <p:txBody>
-          <a:bodyPr wrap="none" rtlCol="0">
-            <a:spAutoFit/>
-          </a:bodyPr>
-          <a:lstStyle/>
-          <a:p>
-            <a:r>
-              <a:rPr lang="en-US" dirty="0"/>
-              <a:t>Select Contribute: Open the Pull Request</a:t>
-            </a:r>
-          </a:p>
-          <a:p>
-            <a:r>
-              <a:rPr lang="en-US" dirty="0"/>
-              <a:t>The display should show if the code can merge.</a:t>
-            </a:r>
-          </a:p>
-          <a:p>
-            <a:r>
-              <a:rPr lang="en-US" dirty="0"/>
-              <a:t>Input information about what is completed in the pull-request</a:t>
-            </a:r>
-          </a:p>
-        </p:txBody>
-      </p:sp>
-      <p:sp>
-        <p:nvSpPr>
-          <p:cNvPr id="10" name="TextBox 9">
-            <a:extLst>
-              <a:ext uri="{FF2B5EF4-FFF2-40B4-BE49-F238E27FC236}">
-                <a16:creationId xmlns:a16="http://schemas.microsoft.com/office/drawing/2014/main" id="{4CBF0E81-7C04-B015-795F-52D347D4D8C0}"/>
-              </a:ext>
-            </a:extLst>
-          </p:cNvPr>
-          <p:cNvSpPr txBox="1"/>
-          <p:nvPr/>
-        </p:nvSpPr>
-        <p:spPr>
-          <a:xfrm>
-            <a:off x="1651819" y="4064336"/>
-            <a:ext cx="9009326" cy="369332"/>
-          </a:xfrm>
-          <a:prstGeom prst="rect">
-            <a:avLst/>
-          </a:prstGeom>
-          <a:noFill/>
-        </p:spPr>
-        <p:txBody>
-          <a:bodyPr wrap="none" rtlCol="0">
-            <a:spAutoFit/>
-          </a:bodyPr>
-          <a:lstStyle/>
-          <a:p>
-            <a:r>
-              <a:rPr lang="en-US" dirty="0"/>
-              <a:t>If the pull-request requires alteration to a different branch, select edit and select the drop-down</a:t>
-            </a:r>
-          </a:p>
-        </p:txBody>
-      </p:sp>
-    </p:spTree>
-    <p:extLst>
-      <p:ext uri="{BB962C8B-B14F-4D97-AF65-F5344CB8AC3E}">
-        <p14:creationId xmlns:p14="http://schemas.microsoft.com/office/powerpoint/2010/main" val="4124621219"/>
-      </p:ext>
-    </p:extLst>
-  </p:cSld>
-  <p:clrMapOvr>
-    <a:masterClrMapping/>
-  </p:clrMapOvr>
-</p:sld>
-</file>
-
-<file path=ppt/slides/slide17.xml><?xml version="1.0" encoding="utf-8"?>
-<p:sld xmlns:a="http://schemas.openxmlformats.org/drawingml/2006/main" xmlns:r="http://schemas.openxmlformats.org/officeDocument/2006/relationships" xmlns:p="http://schemas.openxmlformats.org/presentationml/2006/main">
-  <p:cSld>
-    <p:spTree>
-      <p:nvGrpSpPr>
-        <p:cNvPr id="1" name=""/>
-        <p:cNvGrpSpPr/>
-        <p:nvPr/>
-      </p:nvGrpSpPr>
-      <p:grpSpPr>
-        <a:xfrm>
-          <a:off x="0" y="0"/>
-          <a:ext cx="0" cy="0"/>
-          <a:chOff x="0" y="0"/>
-          <a:chExt cx="0" cy="0"/>
-        </a:xfrm>
-      </p:grpSpPr>
-      <p:sp>
-        <p:nvSpPr>
-          <p:cNvPr id="2" name="Title 1">
-            <a:extLst>
-              <a:ext uri="{FF2B5EF4-FFF2-40B4-BE49-F238E27FC236}">
-                <a16:creationId xmlns:a16="http://schemas.microsoft.com/office/drawing/2014/main" id="{EE268DD1-64BA-BAFB-5718-36A63AF8232E}"/>
-              </a:ext>
-            </a:extLst>
-          </p:cNvPr>
-          <p:cNvSpPr>
-            <a:spLocks noGrp="1"/>
-          </p:cNvSpPr>
-          <p:nvPr>
-            <p:ph type="title"/>
-          </p:nvPr>
-        </p:nvSpPr>
-        <p:spPr/>
-        <p:txBody>
-          <a:bodyPr/>
-          <a:lstStyle/>
-          <a:p>
-            <a:r>
-              <a:rPr lang="en-US" dirty="0"/>
-              <a:t>File change in pull-request</a:t>
-            </a:r>
-          </a:p>
-        </p:txBody>
-      </p:sp>
-      <p:pic>
-        <p:nvPicPr>
-          <p:cNvPr id="4" name="Content Placeholder 3" descr="A screenshot of a computer&#10;&#10;Description automatically generated">
-            <a:extLst>
-              <a:ext uri="{FF2B5EF4-FFF2-40B4-BE49-F238E27FC236}">
-                <a16:creationId xmlns:a16="http://schemas.microsoft.com/office/drawing/2014/main" id="{BDC1E027-215E-EC68-0156-23562E81B396}"/>
-              </a:ext>
-            </a:extLst>
-          </p:cNvPr>
-          <p:cNvPicPr>
-            <a:picLocks noGrp="1" noChangeAspect="1"/>
-          </p:cNvPicPr>
-          <p:nvPr>
-            <p:ph idx="1"/>
-          </p:nvPr>
-        </p:nvPicPr>
-        <p:blipFill>
-          <a:blip r:embed="rId2"/>
-          <a:stretch>
-            <a:fillRect/>
-          </a:stretch>
-        </p:blipFill>
-        <p:spPr>
-          <a:xfrm>
-            <a:off x="1141411" y="1800242"/>
-            <a:ext cx="9906000" cy="2867042"/>
-          </a:xfrm>
-          <a:prstGeom prst="rect">
-            <a:avLst/>
-          </a:prstGeom>
-        </p:spPr>
-      </p:pic>
-      <p:sp>
-        <p:nvSpPr>
-          <p:cNvPr id="5" name="TextBox 4">
-            <a:extLst>
-              <a:ext uri="{FF2B5EF4-FFF2-40B4-BE49-F238E27FC236}">
-                <a16:creationId xmlns:a16="http://schemas.microsoft.com/office/drawing/2014/main" id="{06F65E1C-1B19-EC6D-ADFD-54ED3C4A3AC4}"/>
-              </a:ext>
-            </a:extLst>
-          </p:cNvPr>
-          <p:cNvSpPr txBox="1"/>
-          <p:nvPr/>
-        </p:nvSpPr>
-        <p:spPr>
-          <a:xfrm>
-            <a:off x="1278193" y="5053781"/>
-            <a:ext cx="10782311" cy="1200329"/>
-          </a:xfrm>
-          <a:prstGeom prst="rect">
-            <a:avLst/>
-          </a:prstGeom>
-          <a:noFill/>
-        </p:spPr>
-        <p:txBody>
-          <a:bodyPr wrap="none" rtlCol="0">
-            <a:spAutoFit/>
-          </a:bodyPr>
-          <a:lstStyle/>
-          <a:p>
-            <a:r>
-              <a:rPr lang="en-US" dirty="0"/>
-              <a:t>Each change made in the codebase is shown under the files changed tab.</a:t>
-            </a:r>
-          </a:p>
-          <a:p>
-            <a:r>
-              <a:rPr lang="en-US" dirty="0"/>
-              <a:t>Reviewers can add comments in the code locations</a:t>
-            </a:r>
-          </a:p>
-          <a:p>
-            <a:r>
-              <a:rPr lang="en-US" dirty="0"/>
-              <a:t>Developer can alter the codebase while the pull-request is still active and the changes will update the files changed</a:t>
-            </a:r>
-          </a:p>
-          <a:p>
-            <a:endParaRPr lang="en-US" dirty="0"/>
-          </a:p>
-        </p:txBody>
-      </p:sp>
-    </p:spTree>
-    <p:extLst>
-      <p:ext uri="{BB962C8B-B14F-4D97-AF65-F5344CB8AC3E}">
-        <p14:creationId xmlns:p14="http://schemas.microsoft.com/office/powerpoint/2010/main" val="3353178044"/>
-      </p:ext>
-    </p:extLst>
-  </p:cSld>
-  <p:clrMapOvr>
-    <a:masterClrMapping/>
-  </p:clrMapOvr>
-</p:sld>
-</file>
-
-<file path=ppt/slides/slide2.xml><?xml version="1.0" encoding="utf-8"?>
-<p:sld xmlns:a="http://schemas.openxmlformats.org/drawingml/2006/main" xmlns:r="http://schemas.openxmlformats.org/officeDocument/2006/relationships" xmlns:p="http://schemas.openxmlformats.org/presentationml/2006/main">
-  <p:cSld>
-    <p:spTree>
-      <p:nvGrpSpPr>
-        <p:cNvPr id="1" name=""/>
-        <p:cNvGrpSpPr/>
-        <p:nvPr/>
-      </p:nvGrpSpPr>
-      <p:grpSpPr>
-        <a:xfrm>
-          <a:off x="0" y="0"/>
-          <a:ext cx="0" cy="0"/>
-          <a:chOff x="0" y="0"/>
-          <a:chExt cx="0" cy="0"/>
-        </a:xfrm>
-      </p:grpSpPr>
-      <p:sp>
-        <p:nvSpPr>
-          <p:cNvPr id="2" name="Title 1">
-            <a:extLst>
-              <a:ext uri="{FF2B5EF4-FFF2-40B4-BE49-F238E27FC236}">
-                <a16:creationId xmlns:a16="http://schemas.microsoft.com/office/drawing/2014/main" id="{B68E33C1-B991-97CB-A66A-3AE78583F4C2}"/>
-              </a:ext>
-            </a:extLst>
-          </p:cNvPr>
-          <p:cNvSpPr>
-            <a:spLocks noGrp="1"/>
-          </p:cNvSpPr>
-          <p:nvPr>
-            <p:ph type="title"/>
-          </p:nvPr>
-        </p:nvSpPr>
-        <p:spPr>
-          <a:xfrm>
-            <a:off x="981332" y="77694"/>
-            <a:ext cx="9905998" cy="1478570"/>
-          </a:xfrm>
-        </p:spPr>
-        <p:txBody>
-          <a:bodyPr/>
-          <a:lstStyle/>
-          <a:p>
-            <a:r>
-              <a:rPr lang="en-US" dirty="0" err="1"/>
-              <a:t>Github</a:t>
-            </a:r>
-            <a:r>
-              <a:rPr lang="en-US" dirty="0"/>
-              <a:t> navigation</a:t>
-            </a:r>
-          </a:p>
-        </p:txBody>
-      </p:sp>
-      <p:pic>
-        <p:nvPicPr>
-          <p:cNvPr id="4" name="Content Placeholder 3">
-            <a:extLst>
-              <a:ext uri="{FF2B5EF4-FFF2-40B4-BE49-F238E27FC236}">
-                <a16:creationId xmlns:a16="http://schemas.microsoft.com/office/drawing/2014/main" id="{9191007C-E76D-6777-BE9E-06616EAB48D0}"/>
-              </a:ext>
-            </a:extLst>
-          </p:cNvPr>
-          <p:cNvPicPr>
-            <a:picLocks noGrp="1" noChangeAspect="1"/>
-          </p:cNvPicPr>
-          <p:nvPr>
-            <p:ph idx="1"/>
-          </p:nvPr>
-        </p:nvPicPr>
-        <p:blipFill>
-          <a:blip r:embed="rId2"/>
-          <a:stretch>
-            <a:fillRect/>
-          </a:stretch>
-        </p:blipFill>
-        <p:spPr>
-          <a:xfrm>
-            <a:off x="197194" y="1113237"/>
-            <a:ext cx="11277630" cy="662154"/>
-          </a:xfrm>
-          <a:prstGeom prst="rect">
-            <a:avLst/>
-          </a:prstGeom>
-        </p:spPr>
-      </p:pic>
-      <p:pic>
-        <p:nvPicPr>
-          <p:cNvPr id="5" name="Picture 4">
-            <a:extLst>
-              <a:ext uri="{FF2B5EF4-FFF2-40B4-BE49-F238E27FC236}">
-                <a16:creationId xmlns:a16="http://schemas.microsoft.com/office/drawing/2014/main" id="{DC6A8B83-75B3-8885-9ADE-2606EFCF63D5}"/>
-              </a:ext>
-            </a:extLst>
-          </p:cNvPr>
-          <p:cNvPicPr>
-            <a:picLocks noChangeAspect="1"/>
-          </p:cNvPicPr>
-          <p:nvPr/>
-        </p:nvPicPr>
-        <p:blipFill>
-          <a:blip r:embed="rId3"/>
-          <a:stretch>
-            <a:fillRect/>
-          </a:stretch>
-        </p:blipFill>
-        <p:spPr>
-          <a:xfrm>
-            <a:off x="295516" y="3213764"/>
-            <a:ext cx="11277630" cy="718105"/>
-          </a:xfrm>
-          <a:prstGeom prst="rect">
-            <a:avLst/>
-          </a:prstGeom>
-        </p:spPr>
-      </p:pic>
-      <p:sp>
-        <p:nvSpPr>
-          <p:cNvPr id="6" name="TextBox 5">
-            <a:extLst>
-              <a:ext uri="{FF2B5EF4-FFF2-40B4-BE49-F238E27FC236}">
-                <a16:creationId xmlns:a16="http://schemas.microsoft.com/office/drawing/2014/main" id="{4AC07A09-2245-E7B0-8B3C-DDC9265CB9E6}"/>
-              </a:ext>
-            </a:extLst>
-          </p:cNvPr>
-          <p:cNvSpPr txBox="1"/>
-          <p:nvPr/>
-        </p:nvSpPr>
-        <p:spPr>
-          <a:xfrm>
-            <a:off x="295516" y="1914430"/>
-            <a:ext cx="11277630" cy="1200329"/>
-          </a:xfrm>
-          <a:prstGeom prst="rect">
-            <a:avLst/>
-          </a:prstGeom>
-          <a:noFill/>
-        </p:spPr>
-        <p:txBody>
-          <a:bodyPr wrap="square" rtlCol="0">
-            <a:spAutoFit/>
-          </a:bodyPr>
-          <a:lstStyle/>
-          <a:p>
-            <a:r>
-              <a:rPr lang="en-US" dirty="0"/>
-              <a:t>Briefly before we navigated through GITHUB. This serves as a refresher.</a:t>
-            </a:r>
-          </a:p>
-          <a:p>
-            <a:r>
-              <a:rPr lang="en-US" dirty="0"/>
-              <a:t>Repository: broken out into manageable sized container of code</a:t>
-            </a:r>
-          </a:p>
-          <a:p>
-            <a:r>
-              <a:rPr lang="en-US" dirty="0"/>
-              <a:t>Project: tracks current and future development </a:t>
-            </a:r>
-          </a:p>
-          <a:p>
-            <a:r>
-              <a:rPr lang="en-US" dirty="0"/>
-              <a:t>Teams: contains their own projects and links to repos </a:t>
-            </a:r>
-          </a:p>
-        </p:txBody>
-      </p:sp>
-      <p:sp>
-        <p:nvSpPr>
-          <p:cNvPr id="3" name="TextBox 2">
-            <a:extLst>
-              <a:ext uri="{FF2B5EF4-FFF2-40B4-BE49-F238E27FC236}">
-                <a16:creationId xmlns:a16="http://schemas.microsoft.com/office/drawing/2014/main" id="{3ABC46A0-BC85-2996-31F6-8F59B3F0499D}"/>
-              </a:ext>
-            </a:extLst>
-          </p:cNvPr>
-          <p:cNvSpPr txBox="1"/>
-          <p:nvPr/>
-        </p:nvSpPr>
-        <p:spPr>
-          <a:xfrm>
-            <a:off x="1310551" y="4030874"/>
-            <a:ext cx="9778501" cy="2585323"/>
-          </a:xfrm>
-          <a:prstGeom prst="rect">
-            <a:avLst/>
-          </a:prstGeom>
-          <a:noFill/>
-        </p:spPr>
-        <p:txBody>
-          <a:bodyPr wrap="square" rtlCol="0">
-            <a:spAutoFit/>
-          </a:bodyPr>
-          <a:lstStyle/>
-          <a:p>
-            <a:r>
-              <a:rPr lang="en-US" dirty="0"/>
-              <a:t>Inside Repos the menu changes to the one above</a:t>
-            </a:r>
-          </a:p>
-          <a:p>
-            <a:r>
-              <a:rPr lang="en-US" dirty="0"/>
-              <a:t>Code is the collection of code in each branch of the repo</a:t>
-            </a:r>
-          </a:p>
-          <a:p>
-            <a:r>
-              <a:rPr lang="en-US" dirty="0"/>
-              <a:t>Issue are associated tasks for the development team to work on (should only be in DEV_ repo)</a:t>
-            </a:r>
-          </a:p>
-          <a:p>
-            <a:r>
-              <a:rPr lang="en-US" dirty="0"/>
-              <a:t>Pull request are changes to the </a:t>
-            </a:r>
-            <a:r>
-              <a:rPr lang="en-US" dirty="0" err="1"/>
-              <a:t>codespace</a:t>
-            </a:r>
-            <a:r>
-              <a:rPr lang="en-US" dirty="0"/>
-              <a:t> from a fork of a development branch</a:t>
-            </a:r>
-          </a:p>
-          <a:p>
-            <a:r>
-              <a:rPr lang="en-US" dirty="0"/>
-              <a:t>Actions: are workflows set on users to preform a task. Not currently being used</a:t>
-            </a:r>
-          </a:p>
-          <a:p>
-            <a:r>
-              <a:rPr lang="en-US" dirty="0"/>
-              <a:t>Projects: can be repo specific, yet as an organization we are using org projects for better tracking</a:t>
-            </a:r>
-          </a:p>
-          <a:p>
-            <a:r>
-              <a:rPr lang="en-US" dirty="0"/>
-              <a:t>Wiki: Is documentation and roadmap for the software in the space. Not currently being used</a:t>
-            </a:r>
-          </a:p>
-          <a:p>
-            <a:r>
-              <a:rPr lang="en-US" dirty="0"/>
-              <a:t>Insights: Are statistics  linked to the repo which shows all the changes made</a:t>
-            </a:r>
-          </a:p>
-          <a:p>
-            <a:r>
-              <a:rPr lang="en-US" dirty="0"/>
-              <a:t>Settings: Shall only be used by admin. This sets rules for the repo.</a:t>
-            </a:r>
-          </a:p>
-        </p:txBody>
-      </p:sp>
-    </p:spTree>
-    <p:extLst>
-      <p:ext uri="{BB962C8B-B14F-4D97-AF65-F5344CB8AC3E}">
-        <p14:creationId xmlns:p14="http://schemas.microsoft.com/office/powerpoint/2010/main" val="230952666"/>
-      </p:ext>
-    </p:extLst>
-  </p:cSld>
-  <p:clrMapOvr>
-    <a:masterClrMapping/>
-  </p:clrMapOvr>
-</p:sld>
-</file>
-
-<file path=ppt/slides/slide3.xml><?xml version="1.0" encoding="utf-8"?>
-<p:sld xmlns:a="http://schemas.openxmlformats.org/drawingml/2006/main" xmlns:r="http://schemas.openxmlformats.org/officeDocument/2006/relationships" xmlns:p="http://schemas.openxmlformats.org/presentationml/2006/main">
-  <p:cSld>
-    <p:spTree>
-      <p:nvGrpSpPr>
-        <p:cNvPr id="1" name=""/>
-        <p:cNvGrpSpPr/>
-        <p:nvPr/>
-      </p:nvGrpSpPr>
-      <p:grpSpPr>
-        <a:xfrm>
-          <a:off x="0" y="0"/>
-          <a:ext cx="0" cy="0"/>
-          <a:chOff x="0" y="0"/>
-          <a:chExt cx="0" cy="0"/>
-        </a:xfrm>
-      </p:grpSpPr>
-      <p:sp>
-        <p:nvSpPr>
-          <p:cNvPr id="2" name="Title 1">
-            <a:extLst>
-              <a:ext uri="{FF2B5EF4-FFF2-40B4-BE49-F238E27FC236}">
-                <a16:creationId xmlns:a16="http://schemas.microsoft.com/office/drawing/2014/main" id="{4263945F-3198-5C74-D6ED-F5EEB7A3D8E7}"/>
-              </a:ext>
-            </a:extLst>
-          </p:cNvPr>
-          <p:cNvSpPr>
-            <a:spLocks noGrp="1"/>
-          </p:cNvSpPr>
-          <p:nvPr>
-            <p:ph type="title"/>
-          </p:nvPr>
-        </p:nvSpPr>
-        <p:spPr/>
-        <p:txBody>
-          <a:bodyPr/>
-          <a:lstStyle/>
-          <a:p>
-            <a:r>
-              <a:rPr lang="en-US" dirty="0"/>
-              <a:t>Projects</a:t>
-            </a:r>
-          </a:p>
-        </p:txBody>
-      </p:sp>
-      <p:pic>
-        <p:nvPicPr>
-          <p:cNvPr id="5" name="Content Placeholder 4">
-            <a:extLst>
-              <a:ext uri="{FF2B5EF4-FFF2-40B4-BE49-F238E27FC236}">
-                <a16:creationId xmlns:a16="http://schemas.microsoft.com/office/drawing/2014/main" id="{88CE9286-4AF0-1D39-2B9C-EF76A29453A8}"/>
-              </a:ext>
-            </a:extLst>
-          </p:cNvPr>
-          <p:cNvPicPr>
-            <a:picLocks noGrp="1" noChangeAspect="1"/>
-          </p:cNvPicPr>
-          <p:nvPr>
-            <p:ph idx="1"/>
-          </p:nvPr>
-        </p:nvPicPr>
-        <p:blipFill>
-          <a:blip r:embed="rId2"/>
-          <a:stretch>
-            <a:fillRect/>
-          </a:stretch>
-        </p:blipFill>
-        <p:spPr>
-          <a:xfrm>
-            <a:off x="1141413" y="2231723"/>
-            <a:ext cx="3831640" cy="3945555"/>
-          </a:xfrm>
-        </p:spPr>
-      </p:pic>
-      <p:pic>
-        <p:nvPicPr>
-          <p:cNvPr id="7" name="Picture 6">
-            <a:extLst>
-              <a:ext uri="{FF2B5EF4-FFF2-40B4-BE49-F238E27FC236}">
-                <a16:creationId xmlns:a16="http://schemas.microsoft.com/office/drawing/2014/main" id="{56764281-CEB5-3326-4B8D-CB597015DFBA}"/>
-              </a:ext>
-            </a:extLst>
-          </p:cNvPr>
-          <p:cNvPicPr>
-            <a:picLocks noChangeAspect="1"/>
-          </p:cNvPicPr>
-          <p:nvPr/>
-        </p:nvPicPr>
-        <p:blipFill>
-          <a:blip r:embed="rId3"/>
-          <a:stretch>
-            <a:fillRect/>
-          </a:stretch>
-        </p:blipFill>
-        <p:spPr>
-          <a:xfrm>
-            <a:off x="4973052" y="2231723"/>
-            <a:ext cx="4084343" cy="3945555"/>
-          </a:xfrm>
-          <a:prstGeom prst="rect">
-            <a:avLst/>
-          </a:prstGeom>
-        </p:spPr>
-      </p:pic>
-      <p:sp>
-        <p:nvSpPr>
-          <p:cNvPr id="3" name="TextBox 2">
-            <a:extLst>
-              <a:ext uri="{FF2B5EF4-FFF2-40B4-BE49-F238E27FC236}">
-                <a16:creationId xmlns:a16="http://schemas.microsoft.com/office/drawing/2014/main" id="{59AF13F9-C246-FA34-DD3F-CE01B31B10BA}"/>
-              </a:ext>
-            </a:extLst>
-          </p:cNvPr>
-          <p:cNvSpPr txBox="1"/>
-          <p:nvPr/>
-        </p:nvSpPr>
-        <p:spPr>
-          <a:xfrm>
-            <a:off x="1258529" y="1769806"/>
-            <a:ext cx="7931787" cy="369332"/>
-          </a:xfrm>
-          <a:prstGeom prst="rect">
-            <a:avLst/>
-          </a:prstGeom>
-          <a:noFill/>
-        </p:spPr>
-        <p:txBody>
-          <a:bodyPr wrap="none" rtlCol="0">
-            <a:spAutoFit/>
-          </a:bodyPr>
-          <a:lstStyle/>
-          <a:p>
-            <a:r>
-              <a:rPr lang="en-US" dirty="0"/>
-              <a:t>Tracks development efforts. All Issues and Pull Requests shall be assigned to a Project</a:t>
-            </a:r>
-          </a:p>
-        </p:txBody>
-      </p:sp>
-    </p:spTree>
-    <p:extLst>
-      <p:ext uri="{BB962C8B-B14F-4D97-AF65-F5344CB8AC3E}">
-        <p14:creationId xmlns:p14="http://schemas.microsoft.com/office/powerpoint/2010/main" val="396251604"/>
-      </p:ext>
-    </p:extLst>
-  </p:cSld>
-  <p:clrMapOvr>
-    <a:masterClrMapping/>
-  </p:clrMapOvr>
-</p:sld>
-</file>
-
-<file path=ppt/slides/slide4.xml><?xml version="1.0" encoding="utf-8"?>
-<p:sld xmlns:a="http://schemas.openxmlformats.org/drawingml/2006/main" xmlns:r="http://schemas.openxmlformats.org/officeDocument/2006/relationships" xmlns:p="http://schemas.openxmlformats.org/presentationml/2006/main">
-  <p:cSld>
-    <p:spTree>
-      <p:nvGrpSpPr>
-        <p:cNvPr id="1" name=""/>
-        <p:cNvGrpSpPr/>
-        <p:nvPr/>
-      </p:nvGrpSpPr>
-      <p:grpSpPr>
-        <a:xfrm>
-          <a:off x="0" y="0"/>
-          <a:ext cx="0" cy="0"/>
-          <a:chOff x="0" y="0"/>
-          <a:chExt cx="0" cy="0"/>
-        </a:xfrm>
-      </p:grpSpPr>
-      <p:sp>
-        <p:nvSpPr>
-          <p:cNvPr id="2" name="Title 1">
-            <a:extLst>
-              <a:ext uri="{FF2B5EF4-FFF2-40B4-BE49-F238E27FC236}">
-                <a16:creationId xmlns:a16="http://schemas.microsoft.com/office/drawing/2014/main" id="{11B1F766-2509-E54E-274A-981E50E2BADF}"/>
-              </a:ext>
-            </a:extLst>
-          </p:cNvPr>
-          <p:cNvSpPr>
-            <a:spLocks noGrp="1"/>
-          </p:cNvSpPr>
-          <p:nvPr>
-            <p:ph type="title"/>
-          </p:nvPr>
-        </p:nvSpPr>
-        <p:spPr/>
-        <p:txBody>
-          <a:bodyPr/>
-          <a:lstStyle/>
-          <a:p>
-            <a:r>
-              <a:rPr lang="en-US" dirty="0"/>
-              <a:t>Repository</a:t>
-            </a:r>
-          </a:p>
-        </p:txBody>
-      </p:sp>
-      <p:sp>
-        <p:nvSpPr>
-          <p:cNvPr id="3" name="Content Placeholder 2">
-            <a:extLst>
-              <a:ext uri="{FF2B5EF4-FFF2-40B4-BE49-F238E27FC236}">
-                <a16:creationId xmlns:a16="http://schemas.microsoft.com/office/drawing/2014/main" id="{5D2AA86D-35B9-3C64-6AA8-2F0836C7DCE7}"/>
-              </a:ext>
-            </a:extLst>
-          </p:cNvPr>
-          <p:cNvSpPr>
-            <a:spLocks noGrp="1"/>
-          </p:cNvSpPr>
-          <p:nvPr>
-            <p:ph idx="1"/>
-          </p:nvPr>
-        </p:nvSpPr>
-        <p:spPr/>
-        <p:txBody>
-          <a:bodyPr/>
-          <a:lstStyle/>
-          <a:p>
-            <a:r>
-              <a:rPr lang="en-US" dirty="0"/>
-              <a:t>Only the  DEV_ repo’s shall have Issues associated. </a:t>
-            </a:r>
-          </a:p>
-          <a:p>
-            <a:r>
-              <a:rPr lang="en-US" dirty="0"/>
-              <a:t>No development shall be done directly on the </a:t>
-            </a:r>
-            <a:r>
-              <a:rPr lang="en-US" dirty="0" err="1"/>
-              <a:t>BreaultSWD</a:t>
-            </a:r>
-            <a:r>
-              <a:rPr lang="en-US" dirty="0"/>
-              <a:t> repo’s</a:t>
-            </a:r>
-          </a:p>
-          <a:p>
-            <a:r>
-              <a:rPr lang="en-US" dirty="0"/>
-              <a:t>All development shall be on forks</a:t>
-            </a:r>
-          </a:p>
-          <a:p>
-            <a:r>
-              <a:rPr lang="en-US" dirty="0"/>
-              <a:t>All test cases shall be in associated </a:t>
-            </a:r>
-            <a:r>
-              <a:rPr lang="en-US" dirty="0" err="1"/>
-              <a:t>Test_Repo</a:t>
-            </a:r>
-            <a:endParaRPr lang="en-US" dirty="0"/>
-          </a:p>
-          <a:p>
-            <a:pPr marL="0" indent="0">
-              <a:buNone/>
-            </a:pPr>
-            <a:endParaRPr lang="en-US" dirty="0"/>
-          </a:p>
-        </p:txBody>
-      </p:sp>
-    </p:spTree>
-    <p:extLst>
-      <p:ext uri="{BB962C8B-B14F-4D97-AF65-F5344CB8AC3E}">
-        <p14:creationId xmlns:p14="http://schemas.microsoft.com/office/powerpoint/2010/main" val="1863103280"/>
-      </p:ext>
-    </p:extLst>
-  </p:cSld>
-  <p:clrMapOvr>
-    <a:masterClrMapping/>
-  </p:clrMapOvr>
-</p:sld>
-</file>
-
-<file path=ppt/slides/slide5.xml><?xml version="1.0" encoding="utf-8"?>
-<p:sld xmlns:a="http://schemas.openxmlformats.org/drawingml/2006/main" xmlns:r="http://schemas.openxmlformats.org/officeDocument/2006/relationships" xmlns:p="http://schemas.openxmlformats.org/presentationml/2006/main">
-  <p:cSld>
-    <p:spTree>
-      <p:nvGrpSpPr>
-        <p:cNvPr id="1" name=""/>
-        <p:cNvGrpSpPr/>
-        <p:nvPr/>
-      </p:nvGrpSpPr>
-      <p:grpSpPr>
-        <a:xfrm>
-          <a:off x="0" y="0"/>
-          <a:ext cx="0" cy="0"/>
-          <a:chOff x="0" y="0"/>
-          <a:chExt cx="0" cy="0"/>
-        </a:xfrm>
-      </p:grpSpPr>
-      <p:sp>
-        <p:nvSpPr>
-          <p:cNvPr id="2" name="Title 1">
-            <a:extLst>
-              <a:ext uri="{FF2B5EF4-FFF2-40B4-BE49-F238E27FC236}">
-                <a16:creationId xmlns:a16="http://schemas.microsoft.com/office/drawing/2014/main" id="{3214BDEF-35E5-7F7B-D581-5A2A96C5A6C4}"/>
-              </a:ext>
-            </a:extLst>
-          </p:cNvPr>
-          <p:cNvSpPr>
-            <a:spLocks noGrp="1"/>
-          </p:cNvSpPr>
-          <p:nvPr>
-            <p:ph type="title"/>
-          </p:nvPr>
-        </p:nvSpPr>
-        <p:spPr/>
-        <p:txBody>
-          <a:bodyPr/>
-          <a:lstStyle/>
-          <a:p>
-            <a:r>
-              <a:rPr lang="en-US" dirty="0"/>
-              <a:t>Creating a new fork</a:t>
-            </a:r>
-          </a:p>
-        </p:txBody>
-      </p:sp>
-      <p:pic>
-        <p:nvPicPr>
-          <p:cNvPr id="4" name="Content Placeholder 3" descr="A screenshot of a computer&#10;&#10;Description automatically generated">
-            <a:extLst>
-              <a:ext uri="{FF2B5EF4-FFF2-40B4-BE49-F238E27FC236}">
-                <a16:creationId xmlns:a16="http://schemas.microsoft.com/office/drawing/2014/main" id="{95B761B1-FE14-82FA-1C4D-C5C9AAB85C93}"/>
-              </a:ext>
-            </a:extLst>
-          </p:cNvPr>
-          <p:cNvPicPr>
-            <a:picLocks noGrp="1" noChangeAspect="1"/>
-          </p:cNvPicPr>
-          <p:nvPr>
-            <p:ph idx="1"/>
-          </p:nvPr>
-        </p:nvPicPr>
-        <p:blipFill rotWithShape="1">
-          <a:blip r:embed="rId2">
-            <a:extLst>
-              <a:ext uri="{28A0092B-C50C-407E-A947-70E740481C1C}">
-                <a14:useLocalDpi xmlns:a14="http://schemas.microsoft.com/office/drawing/2010/main" val="0"/>
-              </a:ext>
-            </a:extLst>
-          </a:blip>
-          <a:srcRect t="3973" r="7436" b="3311"/>
-          <a:stretch/>
-        </p:blipFill>
-        <p:spPr bwMode="auto">
-          <a:xfrm>
-            <a:off x="608961" y="1701416"/>
-            <a:ext cx="7407314" cy="5027444"/>
-          </a:xfrm>
-          <a:prstGeom prst="rect">
-            <a:avLst/>
-          </a:prstGeom>
-          <a:ln>
-            <a:noFill/>
-          </a:ln>
-          <a:extLst>
-            <a:ext uri="{53640926-AAD7-44D8-BBD7-CCE9431645EC}">
-              <a14:shadowObscured xmlns:a14="http://schemas.microsoft.com/office/drawing/2010/main"/>
-            </a:ext>
-          </a:extLst>
-        </p:spPr>
-      </p:pic>
-      <p:pic>
-        <p:nvPicPr>
-          <p:cNvPr id="5" name="Picture 4" descr="A screenshot of a computer&#10;&#10;Description automatically generated">
-            <a:extLst>
-              <a:ext uri="{FF2B5EF4-FFF2-40B4-BE49-F238E27FC236}">
-                <a16:creationId xmlns:a16="http://schemas.microsoft.com/office/drawing/2014/main" id="{92DB6C5C-3533-FD89-C508-2AB84CAD1B8F}"/>
-              </a:ext>
-            </a:extLst>
-          </p:cNvPr>
-          <p:cNvPicPr>
-            <a:picLocks noChangeAspect="1"/>
-          </p:cNvPicPr>
-          <p:nvPr/>
-        </p:nvPicPr>
-        <p:blipFill rotWithShape="1">
-          <a:blip r:embed="rId3">
-            <a:extLst>
-              <a:ext uri="{28A0092B-C50C-407E-A947-70E740481C1C}">
-                <a14:useLocalDpi xmlns:a14="http://schemas.microsoft.com/office/drawing/2010/main" val="0"/>
-              </a:ext>
-            </a:extLst>
-          </a:blip>
-          <a:srcRect t="17984"/>
-          <a:stretch/>
-        </p:blipFill>
-        <p:spPr bwMode="auto">
-          <a:xfrm>
-            <a:off x="6347894" y="861946"/>
-            <a:ext cx="4212590" cy="839470"/>
-          </a:xfrm>
-          <a:prstGeom prst="rect">
-            <a:avLst/>
-          </a:prstGeom>
-          <a:ln>
-            <a:noFill/>
-          </a:ln>
-          <a:extLst>
-            <a:ext uri="{53640926-AAD7-44D8-BBD7-CCE9431645EC}">
-              <a14:shadowObscured xmlns:a14="http://schemas.microsoft.com/office/drawing/2010/main"/>
-            </a:ext>
-          </a:extLst>
-        </p:spPr>
-      </p:pic>
-      <p:sp>
-        <p:nvSpPr>
-          <p:cNvPr id="3" name="TextBox 2">
-            <a:extLst>
-              <a:ext uri="{FF2B5EF4-FFF2-40B4-BE49-F238E27FC236}">
-                <a16:creationId xmlns:a16="http://schemas.microsoft.com/office/drawing/2014/main" id="{2E9DCE94-8F49-DA24-B3AC-F2407DAE9F30}"/>
-              </a:ext>
-            </a:extLst>
-          </p:cNvPr>
-          <p:cNvSpPr txBox="1"/>
-          <p:nvPr/>
-        </p:nvSpPr>
-        <p:spPr>
-          <a:xfrm>
-            <a:off x="8327923" y="2330245"/>
-            <a:ext cx="3825021" cy="3693319"/>
-          </a:xfrm>
-          <a:prstGeom prst="rect">
-            <a:avLst/>
-          </a:prstGeom>
-          <a:noFill/>
-        </p:spPr>
-        <p:txBody>
-          <a:bodyPr wrap="none" rtlCol="0">
-            <a:spAutoFit/>
-          </a:bodyPr>
-          <a:lstStyle/>
-          <a:p>
-            <a:r>
-              <a:rPr lang="en-US" dirty="0"/>
-              <a:t>Select fork in the given repo</a:t>
-            </a:r>
-          </a:p>
-          <a:p>
-            <a:endParaRPr lang="en-US" dirty="0"/>
-          </a:p>
-          <a:p>
-            <a:r>
-              <a:rPr lang="en-US" dirty="0"/>
-              <a:t>De-select Copy the branch only</a:t>
-            </a:r>
-          </a:p>
-          <a:p>
-            <a:endParaRPr lang="en-US" dirty="0"/>
-          </a:p>
-          <a:p>
-            <a:r>
-              <a:rPr lang="en-US" dirty="0"/>
-              <a:t>Create fork</a:t>
-            </a:r>
-          </a:p>
-          <a:p>
-            <a:endParaRPr lang="en-US" dirty="0"/>
-          </a:p>
-          <a:p>
-            <a:r>
-              <a:rPr lang="en-US" dirty="0"/>
-              <a:t>NOTE: if the fork or the repo does not</a:t>
-            </a:r>
-          </a:p>
-          <a:p>
-            <a:r>
-              <a:rPr lang="en-US" dirty="0"/>
-              <a:t>Have a DEV_ branch before the branch</a:t>
-            </a:r>
-          </a:p>
-          <a:p>
-            <a:r>
-              <a:rPr lang="en-US" dirty="0"/>
-              <a:t>Is created. This can be done after</a:t>
-            </a:r>
-          </a:p>
-          <a:p>
-            <a:endParaRPr lang="en-US" dirty="0"/>
-          </a:p>
-          <a:p>
-            <a:r>
-              <a:rPr lang="en-US" dirty="0"/>
-              <a:t>If the developer has an existing fork</a:t>
-            </a:r>
-          </a:p>
-          <a:p>
-            <a:r>
-              <a:rPr lang="en-US" dirty="0"/>
-              <a:t>Creating a branch and syncing can be</a:t>
-            </a:r>
-          </a:p>
-          <a:p>
-            <a:r>
-              <a:rPr lang="en-US" dirty="0"/>
-              <a:t>Done.</a:t>
-            </a:r>
-          </a:p>
-        </p:txBody>
-      </p:sp>
-    </p:spTree>
-    <p:extLst>
-      <p:ext uri="{BB962C8B-B14F-4D97-AF65-F5344CB8AC3E}">
-        <p14:creationId xmlns:p14="http://schemas.microsoft.com/office/powerpoint/2010/main" val="1090958267"/>
-      </p:ext>
-    </p:extLst>
-  </p:cSld>
-  <p:clrMapOvr>
-    <a:masterClrMapping/>
-  </p:clrMapOvr>
-</p:sld>
-</file>
-
-<file path=ppt/slides/slide6.xml><?xml version="1.0" encoding="utf-8"?>
-<p:sld xmlns:a="http://schemas.openxmlformats.org/drawingml/2006/main" xmlns:r="http://schemas.openxmlformats.org/officeDocument/2006/relationships" xmlns:p="http://schemas.openxmlformats.org/presentationml/2006/main">
-  <p:cSld>
-    <p:spTree>
-      <p:nvGrpSpPr>
-        <p:cNvPr id="1" name=""/>
-        <p:cNvGrpSpPr/>
-        <p:nvPr/>
-      </p:nvGrpSpPr>
-      <p:grpSpPr>
-        <a:xfrm>
-          <a:off x="0" y="0"/>
-          <a:ext cx="0" cy="0"/>
-          <a:chOff x="0" y="0"/>
-          <a:chExt cx="0" cy="0"/>
-        </a:xfrm>
-      </p:grpSpPr>
-      <p:sp>
-        <p:nvSpPr>
-          <p:cNvPr id="2" name="Title 1">
-            <a:extLst>
-              <a:ext uri="{FF2B5EF4-FFF2-40B4-BE49-F238E27FC236}">
-                <a16:creationId xmlns:a16="http://schemas.microsoft.com/office/drawing/2014/main" id="{92C58C41-C61A-7763-BB10-006C092DFCC3}"/>
-              </a:ext>
-            </a:extLst>
-          </p:cNvPr>
-          <p:cNvSpPr>
-            <a:spLocks noGrp="1"/>
-          </p:cNvSpPr>
-          <p:nvPr>
-            <p:ph type="title"/>
-          </p:nvPr>
-        </p:nvSpPr>
-        <p:spPr/>
-        <p:txBody>
-          <a:bodyPr/>
-          <a:lstStyle/>
-          <a:p>
-            <a:r>
-              <a:rPr lang="en-US" dirty="0"/>
-              <a:t>Issues</a:t>
-            </a:r>
-          </a:p>
-        </p:txBody>
-      </p:sp>
-      <p:sp>
-        <p:nvSpPr>
-          <p:cNvPr id="3" name="Content Placeholder 2">
-            <a:extLst>
-              <a:ext uri="{FF2B5EF4-FFF2-40B4-BE49-F238E27FC236}">
-                <a16:creationId xmlns:a16="http://schemas.microsoft.com/office/drawing/2014/main" id="{4D901822-48EA-73DB-BCCA-0C20DB06CC14}"/>
-              </a:ext>
-            </a:extLst>
-          </p:cNvPr>
-          <p:cNvSpPr>
-            <a:spLocks noGrp="1"/>
-          </p:cNvSpPr>
-          <p:nvPr>
-            <p:ph idx="1"/>
-          </p:nvPr>
-        </p:nvSpPr>
-        <p:spPr/>
-        <p:txBody>
-          <a:bodyPr/>
-          <a:lstStyle/>
-          <a:p>
-            <a:r>
-              <a:rPr lang="en-US" dirty="0"/>
-              <a:t>Shall be from the back-log &gt; moved to Current Development</a:t>
-            </a:r>
-          </a:p>
-          <a:p>
-            <a:r>
-              <a:rPr lang="en-US" dirty="0"/>
-              <a:t>Shall be associated to a DEV_ project</a:t>
-            </a:r>
-          </a:p>
-          <a:p>
-            <a:r>
-              <a:rPr lang="en-US" dirty="0"/>
-              <a:t>Shall be created on a DEV_ branch</a:t>
-            </a:r>
-          </a:p>
-          <a:p>
-            <a:r>
-              <a:rPr lang="en-US" dirty="0"/>
-              <a:t>Developer shall not close out issue without review</a:t>
-            </a:r>
-          </a:p>
-          <a:p>
-            <a:r>
-              <a:rPr lang="en-US" dirty="0"/>
-              <a:t>The reviewer shall close out the issue</a:t>
-            </a:r>
-          </a:p>
-          <a:p>
-            <a:r>
-              <a:rPr lang="en-US" dirty="0"/>
-              <a:t>Development shall be linked with a pull-request</a:t>
-            </a:r>
-          </a:p>
-        </p:txBody>
-      </p:sp>
-    </p:spTree>
-    <p:extLst>
-      <p:ext uri="{BB962C8B-B14F-4D97-AF65-F5344CB8AC3E}">
-        <p14:creationId xmlns:p14="http://schemas.microsoft.com/office/powerpoint/2010/main" val="882162805"/>
-      </p:ext>
-    </p:extLst>
-  </p:cSld>
-  <p:clrMapOvr>
-    <a:masterClrMapping/>
-  </p:clrMapOvr>
-</p:sld>
-</file>
-
-<file path=ppt/slides/slide7.xml><?xml version="1.0" encoding="utf-8"?>
-<p:sld xmlns:a="http://schemas.openxmlformats.org/drawingml/2006/main" xmlns:r="http://schemas.openxmlformats.org/officeDocument/2006/relationships" xmlns:p="http://schemas.openxmlformats.org/presentationml/2006/main">
-  <p:cSld>
-    <p:spTree>
-      <p:nvGrpSpPr>
-        <p:cNvPr id="1" name=""/>
-        <p:cNvGrpSpPr/>
-        <p:nvPr/>
-      </p:nvGrpSpPr>
-      <p:grpSpPr>
-        <a:xfrm>
-          <a:off x="0" y="0"/>
-          <a:ext cx="0" cy="0"/>
-          <a:chOff x="0" y="0"/>
-          <a:chExt cx="0" cy="0"/>
-        </a:xfrm>
-      </p:grpSpPr>
-      <p:sp>
-        <p:nvSpPr>
-          <p:cNvPr id="2" name="Title 1">
-            <a:extLst>
-              <a:ext uri="{FF2B5EF4-FFF2-40B4-BE49-F238E27FC236}">
-                <a16:creationId xmlns:a16="http://schemas.microsoft.com/office/drawing/2014/main" id="{92717FEA-3CDA-872C-1F54-E792FE648AB0}"/>
-              </a:ext>
-            </a:extLst>
-          </p:cNvPr>
-          <p:cNvSpPr>
-            <a:spLocks noGrp="1"/>
-          </p:cNvSpPr>
-          <p:nvPr>
-            <p:ph type="title"/>
-          </p:nvPr>
-        </p:nvSpPr>
-        <p:spPr>
-          <a:xfrm>
-            <a:off x="1259987" y="110767"/>
-            <a:ext cx="9905998" cy="1015502"/>
-          </a:xfrm>
-        </p:spPr>
-        <p:txBody>
-          <a:bodyPr/>
-          <a:lstStyle/>
-          <a:p>
-            <a:r>
-              <a:rPr lang="en-US" dirty="0"/>
-              <a:t>Issues</a:t>
-            </a:r>
-          </a:p>
-        </p:txBody>
-      </p:sp>
-      <p:pic>
-        <p:nvPicPr>
-          <p:cNvPr id="4" name="Content Placeholder 3" descr="A screenshot of a computer&#10;&#10;Description automatically generated">
-            <a:extLst>
-              <a:ext uri="{FF2B5EF4-FFF2-40B4-BE49-F238E27FC236}">
-                <a16:creationId xmlns:a16="http://schemas.microsoft.com/office/drawing/2014/main" id="{97209A42-D360-EF95-B3DC-FE9A1B9D0077}"/>
-              </a:ext>
-            </a:extLst>
-          </p:cNvPr>
-          <p:cNvPicPr>
-            <a:picLocks noGrp="1" noChangeAspect="1"/>
-          </p:cNvPicPr>
-          <p:nvPr>
-            <p:ph idx="1"/>
-          </p:nvPr>
-        </p:nvPicPr>
-        <p:blipFill rotWithShape="1">
-          <a:blip r:embed="rId2" cstate="print">
-            <a:extLst>
-              <a:ext uri="{28A0092B-C50C-407E-A947-70E740481C1C}">
-                <a14:useLocalDpi xmlns:a14="http://schemas.microsoft.com/office/drawing/2010/main" val="0"/>
-              </a:ext>
-            </a:extLst>
-          </a:blip>
-          <a:srcRect l="2563" t="-274" r="128" b="274"/>
-          <a:stretch/>
-        </p:blipFill>
-        <p:spPr bwMode="auto">
-          <a:xfrm>
-            <a:off x="1259987" y="901060"/>
-            <a:ext cx="9518870" cy="4581338"/>
-          </a:xfrm>
-          <a:prstGeom prst="rect">
-            <a:avLst/>
-          </a:prstGeom>
-          <a:ln>
-            <a:noFill/>
-          </a:ln>
-          <a:extLst>
-            <a:ext uri="{53640926-AAD7-44D8-BBD7-CCE9431645EC}">
-              <a14:shadowObscured xmlns:a14="http://schemas.microsoft.com/office/drawing/2010/main"/>
-            </a:ext>
-          </a:extLst>
-        </p:spPr>
-      </p:pic>
-      <p:sp>
-        <p:nvSpPr>
-          <p:cNvPr id="3" name="TextBox 2">
-            <a:extLst>
-              <a:ext uri="{FF2B5EF4-FFF2-40B4-BE49-F238E27FC236}">
-                <a16:creationId xmlns:a16="http://schemas.microsoft.com/office/drawing/2014/main" id="{32F3B414-99DC-2EDD-1DEE-B9FFF5C86248}"/>
-              </a:ext>
-            </a:extLst>
-          </p:cNvPr>
-          <p:cNvSpPr txBox="1"/>
-          <p:nvPr/>
-        </p:nvSpPr>
-        <p:spPr>
-          <a:xfrm>
-            <a:off x="1259987" y="5722374"/>
-            <a:ext cx="10362132" cy="923330"/>
-          </a:xfrm>
-          <a:prstGeom prst="rect">
-            <a:avLst/>
-          </a:prstGeom>
-          <a:noFill/>
-        </p:spPr>
-        <p:txBody>
-          <a:bodyPr wrap="none" rtlCol="0">
-            <a:spAutoFit/>
-          </a:bodyPr>
-          <a:lstStyle/>
-          <a:p>
-            <a:r>
-              <a:rPr lang="en-US" dirty="0"/>
-              <a:t>Most Issues are created as a draft in the Back-log. If the Issue is assigned to a DEV_ repo then it gets assigned.</a:t>
-            </a:r>
-          </a:p>
-          <a:p>
-            <a:r>
-              <a:rPr lang="en-US" dirty="0"/>
-              <a:t>A Label is not required. Project is required to be assigned. Should have Back-log if from a draft.</a:t>
-            </a:r>
-          </a:p>
-          <a:p>
-            <a:r>
-              <a:rPr lang="en-US" dirty="0"/>
-              <a:t>Description has all required information before the Issue has been researched.</a:t>
-            </a:r>
-          </a:p>
-        </p:txBody>
-      </p:sp>
-    </p:spTree>
-    <p:extLst>
-      <p:ext uri="{BB962C8B-B14F-4D97-AF65-F5344CB8AC3E}">
-        <p14:creationId xmlns:p14="http://schemas.microsoft.com/office/powerpoint/2010/main" val="944698361"/>
-      </p:ext>
-    </p:extLst>
-  </p:cSld>
-  <p:clrMapOvr>
-    <a:masterClrMapping/>
-  </p:clrMapOvr>
-</p:sld>
-</file>
-
-<file path=ppt/slides/slide8.xml><?xml version="1.0" encoding="utf-8"?>
-<p:sld xmlns:a="http://schemas.openxmlformats.org/drawingml/2006/main" xmlns:r="http://schemas.openxmlformats.org/officeDocument/2006/relationships" xmlns:p="http://schemas.openxmlformats.org/presentationml/2006/main">
-  <p:cSld>
-    <p:spTree>
-      <p:nvGrpSpPr>
-        <p:cNvPr id="1" name=""/>
-        <p:cNvGrpSpPr/>
-        <p:nvPr/>
-      </p:nvGrpSpPr>
-      <p:grpSpPr>
-        <a:xfrm>
-          <a:off x="0" y="0"/>
-          <a:ext cx="0" cy="0"/>
-          <a:chOff x="0" y="0"/>
-          <a:chExt cx="0" cy="0"/>
-        </a:xfrm>
-      </p:grpSpPr>
-      <p:sp>
-        <p:nvSpPr>
-          <p:cNvPr id="2" name="Title 1">
-            <a:extLst>
-              <a:ext uri="{FF2B5EF4-FFF2-40B4-BE49-F238E27FC236}">
                 <a16:creationId xmlns:a16="http://schemas.microsoft.com/office/drawing/2014/main" id="{B1E6B509-D646-0A5F-3992-1A3FD82E9B96}"/>
               </a:ext>
             </a:extLst>
@@ -15424,7 +12825,7 @@
 </p:sld>
 </file>
 
-<file path=ppt/slides/slide9.xml><?xml version="1.0" encoding="utf-8"?>
+<file path=ppt/slides/slide11.xml><?xml version="1.0" encoding="utf-8"?>
 <p:sld xmlns:a="http://schemas.openxmlformats.org/drawingml/2006/main" xmlns:r="http://schemas.openxmlformats.org/officeDocument/2006/relationships" xmlns:p="http://schemas.openxmlformats.org/presentationml/2006/main">
   <p:cSld>
     <p:spTree>
@@ -15492,7 +12893,7 @@
           <a:p>
             <a:r>
               <a:rPr lang="en-US" dirty="0"/>
-              <a:t>Delete the files within and keep the  main folders</a:t>
+              <a:t>Delete the files within and keep the build anchor folder</a:t>
             </a:r>
           </a:p>
           <a:p>
@@ -15524,7 +12925,7 @@
         </p:blipFill>
         <p:spPr>
           <a:xfrm>
-            <a:off x="7555832" y="2097088"/>
+            <a:off x="7555832" y="2874328"/>
             <a:ext cx="4636168" cy="1996613"/>
           </a:xfrm>
           <a:prstGeom prst="rect">
@@ -15565,6 +12966,6153 @@
     <p:extLst>
       <p:ext uri="{BB962C8B-B14F-4D97-AF65-F5344CB8AC3E}">
         <p14:creationId xmlns:p14="http://schemas.microsoft.com/office/powerpoint/2010/main" val="2374872806"/>
+      </p:ext>
+    </p:extLst>
+  </p:cSld>
+  <p:clrMapOvr>
+    <a:masterClrMapping/>
+  </p:clrMapOvr>
+</p:sld>
+</file>
+
+<file path=ppt/slides/slide12.xml><?xml version="1.0" encoding="utf-8"?>
+<p:sld xmlns:a="http://schemas.openxmlformats.org/drawingml/2006/main" xmlns:r="http://schemas.openxmlformats.org/officeDocument/2006/relationships" xmlns:p="http://schemas.openxmlformats.org/presentationml/2006/main">
+  <p:cSld>
+    <p:spTree>
+      <p:nvGrpSpPr>
+        <p:cNvPr id="1" name=""/>
+        <p:cNvGrpSpPr/>
+        <p:nvPr/>
+      </p:nvGrpSpPr>
+      <p:grpSpPr>
+        <a:xfrm>
+          <a:off x="0" y="0"/>
+          <a:ext cx="0" cy="0"/>
+          <a:chOff x="0" y="0"/>
+          <a:chExt cx="0" cy="0"/>
+        </a:xfrm>
+      </p:grpSpPr>
+      <p:sp>
+        <p:nvSpPr>
+          <p:cNvPr id="2" name="Title 1">
+            <a:extLst>
+              <a:ext uri="{FF2B5EF4-FFF2-40B4-BE49-F238E27FC236}">
+                <a16:creationId xmlns:a16="http://schemas.microsoft.com/office/drawing/2014/main" id="{940A8AC8-75DF-B1EF-EF4E-3B0B9AF067DA}"/>
+              </a:ext>
+            </a:extLst>
+          </p:cNvPr>
+          <p:cNvSpPr>
+            <a:spLocks noGrp="1"/>
+          </p:cNvSpPr>
+          <p:nvPr>
+            <p:ph type="title"/>
+          </p:nvPr>
+        </p:nvSpPr>
+        <p:spPr/>
+        <p:txBody>
+          <a:bodyPr/>
+          <a:lstStyle/>
+          <a:p>
+            <a:r>
+              <a:rPr lang="en-US" dirty="0"/>
+              <a:t>Commits in bash</a:t>
+            </a:r>
+          </a:p>
+        </p:txBody>
+      </p:sp>
+      <p:pic>
+        <p:nvPicPr>
+          <p:cNvPr id="5" name="Content Placeholder 4">
+            <a:extLst>
+              <a:ext uri="{FF2B5EF4-FFF2-40B4-BE49-F238E27FC236}">
+                <a16:creationId xmlns:a16="http://schemas.microsoft.com/office/drawing/2014/main" id="{F8560C1A-7386-18D9-9A51-B40E593F25C8}"/>
+              </a:ext>
+            </a:extLst>
+          </p:cNvPr>
+          <p:cNvPicPr>
+            <a:picLocks noGrp="1" noChangeAspect="1"/>
+          </p:cNvPicPr>
+          <p:nvPr>
+            <p:ph idx="1"/>
+          </p:nvPr>
+        </p:nvPicPr>
+        <p:blipFill>
+          <a:blip r:embed="rId2"/>
+          <a:stretch>
+            <a:fillRect/>
+          </a:stretch>
+        </p:blipFill>
+        <p:spPr>
+          <a:xfrm>
+            <a:off x="5160397" y="1948875"/>
+            <a:ext cx="6782497" cy="2761445"/>
+          </a:xfrm>
+        </p:spPr>
+      </p:pic>
+      <p:sp>
+        <p:nvSpPr>
+          <p:cNvPr id="6" name="TextBox 5">
+            <a:extLst>
+              <a:ext uri="{FF2B5EF4-FFF2-40B4-BE49-F238E27FC236}">
+                <a16:creationId xmlns:a16="http://schemas.microsoft.com/office/drawing/2014/main" id="{4B3908E8-E7C2-0A08-F649-4D1054BB9D7F}"/>
+              </a:ext>
+            </a:extLst>
+          </p:cNvPr>
+          <p:cNvSpPr txBox="1"/>
+          <p:nvPr/>
+        </p:nvSpPr>
+        <p:spPr>
+          <a:xfrm>
+            <a:off x="730370" y="2097088"/>
+            <a:ext cx="4268797" cy="3162019"/>
+          </a:xfrm>
+          <a:prstGeom prst="rect">
+            <a:avLst/>
+          </a:prstGeom>
+          <a:noFill/>
+        </p:spPr>
+        <p:txBody>
+          <a:bodyPr wrap="none" rtlCol="0">
+            <a:spAutoFit/>
+          </a:bodyPr>
+          <a:lstStyle/>
+          <a:p>
+            <a:pPr marL="0" marR="0">
+              <a:lnSpc>
+                <a:spcPct val="107000"/>
+              </a:lnSpc>
+              <a:spcBef>
+                <a:spcPts val="0"/>
+              </a:spcBef>
+              <a:spcAft>
+                <a:spcPts val="800"/>
+              </a:spcAft>
+            </a:pPr>
+            <a:r>
+              <a:rPr lang="en-US" sz="1800" i="1" kern="100" dirty="0">
+                <a:effectLst/>
+                <a:latin typeface="Aptos" panose="020B0004020202020204" pitchFamily="34" charset="0"/>
+                <a:ea typeface="Aptos" panose="020B0004020202020204" pitchFamily="34" charset="0"/>
+                <a:cs typeface="Times New Roman" panose="02020603050405020304" pitchFamily="18" charset="0"/>
+              </a:rPr>
+              <a:t>git </a:t>
+            </a:r>
+            <a:r>
+              <a:rPr lang="en-US" sz="1800" i="1" kern="100" dirty="0" err="1">
+                <a:effectLst/>
+                <a:latin typeface="Aptos" panose="020B0004020202020204" pitchFamily="34" charset="0"/>
+                <a:ea typeface="Aptos" panose="020B0004020202020204" pitchFamily="34" charset="0"/>
+                <a:cs typeface="Times New Roman" panose="02020603050405020304" pitchFamily="18" charset="0"/>
+              </a:rPr>
+              <a:t>init</a:t>
+            </a:r>
+            <a:r>
+              <a:rPr lang="en-US" sz="1800" i="1" kern="100" dirty="0">
+                <a:effectLst/>
+                <a:latin typeface="Aptos" panose="020B0004020202020204" pitchFamily="34" charset="0"/>
+                <a:ea typeface="Aptos" panose="020B0004020202020204" pitchFamily="34" charset="0"/>
+                <a:cs typeface="Times New Roman" panose="02020603050405020304" pitchFamily="18" charset="0"/>
+              </a:rPr>
+              <a:t> -b &lt;name of the local branch&gt;</a:t>
+            </a:r>
+            <a:endParaRPr lang="en-US" sz="1800" kern="100" dirty="0">
+              <a:effectLst/>
+              <a:latin typeface="Aptos" panose="020B0004020202020204" pitchFamily="34" charset="0"/>
+              <a:ea typeface="Aptos" panose="020B0004020202020204" pitchFamily="34" charset="0"/>
+              <a:cs typeface="Times New Roman" panose="02020603050405020304" pitchFamily="18" charset="0"/>
+            </a:endParaRPr>
+          </a:p>
+          <a:p>
+            <a:pPr marL="0" marR="0">
+              <a:lnSpc>
+                <a:spcPct val="107000"/>
+              </a:lnSpc>
+              <a:spcBef>
+                <a:spcPts val="0"/>
+              </a:spcBef>
+              <a:spcAft>
+                <a:spcPts val="800"/>
+              </a:spcAft>
+            </a:pPr>
+            <a:r>
+              <a:rPr lang="en-US" sz="1800" i="1" kern="100" dirty="0">
+                <a:effectLst/>
+                <a:latin typeface="Aptos" panose="020B0004020202020204" pitchFamily="34" charset="0"/>
+                <a:ea typeface="Aptos" panose="020B0004020202020204" pitchFamily="34" charset="0"/>
+                <a:cs typeface="Times New Roman" panose="02020603050405020304" pitchFamily="18" charset="0"/>
+              </a:rPr>
+              <a:t>Git checkout -b &lt;name of branch&gt;</a:t>
+            </a:r>
+            <a:endParaRPr lang="en-US" sz="1800" kern="100" dirty="0">
+              <a:effectLst/>
+              <a:latin typeface="Aptos" panose="020B0004020202020204" pitchFamily="34" charset="0"/>
+              <a:ea typeface="Aptos" panose="020B0004020202020204" pitchFamily="34" charset="0"/>
+              <a:cs typeface="Times New Roman" panose="02020603050405020304" pitchFamily="18" charset="0"/>
+            </a:endParaRPr>
+          </a:p>
+          <a:p>
+            <a:pPr marL="0" marR="0">
+              <a:lnSpc>
+                <a:spcPct val="107000"/>
+              </a:lnSpc>
+              <a:spcBef>
+                <a:spcPts val="0"/>
+              </a:spcBef>
+              <a:spcAft>
+                <a:spcPts val="800"/>
+              </a:spcAft>
+            </a:pPr>
+            <a:r>
+              <a:rPr lang="en-US" sz="1800" kern="100" dirty="0">
+                <a:effectLst/>
+                <a:latin typeface="Aptos" panose="020B0004020202020204" pitchFamily="34" charset="0"/>
+                <a:ea typeface="Aptos" panose="020B0004020202020204" pitchFamily="34" charset="0"/>
+                <a:cs typeface="Times New Roman" panose="02020603050405020304" pitchFamily="18" charset="0"/>
+              </a:rPr>
+              <a:t>Add the files to your current local Branch:</a:t>
+            </a:r>
+          </a:p>
+          <a:p>
+            <a:pPr marL="0" marR="0">
+              <a:lnSpc>
+                <a:spcPct val="107000"/>
+              </a:lnSpc>
+              <a:spcBef>
+                <a:spcPts val="0"/>
+              </a:spcBef>
+              <a:spcAft>
+                <a:spcPts val="800"/>
+              </a:spcAft>
+            </a:pPr>
+            <a:r>
+              <a:rPr lang="en-US" sz="1800" i="1" kern="100" dirty="0">
+                <a:effectLst/>
+                <a:latin typeface="Aptos" panose="020B0004020202020204" pitchFamily="34" charset="0"/>
+                <a:ea typeface="Aptos" panose="020B0004020202020204" pitchFamily="34" charset="0"/>
+                <a:cs typeface="Times New Roman" panose="02020603050405020304" pitchFamily="18" charset="0"/>
+              </a:rPr>
+              <a:t>git add .</a:t>
+            </a:r>
+            <a:endParaRPr lang="en-US" sz="1800" kern="100" dirty="0">
+              <a:effectLst/>
+              <a:latin typeface="Aptos" panose="020B0004020202020204" pitchFamily="34" charset="0"/>
+              <a:ea typeface="Aptos" panose="020B0004020202020204" pitchFamily="34" charset="0"/>
+              <a:cs typeface="Times New Roman" panose="02020603050405020304" pitchFamily="18" charset="0"/>
+            </a:endParaRPr>
+          </a:p>
+          <a:p>
+            <a:pPr marL="0" marR="0">
+              <a:lnSpc>
+                <a:spcPct val="107000"/>
+              </a:lnSpc>
+              <a:spcBef>
+                <a:spcPts val="0"/>
+              </a:spcBef>
+              <a:spcAft>
+                <a:spcPts val="800"/>
+              </a:spcAft>
+            </a:pPr>
+            <a:r>
+              <a:rPr lang="en-US" sz="1800" i="1" kern="100" dirty="0">
+                <a:effectLst/>
+                <a:latin typeface="Aptos" panose="020B0004020202020204" pitchFamily="34" charset="0"/>
+                <a:ea typeface="Aptos" panose="020B0004020202020204" pitchFamily="34" charset="0"/>
+                <a:cs typeface="Times New Roman" panose="02020603050405020304" pitchFamily="18" charset="0"/>
+              </a:rPr>
+              <a:t>git commit -m “&lt;</a:t>
+            </a:r>
+            <a:r>
+              <a:rPr lang="en-US" sz="1800" i="1" kern="100" dirty="0" err="1">
+                <a:effectLst/>
+                <a:latin typeface="Aptos" panose="020B0004020202020204" pitchFamily="34" charset="0"/>
+                <a:ea typeface="Aptos" panose="020B0004020202020204" pitchFamily="34" charset="0"/>
+                <a:cs typeface="Times New Roman" panose="02020603050405020304" pitchFamily="18" charset="0"/>
+              </a:rPr>
+              <a:t>DEV_</a:t>
+            </a:r>
+            <a:r>
+              <a:rPr lang="en-US" i="1" kern="100" dirty="0" err="1">
+                <a:latin typeface="Aptos" panose="020B0004020202020204" pitchFamily="34" charset="0"/>
+                <a:ea typeface="Aptos" panose="020B0004020202020204" pitchFamily="34" charset="0"/>
+                <a:cs typeface="Times New Roman" panose="02020603050405020304" pitchFamily="18" charset="0"/>
+              </a:rPr>
+              <a:t>note</a:t>
+            </a:r>
+            <a:r>
+              <a:rPr lang="en-US" sz="1800" i="1" kern="100" dirty="0">
+                <a:effectLst/>
+                <a:latin typeface="Aptos" panose="020B0004020202020204" pitchFamily="34" charset="0"/>
+                <a:ea typeface="Aptos" panose="020B0004020202020204" pitchFamily="34" charset="0"/>
+                <a:cs typeface="Times New Roman" panose="02020603050405020304" pitchFamily="18" charset="0"/>
+              </a:rPr>
+              <a:t>&gt;”</a:t>
+            </a:r>
+            <a:endParaRPr lang="en-US" sz="1800" kern="100" dirty="0">
+              <a:effectLst/>
+              <a:latin typeface="Aptos" panose="020B0004020202020204" pitchFamily="34" charset="0"/>
+              <a:ea typeface="Aptos" panose="020B0004020202020204" pitchFamily="34" charset="0"/>
+              <a:cs typeface="Times New Roman" panose="02020603050405020304" pitchFamily="18" charset="0"/>
+            </a:endParaRPr>
+          </a:p>
+          <a:p>
+            <a:pPr marL="0" marR="0">
+              <a:lnSpc>
+                <a:spcPct val="107000"/>
+              </a:lnSpc>
+              <a:spcBef>
+                <a:spcPts val="0"/>
+              </a:spcBef>
+              <a:spcAft>
+                <a:spcPts val="800"/>
+              </a:spcAft>
+            </a:pPr>
+            <a:r>
+              <a:rPr lang="en-US" sz="1800" i="1" kern="100" dirty="0">
+                <a:effectLst/>
+                <a:latin typeface="Aptos" panose="020B0004020202020204" pitchFamily="34" charset="0"/>
+                <a:ea typeface="Aptos" panose="020B0004020202020204" pitchFamily="34" charset="0"/>
+                <a:cs typeface="Times New Roman" panose="02020603050405020304" pitchFamily="18" charset="0"/>
+              </a:rPr>
+              <a:t>git remote add &lt;name&gt; &lt;URL fork link&gt;</a:t>
+            </a:r>
+            <a:endParaRPr lang="en-US" sz="1800" kern="100" dirty="0">
+              <a:effectLst/>
+              <a:latin typeface="Aptos" panose="020B0004020202020204" pitchFamily="34" charset="0"/>
+              <a:ea typeface="Aptos" panose="020B0004020202020204" pitchFamily="34" charset="0"/>
+              <a:cs typeface="Times New Roman" panose="02020603050405020304" pitchFamily="18" charset="0"/>
+            </a:endParaRPr>
+          </a:p>
+          <a:p>
+            <a:pPr marL="0" marR="0">
+              <a:lnSpc>
+                <a:spcPct val="107000"/>
+              </a:lnSpc>
+              <a:spcBef>
+                <a:spcPts val="0"/>
+              </a:spcBef>
+              <a:spcAft>
+                <a:spcPts val="800"/>
+              </a:spcAft>
+            </a:pPr>
+            <a:r>
+              <a:rPr lang="en-US" sz="1800" i="1" kern="100" dirty="0">
+                <a:effectLst/>
+                <a:latin typeface="Aptos" panose="020B0004020202020204" pitchFamily="34" charset="0"/>
+                <a:ea typeface="Aptos" panose="020B0004020202020204" pitchFamily="34" charset="0"/>
+                <a:cs typeface="Times New Roman" panose="02020603050405020304" pitchFamily="18" charset="0"/>
+              </a:rPr>
+              <a:t>git push &lt;remote&gt; &lt;branch&gt;</a:t>
+            </a:r>
+            <a:endParaRPr lang="en-US" sz="1800" kern="100" dirty="0">
+              <a:effectLst/>
+              <a:latin typeface="Aptos" panose="020B0004020202020204" pitchFamily="34" charset="0"/>
+              <a:ea typeface="Aptos" panose="020B0004020202020204" pitchFamily="34" charset="0"/>
+              <a:cs typeface="Times New Roman" panose="02020603050405020304" pitchFamily="18" charset="0"/>
+            </a:endParaRPr>
+          </a:p>
+          <a:p>
+            <a:endParaRPr lang="en-US" dirty="0"/>
+          </a:p>
+        </p:txBody>
+      </p:sp>
+    </p:spTree>
+    <p:extLst>
+      <p:ext uri="{BB962C8B-B14F-4D97-AF65-F5344CB8AC3E}">
+        <p14:creationId xmlns:p14="http://schemas.microsoft.com/office/powerpoint/2010/main" val="3641515971"/>
+      </p:ext>
+    </p:extLst>
+  </p:cSld>
+  <p:clrMapOvr>
+    <a:masterClrMapping/>
+  </p:clrMapOvr>
+</p:sld>
+</file>
+
+<file path=ppt/slides/slide13.xml><?xml version="1.0" encoding="utf-8"?>
+<p:sld xmlns:a="http://schemas.openxmlformats.org/drawingml/2006/main" xmlns:r="http://schemas.openxmlformats.org/officeDocument/2006/relationships" xmlns:p="http://schemas.openxmlformats.org/presentationml/2006/main">
+  <p:cSld>
+    <p:spTree>
+      <p:nvGrpSpPr>
+        <p:cNvPr id="1" name=""/>
+        <p:cNvGrpSpPr/>
+        <p:nvPr/>
+      </p:nvGrpSpPr>
+      <p:grpSpPr>
+        <a:xfrm>
+          <a:off x="0" y="0"/>
+          <a:ext cx="0" cy="0"/>
+          <a:chOff x="0" y="0"/>
+          <a:chExt cx="0" cy="0"/>
+        </a:xfrm>
+      </p:grpSpPr>
+      <p:sp>
+        <p:nvSpPr>
+          <p:cNvPr id="2" name="Title 1">
+            <a:extLst>
+              <a:ext uri="{FF2B5EF4-FFF2-40B4-BE49-F238E27FC236}">
+                <a16:creationId xmlns:a16="http://schemas.microsoft.com/office/drawing/2014/main" id="{9F7CC1D8-3459-C1BD-E38A-B8D2381DA960}"/>
+              </a:ext>
+            </a:extLst>
+          </p:cNvPr>
+          <p:cNvSpPr>
+            <a:spLocks noGrp="1"/>
+          </p:cNvSpPr>
+          <p:nvPr>
+            <p:ph type="title"/>
+          </p:nvPr>
+        </p:nvSpPr>
+        <p:spPr>
+          <a:xfrm>
+            <a:off x="1068670" y="0"/>
+            <a:ext cx="9905998" cy="1478570"/>
+          </a:xfrm>
+        </p:spPr>
+        <p:txBody>
+          <a:bodyPr/>
+          <a:lstStyle/>
+          <a:p>
+            <a:r>
+              <a:rPr lang="en-US" dirty="0"/>
+              <a:t>Post bash script pull</a:t>
+            </a:r>
+          </a:p>
+        </p:txBody>
+      </p:sp>
+      <p:pic>
+        <p:nvPicPr>
+          <p:cNvPr id="5" name="Content Placeholder 4">
+            <a:extLst>
+              <a:ext uri="{FF2B5EF4-FFF2-40B4-BE49-F238E27FC236}">
+                <a16:creationId xmlns:a16="http://schemas.microsoft.com/office/drawing/2014/main" id="{4E9A71D9-09D8-106D-9E1D-1BD19E0CEEFB}"/>
+              </a:ext>
+            </a:extLst>
+          </p:cNvPr>
+          <p:cNvPicPr>
+            <a:picLocks noGrp="1" noChangeAspect="1"/>
+          </p:cNvPicPr>
+          <p:nvPr>
+            <p:ph idx="1"/>
+          </p:nvPr>
+        </p:nvPicPr>
+        <p:blipFill>
+          <a:blip r:embed="rId2"/>
+          <a:stretch>
+            <a:fillRect/>
+          </a:stretch>
+        </p:blipFill>
+        <p:spPr>
+          <a:xfrm>
+            <a:off x="6021669" y="990959"/>
+            <a:ext cx="6014845" cy="4701918"/>
+          </a:xfrm>
+        </p:spPr>
+      </p:pic>
+      <p:sp>
+        <p:nvSpPr>
+          <p:cNvPr id="6" name="TextBox 5">
+            <a:extLst>
+              <a:ext uri="{FF2B5EF4-FFF2-40B4-BE49-F238E27FC236}">
+                <a16:creationId xmlns:a16="http://schemas.microsoft.com/office/drawing/2014/main" id="{36630CCF-090C-627A-98A3-9EC408D90CEE}"/>
+              </a:ext>
+            </a:extLst>
+          </p:cNvPr>
+          <p:cNvSpPr txBox="1"/>
+          <p:nvPr/>
+        </p:nvSpPr>
+        <p:spPr>
+          <a:xfrm>
+            <a:off x="914400" y="990959"/>
+            <a:ext cx="5004619" cy="2308324"/>
+          </a:xfrm>
+          <a:prstGeom prst="rect">
+            <a:avLst/>
+          </a:prstGeom>
+          <a:noFill/>
+        </p:spPr>
+        <p:txBody>
+          <a:bodyPr wrap="square" rtlCol="0">
+            <a:spAutoFit/>
+          </a:bodyPr>
+          <a:lstStyle/>
+          <a:p>
+            <a:r>
+              <a:rPr lang="en-US" dirty="0"/>
+              <a:t>Since the code is already in files the commits can be completed with a push ending in - -force.</a:t>
+            </a:r>
+          </a:p>
+          <a:p>
+            <a:endParaRPr lang="en-US" dirty="0"/>
+          </a:p>
+          <a:p>
+            <a:r>
+              <a:rPr lang="en-US" dirty="0"/>
+              <a:t>After the first force to branch of the fork, this is using a push. </a:t>
+            </a:r>
+            <a:r>
+              <a:rPr lang="en-US"/>
+              <a:t>The developer </a:t>
+            </a:r>
+            <a:r>
+              <a:rPr lang="en-US" dirty="0"/>
+              <a:t>can remove the force.</a:t>
+            </a:r>
+          </a:p>
+          <a:p>
+            <a:endParaRPr lang="en-US" dirty="0"/>
+          </a:p>
+          <a:p>
+            <a:r>
+              <a:rPr lang="en-US" dirty="0"/>
+              <a:t>If the dev has an open pull-request on the forced root branch it will close the pull-request.</a:t>
+            </a:r>
+          </a:p>
+        </p:txBody>
+      </p:sp>
+      <p:pic>
+        <p:nvPicPr>
+          <p:cNvPr id="8" name="Picture 7">
+            <a:extLst>
+              <a:ext uri="{FF2B5EF4-FFF2-40B4-BE49-F238E27FC236}">
+                <a16:creationId xmlns:a16="http://schemas.microsoft.com/office/drawing/2014/main" id="{84BE1118-E0AE-7C9D-4339-944E0EC1A1AF}"/>
+              </a:ext>
+            </a:extLst>
+          </p:cNvPr>
+          <p:cNvPicPr>
+            <a:picLocks noChangeAspect="1"/>
+          </p:cNvPicPr>
+          <p:nvPr/>
+        </p:nvPicPr>
+        <p:blipFill>
+          <a:blip r:embed="rId3"/>
+          <a:srcRect b="25711"/>
+          <a:stretch/>
+        </p:blipFill>
+        <p:spPr>
+          <a:xfrm>
+            <a:off x="127317" y="3601034"/>
+            <a:ext cx="5791702" cy="3153338"/>
+          </a:xfrm>
+          <a:prstGeom prst="rect">
+            <a:avLst/>
+          </a:prstGeom>
+        </p:spPr>
+      </p:pic>
+    </p:spTree>
+    <p:extLst>
+      <p:ext uri="{BB962C8B-B14F-4D97-AF65-F5344CB8AC3E}">
+        <p14:creationId xmlns:p14="http://schemas.microsoft.com/office/powerpoint/2010/main" val="3430857709"/>
+      </p:ext>
+    </p:extLst>
+  </p:cSld>
+  <p:clrMapOvr>
+    <a:masterClrMapping/>
+  </p:clrMapOvr>
+</p:sld>
+</file>
+
+<file path=ppt/slides/slide14.xml><?xml version="1.0" encoding="utf-8"?>
+<p:sld xmlns:a="http://schemas.openxmlformats.org/drawingml/2006/main" xmlns:r="http://schemas.openxmlformats.org/officeDocument/2006/relationships" xmlns:p="http://schemas.openxmlformats.org/presentationml/2006/main">
+  <p:cSld>
+    <p:spTree>
+      <p:nvGrpSpPr>
+        <p:cNvPr id="1" name=""/>
+        <p:cNvGrpSpPr/>
+        <p:nvPr/>
+      </p:nvGrpSpPr>
+      <p:grpSpPr>
+        <a:xfrm>
+          <a:off x="0" y="0"/>
+          <a:ext cx="0" cy="0"/>
+          <a:chOff x="0" y="0"/>
+          <a:chExt cx="0" cy="0"/>
+        </a:xfrm>
+      </p:grpSpPr>
+      <p:sp>
+        <p:nvSpPr>
+          <p:cNvPr id="2" name="Title 1">
+            <a:extLst>
+              <a:ext uri="{FF2B5EF4-FFF2-40B4-BE49-F238E27FC236}">
+                <a16:creationId xmlns:a16="http://schemas.microsoft.com/office/drawing/2014/main" id="{48DFBDBF-7B87-A11F-42DD-AC8E4F665B84}"/>
+              </a:ext>
+            </a:extLst>
+          </p:cNvPr>
+          <p:cNvSpPr>
+            <a:spLocks noGrp="1"/>
+          </p:cNvSpPr>
+          <p:nvPr>
+            <p:ph type="title"/>
+          </p:nvPr>
+        </p:nvSpPr>
+        <p:spPr/>
+        <p:txBody>
+          <a:bodyPr/>
+          <a:lstStyle/>
+          <a:p>
+            <a:r>
+              <a:rPr lang="en-US" dirty="0"/>
+              <a:t>Cloning in git </a:t>
+            </a:r>
+            <a:r>
+              <a:rPr lang="en-US" dirty="0" err="1"/>
+              <a:t>gui</a:t>
+            </a:r>
+            <a:endParaRPr lang="en-US" dirty="0"/>
+          </a:p>
+        </p:txBody>
+      </p:sp>
+      <p:pic>
+        <p:nvPicPr>
+          <p:cNvPr id="5" name="Content Placeholder 4">
+            <a:extLst>
+              <a:ext uri="{FF2B5EF4-FFF2-40B4-BE49-F238E27FC236}">
+                <a16:creationId xmlns:a16="http://schemas.microsoft.com/office/drawing/2014/main" id="{FC1A7F4C-C83B-8476-2BE9-598AA5375DD2}"/>
+              </a:ext>
+            </a:extLst>
+          </p:cNvPr>
+          <p:cNvPicPr>
+            <a:picLocks noGrp="1" noChangeAspect="1"/>
+          </p:cNvPicPr>
+          <p:nvPr>
+            <p:ph idx="1"/>
+          </p:nvPr>
+        </p:nvPicPr>
+        <p:blipFill>
+          <a:blip r:embed="rId2"/>
+          <a:srcRect l="4241" t="3764" r="3469" b="5719"/>
+          <a:stretch/>
+        </p:blipFill>
+        <p:spPr>
+          <a:xfrm>
+            <a:off x="164432" y="1641987"/>
+            <a:ext cx="3903406" cy="2635045"/>
+          </a:xfrm>
+        </p:spPr>
+      </p:pic>
+      <p:pic>
+        <p:nvPicPr>
+          <p:cNvPr id="7" name="Picture 6" descr="A screenshot of a computer&#10;&#10;Description automatically generated">
+            <a:extLst>
+              <a:ext uri="{FF2B5EF4-FFF2-40B4-BE49-F238E27FC236}">
+                <a16:creationId xmlns:a16="http://schemas.microsoft.com/office/drawing/2014/main" id="{675B8239-103E-84C4-4A67-9F8418662FC4}"/>
+              </a:ext>
+            </a:extLst>
+          </p:cNvPr>
+          <p:cNvPicPr>
+            <a:picLocks noChangeAspect="1"/>
+          </p:cNvPicPr>
+          <p:nvPr/>
+        </p:nvPicPr>
+        <p:blipFill>
+          <a:blip r:embed="rId3">
+            <a:extLst>
+              <a:ext uri="{28A0092B-C50C-407E-A947-70E740481C1C}">
+                <a14:useLocalDpi xmlns:a14="http://schemas.microsoft.com/office/drawing/2010/main" val="0"/>
+              </a:ext>
+            </a:extLst>
+          </a:blip>
+          <a:stretch>
+            <a:fillRect/>
+          </a:stretch>
+        </p:blipFill>
+        <p:spPr>
+          <a:xfrm>
+            <a:off x="1" y="3535107"/>
+            <a:ext cx="6596882" cy="2684068"/>
+          </a:xfrm>
+          <a:prstGeom prst="rect">
+            <a:avLst/>
+          </a:prstGeom>
+        </p:spPr>
+      </p:pic>
+      <p:pic>
+        <p:nvPicPr>
+          <p:cNvPr id="9" name="Picture 8" descr="A screenshot of a computer&#10;&#10;Description automatically generated">
+            <a:extLst>
+              <a:ext uri="{FF2B5EF4-FFF2-40B4-BE49-F238E27FC236}">
+                <a16:creationId xmlns:a16="http://schemas.microsoft.com/office/drawing/2014/main" id="{E525984E-43DE-6331-17FB-EA6706FA3DBA}"/>
+              </a:ext>
+            </a:extLst>
+          </p:cNvPr>
+          <p:cNvPicPr>
+            <a:picLocks noChangeAspect="1"/>
+          </p:cNvPicPr>
+          <p:nvPr/>
+        </p:nvPicPr>
+        <p:blipFill>
+          <a:blip r:embed="rId4">
+            <a:extLst>
+              <a:ext uri="{28A0092B-C50C-407E-A947-70E740481C1C}">
+                <a14:useLocalDpi xmlns:a14="http://schemas.microsoft.com/office/drawing/2010/main" val="0"/>
+              </a:ext>
+            </a:extLst>
+          </a:blip>
+          <a:stretch>
+            <a:fillRect/>
+          </a:stretch>
+        </p:blipFill>
+        <p:spPr>
+          <a:xfrm>
+            <a:off x="6499121" y="112797"/>
+            <a:ext cx="5525271" cy="6106377"/>
+          </a:xfrm>
+          <a:prstGeom prst="rect">
+            <a:avLst/>
+          </a:prstGeom>
+        </p:spPr>
+      </p:pic>
+      <p:sp>
+        <p:nvSpPr>
+          <p:cNvPr id="10" name="TextBox 9">
+            <a:extLst>
+              <a:ext uri="{FF2B5EF4-FFF2-40B4-BE49-F238E27FC236}">
+                <a16:creationId xmlns:a16="http://schemas.microsoft.com/office/drawing/2014/main" id="{738D293C-EB03-1DA9-1A92-8D7203AB9B94}"/>
+              </a:ext>
+            </a:extLst>
+          </p:cNvPr>
+          <p:cNvSpPr txBox="1"/>
+          <p:nvPr/>
+        </p:nvSpPr>
+        <p:spPr>
+          <a:xfrm>
+            <a:off x="2261419" y="6489290"/>
+            <a:ext cx="5048113" cy="369332"/>
+          </a:xfrm>
+          <a:prstGeom prst="rect">
+            <a:avLst/>
+          </a:prstGeom>
+          <a:noFill/>
+        </p:spPr>
+        <p:txBody>
+          <a:bodyPr wrap="none" rtlCol="0">
+            <a:spAutoFit/>
+          </a:bodyPr>
+          <a:lstStyle/>
+          <a:p>
+            <a:r>
+              <a:rPr lang="en-US" dirty="0"/>
+              <a:t>NOTE: The last /APXSRC folder cannot exist in clone</a:t>
+            </a:r>
+          </a:p>
+        </p:txBody>
+      </p:sp>
+    </p:spTree>
+    <p:extLst>
+      <p:ext uri="{BB962C8B-B14F-4D97-AF65-F5344CB8AC3E}">
+        <p14:creationId xmlns:p14="http://schemas.microsoft.com/office/powerpoint/2010/main" val="819485861"/>
+      </p:ext>
+    </p:extLst>
+  </p:cSld>
+  <p:clrMapOvr>
+    <a:masterClrMapping/>
+  </p:clrMapOvr>
+</p:sld>
+</file>
+
+<file path=ppt/slides/slide15.xml><?xml version="1.0" encoding="utf-8"?>
+<p:sld xmlns:a="http://schemas.openxmlformats.org/drawingml/2006/main" xmlns:r="http://schemas.openxmlformats.org/officeDocument/2006/relationships" xmlns:p="http://schemas.openxmlformats.org/presentationml/2006/main">
+  <p:cSld>
+    <p:spTree>
+      <p:nvGrpSpPr>
+        <p:cNvPr id="1" name=""/>
+        <p:cNvGrpSpPr/>
+        <p:nvPr/>
+      </p:nvGrpSpPr>
+      <p:grpSpPr>
+        <a:xfrm>
+          <a:off x="0" y="0"/>
+          <a:ext cx="0" cy="0"/>
+          <a:chOff x="0" y="0"/>
+          <a:chExt cx="0" cy="0"/>
+        </a:xfrm>
+      </p:grpSpPr>
+      <p:sp>
+        <p:nvSpPr>
+          <p:cNvPr id="2" name="Title 1">
+            <a:extLst>
+              <a:ext uri="{FF2B5EF4-FFF2-40B4-BE49-F238E27FC236}">
+                <a16:creationId xmlns:a16="http://schemas.microsoft.com/office/drawing/2014/main" id="{1C75A40D-3E81-4D0C-4F9B-6C6D6AFEBA7E}"/>
+              </a:ext>
+            </a:extLst>
+          </p:cNvPr>
+          <p:cNvSpPr>
+            <a:spLocks noGrp="1"/>
+          </p:cNvSpPr>
+          <p:nvPr>
+            <p:ph type="title"/>
+          </p:nvPr>
+        </p:nvSpPr>
+        <p:spPr/>
+        <p:txBody>
+          <a:bodyPr/>
+          <a:lstStyle/>
+          <a:p>
+            <a:r>
+              <a:rPr lang="en-US" dirty="0"/>
+              <a:t>Commits in git </a:t>
+            </a:r>
+            <a:r>
+              <a:rPr lang="en-US" dirty="0" err="1"/>
+              <a:t>gui</a:t>
+            </a:r>
+            <a:endParaRPr lang="en-US" dirty="0"/>
+          </a:p>
+        </p:txBody>
+      </p:sp>
+      <p:pic>
+        <p:nvPicPr>
+          <p:cNvPr id="5" name="Content Placeholder 4">
+            <a:extLst>
+              <a:ext uri="{FF2B5EF4-FFF2-40B4-BE49-F238E27FC236}">
+                <a16:creationId xmlns:a16="http://schemas.microsoft.com/office/drawing/2014/main" id="{DA773DB2-7866-946C-ED7E-4B5F87061D58}"/>
+              </a:ext>
+            </a:extLst>
+          </p:cNvPr>
+          <p:cNvPicPr>
+            <a:picLocks noGrp="1" noChangeAspect="1"/>
+          </p:cNvPicPr>
+          <p:nvPr>
+            <p:ph idx="1"/>
+          </p:nvPr>
+        </p:nvPicPr>
+        <p:blipFill>
+          <a:blip r:embed="rId2"/>
+          <a:stretch>
+            <a:fillRect/>
+          </a:stretch>
+        </p:blipFill>
+        <p:spPr>
+          <a:xfrm>
+            <a:off x="6416951" y="1478570"/>
+            <a:ext cx="5117762" cy="4760912"/>
+          </a:xfrm>
+        </p:spPr>
+      </p:pic>
+      <p:pic>
+        <p:nvPicPr>
+          <p:cNvPr id="4" name="Picture 3">
+            <a:extLst>
+              <a:ext uri="{FF2B5EF4-FFF2-40B4-BE49-F238E27FC236}">
+                <a16:creationId xmlns:a16="http://schemas.microsoft.com/office/drawing/2014/main" id="{12277F98-C013-0DD4-3746-8A335F61FB3C}"/>
+              </a:ext>
+            </a:extLst>
+          </p:cNvPr>
+          <p:cNvPicPr>
+            <a:picLocks noChangeAspect="1"/>
+          </p:cNvPicPr>
+          <p:nvPr/>
+        </p:nvPicPr>
+        <p:blipFill>
+          <a:blip r:embed="rId3"/>
+          <a:stretch>
+            <a:fillRect/>
+          </a:stretch>
+        </p:blipFill>
+        <p:spPr>
+          <a:xfrm>
+            <a:off x="1011432" y="1704972"/>
+            <a:ext cx="5082980" cy="1501270"/>
+          </a:xfrm>
+          <a:prstGeom prst="rect">
+            <a:avLst/>
+          </a:prstGeom>
+        </p:spPr>
+      </p:pic>
+      <p:sp>
+        <p:nvSpPr>
+          <p:cNvPr id="6" name="TextBox 5">
+            <a:extLst>
+              <a:ext uri="{FF2B5EF4-FFF2-40B4-BE49-F238E27FC236}">
+                <a16:creationId xmlns:a16="http://schemas.microsoft.com/office/drawing/2014/main" id="{C330B994-8032-4A5F-A289-37655EB4AD2E}"/>
+              </a:ext>
+            </a:extLst>
+          </p:cNvPr>
+          <p:cNvSpPr txBox="1"/>
+          <p:nvPr/>
+        </p:nvSpPr>
+        <p:spPr>
+          <a:xfrm>
+            <a:off x="1141413" y="3755923"/>
+            <a:ext cx="3957943" cy="1477328"/>
+          </a:xfrm>
+          <a:prstGeom prst="rect">
+            <a:avLst/>
+          </a:prstGeom>
+          <a:noFill/>
+        </p:spPr>
+        <p:txBody>
+          <a:bodyPr wrap="none" rtlCol="0">
+            <a:spAutoFit/>
+          </a:bodyPr>
+          <a:lstStyle/>
+          <a:p>
+            <a:r>
+              <a:rPr lang="en-US" dirty="0"/>
+              <a:t>Select Rescan </a:t>
+            </a:r>
+          </a:p>
+          <a:p>
+            <a:r>
+              <a:rPr lang="en-US" dirty="0"/>
+              <a:t>Select Stage Changes</a:t>
+            </a:r>
+          </a:p>
+          <a:p>
+            <a:r>
+              <a:rPr lang="en-US" dirty="0"/>
+              <a:t>Add a commit message</a:t>
+            </a:r>
+          </a:p>
+          <a:p>
+            <a:r>
+              <a:rPr lang="en-US" dirty="0"/>
+              <a:t>Commit</a:t>
+            </a:r>
+          </a:p>
+          <a:p>
+            <a:r>
+              <a:rPr lang="en-US" dirty="0"/>
+              <a:t>Push – this will submit changes to GITHUB</a:t>
+            </a:r>
+          </a:p>
+        </p:txBody>
+      </p:sp>
+    </p:spTree>
+    <p:extLst>
+      <p:ext uri="{BB962C8B-B14F-4D97-AF65-F5344CB8AC3E}">
+        <p14:creationId xmlns:p14="http://schemas.microsoft.com/office/powerpoint/2010/main" val="2748064685"/>
+      </p:ext>
+    </p:extLst>
+  </p:cSld>
+  <p:clrMapOvr>
+    <a:masterClrMapping/>
+  </p:clrMapOvr>
+</p:sld>
+</file>
+
+<file path=ppt/slides/slide16.xml><?xml version="1.0" encoding="utf-8"?>
+<p:sld xmlns:a="http://schemas.openxmlformats.org/drawingml/2006/main" xmlns:r="http://schemas.openxmlformats.org/officeDocument/2006/relationships" xmlns:p="http://schemas.openxmlformats.org/presentationml/2006/main">
+  <p:cSld>
+    <p:spTree>
+      <p:nvGrpSpPr>
+        <p:cNvPr id="1" name=""/>
+        <p:cNvGrpSpPr/>
+        <p:nvPr/>
+      </p:nvGrpSpPr>
+      <p:grpSpPr>
+        <a:xfrm>
+          <a:off x="0" y="0"/>
+          <a:ext cx="0" cy="0"/>
+          <a:chOff x="0" y="0"/>
+          <a:chExt cx="0" cy="0"/>
+        </a:xfrm>
+      </p:grpSpPr>
+      <p:sp>
+        <p:nvSpPr>
+          <p:cNvPr id="2" name="Title 1">
+            <a:extLst>
+              <a:ext uri="{FF2B5EF4-FFF2-40B4-BE49-F238E27FC236}">
+                <a16:creationId xmlns:a16="http://schemas.microsoft.com/office/drawing/2014/main" id="{413557E4-A4EB-FDFA-B561-32F6AB6CAFFB}"/>
+              </a:ext>
+            </a:extLst>
+          </p:cNvPr>
+          <p:cNvSpPr>
+            <a:spLocks noGrp="1"/>
+          </p:cNvSpPr>
+          <p:nvPr>
+            <p:ph type="title"/>
+          </p:nvPr>
+        </p:nvSpPr>
+        <p:spPr/>
+        <p:txBody>
+          <a:bodyPr/>
+          <a:lstStyle/>
+          <a:p>
+            <a:r>
+              <a:rPr lang="en-US" dirty="0"/>
+              <a:t>Zip download from </a:t>
+            </a:r>
+            <a:r>
+              <a:rPr lang="en-US" dirty="0" err="1"/>
+              <a:t>github</a:t>
+            </a:r>
+            <a:endParaRPr lang="en-US" dirty="0"/>
+          </a:p>
+        </p:txBody>
+      </p:sp>
+      <p:pic>
+        <p:nvPicPr>
+          <p:cNvPr id="5" name="Content Placeholder 4">
+            <a:extLst>
+              <a:ext uri="{FF2B5EF4-FFF2-40B4-BE49-F238E27FC236}">
+                <a16:creationId xmlns:a16="http://schemas.microsoft.com/office/drawing/2014/main" id="{B84CCC23-369F-09C7-921D-DB32B24C5CD6}"/>
+              </a:ext>
+            </a:extLst>
+          </p:cNvPr>
+          <p:cNvPicPr>
+            <a:picLocks noGrp="1" noChangeAspect="1"/>
+          </p:cNvPicPr>
+          <p:nvPr>
+            <p:ph idx="1"/>
+          </p:nvPr>
+        </p:nvPicPr>
+        <p:blipFill>
+          <a:blip r:embed="rId2"/>
+          <a:stretch>
+            <a:fillRect/>
+          </a:stretch>
+        </p:blipFill>
+        <p:spPr>
+          <a:xfrm>
+            <a:off x="1141413" y="1763885"/>
+            <a:ext cx="4954540" cy="4046980"/>
+          </a:xfrm>
+        </p:spPr>
+      </p:pic>
+      <p:sp>
+        <p:nvSpPr>
+          <p:cNvPr id="6" name="TextBox 5">
+            <a:extLst>
+              <a:ext uri="{FF2B5EF4-FFF2-40B4-BE49-F238E27FC236}">
+                <a16:creationId xmlns:a16="http://schemas.microsoft.com/office/drawing/2014/main" id="{1B13A0D3-E43C-B694-6B93-07D7E2686A2E}"/>
+              </a:ext>
+            </a:extLst>
+          </p:cNvPr>
+          <p:cNvSpPr txBox="1"/>
+          <p:nvPr/>
+        </p:nvSpPr>
+        <p:spPr>
+          <a:xfrm>
+            <a:off x="6607277" y="2182761"/>
+            <a:ext cx="5218095" cy="2862322"/>
+          </a:xfrm>
+          <a:prstGeom prst="rect">
+            <a:avLst/>
+          </a:prstGeom>
+          <a:noFill/>
+        </p:spPr>
+        <p:txBody>
+          <a:bodyPr wrap="none" rtlCol="0">
+            <a:spAutoFit/>
+          </a:bodyPr>
+          <a:lstStyle/>
+          <a:p>
+            <a:r>
+              <a:rPr lang="en-US" dirty="0"/>
+              <a:t>From the &lt;&gt; Code tab the dev can obtain the git </a:t>
+            </a:r>
+            <a:r>
+              <a:rPr lang="en-US" dirty="0" err="1"/>
+              <a:t>url</a:t>
+            </a:r>
+            <a:endParaRPr lang="en-US" dirty="0"/>
+          </a:p>
+          <a:p>
+            <a:endParaRPr lang="en-US" dirty="0"/>
+          </a:p>
+          <a:p>
+            <a:r>
+              <a:rPr lang="en-US" dirty="0"/>
+              <a:t>Dev team is not currently using GitHub Desktop.</a:t>
+            </a:r>
+          </a:p>
+          <a:p>
+            <a:endParaRPr lang="en-US" dirty="0"/>
+          </a:p>
+          <a:p>
+            <a:r>
+              <a:rPr lang="en-US" dirty="0"/>
+              <a:t>Download zip is easiest to use on the one off obtaining</a:t>
+            </a:r>
+          </a:p>
+          <a:p>
+            <a:r>
+              <a:rPr lang="en-US" dirty="0"/>
+              <a:t>Files. The problem with getting the whole </a:t>
+            </a:r>
+            <a:r>
+              <a:rPr lang="en-US" dirty="0" err="1"/>
+              <a:t>codespace</a:t>
+            </a:r>
+            <a:endParaRPr lang="en-US" dirty="0"/>
+          </a:p>
+          <a:p>
+            <a:r>
+              <a:rPr lang="en-US" dirty="0"/>
+              <a:t>Causes a failure loading symbols in the IDE from a </a:t>
+            </a:r>
+          </a:p>
+          <a:p>
+            <a:r>
+              <a:rPr lang="en-US" dirty="0"/>
+              <a:t>Microsoft security issue. This can be fixed by going </a:t>
+            </a:r>
+          </a:p>
+          <a:p>
+            <a:r>
+              <a:rPr lang="en-US" dirty="0"/>
+              <a:t>In the file explorer to those files and changing the </a:t>
+            </a:r>
+          </a:p>
+          <a:p>
+            <a:r>
+              <a:rPr lang="en-US" dirty="0"/>
+              <a:t>Security settings.</a:t>
+            </a:r>
+          </a:p>
+        </p:txBody>
+      </p:sp>
+    </p:spTree>
+    <p:extLst>
+      <p:ext uri="{BB962C8B-B14F-4D97-AF65-F5344CB8AC3E}">
+        <p14:creationId xmlns:p14="http://schemas.microsoft.com/office/powerpoint/2010/main" val="1854116891"/>
+      </p:ext>
+    </p:extLst>
+  </p:cSld>
+  <p:clrMapOvr>
+    <a:masterClrMapping/>
+  </p:clrMapOvr>
+</p:sld>
+</file>
+
+<file path=ppt/slides/slide17.xml><?xml version="1.0" encoding="utf-8"?>
+<p:sld xmlns:a="http://schemas.openxmlformats.org/drawingml/2006/main" xmlns:r="http://schemas.openxmlformats.org/officeDocument/2006/relationships" xmlns:p="http://schemas.openxmlformats.org/presentationml/2006/main">
+  <p:cSld>
+    <p:spTree>
+      <p:nvGrpSpPr>
+        <p:cNvPr id="1" name=""/>
+        <p:cNvGrpSpPr/>
+        <p:nvPr/>
+      </p:nvGrpSpPr>
+      <p:grpSpPr>
+        <a:xfrm>
+          <a:off x="0" y="0"/>
+          <a:ext cx="0" cy="0"/>
+          <a:chOff x="0" y="0"/>
+          <a:chExt cx="0" cy="0"/>
+        </a:xfrm>
+      </p:grpSpPr>
+      <p:sp>
+        <p:nvSpPr>
+          <p:cNvPr id="2" name="Title 1">
+            <a:extLst>
+              <a:ext uri="{FF2B5EF4-FFF2-40B4-BE49-F238E27FC236}">
+                <a16:creationId xmlns:a16="http://schemas.microsoft.com/office/drawing/2014/main" id="{CC1EF2C1-08B2-2782-3CE6-1A82BD0F0D48}"/>
+              </a:ext>
+            </a:extLst>
+          </p:cNvPr>
+          <p:cNvSpPr>
+            <a:spLocks noGrp="1"/>
+          </p:cNvSpPr>
+          <p:nvPr>
+            <p:ph type="title"/>
+          </p:nvPr>
+        </p:nvSpPr>
+        <p:spPr/>
+        <p:txBody>
+          <a:bodyPr/>
+          <a:lstStyle/>
+          <a:p>
+            <a:r>
+              <a:rPr lang="en-US" dirty="0"/>
+              <a:t>Commits in </a:t>
+            </a:r>
+            <a:r>
+              <a:rPr lang="en-US" dirty="0" err="1"/>
+              <a:t>github</a:t>
+            </a:r>
+            <a:endParaRPr lang="en-US" dirty="0"/>
+          </a:p>
+        </p:txBody>
+      </p:sp>
+      <p:pic>
+        <p:nvPicPr>
+          <p:cNvPr id="4" name="Content Placeholder 3" descr="A screenshot of a computer program&#10;&#10;Description automatically generated">
+            <a:extLst>
+              <a:ext uri="{FF2B5EF4-FFF2-40B4-BE49-F238E27FC236}">
+                <a16:creationId xmlns:a16="http://schemas.microsoft.com/office/drawing/2014/main" id="{796A10DB-3629-0760-BDF1-81C131AC6EDA}"/>
+              </a:ext>
+            </a:extLst>
+          </p:cNvPr>
+          <p:cNvPicPr>
+            <a:picLocks noGrp="1" noChangeAspect="1"/>
+          </p:cNvPicPr>
+          <p:nvPr>
+            <p:ph idx="1"/>
+          </p:nvPr>
+        </p:nvPicPr>
+        <p:blipFill rotWithShape="1">
+          <a:blip r:embed="rId2">
+            <a:extLst>
+              <a:ext uri="{28A0092B-C50C-407E-A947-70E740481C1C}">
+                <a14:useLocalDpi xmlns:a14="http://schemas.microsoft.com/office/drawing/2010/main" val="0"/>
+              </a:ext>
+            </a:extLst>
+          </a:blip>
+          <a:srcRect l="2011" r="1609"/>
+          <a:stretch/>
+        </p:blipFill>
+        <p:spPr bwMode="auto">
+          <a:xfrm>
+            <a:off x="5525976" y="326232"/>
+            <a:ext cx="5521436" cy="5913250"/>
+          </a:xfrm>
+          <a:prstGeom prst="rect">
+            <a:avLst/>
+          </a:prstGeom>
+          <a:ln>
+            <a:noFill/>
+          </a:ln>
+          <a:extLst>
+            <a:ext uri="{53640926-AAD7-44D8-BBD7-CCE9431645EC}">
+              <a14:shadowObscured xmlns:a14="http://schemas.microsoft.com/office/drawing/2010/main"/>
+            </a:ext>
+          </a:extLst>
+        </p:spPr>
+      </p:pic>
+      <p:sp>
+        <p:nvSpPr>
+          <p:cNvPr id="3" name="TextBox 2">
+            <a:extLst>
+              <a:ext uri="{FF2B5EF4-FFF2-40B4-BE49-F238E27FC236}">
+                <a16:creationId xmlns:a16="http://schemas.microsoft.com/office/drawing/2014/main" id="{4702D68D-13EC-B2DE-851E-B58B1275C46F}"/>
+              </a:ext>
+            </a:extLst>
+          </p:cNvPr>
+          <p:cNvSpPr txBox="1"/>
+          <p:nvPr/>
+        </p:nvSpPr>
+        <p:spPr>
+          <a:xfrm>
+            <a:off x="1238865" y="1740310"/>
+            <a:ext cx="4021393" cy="3970318"/>
+          </a:xfrm>
+          <a:prstGeom prst="rect">
+            <a:avLst/>
+          </a:prstGeom>
+          <a:noFill/>
+        </p:spPr>
+        <p:txBody>
+          <a:bodyPr wrap="square" rtlCol="0">
+            <a:spAutoFit/>
+          </a:bodyPr>
+          <a:lstStyle/>
+          <a:p>
+            <a:r>
+              <a:rPr lang="en-US" dirty="0"/>
+              <a:t>Commits shall only be completed on DEV_</a:t>
+            </a:r>
+          </a:p>
+          <a:p>
+            <a:r>
+              <a:rPr lang="en-US" dirty="0"/>
+              <a:t>Forks.</a:t>
+            </a:r>
+          </a:p>
+          <a:p>
+            <a:endParaRPr lang="en-US" dirty="0"/>
+          </a:p>
+          <a:p>
+            <a:r>
+              <a:rPr lang="en-US" dirty="0"/>
+              <a:t>Message requires link to the DEV_NOTE</a:t>
+            </a:r>
+          </a:p>
+          <a:p>
+            <a:r>
+              <a:rPr lang="en-US" dirty="0" err="1"/>
+              <a:t>YYMMDD.number</a:t>
+            </a:r>
+            <a:endParaRPr lang="en-US" dirty="0"/>
+          </a:p>
+          <a:p>
+            <a:endParaRPr lang="en-US" dirty="0"/>
+          </a:p>
+          <a:p>
+            <a:r>
+              <a:rPr lang="en-US" dirty="0"/>
+              <a:t>Commits shall be the single event change. </a:t>
+            </a:r>
+          </a:p>
+          <a:p>
+            <a:r>
+              <a:rPr lang="en-US" dirty="0"/>
+              <a:t>IE </a:t>
+            </a:r>
+            <a:r>
+              <a:rPr lang="en-US" dirty="0" err="1"/>
+              <a:t>Nukem</a:t>
+            </a:r>
+            <a:endParaRPr lang="en-US" dirty="0"/>
+          </a:p>
+          <a:p>
+            <a:r>
+              <a:rPr lang="en-US" dirty="0"/>
+              <a:t>IE adding a for loop. </a:t>
+            </a:r>
+          </a:p>
+          <a:p>
+            <a:r>
+              <a:rPr lang="en-US" dirty="0"/>
+              <a:t>Whatever a developer have put in a note in the </a:t>
+            </a:r>
+            <a:r>
+              <a:rPr lang="en-US" dirty="0" err="1"/>
+              <a:t>codespace</a:t>
+            </a:r>
+            <a:r>
+              <a:rPr lang="en-US" dirty="0"/>
+              <a:t> for shall be the change in the commit message.</a:t>
+            </a:r>
+          </a:p>
+          <a:p>
+            <a:endParaRPr lang="en-US" dirty="0"/>
+          </a:p>
+          <a:p>
+            <a:r>
+              <a:rPr lang="en-US" dirty="0"/>
+              <a:t>NOTE: as a suggestion test before commit.</a:t>
+            </a:r>
+          </a:p>
+        </p:txBody>
+      </p:sp>
+    </p:spTree>
+    <p:extLst>
+      <p:ext uri="{BB962C8B-B14F-4D97-AF65-F5344CB8AC3E}">
+        <p14:creationId xmlns:p14="http://schemas.microsoft.com/office/powerpoint/2010/main" val="2514870190"/>
+      </p:ext>
+    </p:extLst>
+  </p:cSld>
+  <p:clrMapOvr>
+    <a:masterClrMapping/>
+  </p:clrMapOvr>
+</p:sld>
+</file>
+
+<file path=ppt/slides/slide18.xml><?xml version="1.0" encoding="utf-8"?>
+<p:sld xmlns:a="http://schemas.openxmlformats.org/drawingml/2006/main" xmlns:r="http://schemas.openxmlformats.org/officeDocument/2006/relationships" xmlns:p="http://schemas.openxmlformats.org/presentationml/2006/main">
+  <p:cSld>
+    <p:spTree>
+      <p:nvGrpSpPr>
+        <p:cNvPr id="1" name=""/>
+        <p:cNvGrpSpPr/>
+        <p:nvPr/>
+      </p:nvGrpSpPr>
+      <p:grpSpPr>
+        <a:xfrm>
+          <a:off x="0" y="0"/>
+          <a:ext cx="0" cy="0"/>
+          <a:chOff x="0" y="0"/>
+          <a:chExt cx="0" cy="0"/>
+        </a:xfrm>
+      </p:grpSpPr>
+      <p:sp>
+        <p:nvSpPr>
+          <p:cNvPr id="2" name="Title 1">
+            <a:extLst>
+              <a:ext uri="{FF2B5EF4-FFF2-40B4-BE49-F238E27FC236}">
+                <a16:creationId xmlns:a16="http://schemas.microsoft.com/office/drawing/2014/main" id="{330C7730-28B8-A44C-72A6-D1C15A4BCDFA}"/>
+              </a:ext>
+            </a:extLst>
+          </p:cNvPr>
+          <p:cNvSpPr>
+            <a:spLocks noGrp="1"/>
+          </p:cNvSpPr>
+          <p:nvPr>
+            <p:ph type="title"/>
+          </p:nvPr>
+        </p:nvSpPr>
+        <p:spPr/>
+        <p:txBody>
+          <a:bodyPr/>
+          <a:lstStyle/>
+          <a:p>
+            <a:r>
+              <a:rPr lang="en-US" dirty="0"/>
+              <a:t>Pull-request (Development)</a:t>
+            </a:r>
+          </a:p>
+        </p:txBody>
+      </p:sp>
+      <p:sp>
+        <p:nvSpPr>
+          <p:cNvPr id="3" name="Content Placeholder 2">
+            <a:extLst>
+              <a:ext uri="{FF2B5EF4-FFF2-40B4-BE49-F238E27FC236}">
+                <a16:creationId xmlns:a16="http://schemas.microsoft.com/office/drawing/2014/main" id="{37696794-D229-53AE-EF60-3E7550EFA6C0}"/>
+              </a:ext>
+            </a:extLst>
+          </p:cNvPr>
+          <p:cNvSpPr>
+            <a:spLocks noGrp="1"/>
+          </p:cNvSpPr>
+          <p:nvPr>
+            <p:ph idx="1"/>
+          </p:nvPr>
+        </p:nvSpPr>
+        <p:spPr>
+          <a:xfrm>
+            <a:off x="1141413" y="1807035"/>
+            <a:ext cx="9905999" cy="4318461"/>
+          </a:xfrm>
+        </p:spPr>
+        <p:txBody>
+          <a:bodyPr>
+            <a:normAutofit fontScale="85000" lnSpcReduction="20000"/>
+          </a:bodyPr>
+          <a:lstStyle/>
+          <a:p>
+            <a:r>
+              <a:rPr lang="en-US" dirty="0"/>
+              <a:t>Shall be from personal fork to DEV_ branch</a:t>
+            </a:r>
+          </a:p>
+          <a:p>
+            <a:r>
+              <a:rPr lang="en-US" dirty="0"/>
+              <a:t>Shall never be into </a:t>
+            </a:r>
+            <a:r>
+              <a:rPr lang="en-US" dirty="0" err="1"/>
+              <a:t>BuildInit</a:t>
+            </a:r>
+            <a:r>
+              <a:rPr lang="en-US" dirty="0"/>
+              <a:t> (should be able to change in edit)</a:t>
+            </a:r>
+          </a:p>
+          <a:p>
+            <a:r>
+              <a:rPr lang="en-US" dirty="0"/>
+              <a:t>Shall be linked under development in the issue</a:t>
+            </a:r>
+          </a:p>
+          <a:p>
+            <a:r>
+              <a:rPr lang="en-US" dirty="0"/>
+              <a:t>Can be preformed in git bash, yet shall be within GITHUB</a:t>
+            </a:r>
+          </a:p>
+          <a:p>
+            <a:r>
+              <a:rPr lang="en-US" dirty="0"/>
+              <a:t>Shall be reviewed by another developer</a:t>
+            </a:r>
+          </a:p>
+          <a:p>
+            <a:r>
+              <a:rPr lang="en-US" dirty="0"/>
+              <a:t>Reviewer shall merge</a:t>
+            </a:r>
+          </a:p>
+          <a:p>
+            <a:r>
+              <a:rPr lang="en-US" dirty="0"/>
+              <a:t>If force merge, requires two verifications prior to merge</a:t>
+            </a:r>
+          </a:p>
+          <a:p>
+            <a:r>
+              <a:rPr lang="en-US" dirty="0"/>
+              <a:t>All requested alterations, commented on code, shall be preformed by author developer, not reviewer (even if simple)</a:t>
+            </a:r>
+          </a:p>
+          <a:p>
+            <a:r>
+              <a:rPr lang="en-US" dirty="0"/>
+              <a:t>All requests shall be tested and include a test in a </a:t>
+            </a:r>
+            <a:r>
+              <a:rPr lang="en-US" dirty="0" err="1"/>
+              <a:t>Test_Repo</a:t>
+            </a:r>
+            <a:r>
+              <a:rPr lang="en-US" dirty="0"/>
+              <a:t> pull-request. </a:t>
+            </a:r>
+          </a:p>
+        </p:txBody>
+      </p:sp>
+    </p:spTree>
+    <p:extLst>
+      <p:ext uri="{BB962C8B-B14F-4D97-AF65-F5344CB8AC3E}">
+        <p14:creationId xmlns:p14="http://schemas.microsoft.com/office/powerpoint/2010/main" val="1874483503"/>
+      </p:ext>
+    </p:extLst>
+  </p:cSld>
+  <p:clrMapOvr>
+    <a:masterClrMapping/>
+  </p:clrMapOvr>
+</p:sld>
+</file>
+
+<file path=ppt/slides/slide19.xml><?xml version="1.0" encoding="utf-8"?>
+<p:sld xmlns:a="http://schemas.openxmlformats.org/drawingml/2006/main" xmlns:r="http://schemas.openxmlformats.org/officeDocument/2006/relationships" xmlns:p="http://schemas.openxmlformats.org/presentationml/2006/main">
+  <p:cSld>
+    <p:spTree>
+      <p:nvGrpSpPr>
+        <p:cNvPr id="1" name=""/>
+        <p:cNvGrpSpPr/>
+        <p:nvPr/>
+      </p:nvGrpSpPr>
+      <p:grpSpPr>
+        <a:xfrm>
+          <a:off x="0" y="0"/>
+          <a:ext cx="0" cy="0"/>
+          <a:chOff x="0" y="0"/>
+          <a:chExt cx="0" cy="0"/>
+        </a:xfrm>
+      </p:grpSpPr>
+      <p:sp>
+        <p:nvSpPr>
+          <p:cNvPr id="2" name="Title 1">
+            <a:extLst>
+              <a:ext uri="{FF2B5EF4-FFF2-40B4-BE49-F238E27FC236}">
+                <a16:creationId xmlns:a16="http://schemas.microsoft.com/office/drawing/2014/main" id="{9BE933B0-0462-6DEB-E71D-568A761372DF}"/>
+              </a:ext>
+            </a:extLst>
+          </p:cNvPr>
+          <p:cNvSpPr>
+            <a:spLocks noGrp="1"/>
+          </p:cNvSpPr>
+          <p:nvPr>
+            <p:ph type="title"/>
+          </p:nvPr>
+        </p:nvSpPr>
+        <p:spPr/>
+        <p:txBody>
+          <a:bodyPr/>
+          <a:lstStyle/>
+          <a:p>
+            <a:r>
+              <a:rPr lang="en-US" dirty="0"/>
+              <a:t>Pull-Request in GITHUB</a:t>
+            </a:r>
+          </a:p>
+        </p:txBody>
+      </p:sp>
+      <p:pic>
+        <p:nvPicPr>
+          <p:cNvPr id="5" name="Content Placeholder 4">
+            <a:extLst>
+              <a:ext uri="{FF2B5EF4-FFF2-40B4-BE49-F238E27FC236}">
+                <a16:creationId xmlns:a16="http://schemas.microsoft.com/office/drawing/2014/main" id="{6EF8BFD5-0FF3-F2BC-D0A3-ABC420929CDD}"/>
+              </a:ext>
+            </a:extLst>
+          </p:cNvPr>
+          <p:cNvPicPr>
+            <a:picLocks noGrp="1" noChangeAspect="1"/>
+          </p:cNvPicPr>
+          <p:nvPr>
+            <p:ph idx="1"/>
+          </p:nvPr>
+        </p:nvPicPr>
+        <p:blipFill>
+          <a:blip r:embed="rId2"/>
+          <a:stretch>
+            <a:fillRect/>
+          </a:stretch>
+        </p:blipFill>
+        <p:spPr>
+          <a:xfrm>
+            <a:off x="1554368" y="4783290"/>
+            <a:ext cx="6744284" cy="853514"/>
+          </a:xfrm>
+        </p:spPr>
+      </p:pic>
+      <p:pic>
+        <p:nvPicPr>
+          <p:cNvPr id="6" name="Picture 5" descr="A screenshot of a computer&#10;&#10;Description automatically generated">
+            <a:extLst>
+              <a:ext uri="{FF2B5EF4-FFF2-40B4-BE49-F238E27FC236}">
+                <a16:creationId xmlns:a16="http://schemas.microsoft.com/office/drawing/2014/main" id="{D8042A7C-FE07-2AC9-FA86-E0195CA2E7AC}"/>
+              </a:ext>
+            </a:extLst>
+          </p:cNvPr>
+          <p:cNvPicPr>
+            <a:picLocks noChangeAspect="1"/>
+          </p:cNvPicPr>
+          <p:nvPr/>
+        </p:nvPicPr>
+        <p:blipFill>
+          <a:blip r:embed="rId3">
+            <a:extLst>
+              <a:ext uri="{28A0092B-C50C-407E-A947-70E740481C1C}">
+                <a14:useLocalDpi xmlns:a14="http://schemas.microsoft.com/office/drawing/2010/main" val="0"/>
+              </a:ext>
+            </a:extLst>
+          </a:blip>
+          <a:stretch>
+            <a:fillRect/>
+          </a:stretch>
+        </p:blipFill>
+        <p:spPr>
+          <a:xfrm>
+            <a:off x="8188059" y="454496"/>
+            <a:ext cx="3642360" cy="2606040"/>
+          </a:xfrm>
+          <a:prstGeom prst="rect">
+            <a:avLst/>
+          </a:prstGeom>
+        </p:spPr>
+      </p:pic>
+      <p:pic>
+        <p:nvPicPr>
+          <p:cNvPr id="7" name="Picture 6">
+            <a:extLst>
+              <a:ext uri="{FF2B5EF4-FFF2-40B4-BE49-F238E27FC236}">
+                <a16:creationId xmlns:a16="http://schemas.microsoft.com/office/drawing/2014/main" id="{4EE8D71C-B23B-FE5B-A155-98236E405FB4}"/>
+              </a:ext>
+            </a:extLst>
+          </p:cNvPr>
+          <p:cNvPicPr>
+            <a:picLocks noChangeAspect="1"/>
+          </p:cNvPicPr>
+          <p:nvPr/>
+        </p:nvPicPr>
+        <p:blipFill>
+          <a:blip r:embed="rId4"/>
+          <a:stretch>
+            <a:fillRect/>
+          </a:stretch>
+        </p:blipFill>
+        <p:spPr>
+          <a:xfrm>
+            <a:off x="594266" y="3183322"/>
+            <a:ext cx="10406174" cy="758228"/>
+          </a:xfrm>
+          <a:prstGeom prst="rect">
+            <a:avLst/>
+          </a:prstGeom>
+        </p:spPr>
+      </p:pic>
+      <p:sp>
+        <p:nvSpPr>
+          <p:cNvPr id="9" name="TextBox 8">
+            <a:extLst>
+              <a:ext uri="{FF2B5EF4-FFF2-40B4-BE49-F238E27FC236}">
+                <a16:creationId xmlns:a16="http://schemas.microsoft.com/office/drawing/2014/main" id="{A8DE5F84-CFBD-E389-D3DB-20DD766E0BFC}"/>
+              </a:ext>
+            </a:extLst>
+          </p:cNvPr>
+          <p:cNvSpPr txBox="1"/>
+          <p:nvPr/>
+        </p:nvSpPr>
+        <p:spPr>
+          <a:xfrm>
+            <a:off x="1268361" y="2005781"/>
+            <a:ext cx="5745484" cy="923330"/>
+          </a:xfrm>
+          <a:prstGeom prst="rect">
+            <a:avLst/>
+          </a:prstGeom>
+          <a:noFill/>
+        </p:spPr>
+        <p:txBody>
+          <a:bodyPr wrap="none" rtlCol="0">
+            <a:spAutoFit/>
+          </a:bodyPr>
+          <a:lstStyle/>
+          <a:p>
+            <a:r>
+              <a:rPr lang="en-US" dirty="0"/>
+              <a:t>Select Contribute: Open the Pull Request</a:t>
+            </a:r>
+          </a:p>
+          <a:p>
+            <a:r>
+              <a:rPr lang="en-US" dirty="0"/>
+              <a:t>The display should show if the code can merge.</a:t>
+            </a:r>
+          </a:p>
+          <a:p>
+            <a:r>
+              <a:rPr lang="en-US" dirty="0"/>
+              <a:t>Input information about what is completed in the pull-request</a:t>
+            </a:r>
+          </a:p>
+        </p:txBody>
+      </p:sp>
+      <p:sp>
+        <p:nvSpPr>
+          <p:cNvPr id="10" name="TextBox 9">
+            <a:extLst>
+              <a:ext uri="{FF2B5EF4-FFF2-40B4-BE49-F238E27FC236}">
+                <a16:creationId xmlns:a16="http://schemas.microsoft.com/office/drawing/2014/main" id="{4CBF0E81-7C04-B015-795F-52D347D4D8C0}"/>
+              </a:ext>
+            </a:extLst>
+          </p:cNvPr>
+          <p:cNvSpPr txBox="1"/>
+          <p:nvPr/>
+        </p:nvSpPr>
+        <p:spPr>
+          <a:xfrm>
+            <a:off x="1651819" y="4064336"/>
+            <a:ext cx="9009326" cy="369332"/>
+          </a:xfrm>
+          <a:prstGeom prst="rect">
+            <a:avLst/>
+          </a:prstGeom>
+          <a:noFill/>
+        </p:spPr>
+        <p:txBody>
+          <a:bodyPr wrap="none" rtlCol="0">
+            <a:spAutoFit/>
+          </a:bodyPr>
+          <a:lstStyle/>
+          <a:p>
+            <a:r>
+              <a:rPr lang="en-US" dirty="0"/>
+              <a:t>If the pull-request requires alteration to a different branch, select edit and select the drop-down</a:t>
+            </a:r>
+          </a:p>
+        </p:txBody>
+      </p:sp>
+    </p:spTree>
+    <p:extLst>
+      <p:ext uri="{BB962C8B-B14F-4D97-AF65-F5344CB8AC3E}">
+        <p14:creationId xmlns:p14="http://schemas.microsoft.com/office/powerpoint/2010/main" val="4124621219"/>
+      </p:ext>
+    </p:extLst>
+  </p:cSld>
+  <p:clrMapOvr>
+    <a:masterClrMapping/>
+  </p:clrMapOvr>
+</p:sld>
+</file>
+
+<file path=ppt/slides/slide2.xml><?xml version="1.0" encoding="utf-8"?>
+<p:sld xmlns:a="http://schemas.openxmlformats.org/drawingml/2006/main" xmlns:r="http://schemas.openxmlformats.org/officeDocument/2006/relationships" xmlns:p="http://schemas.openxmlformats.org/presentationml/2006/main">
+  <p:cSld>
+    <p:spTree>
+      <p:nvGrpSpPr>
+        <p:cNvPr id="1" name=""/>
+        <p:cNvGrpSpPr/>
+        <p:nvPr/>
+      </p:nvGrpSpPr>
+      <p:grpSpPr>
+        <a:xfrm>
+          <a:off x="0" y="0"/>
+          <a:ext cx="0" cy="0"/>
+          <a:chOff x="0" y="0"/>
+          <a:chExt cx="0" cy="0"/>
+        </a:xfrm>
+      </p:grpSpPr>
+      <p:sp>
+        <p:nvSpPr>
+          <p:cNvPr id="2" name="Title 1">
+            <a:extLst>
+              <a:ext uri="{FF2B5EF4-FFF2-40B4-BE49-F238E27FC236}">
+                <a16:creationId xmlns:a16="http://schemas.microsoft.com/office/drawing/2014/main" id="{B68E33C1-B991-97CB-A66A-3AE78583F4C2}"/>
+              </a:ext>
+            </a:extLst>
+          </p:cNvPr>
+          <p:cNvSpPr>
+            <a:spLocks noGrp="1"/>
+          </p:cNvSpPr>
+          <p:nvPr>
+            <p:ph type="title"/>
+          </p:nvPr>
+        </p:nvSpPr>
+        <p:spPr>
+          <a:xfrm>
+            <a:off x="981332" y="77694"/>
+            <a:ext cx="9905998" cy="1478570"/>
+          </a:xfrm>
+        </p:spPr>
+        <p:txBody>
+          <a:bodyPr/>
+          <a:lstStyle/>
+          <a:p>
+            <a:r>
+              <a:rPr lang="en-US" dirty="0" err="1"/>
+              <a:t>Github</a:t>
+            </a:r>
+            <a:r>
+              <a:rPr lang="en-US" dirty="0"/>
+              <a:t> navigation</a:t>
+            </a:r>
+          </a:p>
+        </p:txBody>
+      </p:sp>
+      <p:pic>
+        <p:nvPicPr>
+          <p:cNvPr id="4" name="Content Placeholder 3">
+            <a:extLst>
+              <a:ext uri="{FF2B5EF4-FFF2-40B4-BE49-F238E27FC236}">
+                <a16:creationId xmlns:a16="http://schemas.microsoft.com/office/drawing/2014/main" id="{9191007C-E76D-6777-BE9E-06616EAB48D0}"/>
+              </a:ext>
+            </a:extLst>
+          </p:cNvPr>
+          <p:cNvPicPr>
+            <a:picLocks noGrp="1" noChangeAspect="1"/>
+          </p:cNvPicPr>
+          <p:nvPr>
+            <p:ph idx="1"/>
+          </p:nvPr>
+        </p:nvPicPr>
+        <p:blipFill>
+          <a:blip r:embed="rId2"/>
+          <a:stretch>
+            <a:fillRect/>
+          </a:stretch>
+        </p:blipFill>
+        <p:spPr>
+          <a:xfrm>
+            <a:off x="197194" y="1113237"/>
+            <a:ext cx="11277630" cy="662154"/>
+          </a:xfrm>
+          <a:prstGeom prst="rect">
+            <a:avLst/>
+          </a:prstGeom>
+        </p:spPr>
+      </p:pic>
+      <p:pic>
+        <p:nvPicPr>
+          <p:cNvPr id="5" name="Picture 4">
+            <a:extLst>
+              <a:ext uri="{FF2B5EF4-FFF2-40B4-BE49-F238E27FC236}">
+                <a16:creationId xmlns:a16="http://schemas.microsoft.com/office/drawing/2014/main" id="{DC6A8B83-75B3-8885-9ADE-2606EFCF63D5}"/>
+              </a:ext>
+            </a:extLst>
+          </p:cNvPr>
+          <p:cNvPicPr>
+            <a:picLocks noChangeAspect="1"/>
+          </p:cNvPicPr>
+          <p:nvPr/>
+        </p:nvPicPr>
+        <p:blipFill>
+          <a:blip r:embed="rId3"/>
+          <a:stretch>
+            <a:fillRect/>
+          </a:stretch>
+        </p:blipFill>
+        <p:spPr>
+          <a:xfrm>
+            <a:off x="295516" y="3213764"/>
+            <a:ext cx="11277630" cy="718105"/>
+          </a:xfrm>
+          <a:prstGeom prst="rect">
+            <a:avLst/>
+          </a:prstGeom>
+        </p:spPr>
+      </p:pic>
+      <p:sp>
+        <p:nvSpPr>
+          <p:cNvPr id="6" name="TextBox 5">
+            <a:extLst>
+              <a:ext uri="{FF2B5EF4-FFF2-40B4-BE49-F238E27FC236}">
+                <a16:creationId xmlns:a16="http://schemas.microsoft.com/office/drawing/2014/main" id="{4AC07A09-2245-E7B0-8B3C-DDC9265CB9E6}"/>
+              </a:ext>
+            </a:extLst>
+          </p:cNvPr>
+          <p:cNvSpPr txBox="1"/>
+          <p:nvPr/>
+        </p:nvSpPr>
+        <p:spPr>
+          <a:xfrm>
+            <a:off x="295516" y="1914430"/>
+            <a:ext cx="11277630" cy="1200329"/>
+          </a:xfrm>
+          <a:prstGeom prst="rect">
+            <a:avLst/>
+          </a:prstGeom>
+          <a:noFill/>
+        </p:spPr>
+        <p:txBody>
+          <a:bodyPr wrap="square" rtlCol="0">
+            <a:spAutoFit/>
+          </a:bodyPr>
+          <a:lstStyle/>
+          <a:p>
+            <a:r>
+              <a:rPr lang="en-US" dirty="0"/>
+              <a:t>Briefly before we navigated through GITHUB. This serves as a refresher.</a:t>
+            </a:r>
+          </a:p>
+          <a:p>
+            <a:r>
+              <a:rPr lang="en-US" dirty="0"/>
+              <a:t>Repository: broken out into manageable sized container of code</a:t>
+            </a:r>
+          </a:p>
+          <a:p>
+            <a:r>
+              <a:rPr lang="en-US" dirty="0"/>
+              <a:t>Project: tracks current and future development </a:t>
+            </a:r>
+          </a:p>
+          <a:p>
+            <a:r>
+              <a:rPr lang="en-US" dirty="0"/>
+              <a:t>Teams: contains their own projects and links to repos </a:t>
+            </a:r>
+          </a:p>
+        </p:txBody>
+      </p:sp>
+      <p:sp>
+        <p:nvSpPr>
+          <p:cNvPr id="3" name="TextBox 2">
+            <a:extLst>
+              <a:ext uri="{FF2B5EF4-FFF2-40B4-BE49-F238E27FC236}">
+                <a16:creationId xmlns:a16="http://schemas.microsoft.com/office/drawing/2014/main" id="{3ABC46A0-BC85-2996-31F6-8F59B3F0499D}"/>
+              </a:ext>
+            </a:extLst>
+          </p:cNvPr>
+          <p:cNvSpPr txBox="1"/>
+          <p:nvPr/>
+        </p:nvSpPr>
+        <p:spPr>
+          <a:xfrm>
+            <a:off x="1310551" y="4030874"/>
+            <a:ext cx="9778501" cy="2585323"/>
+          </a:xfrm>
+          <a:prstGeom prst="rect">
+            <a:avLst/>
+          </a:prstGeom>
+          <a:noFill/>
+        </p:spPr>
+        <p:txBody>
+          <a:bodyPr wrap="square" rtlCol="0">
+            <a:spAutoFit/>
+          </a:bodyPr>
+          <a:lstStyle/>
+          <a:p>
+            <a:r>
+              <a:rPr lang="en-US" dirty="0"/>
+              <a:t>Inside Repos the menu changes to the one above</a:t>
+            </a:r>
+          </a:p>
+          <a:p>
+            <a:r>
+              <a:rPr lang="en-US" dirty="0"/>
+              <a:t>Code is the collection of code in each branch of the repo</a:t>
+            </a:r>
+          </a:p>
+          <a:p>
+            <a:r>
+              <a:rPr lang="en-US" dirty="0"/>
+              <a:t>Issue are associated tasks for the development team to work on (should only be in DEV_ repo)</a:t>
+            </a:r>
+          </a:p>
+          <a:p>
+            <a:r>
+              <a:rPr lang="en-US" dirty="0"/>
+              <a:t>Pull request are changes to the </a:t>
+            </a:r>
+            <a:r>
+              <a:rPr lang="en-US" dirty="0" err="1"/>
+              <a:t>codespace</a:t>
+            </a:r>
+            <a:r>
+              <a:rPr lang="en-US" dirty="0"/>
+              <a:t> from a fork of a development branch</a:t>
+            </a:r>
+          </a:p>
+          <a:p>
+            <a:r>
+              <a:rPr lang="en-US" dirty="0"/>
+              <a:t>Actions: are workflows set on users to preform a task. Not currently being used</a:t>
+            </a:r>
+          </a:p>
+          <a:p>
+            <a:r>
+              <a:rPr lang="en-US" dirty="0"/>
+              <a:t>Projects: can be repo specific, yet as an organization we are using org projects for better tracking</a:t>
+            </a:r>
+          </a:p>
+          <a:p>
+            <a:r>
+              <a:rPr lang="en-US" dirty="0"/>
+              <a:t>Wiki: Is documentation and roadmap for the software in the space. Not currently being used</a:t>
+            </a:r>
+          </a:p>
+          <a:p>
+            <a:r>
+              <a:rPr lang="en-US" dirty="0"/>
+              <a:t>Insights: Are statistics  linked to the repo which shows all the changes made</a:t>
+            </a:r>
+          </a:p>
+          <a:p>
+            <a:r>
+              <a:rPr lang="en-US" dirty="0"/>
+              <a:t>Settings: Shall only be used by admin. This sets rules for the repo.</a:t>
+            </a:r>
+          </a:p>
+        </p:txBody>
+      </p:sp>
+    </p:spTree>
+    <p:extLst>
+      <p:ext uri="{BB962C8B-B14F-4D97-AF65-F5344CB8AC3E}">
+        <p14:creationId xmlns:p14="http://schemas.microsoft.com/office/powerpoint/2010/main" val="230952666"/>
+      </p:ext>
+    </p:extLst>
+  </p:cSld>
+  <p:clrMapOvr>
+    <a:masterClrMapping/>
+  </p:clrMapOvr>
+</p:sld>
+</file>
+
+<file path=ppt/slides/slide20.xml><?xml version="1.0" encoding="utf-8"?>
+<p:sld xmlns:a="http://schemas.openxmlformats.org/drawingml/2006/main" xmlns:r="http://schemas.openxmlformats.org/officeDocument/2006/relationships" xmlns:p="http://schemas.openxmlformats.org/presentationml/2006/main">
+  <p:cSld>
+    <p:spTree>
+      <p:nvGrpSpPr>
+        <p:cNvPr id="1" name=""/>
+        <p:cNvGrpSpPr/>
+        <p:nvPr/>
+      </p:nvGrpSpPr>
+      <p:grpSpPr>
+        <a:xfrm>
+          <a:off x="0" y="0"/>
+          <a:ext cx="0" cy="0"/>
+          <a:chOff x="0" y="0"/>
+          <a:chExt cx="0" cy="0"/>
+        </a:xfrm>
+      </p:grpSpPr>
+      <p:sp>
+        <p:nvSpPr>
+          <p:cNvPr id="2" name="Title 1">
+            <a:extLst>
+              <a:ext uri="{FF2B5EF4-FFF2-40B4-BE49-F238E27FC236}">
+                <a16:creationId xmlns:a16="http://schemas.microsoft.com/office/drawing/2014/main" id="{EE268DD1-64BA-BAFB-5718-36A63AF8232E}"/>
+              </a:ext>
+            </a:extLst>
+          </p:cNvPr>
+          <p:cNvSpPr>
+            <a:spLocks noGrp="1"/>
+          </p:cNvSpPr>
+          <p:nvPr>
+            <p:ph type="title"/>
+          </p:nvPr>
+        </p:nvSpPr>
+        <p:spPr/>
+        <p:txBody>
+          <a:bodyPr/>
+          <a:lstStyle/>
+          <a:p>
+            <a:r>
+              <a:rPr lang="en-US" dirty="0"/>
+              <a:t>File change in pull-request</a:t>
+            </a:r>
+          </a:p>
+        </p:txBody>
+      </p:sp>
+      <p:pic>
+        <p:nvPicPr>
+          <p:cNvPr id="4" name="Content Placeholder 3" descr="A screenshot of a computer&#10;&#10;Description automatically generated">
+            <a:extLst>
+              <a:ext uri="{FF2B5EF4-FFF2-40B4-BE49-F238E27FC236}">
+                <a16:creationId xmlns:a16="http://schemas.microsoft.com/office/drawing/2014/main" id="{BDC1E027-215E-EC68-0156-23562E81B396}"/>
+              </a:ext>
+            </a:extLst>
+          </p:cNvPr>
+          <p:cNvPicPr>
+            <a:picLocks noGrp="1" noChangeAspect="1"/>
+          </p:cNvPicPr>
+          <p:nvPr>
+            <p:ph idx="1"/>
+          </p:nvPr>
+        </p:nvPicPr>
+        <p:blipFill>
+          <a:blip r:embed="rId2"/>
+          <a:stretch>
+            <a:fillRect/>
+          </a:stretch>
+        </p:blipFill>
+        <p:spPr>
+          <a:xfrm>
+            <a:off x="1141411" y="1800242"/>
+            <a:ext cx="9906000" cy="2867042"/>
+          </a:xfrm>
+          <a:prstGeom prst="rect">
+            <a:avLst/>
+          </a:prstGeom>
+        </p:spPr>
+      </p:pic>
+      <p:sp>
+        <p:nvSpPr>
+          <p:cNvPr id="5" name="TextBox 4">
+            <a:extLst>
+              <a:ext uri="{FF2B5EF4-FFF2-40B4-BE49-F238E27FC236}">
+                <a16:creationId xmlns:a16="http://schemas.microsoft.com/office/drawing/2014/main" id="{06F65E1C-1B19-EC6D-ADFD-54ED3C4A3AC4}"/>
+              </a:ext>
+            </a:extLst>
+          </p:cNvPr>
+          <p:cNvSpPr txBox="1"/>
+          <p:nvPr/>
+        </p:nvSpPr>
+        <p:spPr>
+          <a:xfrm>
+            <a:off x="1278193" y="5053781"/>
+            <a:ext cx="10782311" cy="1200329"/>
+          </a:xfrm>
+          <a:prstGeom prst="rect">
+            <a:avLst/>
+          </a:prstGeom>
+          <a:noFill/>
+        </p:spPr>
+        <p:txBody>
+          <a:bodyPr wrap="none" rtlCol="0">
+            <a:spAutoFit/>
+          </a:bodyPr>
+          <a:lstStyle/>
+          <a:p>
+            <a:r>
+              <a:rPr lang="en-US" dirty="0"/>
+              <a:t>Each change made in the codebase is shown under the files changed tab.</a:t>
+            </a:r>
+          </a:p>
+          <a:p>
+            <a:r>
+              <a:rPr lang="en-US" dirty="0"/>
+              <a:t>Reviewers can add comments in the code locations</a:t>
+            </a:r>
+          </a:p>
+          <a:p>
+            <a:r>
+              <a:rPr lang="en-US" dirty="0"/>
+              <a:t>Developer can alter the codebase while the pull-request is still active and the changes will update the files changed</a:t>
+            </a:r>
+          </a:p>
+          <a:p>
+            <a:endParaRPr lang="en-US" dirty="0"/>
+          </a:p>
+        </p:txBody>
+      </p:sp>
+    </p:spTree>
+    <p:extLst>
+      <p:ext uri="{BB962C8B-B14F-4D97-AF65-F5344CB8AC3E}">
+        <p14:creationId xmlns:p14="http://schemas.microsoft.com/office/powerpoint/2010/main" val="3353178044"/>
+      </p:ext>
+    </p:extLst>
+  </p:cSld>
+  <p:clrMapOvr>
+    <a:masterClrMapping/>
+  </p:clrMapOvr>
+</p:sld>
+</file>
+
+<file path=ppt/slides/slide21.xml><?xml version="1.0" encoding="utf-8"?>
+<p:sld xmlns:a="http://schemas.openxmlformats.org/drawingml/2006/main" xmlns:r="http://schemas.openxmlformats.org/officeDocument/2006/relationships" xmlns:p="http://schemas.openxmlformats.org/presentationml/2006/main">
+  <p:cSld>
+    <p:spTree>
+      <p:nvGrpSpPr>
+        <p:cNvPr id="1" name=""/>
+        <p:cNvGrpSpPr/>
+        <p:nvPr/>
+      </p:nvGrpSpPr>
+      <p:grpSpPr>
+        <a:xfrm>
+          <a:off x="0" y="0"/>
+          <a:ext cx="0" cy="0"/>
+          <a:chOff x="0" y="0"/>
+          <a:chExt cx="0" cy="0"/>
+        </a:xfrm>
+      </p:grpSpPr>
+      <p:sp>
+        <p:nvSpPr>
+          <p:cNvPr id="2" name="Title 1">
+            <a:extLst>
+              <a:ext uri="{FF2B5EF4-FFF2-40B4-BE49-F238E27FC236}">
+                <a16:creationId xmlns:a16="http://schemas.microsoft.com/office/drawing/2014/main" id="{1A05AFA7-60E8-CFF0-0243-68076307C46A}"/>
+              </a:ext>
+            </a:extLst>
+          </p:cNvPr>
+          <p:cNvSpPr>
+            <a:spLocks noGrp="1"/>
+          </p:cNvSpPr>
+          <p:nvPr>
+            <p:ph type="title"/>
+          </p:nvPr>
+        </p:nvSpPr>
+        <p:spPr/>
+        <p:txBody>
+          <a:bodyPr/>
+          <a:lstStyle/>
+          <a:p>
+            <a:r>
+              <a:rPr lang="en-US" dirty="0"/>
+              <a:t>tagging</a:t>
+            </a:r>
+          </a:p>
+        </p:txBody>
+      </p:sp>
+      <p:sp>
+        <p:nvSpPr>
+          <p:cNvPr id="3" name="Content Placeholder 2">
+            <a:extLst>
+              <a:ext uri="{FF2B5EF4-FFF2-40B4-BE49-F238E27FC236}">
+                <a16:creationId xmlns:a16="http://schemas.microsoft.com/office/drawing/2014/main" id="{E1CA8A8B-2F66-A424-D387-F3D2738FC371}"/>
+              </a:ext>
+            </a:extLst>
+          </p:cNvPr>
+          <p:cNvSpPr>
+            <a:spLocks noGrp="1"/>
+          </p:cNvSpPr>
+          <p:nvPr>
+            <p:ph idx="1"/>
+          </p:nvPr>
+        </p:nvSpPr>
+        <p:spPr/>
+        <p:txBody>
+          <a:bodyPr/>
+          <a:lstStyle/>
+          <a:p>
+            <a:r>
+              <a:rPr lang="en-US" dirty="0"/>
+              <a:t>After testing is complete, DEV_ branch have been merged into </a:t>
+            </a:r>
+            <a:r>
+              <a:rPr lang="en-US" dirty="0" err="1"/>
+              <a:t>BuildInit</a:t>
+            </a:r>
+            <a:r>
+              <a:rPr lang="en-US" dirty="0"/>
+              <a:t>, and the installer is in box. A tag can be created.</a:t>
+            </a:r>
+          </a:p>
+          <a:p>
+            <a:r>
+              <a:rPr lang="en-US" dirty="0"/>
+              <a:t>A tag shall only be created on </a:t>
+            </a:r>
+            <a:r>
+              <a:rPr lang="en-US" dirty="0" err="1"/>
+              <a:t>BuildInit</a:t>
+            </a:r>
+            <a:endParaRPr lang="en-US" dirty="0"/>
+          </a:p>
+          <a:p>
+            <a:r>
+              <a:rPr lang="en-US" dirty="0"/>
+              <a:t>Tags shall be generated in bash.</a:t>
+            </a:r>
+          </a:p>
+          <a:p>
+            <a:r>
+              <a:rPr lang="en-US" dirty="0"/>
+              <a:t>All tags shall be &lt;product&gt;_&lt;year&gt;_&lt;version&gt;</a:t>
+            </a:r>
+          </a:p>
+          <a:p>
+            <a:r>
+              <a:rPr lang="en-US" dirty="0"/>
+              <a:t>Call for auto-tag: </a:t>
+            </a:r>
+            <a:r>
+              <a:rPr lang="en-US" sz="1800" kern="100" dirty="0">
+                <a:effectLst/>
+                <a:latin typeface="Aptos" panose="020B0004020202020204" pitchFamily="34" charset="0"/>
+                <a:ea typeface="Aptos" panose="020B0004020202020204" pitchFamily="34" charset="0"/>
+                <a:cs typeface="Times New Roman" panose="02020603050405020304" pitchFamily="18" charset="0"/>
+              </a:rPr>
+              <a:t>Bash APEX_Release_Tag.sh &lt;name of tag&gt;</a:t>
+            </a:r>
+          </a:p>
+        </p:txBody>
+      </p:sp>
+      <p:pic>
+        <p:nvPicPr>
+          <p:cNvPr id="4" name="Picture 3">
+            <a:extLst>
+              <a:ext uri="{FF2B5EF4-FFF2-40B4-BE49-F238E27FC236}">
+                <a16:creationId xmlns:a16="http://schemas.microsoft.com/office/drawing/2014/main" id="{D2186AD0-C82A-D3E2-F7BD-93BE4C09A8AB}"/>
+              </a:ext>
+            </a:extLst>
+          </p:cNvPr>
+          <p:cNvPicPr>
+            <a:picLocks noChangeAspect="1"/>
+          </p:cNvPicPr>
+          <p:nvPr/>
+        </p:nvPicPr>
+        <p:blipFill>
+          <a:blip r:embed="rId2"/>
+          <a:stretch>
+            <a:fillRect/>
+          </a:stretch>
+        </p:blipFill>
+        <p:spPr>
+          <a:xfrm>
+            <a:off x="4453030" y="828828"/>
+            <a:ext cx="1721628" cy="821686"/>
+          </a:xfrm>
+          <a:prstGeom prst="rect">
+            <a:avLst/>
+          </a:prstGeom>
+        </p:spPr>
+      </p:pic>
+    </p:spTree>
+    <p:extLst>
+      <p:ext uri="{BB962C8B-B14F-4D97-AF65-F5344CB8AC3E}">
+        <p14:creationId xmlns:p14="http://schemas.microsoft.com/office/powerpoint/2010/main" val="2160998338"/>
+      </p:ext>
+    </p:extLst>
+  </p:cSld>
+  <p:clrMapOvr>
+    <a:masterClrMapping/>
+  </p:clrMapOvr>
+</p:sld>
+</file>
+
+<file path=ppt/slides/slide3.xml><?xml version="1.0" encoding="utf-8"?>
+<p:sld xmlns:a="http://schemas.openxmlformats.org/drawingml/2006/main" xmlns:r="http://schemas.openxmlformats.org/officeDocument/2006/relationships" xmlns:p="http://schemas.openxmlformats.org/presentationml/2006/main">
+  <p:cSld>
+    <p:spTree>
+      <p:nvGrpSpPr>
+        <p:cNvPr id="1" name=""/>
+        <p:cNvGrpSpPr/>
+        <p:nvPr/>
+      </p:nvGrpSpPr>
+      <p:grpSpPr>
+        <a:xfrm>
+          <a:off x="0" y="0"/>
+          <a:ext cx="0" cy="0"/>
+          <a:chOff x="0" y="0"/>
+          <a:chExt cx="0" cy="0"/>
+        </a:xfrm>
+      </p:grpSpPr>
+      <p:sp>
+        <p:nvSpPr>
+          <p:cNvPr id="2" name="Title 1">
+            <a:extLst>
+              <a:ext uri="{FF2B5EF4-FFF2-40B4-BE49-F238E27FC236}">
+                <a16:creationId xmlns:a16="http://schemas.microsoft.com/office/drawing/2014/main" id="{4263945F-3198-5C74-D6ED-F5EEB7A3D8E7}"/>
+              </a:ext>
+            </a:extLst>
+          </p:cNvPr>
+          <p:cNvSpPr>
+            <a:spLocks noGrp="1"/>
+          </p:cNvSpPr>
+          <p:nvPr>
+            <p:ph type="title"/>
+          </p:nvPr>
+        </p:nvSpPr>
+        <p:spPr/>
+        <p:txBody>
+          <a:bodyPr/>
+          <a:lstStyle/>
+          <a:p>
+            <a:r>
+              <a:rPr lang="en-US" dirty="0"/>
+              <a:t>Projects</a:t>
+            </a:r>
+          </a:p>
+        </p:txBody>
+      </p:sp>
+      <p:pic>
+        <p:nvPicPr>
+          <p:cNvPr id="5" name="Content Placeholder 4">
+            <a:extLst>
+              <a:ext uri="{FF2B5EF4-FFF2-40B4-BE49-F238E27FC236}">
+                <a16:creationId xmlns:a16="http://schemas.microsoft.com/office/drawing/2014/main" id="{88CE9286-4AF0-1D39-2B9C-EF76A29453A8}"/>
+              </a:ext>
+            </a:extLst>
+          </p:cNvPr>
+          <p:cNvPicPr>
+            <a:picLocks noGrp="1" noChangeAspect="1"/>
+          </p:cNvPicPr>
+          <p:nvPr>
+            <p:ph idx="1"/>
+          </p:nvPr>
+        </p:nvPicPr>
+        <p:blipFill>
+          <a:blip r:embed="rId2"/>
+          <a:stretch>
+            <a:fillRect/>
+          </a:stretch>
+        </p:blipFill>
+        <p:spPr>
+          <a:xfrm>
+            <a:off x="1141413" y="2231723"/>
+            <a:ext cx="3831640" cy="3945555"/>
+          </a:xfrm>
+        </p:spPr>
+      </p:pic>
+      <p:pic>
+        <p:nvPicPr>
+          <p:cNvPr id="7" name="Picture 6">
+            <a:extLst>
+              <a:ext uri="{FF2B5EF4-FFF2-40B4-BE49-F238E27FC236}">
+                <a16:creationId xmlns:a16="http://schemas.microsoft.com/office/drawing/2014/main" id="{56764281-CEB5-3326-4B8D-CB597015DFBA}"/>
+              </a:ext>
+            </a:extLst>
+          </p:cNvPr>
+          <p:cNvPicPr>
+            <a:picLocks noChangeAspect="1"/>
+          </p:cNvPicPr>
+          <p:nvPr/>
+        </p:nvPicPr>
+        <p:blipFill>
+          <a:blip r:embed="rId3"/>
+          <a:stretch>
+            <a:fillRect/>
+          </a:stretch>
+        </p:blipFill>
+        <p:spPr>
+          <a:xfrm>
+            <a:off x="4973052" y="2231723"/>
+            <a:ext cx="4084343" cy="3945555"/>
+          </a:xfrm>
+          <a:prstGeom prst="rect">
+            <a:avLst/>
+          </a:prstGeom>
+        </p:spPr>
+      </p:pic>
+      <p:sp>
+        <p:nvSpPr>
+          <p:cNvPr id="3" name="TextBox 2">
+            <a:extLst>
+              <a:ext uri="{FF2B5EF4-FFF2-40B4-BE49-F238E27FC236}">
+                <a16:creationId xmlns:a16="http://schemas.microsoft.com/office/drawing/2014/main" id="{59AF13F9-C246-FA34-DD3F-CE01B31B10BA}"/>
+              </a:ext>
+            </a:extLst>
+          </p:cNvPr>
+          <p:cNvSpPr txBox="1"/>
+          <p:nvPr/>
+        </p:nvSpPr>
+        <p:spPr>
+          <a:xfrm>
+            <a:off x="1258529" y="1769806"/>
+            <a:ext cx="7931787" cy="369332"/>
+          </a:xfrm>
+          <a:prstGeom prst="rect">
+            <a:avLst/>
+          </a:prstGeom>
+          <a:noFill/>
+        </p:spPr>
+        <p:txBody>
+          <a:bodyPr wrap="none" rtlCol="0">
+            <a:spAutoFit/>
+          </a:bodyPr>
+          <a:lstStyle/>
+          <a:p>
+            <a:r>
+              <a:rPr lang="en-US" dirty="0"/>
+              <a:t>Tracks development efforts. All Issues and Pull Requests shall be assigned to a Project</a:t>
+            </a:r>
+          </a:p>
+        </p:txBody>
+      </p:sp>
+    </p:spTree>
+    <p:extLst>
+      <p:ext uri="{BB962C8B-B14F-4D97-AF65-F5344CB8AC3E}">
+        <p14:creationId xmlns:p14="http://schemas.microsoft.com/office/powerpoint/2010/main" val="396251604"/>
+      </p:ext>
+    </p:extLst>
+  </p:cSld>
+  <p:clrMapOvr>
+    <a:masterClrMapping/>
+  </p:clrMapOvr>
+</p:sld>
+</file>
+
+<file path=ppt/slides/slide4.xml><?xml version="1.0" encoding="utf-8"?>
+<p:sld xmlns:a="http://schemas.openxmlformats.org/drawingml/2006/main" xmlns:r="http://schemas.openxmlformats.org/officeDocument/2006/relationships" xmlns:p="http://schemas.openxmlformats.org/presentationml/2006/main">
+  <p:cSld>
+    <p:spTree>
+      <p:nvGrpSpPr>
+        <p:cNvPr id="1" name=""/>
+        <p:cNvGrpSpPr/>
+        <p:nvPr/>
+      </p:nvGrpSpPr>
+      <p:grpSpPr>
+        <a:xfrm>
+          <a:off x="0" y="0"/>
+          <a:ext cx="0" cy="0"/>
+          <a:chOff x="0" y="0"/>
+          <a:chExt cx="0" cy="0"/>
+        </a:xfrm>
+      </p:grpSpPr>
+      <p:sp>
+        <p:nvSpPr>
+          <p:cNvPr id="2" name="Title 1">
+            <a:extLst>
+              <a:ext uri="{FF2B5EF4-FFF2-40B4-BE49-F238E27FC236}">
+                <a16:creationId xmlns:a16="http://schemas.microsoft.com/office/drawing/2014/main" id="{11B1F766-2509-E54E-274A-981E50E2BADF}"/>
+              </a:ext>
+            </a:extLst>
+          </p:cNvPr>
+          <p:cNvSpPr>
+            <a:spLocks noGrp="1"/>
+          </p:cNvSpPr>
+          <p:nvPr>
+            <p:ph type="title"/>
+          </p:nvPr>
+        </p:nvSpPr>
+        <p:spPr/>
+        <p:txBody>
+          <a:bodyPr/>
+          <a:lstStyle/>
+          <a:p>
+            <a:r>
+              <a:rPr lang="en-US" dirty="0"/>
+              <a:t>Repository</a:t>
+            </a:r>
+          </a:p>
+        </p:txBody>
+      </p:sp>
+      <p:sp>
+        <p:nvSpPr>
+          <p:cNvPr id="3" name="Content Placeholder 2">
+            <a:extLst>
+              <a:ext uri="{FF2B5EF4-FFF2-40B4-BE49-F238E27FC236}">
+                <a16:creationId xmlns:a16="http://schemas.microsoft.com/office/drawing/2014/main" id="{5D2AA86D-35B9-3C64-6AA8-2F0836C7DCE7}"/>
+              </a:ext>
+            </a:extLst>
+          </p:cNvPr>
+          <p:cNvSpPr>
+            <a:spLocks noGrp="1"/>
+          </p:cNvSpPr>
+          <p:nvPr>
+            <p:ph idx="1"/>
+          </p:nvPr>
+        </p:nvSpPr>
+        <p:spPr/>
+        <p:txBody>
+          <a:bodyPr/>
+          <a:lstStyle/>
+          <a:p>
+            <a:r>
+              <a:rPr lang="en-US" dirty="0"/>
+              <a:t>Only the  DEV_ repo’s shall have Issues associated. </a:t>
+            </a:r>
+          </a:p>
+          <a:p>
+            <a:r>
+              <a:rPr lang="en-US" dirty="0"/>
+              <a:t>No development shall be done directly on the </a:t>
+            </a:r>
+            <a:r>
+              <a:rPr lang="en-US" dirty="0" err="1"/>
+              <a:t>BreaultSWD</a:t>
+            </a:r>
+            <a:r>
+              <a:rPr lang="en-US" dirty="0"/>
+              <a:t> repo’s</a:t>
+            </a:r>
+          </a:p>
+          <a:p>
+            <a:r>
+              <a:rPr lang="en-US" dirty="0"/>
+              <a:t>All development shall be on forks</a:t>
+            </a:r>
+          </a:p>
+          <a:p>
+            <a:r>
+              <a:rPr lang="en-US" dirty="0"/>
+              <a:t>All test cases shall be in associated </a:t>
+            </a:r>
+            <a:r>
+              <a:rPr lang="en-US" dirty="0" err="1"/>
+              <a:t>Test_Repo</a:t>
+            </a:r>
+            <a:endParaRPr lang="en-US" dirty="0"/>
+          </a:p>
+          <a:p>
+            <a:pPr marL="0" indent="0">
+              <a:buNone/>
+            </a:pPr>
+            <a:endParaRPr lang="en-US" dirty="0"/>
+          </a:p>
+        </p:txBody>
+      </p:sp>
+    </p:spTree>
+    <p:extLst>
+      <p:ext uri="{BB962C8B-B14F-4D97-AF65-F5344CB8AC3E}">
+        <p14:creationId xmlns:p14="http://schemas.microsoft.com/office/powerpoint/2010/main" val="1863103280"/>
+      </p:ext>
+    </p:extLst>
+  </p:cSld>
+  <p:clrMapOvr>
+    <a:masterClrMapping/>
+  </p:clrMapOvr>
+</p:sld>
+</file>
+
+<file path=ppt/slides/slide5.xml><?xml version="1.0" encoding="utf-8"?>
+<p:sld xmlns:a="http://schemas.openxmlformats.org/drawingml/2006/main" xmlns:r="http://schemas.openxmlformats.org/officeDocument/2006/relationships" xmlns:p="http://schemas.openxmlformats.org/presentationml/2006/main">
+  <p:cSld>
+    <p:spTree>
+      <p:nvGrpSpPr>
+        <p:cNvPr id="1" name=""/>
+        <p:cNvGrpSpPr/>
+        <p:nvPr/>
+      </p:nvGrpSpPr>
+      <p:grpSpPr>
+        <a:xfrm>
+          <a:off x="0" y="0"/>
+          <a:ext cx="0" cy="0"/>
+          <a:chOff x="0" y="0"/>
+          <a:chExt cx="0" cy="0"/>
+        </a:xfrm>
+      </p:grpSpPr>
+      <p:sp>
+        <p:nvSpPr>
+          <p:cNvPr id="2" name="Title 1">
+            <a:extLst>
+              <a:ext uri="{FF2B5EF4-FFF2-40B4-BE49-F238E27FC236}">
+                <a16:creationId xmlns:a16="http://schemas.microsoft.com/office/drawing/2014/main" id="{3214BDEF-35E5-7F7B-D581-5A2A96C5A6C4}"/>
+              </a:ext>
+            </a:extLst>
+          </p:cNvPr>
+          <p:cNvSpPr>
+            <a:spLocks noGrp="1"/>
+          </p:cNvSpPr>
+          <p:nvPr>
+            <p:ph type="title"/>
+          </p:nvPr>
+        </p:nvSpPr>
+        <p:spPr/>
+        <p:txBody>
+          <a:bodyPr/>
+          <a:lstStyle/>
+          <a:p>
+            <a:r>
+              <a:rPr lang="en-US" dirty="0"/>
+              <a:t>Creating a new fork</a:t>
+            </a:r>
+          </a:p>
+        </p:txBody>
+      </p:sp>
+      <p:pic>
+        <p:nvPicPr>
+          <p:cNvPr id="4" name="Content Placeholder 3" descr="A screenshot of a computer&#10;&#10;Description automatically generated">
+            <a:extLst>
+              <a:ext uri="{FF2B5EF4-FFF2-40B4-BE49-F238E27FC236}">
+                <a16:creationId xmlns:a16="http://schemas.microsoft.com/office/drawing/2014/main" id="{95B761B1-FE14-82FA-1C4D-C5C9AAB85C93}"/>
+              </a:ext>
+            </a:extLst>
+          </p:cNvPr>
+          <p:cNvPicPr>
+            <a:picLocks noGrp="1" noChangeAspect="1"/>
+          </p:cNvPicPr>
+          <p:nvPr>
+            <p:ph idx="1"/>
+          </p:nvPr>
+        </p:nvPicPr>
+        <p:blipFill rotWithShape="1">
+          <a:blip r:embed="rId2">
+            <a:extLst>
+              <a:ext uri="{28A0092B-C50C-407E-A947-70E740481C1C}">
+                <a14:useLocalDpi xmlns:a14="http://schemas.microsoft.com/office/drawing/2010/main" val="0"/>
+              </a:ext>
+            </a:extLst>
+          </a:blip>
+          <a:srcRect t="3973" r="7436" b="3311"/>
+          <a:stretch/>
+        </p:blipFill>
+        <p:spPr bwMode="auto">
+          <a:xfrm>
+            <a:off x="608961" y="1701416"/>
+            <a:ext cx="7407314" cy="5027444"/>
+          </a:xfrm>
+          <a:prstGeom prst="rect">
+            <a:avLst/>
+          </a:prstGeom>
+          <a:ln>
+            <a:noFill/>
+          </a:ln>
+          <a:extLst>
+            <a:ext uri="{53640926-AAD7-44D8-BBD7-CCE9431645EC}">
+              <a14:shadowObscured xmlns:a14="http://schemas.microsoft.com/office/drawing/2010/main"/>
+            </a:ext>
+          </a:extLst>
+        </p:spPr>
+      </p:pic>
+      <p:pic>
+        <p:nvPicPr>
+          <p:cNvPr id="5" name="Picture 4" descr="A screenshot of a computer&#10;&#10;Description automatically generated">
+            <a:extLst>
+              <a:ext uri="{FF2B5EF4-FFF2-40B4-BE49-F238E27FC236}">
+                <a16:creationId xmlns:a16="http://schemas.microsoft.com/office/drawing/2014/main" id="{92DB6C5C-3533-FD89-C508-2AB84CAD1B8F}"/>
+              </a:ext>
+            </a:extLst>
+          </p:cNvPr>
+          <p:cNvPicPr>
+            <a:picLocks noChangeAspect="1"/>
+          </p:cNvPicPr>
+          <p:nvPr/>
+        </p:nvPicPr>
+        <p:blipFill rotWithShape="1">
+          <a:blip r:embed="rId3">
+            <a:extLst>
+              <a:ext uri="{28A0092B-C50C-407E-A947-70E740481C1C}">
+                <a14:useLocalDpi xmlns:a14="http://schemas.microsoft.com/office/drawing/2010/main" val="0"/>
+              </a:ext>
+            </a:extLst>
+          </a:blip>
+          <a:srcRect t="17984"/>
+          <a:stretch/>
+        </p:blipFill>
+        <p:spPr bwMode="auto">
+          <a:xfrm>
+            <a:off x="6347894" y="861946"/>
+            <a:ext cx="4212590" cy="839470"/>
+          </a:xfrm>
+          <a:prstGeom prst="rect">
+            <a:avLst/>
+          </a:prstGeom>
+          <a:ln>
+            <a:noFill/>
+          </a:ln>
+          <a:extLst>
+            <a:ext uri="{53640926-AAD7-44D8-BBD7-CCE9431645EC}">
+              <a14:shadowObscured xmlns:a14="http://schemas.microsoft.com/office/drawing/2010/main"/>
+            </a:ext>
+          </a:extLst>
+        </p:spPr>
+      </p:pic>
+      <p:sp>
+        <p:nvSpPr>
+          <p:cNvPr id="3" name="TextBox 2">
+            <a:extLst>
+              <a:ext uri="{FF2B5EF4-FFF2-40B4-BE49-F238E27FC236}">
+                <a16:creationId xmlns:a16="http://schemas.microsoft.com/office/drawing/2014/main" id="{2E9DCE94-8F49-DA24-B3AC-F2407DAE9F30}"/>
+              </a:ext>
+            </a:extLst>
+          </p:cNvPr>
+          <p:cNvSpPr txBox="1"/>
+          <p:nvPr/>
+        </p:nvSpPr>
+        <p:spPr>
+          <a:xfrm>
+            <a:off x="8327923" y="2330245"/>
+            <a:ext cx="3825021" cy="3693319"/>
+          </a:xfrm>
+          <a:prstGeom prst="rect">
+            <a:avLst/>
+          </a:prstGeom>
+          <a:noFill/>
+        </p:spPr>
+        <p:txBody>
+          <a:bodyPr wrap="none" rtlCol="0">
+            <a:spAutoFit/>
+          </a:bodyPr>
+          <a:lstStyle/>
+          <a:p>
+            <a:r>
+              <a:rPr lang="en-US" dirty="0"/>
+              <a:t>Select fork in the given repo</a:t>
+            </a:r>
+          </a:p>
+          <a:p>
+            <a:endParaRPr lang="en-US" dirty="0"/>
+          </a:p>
+          <a:p>
+            <a:r>
+              <a:rPr lang="en-US" dirty="0"/>
+              <a:t>De-select Copy &lt;Trunk&gt; branch only</a:t>
+            </a:r>
+          </a:p>
+          <a:p>
+            <a:endParaRPr lang="en-US" dirty="0"/>
+          </a:p>
+          <a:p>
+            <a:r>
+              <a:rPr lang="en-US" dirty="0"/>
+              <a:t>Create fork</a:t>
+            </a:r>
+          </a:p>
+          <a:p>
+            <a:endParaRPr lang="en-US" dirty="0"/>
+          </a:p>
+          <a:p>
+            <a:r>
+              <a:rPr lang="en-US" dirty="0"/>
+              <a:t>NOTE: if the fork or the repo does not</a:t>
+            </a:r>
+          </a:p>
+          <a:p>
+            <a:r>
+              <a:rPr lang="en-US" dirty="0"/>
+              <a:t>Have a DEV_ branch before the branch</a:t>
+            </a:r>
+          </a:p>
+          <a:p>
+            <a:r>
+              <a:rPr lang="en-US" dirty="0"/>
+              <a:t>Is created. This can be done after</a:t>
+            </a:r>
+          </a:p>
+          <a:p>
+            <a:endParaRPr lang="en-US" dirty="0"/>
+          </a:p>
+          <a:p>
+            <a:r>
+              <a:rPr lang="en-US" dirty="0"/>
+              <a:t>If the developer has an existing fork</a:t>
+            </a:r>
+          </a:p>
+          <a:p>
+            <a:r>
+              <a:rPr lang="en-US" dirty="0"/>
+              <a:t>Creating a branch and syncing can be</a:t>
+            </a:r>
+          </a:p>
+          <a:p>
+            <a:r>
+              <a:rPr lang="en-US" dirty="0"/>
+              <a:t>Done.</a:t>
+            </a:r>
+          </a:p>
+        </p:txBody>
+      </p:sp>
+    </p:spTree>
+    <p:extLst>
+      <p:ext uri="{BB962C8B-B14F-4D97-AF65-F5344CB8AC3E}">
+        <p14:creationId xmlns:p14="http://schemas.microsoft.com/office/powerpoint/2010/main" val="1090958267"/>
+      </p:ext>
+    </p:extLst>
+  </p:cSld>
+  <p:clrMapOvr>
+    <a:masterClrMapping/>
+  </p:clrMapOvr>
+</p:sld>
+</file>
+
+<file path=ppt/slides/slide6.xml><?xml version="1.0" encoding="utf-8"?>
+<p:sld xmlns:a="http://schemas.openxmlformats.org/drawingml/2006/main" xmlns:r="http://schemas.openxmlformats.org/officeDocument/2006/relationships" xmlns:p="http://schemas.openxmlformats.org/presentationml/2006/main">
+  <p:cSld>
+    <p:spTree>
+      <p:nvGrpSpPr>
+        <p:cNvPr id="1" name=""/>
+        <p:cNvGrpSpPr/>
+        <p:nvPr/>
+      </p:nvGrpSpPr>
+      <p:grpSpPr>
+        <a:xfrm>
+          <a:off x="0" y="0"/>
+          <a:ext cx="0" cy="0"/>
+          <a:chOff x="0" y="0"/>
+          <a:chExt cx="0" cy="0"/>
+        </a:xfrm>
+      </p:grpSpPr>
+      <p:sp>
+        <p:nvSpPr>
+          <p:cNvPr id="2" name="Title 1">
+            <a:extLst>
+              <a:ext uri="{FF2B5EF4-FFF2-40B4-BE49-F238E27FC236}">
+                <a16:creationId xmlns:a16="http://schemas.microsoft.com/office/drawing/2014/main" id="{A77D993A-620E-628A-58CF-D2EF3B3AB317}"/>
+              </a:ext>
+            </a:extLst>
+          </p:cNvPr>
+          <p:cNvSpPr>
+            <a:spLocks noGrp="1"/>
+          </p:cNvSpPr>
+          <p:nvPr>
+            <p:ph type="title"/>
+          </p:nvPr>
+        </p:nvSpPr>
+        <p:spPr/>
+        <p:txBody>
+          <a:bodyPr/>
+          <a:lstStyle/>
+          <a:p>
+            <a:r>
+              <a:rPr lang="en-US" dirty="0"/>
+              <a:t>DEV_ repo</a:t>
+            </a:r>
+          </a:p>
+        </p:txBody>
+      </p:sp>
+      <p:sp>
+        <p:nvSpPr>
+          <p:cNvPr id="3" name="Content Placeholder 2">
+            <a:extLst>
+              <a:ext uri="{FF2B5EF4-FFF2-40B4-BE49-F238E27FC236}">
+                <a16:creationId xmlns:a16="http://schemas.microsoft.com/office/drawing/2014/main" id="{04662DD2-C15E-7D63-6BE0-F25098C453F7}"/>
+              </a:ext>
+            </a:extLst>
+          </p:cNvPr>
+          <p:cNvSpPr>
+            <a:spLocks noGrp="1"/>
+          </p:cNvSpPr>
+          <p:nvPr>
+            <p:ph idx="1"/>
+          </p:nvPr>
+        </p:nvSpPr>
+        <p:spPr/>
+        <p:txBody>
+          <a:bodyPr/>
+          <a:lstStyle/>
+          <a:p>
+            <a:r>
+              <a:rPr lang="en-US" dirty="0"/>
+              <a:t>All research, development notes, and work completed is uploaded in Design_ branch per-version</a:t>
+            </a:r>
+          </a:p>
+          <a:p>
+            <a:r>
+              <a:rPr lang="en-US" dirty="0"/>
+              <a:t>Each version branch has a readme that contains: issues completed and link</a:t>
+            </a:r>
+          </a:p>
+          <a:p>
+            <a:r>
+              <a:rPr lang="en-US" dirty="0"/>
+              <a:t>The readme will aid the release notes per version</a:t>
+            </a:r>
+          </a:p>
+          <a:p>
+            <a:r>
+              <a:rPr lang="en-US" dirty="0"/>
+              <a:t>All new issues shall be associated to a DEV_ repo</a:t>
+            </a:r>
+          </a:p>
+        </p:txBody>
+      </p:sp>
+    </p:spTree>
+    <p:extLst>
+      <p:ext uri="{BB962C8B-B14F-4D97-AF65-F5344CB8AC3E}">
+        <p14:creationId xmlns:p14="http://schemas.microsoft.com/office/powerpoint/2010/main" val="1951226998"/>
+      </p:ext>
+    </p:extLst>
+  </p:cSld>
+  <p:clrMapOvr>
+    <a:masterClrMapping/>
+  </p:clrMapOvr>
+</p:sld>
+</file>
+
+<file path=ppt/slides/slide7.xml><?xml version="1.0" encoding="utf-8"?>
+<p:sld xmlns:a="http://schemas.openxmlformats.org/drawingml/2006/main" xmlns:r="http://schemas.openxmlformats.org/officeDocument/2006/relationships" xmlns:p="http://schemas.openxmlformats.org/presentationml/2006/main">
+  <p:cSld>
+    <p:bg>
+      <p:bgPr>
+        <a:blipFill>
+          <a:blip r:embed="rId2">
+            <a:duotone>
+              <a:schemeClr val="bg2">
+                <a:shade val="88000"/>
+                <a:hueMod val="106000"/>
+                <a:satMod val="140000"/>
+                <a:lumMod val="54000"/>
+              </a:schemeClr>
+              <a:schemeClr val="bg2">
+                <a:tint val="98000"/>
+                <a:hueMod val="90000"/>
+                <a:satMod val="150000"/>
+                <a:lumMod val="160000"/>
+              </a:schemeClr>
+            </a:duotone>
+          </a:blip>
+          <a:stretch/>
+        </a:blipFill>
+        <a:effectLst/>
+      </p:bgPr>
+    </p:bg>
+    <p:spTree>
+      <p:nvGrpSpPr>
+        <p:cNvPr id="1" name=""/>
+        <p:cNvGrpSpPr/>
+        <p:nvPr/>
+      </p:nvGrpSpPr>
+      <p:grpSpPr>
+        <a:xfrm>
+          <a:off x="0" y="0"/>
+          <a:ext cx="0" cy="0"/>
+          <a:chOff x="0" y="0"/>
+          <a:chExt cx="0" cy="0"/>
+        </a:xfrm>
+      </p:grpSpPr>
+      <p:sp useBgFill="1">
+        <p:nvSpPr>
+          <p:cNvPr id="11" name="Rectangle 10">
+            <a:extLst>
+              <a:ext uri="{FF2B5EF4-FFF2-40B4-BE49-F238E27FC236}">
+                <a16:creationId xmlns:a16="http://schemas.microsoft.com/office/drawing/2014/main" id="{C2E4E997-8672-4FFD-B8EC-9932A8E4714B}"/>
+              </a:ext>
+              <a:ext uri="{C183D7F6-B498-43B3-948B-1728B52AA6E4}">
+                <adec:decorative xmlns:adec="http://schemas.microsoft.com/office/drawing/2017/decorative" val="1"/>
+              </a:ext>
+            </a:extLst>
+          </p:cNvPr>
+          <p:cNvSpPr>
+            <a:spLocks noGrp="1" noRot="1" noChangeAspect="1" noMove="1" noResize="1" noEditPoints="1" noAdjustHandles="1" noChangeArrowheads="1" noChangeShapeType="1" noTextEdit="1"/>
+          </p:cNvSpPr>
+          <p:nvPr>
+            <p:extLst>
+              <p:ext uri="{386F3935-93C4-4BCD-93E2-E3B085C9AB24}">
+                <p16:designElem xmlns:p16="http://schemas.microsoft.com/office/powerpoint/2015/main" val="1"/>
+              </p:ext>
+            </p:extLst>
+          </p:nvPr>
+        </p:nvSpPr>
+        <p:spPr>
+          <a:xfrm>
+            <a:off x="0" y="0"/>
+            <a:ext cx="12192000" cy="6858000"/>
+          </a:xfrm>
+          <a:prstGeom prst="rect">
+            <a:avLst/>
+          </a:prstGeom>
+          <a:ln>
+            <a:noFill/>
+          </a:ln>
+        </p:spPr>
+        <p:style>
+          <a:lnRef idx="2">
+            <a:schemeClr val="accent1">
+              <a:shade val="50000"/>
+            </a:schemeClr>
+          </a:lnRef>
+          <a:fillRef idx="1003">
+            <a:schemeClr val="dk2"/>
+          </a:fillRef>
+          <a:effectRef idx="0">
+            <a:schemeClr val="accent1"/>
+          </a:effectRef>
+          <a:fontRef idx="minor">
+            <a:schemeClr val="lt1"/>
+          </a:fontRef>
+        </p:style>
+        <p:txBody>
+          <a:bodyPr rtlCol="0" anchor="ctr"/>
+          <a:lstStyle/>
+          <a:p>
+            <a:pPr algn="ctr"/>
+            <a:endParaRPr lang="en-US"/>
+          </a:p>
+        </p:txBody>
+      </p:sp>
+      <p:pic>
+        <p:nvPicPr>
+          <p:cNvPr id="13" name="Picture 2">
+            <a:extLst>
+              <a:ext uri="{FF2B5EF4-FFF2-40B4-BE49-F238E27FC236}">
+                <a16:creationId xmlns:a16="http://schemas.microsoft.com/office/drawing/2014/main" id="{FE6BA9E6-1D9E-4D30-B528-D49FA1342E4E}"/>
+              </a:ext>
+              <a:ext uri="{C183D7F6-B498-43B3-948B-1728B52AA6E4}">
+                <adec:decorative xmlns:adec="http://schemas.microsoft.com/office/drawing/2017/decorative" val="1"/>
+              </a:ext>
+            </a:extLst>
+          </p:cNvPr>
+          <p:cNvPicPr>
+            <a:picLocks noGrp="1" noRot="1" noChangeAspect="1" noMove="1" noResize="1" noEditPoints="1" noAdjustHandles="1" noChangeArrowheads="1" noChangeShapeType="1" noCrop="1"/>
+          </p:cNvPicPr>
+          <p:nvPr>
+            <p:extLst>
+              <p:ext uri="{386F3935-93C4-4BCD-93E2-E3B085C9AB24}">
+                <p16:designElem xmlns:p16="http://schemas.microsoft.com/office/powerpoint/2015/main" val="1"/>
+              </p:ext>
+            </p:extLst>
+          </p:nvPr>
+        </p:nvPicPr>
+        <p:blipFill>
+          <a:blip r:embed="rId3">
+            <a:alphaModFix amt="30000"/>
+            <a:extLst>
+              <a:ext uri="{28A0092B-C50C-407E-A947-70E740481C1C}">
+                <a14:useLocalDpi xmlns:a14="http://schemas.microsoft.com/office/drawing/2010/main" val="0"/>
+              </a:ext>
+            </a:extLst>
+          </a:blip>
+          <a:srcRect/>
+          <a:stretch>
+            <a:fillRect/>
+          </a:stretch>
+        </p:blipFill>
+        <p:spPr bwMode="auto">
+          <a:xfrm>
+            <a:off x="0" y="0"/>
+            <a:ext cx="12192003" cy="6858001"/>
+          </a:xfrm>
+          <a:prstGeom prst="rect">
+            <a:avLst/>
+          </a:prstGeom>
+          <a:noFill/>
+          <a:extLst>
+            <a:ext uri="{909E8E84-426E-40dd-AFC4-6F175D3DCCD1}">
+              <a14:hiddenFill xmlns:a14="http://schemas.microsoft.com/office/drawing/2010/main" xmlns:p14="http://schemas.microsoft.com/office/powerpoint/2010/main" xmlns:a16="http://schemas.microsoft.com/office/drawing/2014/main" xmlns="">
+                <a:solidFill>
+                  <a:srgbClr val="FFFFFF"/>
+                </a:solidFill>
+              </a14:hiddenFill>
+            </a:ext>
+          </a:extLst>
+        </p:spPr>
+      </p:pic>
+      <p:sp>
+        <p:nvSpPr>
+          <p:cNvPr id="2" name="Title 1">
+            <a:extLst>
+              <a:ext uri="{FF2B5EF4-FFF2-40B4-BE49-F238E27FC236}">
+                <a16:creationId xmlns:a16="http://schemas.microsoft.com/office/drawing/2014/main" id="{1E0E9484-32C8-C572-0CD9-9C4E6035F035}"/>
+              </a:ext>
+            </a:extLst>
+          </p:cNvPr>
+          <p:cNvSpPr>
+            <a:spLocks noGrp="1"/>
+          </p:cNvSpPr>
+          <p:nvPr>
+            <p:ph type="title"/>
+          </p:nvPr>
+        </p:nvSpPr>
+        <p:spPr>
+          <a:xfrm>
+            <a:off x="7408864" y="4613583"/>
+            <a:ext cx="4459286" cy="1478570"/>
+          </a:xfrm>
+        </p:spPr>
+        <p:txBody>
+          <a:bodyPr>
+            <a:normAutofit/>
+          </a:bodyPr>
+          <a:lstStyle/>
+          <a:p>
+            <a:r>
+              <a:rPr lang="en-US" sz="3200" dirty="0" err="1"/>
+              <a:t>Test_repo</a:t>
+            </a:r>
+            <a:endParaRPr lang="en-US" sz="3200" dirty="0"/>
+          </a:p>
+        </p:txBody>
+      </p:sp>
+      <p:sp>
+        <p:nvSpPr>
+          <p:cNvPr id="8" name="Content Placeholder 7">
+            <a:extLst>
+              <a:ext uri="{FF2B5EF4-FFF2-40B4-BE49-F238E27FC236}">
+                <a16:creationId xmlns:a16="http://schemas.microsoft.com/office/drawing/2014/main" id="{760AADBF-0E7A-56A1-B210-3A697CE1474B}"/>
+              </a:ext>
+            </a:extLst>
+          </p:cNvPr>
+          <p:cNvSpPr>
+            <a:spLocks noGrp="1"/>
+          </p:cNvSpPr>
+          <p:nvPr>
+            <p:ph idx="1"/>
+          </p:nvPr>
+        </p:nvSpPr>
+        <p:spPr>
+          <a:xfrm>
+            <a:off x="684214" y="636587"/>
+            <a:ext cx="4916486" cy="5577946"/>
+          </a:xfrm>
+        </p:spPr>
+        <p:txBody>
+          <a:bodyPr>
+            <a:normAutofit fontScale="92500" lnSpcReduction="20000"/>
+          </a:bodyPr>
+          <a:lstStyle/>
+          <a:p>
+            <a:r>
+              <a:rPr lang="en-US" sz="2000" dirty="0"/>
+              <a:t>TEST_&lt;DEV_NOTE&gt;.test number</a:t>
+            </a:r>
+          </a:p>
+          <a:p>
+            <a:r>
+              <a:rPr lang="en-US" sz="2000" dirty="0"/>
+              <a:t>Folder and test txt contains same naming culture</a:t>
+            </a:r>
+          </a:p>
+          <a:p>
+            <a:r>
+              <a:rPr lang="en-US" sz="2000" dirty="0"/>
+              <a:t>Readme holds the issue and pull-request with links</a:t>
+            </a:r>
+          </a:p>
+          <a:p>
+            <a:r>
+              <a:rPr lang="en-US" sz="2000" dirty="0"/>
+              <a:t>Any additional file or picture shall be included</a:t>
+            </a:r>
+          </a:p>
+          <a:p>
+            <a:r>
+              <a:rPr lang="en-US" sz="2000" dirty="0"/>
+              <a:t>Txt has a required format</a:t>
+            </a:r>
+          </a:p>
+          <a:p>
+            <a:r>
+              <a:rPr lang="en-US" sz="2000" dirty="0"/>
+              <a:t>The test-repo pull-request shall be linked in development to an issue</a:t>
+            </a:r>
+          </a:p>
+          <a:p>
+            <a:r>
+              <a:rPr lang="en-US" sz="2000" dirty="0"/>
+              <a:t>A test is developed before code is altered.</a:t>
+            </a:r>
+          </a:p>
+          <a:p>
+            <a:r>
+              <a:rPr lang="en-US" sz="2000" dirty="0"/>
+              <a:t>During the pull-request review and the release testing, the test shall be preformed</a:t>
+            </a:r>
+          </a:p>
+          <a:p>
+            <a:r>
+              <a:rPr lang="en-US" sz="2000" dirty="0"/>
+              <a:t>Before the release of a new version a release report and sci shall be saved in </a:t>
+            </a:r>
+            <a:r>
+              <a:rPr lang="en-US" sz="2000" dirty="0" err="1"/>
+              <a:t>test_repo</a:t>
+            </a:r>
+            <a:r>
+              <a:rPr lang="en-US" sz="2000" dirty="0"/>
+              <a:t> branch</a:t>
+            </a:r>
+          </a:p>
+        </p:txBody>
+      </p:sp>
+      <p:pic>
+        <p:nvPicPr>
+          <p:cNvPr id="4" name="Content Placeholder 3" descr="A screenshot of a computer&#10;&#10;Description automatically generated">
+            <a:extLst>
+              <a:ext uri="{FF2B5EF4-FFF2-40B4-BE49-F238E27FC236}">
+                <a16:creationId xmlns:a16="http://schemas.microsoft.com/office/drawing/2014/main" id="{EE564FF7-62D2-91A7-9D4F-8AD911B69883}"/>
+              </a:ext>
+            </a:extLst>
+          </p:cNvPr>
+          <p:cNvPicPr>
+            <a:picLocks noChangeAspect="1"/>
+          </p:cNvPicPr>
+          <p:nvPr/>
+        </p:nvPicPr>
+        <p:blipFill>
+          <a:blip r:embed="rId4">
+            <a:extLst>
+              <a:ext uri="{28A0092B-C50C-407E-A947-70E740481C1C}">
+                <a14:useLocalDpi xmlns:a14="http://schemas.microsoft.com/office/drawing/2010/main" val="0"/>
+              </a:ext>
+            </a:extLst>
+          </a:blip>
+          <a:stretch>
+            <a:fillRect/>
+          </a:stretch>
+        </p:blipFill>
+        <p:spPr>
+          <a:xfrm>
+            <a:off x="5688386" y="157080"/>
+            <a:ext cx="6357603" cy="4052971"/>
+          </a:xfrm>
+          <a:prstGeom prst="round2DiagRect">
+            <a:avLst>
+              <a:gd name="adj1" fmla="val 5608"/>
+              <a:gd name="adj2" fmla="val 0"/>
+            </a:avLst>
+          </a:prstGeom>
+          <a:ln w="19050" cap="sq">
+            <a:solidFill>
+              <a:schemeClr val="tx2">
+                <a:lumMod val="60000"/>
+                <a:lumOff val="40000"/>
+                <a:alpha val="60000"/>
+              </a:schemeClr>
+            </a:solidFill>
+            <a:miter lim="800000"/>
+          </a:ln>
+          <a:effectLst>
+            <a:outerShdw blurRad="88900" dist="38100" dir="5400000" algn="t" rotWithShape="0">
+              <a:prstClr val="black">
+                <a:alpha val="40000"/>
+              </a:prstClr>
+            </a:outerShdw>
+          </a:effectLst>
+        </p:spPr>
+      </p:pic>
+      <p:grpSp>
+        <p:nvGrpSpPr>
+          <p:cNvPr id="15" name="Group 14">
+            <a:extLst>
+              <a:ext uri="{FF2B5EF4-FFF2-40B4-BE49-F238E27FC236}">
+                <a16:creationId xmlns:a16="http://schemas.microsoft.com/office/drawing/2014/main" id="{453E4DEE-E996-40F8-8635-0FF43D7348F9}"/>
+              </a:ext>
+              <a:ext uri="{C183D7F6-B498-43B3-948B-1728B52AA6E4}">
+                <adec:decorative xmlns:adec="http://schemas.microsoft.com/office/drawing/2017/decorative" val="1"/>
+              </a:ext>
+            </a:extLst>
+          </p:cNvPr>
+          <p:cNvGrpSpPr>
+            <a:grpSpLocks noGrp="1" noUngrp="1" noRot="1" noChangeAspect="1" noMove="1" noResize="1"/>
+          </p:cNvGrpSpPr>
+          <p:nvPr>
+            <p:extLst>
+              <p:ext uri="{386F3935-93C4-4BCD-93E2-E3B085C9AB24}">
+                <p16:designElem xmlns:p16="http://schemas.microsoft.com/office/powerpoint/2015/main" val="1"/>
+              </p:ext>
+            </p:extLst>
+          </p:nvPr>
+        </p:nvGrpSpPr>
+        <p:grpSpPr>
+          <a:xfrm>
+            <a:off x="0" y="0"/>
+            <a:ext cx="1220788" cy="6858001"/>
+            <a:chOff x="-14288" y="0"/>
+            <a:chExt cx="1220788" cy="6858001"/>
+          </a:xfrm>
+          <a:gradFill flip="none" rotWithShape="1">
+            <a:gsLst>
+              <a:gs pos="0">
+                <a:schemeClr val="tx2"/>
+              </a:gs>
+              <a:gs pos="100000">
+                <a:schemeClr val="bg2">
+                  <a:lumMod val="60000"/>
+                  <a:lumOff val="40000"/>
+                </a:schemeClr>
+              </a:gs>
+            </a:gsLst>
+            <a:lin ang="5400000" scaled="0"/>
+            <a:tileRect/>
+          </a:gradFill>
+        </p:grpSpPr>
+        <p:sp>
+          <p:nvSpPr>
+            <p:cNvPr id="16" name="Rectangle 5">
+              <a:extLst>
+                <a:ext uri="{FF2B5EF4-FFF2-40B4-BE49-F238E27FC236}">
+                  <a16:creationId xmlns:a16="http://schemas.microsoft.com/office/drawing/2014/main" id="{08BD1D3E-43CE-49EB-A424-0738950C6424}"/>
+                </a:ext>
+                <a:ext uri="{C183D7F6-B498-43B3-948B-1728B52AA6E4}">
+                  <adec:decorative xmlns:adec="http://schemas.microsoft.com/office/drawing/2017/decorative" val="1"/>
+                </a:ext>
+              </a:extLst>
+            </p:cNvPr>
+            <p:cNvSpPr>
+              <a:spLocks noChangeArrowheads="1"/>
+            </p:cNvSpPr>
+            <p:nvPr>
+              <p:extLst>
+                <p:ext uri="{386F3935-93C4-4BCD-93E2-E3B085C9AB24}">
+                  <p16:designElem xmlns:p16="http://schemas.microsoft.com/office/powerpoint/2015/main" val="1"/>
+                </p:ext>
+              </p:extLst>
+            </p:nvPr>
+          </p:nvSpPr>
+          <p:spPr bwMode="auto">
+            <a:xfrm>
+              <a:off x="114300" y="4763"/>
+              <a:ext cx="23813" cy="2181225"/>
+            </a:xfrm>
+            <a:prstGeom prst="rect">
+              <a:avLst/>
+            </a:prstGeom>
+            <a:grpFill/>
+            <a:ln>
+              <a:noFill/>
+            </a:ln>
+            <a:extLst>
+              <a:ext uri="{91240B29-F687-4f45-9708-019B960494DF}">
+                <a14:hiddenLine xmlns:a14="http://schemas.microsoft.com/office/drawing/2010/main" xmlns:p14="http://schemas.microsoft.com/office/powerpoint/2010/main" xmlns:a16="http://schemas.microsoft.com/office/drawing/2014/main" xmlns="" w="9525">
+                  <a:solidFill>
+                    <a:srgbClr val="000000"/>
+                  </a:solidFill>
+                  <a:miter lim="800000"/>
+                  <a:headEnd/>
+                  <a:tailEnd/>
+                </a14:hiddenLine>
+              </a:ext>
+            </a:extLst>
+          </p:spPr>
+          <p:txBody>
+            <a:bodyPr/>
+            <a:lstStyle/>
+            <a:p>
+              <a:endParaRPr lang="en-US"/>
+            </a:p>
+          </p:txBody>
+        </p:sp>
+        <p:sp>
+          <p:nvSpPr>
+            <p:cNvPr id="17" name="Freeform 6">
+              <a:extLst>
+                <a:ext uri="{FF2B5EF4-FFF2-40B4-BE49-F238E27FC236}">
+                  <a16:creationId xmlns:a16="http://schemas.microsoft.com/office/drawing/2014/main" id="{E9182037-E3FA-489A-95D5-29E4248420D8}"/>
+                </a:ext>
+                <a:ext uri="{C183D7F6-B498-43B3-948B-1728B52AA6E4}">
+                  <adec:decorative xmlns:adec="http://schemas.microsoft.com/office/drawing/2017/decorative" val="1"/>
+                </a:ext>
+              </a:extLst>
+            </p:cNvPr>
+            <p:cNvSpPr>
+              <a:spLocks noEditPoints="1"/>
+            </p:cNvSpPr>
+            <p:nvPr>
+              <p:extLst>
+                <p:ext uri="{386F3935-93C4-4BCD-93E2-E3B085C9AB24}">
+                  <p16:designElem xmlns:p16="http://schemas.microsoft.com/office/powerpoint/2015/main" val="1"/>
+                </p:ext>
+              </p:extLst>
+            </p:nvPr>
+          </p:nvSpPr>
+          <p:spPr bwMode="auto">
+            <a:xfrm>
+              <a:off x="33337" y="2176463"/>
+              <a:ext cx="190500" cy="190500"/>
+            </a:xfrm>
+            <a:custGeom>
+              <a:avLst/>
+              <a:gdLst/>
+              <a:ahLst/>
+              <a:cxnLst/>
+              <a:rect l="0" t="0" r="r" b="b"/>
+              <a:pathLst>
+                <a:path w="40" h="40">
+                  <a:moveTo>
+                    <a:pt x="20" y="40"/>
+                  </a:moveTo>
+                  <a:cubicBezTo>
+                    <a:pt x="9" y="40"/>
+                    <a:pt x="0" y="31"/>
+                    <a:pt x="0" y="20"/>
+                  </a:cubicBezTo>
+                  <a:cubicBezTo>
+                    <a:pt x="0" y="9"/>
+                    <a:pt x="9" y="0"/>
+                    <a:pt x="20" y="0"/>
+                  </a:cubicBezTo>
+                  <a:cubicBezTo>
+                    <a:pt x="31" y="0"/>
+                    <a:pt x="40" y="9"/>
+                    <a:pt x="40" y="20"/>
+                  </a:cubicBezTo>
+                  <a:cubicBezTo>
+                    <a:pt x="40" y="31"/>
+                    <a:pt x="31" y="40"/>
+                    <a:pt x="20" y="40"/>
+                  </a:cubicBezTo>
+                  <a:close/>
+                  <a:moveTo>
+                    <a:pt x="20" y="4"/>
+                  </a:moveTo>
+                  <a:cubicBezTo>
+                    <a:pt x="11" y="4"/>
+                    <a:pt x="4" y="11"/>
+                    <a:pt x="4" y="20"/>
+                  </a:cubicBezTo>
+                  <a:cubicBezTo>
+                    <a:pt x="4" y="29"/>
+                    <a:pt x="11" y="36"/>
+                    <a:pt x="20" y="36"/>
+                  </a:cubicBezTo>
+                  <a:cubicBezTo>
+                    <a:pt x="28" y="36"/>
+                    <a:pt x="36" y="29"/>
+                    <a:pt x="36" y="20"/>
+                  </a:cubicBezTo>
+                  <a:cubicBezTo>
+                    <a:pt x="36" y="11"/>
+                    <a:pt x="28" y="4"/>
+                    <a:pt x="20" y="4"/>
+                  </a:cubicBezTo>
+                  <a:close/>
+                </a:path>
+              </a:pathLst>
+            </a:custGeom>
+            <a:grpFill/>
+            <a:ln>
+              <a:noFill/>
+            </a:ln>
+            <a:extLst>
+              <a:ext uri="{91240B29-F687-4f45-9708-019B960494DF}">
+                <a14:hiddenLine xmlns:a14="http://schemas.microsoft.com/office/drawing/2010/main" xmlns:p14="http://schemas.microsoft.com/office/powerpoint/2010/main" xmlns:a16="http://schemas.microsoft.com/office/drawing/2014/main" xmlns="" w="9525">
+                  <a:solidFill>
+                    <a:srgbClr val="000000"/>
+                  </a:solidFill>
+                  <a:round/>
+                  <a:headEnd/>
+                  <a:tailEnd/>
+                </a14:hiddenLine>
+              </a:ext>
+            </a:extLst>
+          </p:spPr>
+          <p:txBody>
+            <a:bodyPr/>
+            <a:lstStyle/>
+            <a:p>
+              <a:endParaRPr lang="en-US"/>
+            </a:p>
+          </p:txBody>
+        </p:sp>
+        <p:sp>
+          <p:nvSpPr>
+            <p:cNvPr id="18" name="Freeform 7">
+              <a:extLst>
+                <a:ext uri="{FF2B5EF4-FFF2-40B4-BE49-F238E27FC236}">
+                  <a16:creationId xmlns:a16="http://schemas.microsoft.com/office/drawing/2014/main" id="{E8864E76-AD7F-4BEE-B3F6-A78FA42AEFAC}"/>
+                </a:ext>
+                <a:ext uri="{C183D7F6-B498-43B3-948B-1728B52AA6E4}">
+                  <adec:decorative xmlns:adec="http://schemas.microsoft.com/office/drawing/2017/decorative" val="1"/>
+                </a:ext>
+              </a:extLst>
+            </p:cNvPr>
+            <p:cNvSpPr>
+              <a:spLocks noEditPoints="1"/>
+            </p:cNvSpPr>
+            <p:nvPr>
+              <p:extLst>
+                <p:ext uri="{386F3935-93C4-4BCD-93E2-E3B085C9AB24}">
+                  <p16:designElem xmlns:p16="http://schemas.microsoft.com/office/powerpoint/2015/main" val="1"/>
+                </p:ext>
+              </p:extLst>
+            </p:nvPr>
+          </p:nvSpPr>
+          <p:spPr bwMode="auto">
+            <a:xfrm>
+              <a:off x="28575" y="4021138"/>
+              <a:ext cx="190500" cy="188913"/>
+            </a:xfrm>
+            <a:custGeom>
+              <a:avLst/>
+              <a:gdLst/>
+              <a:ahLst/>
+              <a:cxnLst/>
+              <a:rect l="0" t="0" r="r" b="b"/>
+              <a:pathLst>
+                <a:path w="40" h="40">
+                  <a:moveTo>
+                    <a:pt x="20" y="40"/>
+                  </a:moveTo>
+                  <a:cubicBezTo>
+                    <a:pt x="9" y="40"/>
+                    <a:pt x="0" y="31"/>
+                    <a:pt x="0" y="20"/>
+                  </a:cubicBezTo>
+                  <a:cubicBezTo>
+                    <a:pt x="0" y="9"/>
+                    <a:pt x="9" y="0"/>
+                    <a:pt x="20" y="0"/>
+                  </a:cubicBezTo>
+                  <a:cubicBezTo>
+                    <a:pt x="31" y="0"/>
+                    <a:pt x="40" y="9"/>
+                    <a:pt x="40" y="20"/>
+                  </a:cubicBezTo>
+                  <a:cubicBezTo>
+                    <a:pt x="40" y="31"/>
+                    <a:pt x="31" y="40"/>
+                    <a:pt x="20" y="40"/>
+                  </a:cubicBezTo>
+                  <a:close/>
+                  <a:moveTo>
+                    <a:pt x="20" y="4"/>
+                  </a:moveTo>
+                  <a:cubicBezTo>
+                    <a:pt x="12" y="4"/>
+                    <a:pt x="4" y="11"/>
+                    <a:pt x="4" y="20"/>
+                  </a:cubicBezTo>
+                  <a:cubicBezTo>
+                    <a:pt x="4" y="29"/>
+                    <a:pt x="12" y="36"/>
+                    <a:pt x="20" y="36"/>
+                  </a:cubicBezTo>
+                  <a:cubicBezTo>
+                    <a:pt x="29" y="36"/>
+                    <a:pt x="36" y="29"/>
+                    <a:pt x="36" y="20"/>
+                  </a:cubicBezTo>
+                  <a:cubicBezTo>
+                    <a:pt x="36" y="11"/>
+                    <a:pt x="29" y="4"/>
+                    <a:pt x="20" y="4"/>
+                  </a:cubicBezTo>
+                  <a:close/>
+                </a:path>
+              </a:pathLst>
+            </a:custGeom>
+            <a:grpFill/>
+            <a:ln>
+              <a:noFill/>
+            </a:ln>
+            <a:extLst>
+              <a:ext uri="{91240B29-F687-4f45-9708-019B960494DF}">
+                <a14:hiddenLine xmlns:a14="http://schemas.microsoft.com/office/drawing/2010/main" xmlns:p14="http://schemas.microsoft.com/office/powerpoint/2010/main" xmlns:a16="http://schemas.microsoft.com/office/drawing/2014/main" xmlns="" w="9525">
+                  <a:solidFill>
+                    <a:srgbClr val="000000"/>
+                  </a:solidFill>
+                  <a:round/>
+                  <a:headEnd/>
+                  <a:tailEnd/>
+                </a14:hiddenLine>
+              </a:ext>
+            </a:extLst>
+          </p:spPr>
+          <p:txBody>
+            <a:bodyPr/>
+            <a:lstStyle/>
+            <a:p>
+              <a:endParaRPr lang="en-US"/>
+            </a:p>
+          </p:txBody>
+        </p:sp>
+        <p:sp>
+          <p:nvSpPr>
+            <p:cNvPr id="19" name="Freeform 8">
+              <a:extLst>
+                <a:ext uri="{FF2B5EF4-FFF2-40B4-BE49-F238E27FC236}">
+                  <a16:creationId xmlns:a16="http://schemas.microsoft.com/office/drawing/2014/main" id="{8AD071B3-046D-4479-91FE-01E9AD7C8AAB}"/>
+                </a:ext>
+                <a:ext uri="{C183D7F6-B498-43B3-948B-1728B52AA6E4}">
+                  <adec:decorative xmlns:adec="http://schemas.microsoft.com/office/drawing/2017/decorative" val="1"/>
+                </a:ext>
+              </a:extLst>
+            </p:cNvPr>
+            <p:cNvSpPr/>
+            <p:nvPr>
+              <p:extLst>
+                <p:ext uri="{386F3935-93C4-4BCD-93E2-E3B085C9AB24}">
+                  <p16:designElem xmlns:p16="http://schemas.microsoft.com/office/powerpoint/2015/main" val="1"/>
+                </p:ext>
+              </p:extLst>
+            </p:nvPr>
+          </p:nvSpPr>
+          <p:spPr bwMode="auto">
+            <a:xfrm>
+              <a:off x="200025" y="4763"/>
+              <a:ext cx="369888" cy="1811338"/>
+            </a:xfrm>
+            <a:custGeom>
+              <a:avLst/>
+              <a:gdLst/>
+              <a:ahLst/>
+              <a:cxnLst/>
+              <a:rect l="0" t="0" r="r" b="b"/>
+              <a:pathLst>
+                <a:path w="233" h="1141">
+                  <a:moveTo>
+                    <a:pt x="218" y="1141"/>
+                  </a:moveTo>
+                  <a:lnTo>
+                    <a:pt x="0" y="626"/>
+                  </a:lnTo>
+                  <a:lnTo>
+                    <a:pt x="0" y="0"/>
+                  </a:lnTo>
+                  <a:lnTo>
+                    <a:pt x="15" y="0"/>
+                  </a:lnTo>
+                  <a:lnTo>
+                    <a:pt x="15" y="623"/>
+                  </a:lnTo>
+                  <a:lnTo>
+                    <a:pt x="233" y="1135"/>
+                  </a:lnTo>
+                  <a:lnTo>
+                    <a:pt x="218" y="1141"/>
+                  </a:lnTo>
+                  <a:close/>
+                </a:path>
+              </a:pathLst>
+            </a:custGeom>
+            <a:grpFill/>
+            <a:ln>
+              <a:noFill/>
+            </a:ln>
+            <a:extLst>
+              <a:ext uri="{91240B29-F687-4f45-9708-019B960494DF}">
+                <a14:hiddenLine xmlns:a14="http://schemas.microsoft.com/office/drawing/2010/main" xmlns:p14="http://schemas.microsoft.com/office/powerpoint/2010/main" xmlns:a16="http://schemas.microsoft.com/office/drawing/2014/main" xmlns="" w="9525">
+                  <a:solidFill>
+                    <a:srgbClr val="000000"/>
+                  </a:solidFill>
+                  <a:round/>
+                  <a:headEnd/>
+                  <a:tailEnd/>
+                </a14:hiddenLine>
+              </a:ext>
+            </a:extLst>
+          </p:spPr>
+          <p:txBody>
+            <a:bodyPr/>
+            <a:lstStyle/>
+            <a:p>
+              <a:endParaRPr lang="en-US"/>
+            </a:p>
+          </p:txBody>
+        </p:sp>
+        <p:sp>
+          <p:nvSpPr>
+            <p:cNvPr id="20" name="Freeform 9">
+              <a:extLst>
+                <a:ext uri="{FF2B5EF4-FFF2-40B4-BE49-F238E27FC236}">
+                  <a16:creationId xmlns:a16="http://schemas.microsoft.com/office/drawing/2014/main" id="{91D776F5-E902-4A4D-A75D-A46E063C9F38}"/>
+                </a:ext>
+                <a:ext uri="{C183D7F6-B498-43B3-948B-1728B52AA6E4}">
+                  <adec:decorative xmlns:adec="http://schemas.microsoft.com/office/drawing/2017/decorative" val="1"/>
+                </a:ext>
+              </a:extLst>
+            </p:cNvPr>
+            <p:cNvSpPr>
+              <a:spLocks noEditPoints="1"/>
+            </p:cNvSpPr>
+            <p:nvPr>
+              <p:extLst>
+                <p:ext uri="{386F3935-93C4-4BCD-93E2-E3B085C9AB24}">
+                  <p16:designElem xmlns:p16="http://schemas.microsoft.com/office/powerpoint/2015/main" val="1"/>
+                </p:ext>
+              </p:extLst>
+            </p:nvPr>
+          </p:nvSpPr>
+          <p:spPr bwMode="auto">
+            <a:xfrm>
+              <a:off x="503237" y="1801813"/>
+              <a:ext cx="190500" cy="188913"/>
+            </a:xfrm>
+            <a:custGeom>
+              <a:avLst/>
+              <a:gdLst/>
+              <a:ahLst/>
+              <a:cxnLst/>
+              <a:rect l="0" t="0" r="r" b="b"/>
+              <a:pathLst>
+                <a:path w="40" h="40">
+                  <a:moveTo>
+                    <a:pt x="20" y="40"/>
+                  </a:moveTo>
+                  <a:cubicBezTo>
+                    <a:pt x="9" y="40"/>
+                    <a:pt x="0" y="31"/>
+                    <a:pt x="0" y="20"/>
+                  </a:cubicBezTo>
+                  <a:cubicBezTo>
+                    <a:pt x="0" y="9"/>
+                    <a:pt x="9" y="0"/>
+                    <a:pt x="20" y="0"/>
+                  </a:cubicBezTo>
+                  <a:cubicBezTo>
+                    <a:pt x="33" y="0"/>
+                    <a:pt x="40" y="6"/>
+                    <a:pt x="40" y="20"/>
+                  </a:cubicBezTo>
+                  <a:cubicBezTo>
+                    <a:pt x="40" y="31"/>
+                    <a:pt x="31" y="40"/>
+                    <a:pt x="20" y="40"/>
+                  </a:cubicBezTo>
+                  <a:close/>
+                  <a:moveTo>
+                    <a:pt x="20" y="4"/>
+                  </a:moveTo>
+                  <a:cubicBezTo>
+                    <a:pt x="11" y="4"/>
+                    <a:pt x="4" y="11"/>
+                    <a:pt x="4" y="20"/>
+                  </a:cubicBezTo>
+                  <a:cubicBezTo>
+                    <a:pt x="4" y="29"/>
+                    <a:pt x="11" y="36"/>
+                    <a:pt x="20" y="36"/>
+                  </a:cubicBezTo>
+                  <a:cubicBezTo>
+                    <a:pt x="28" y="36"/>
+                    <a:pt x="36" y="29"/>
+                    <a:pt x="36" y="20"/>
+                  </a:cubicBezTo>
+                  <a:cubicBezTo>
+                    <a:pt x="36" y="9"/>
+                    <a:pt x="31" y="4"/>
+                    <a:pt x="20" y="4"/>
+                  </a:cubicBezTo>
+                  <a:close/>
+                </a:path>
+              </a:pathLst>
+            </a:custGeom>
+            <a:grpFill/>
+            <a:ln>
+              <a:noFill/>
+            </a:ln>
+            <a:extLst>
+              <a:ext uri="{91240B29-F687-4f45-9708-019B960494DF}">
+                <a14:hiddenLine xmlns:a14="http://schemas.microsoft.com/office/drawing/2010/main" xmlns:p14="http://schemas.microsoft.com/office/powerpoint/2010/main" xmlns:a16="http://schemas.microsoft.com/office/drawing/2014/main" xmlns="" w="9525">
+                  <a:solidFill>
+                    <a:srgbClr val="000000"/>
+                  </a:solidFill>
+                  <a:round/>
+                  <a:headEnd/>
+                  <a:tailEnd/>
+                </a14:hiddenLine>
+              </a:ext>
+            </a:extLst>
+          </p:spPr>
+          <p:txBody>
+            <a:bodyPr/>
+            <a:lstStyle/>
+            <a:p>
+              <a:endParaRPr lang="en-US"/>
+            </a:p>
+          </p:txBody>
+        </p:sp>
+        <p:sp>
+          <p:nvSpPr>
+            <p:cNvPr id="21" name="Freeform 10">
+              <a:extLst>
+                <a:ext uri="{FF2B5EF4-FFF2-40B4-BE49-F238E27FC236}">
+                  <a16:creationId xmlns:a16="http://schemas.microsoft.com/office/drawing/2014/main" id="{EBED8F24-A998-4952-AB68-E2074F0746FE}"/>
+                </a:ext>
+                <a:ext uri="{C183D7F6-B498-43B3-948B-1728B52AA6E4}">
+                  <adec:decorative xmlns:adec="http://schemas.microsoft.com/office/drawing/2017/decorative" val="1"/>
+                </a:ext>
+              </a:extLst>
+            </p:cNvPr>
+            <p:cNvSpPr/>
+            <p:nvPr>
+              <p:extLst>
+                <p:ext uri="{386F3935-93C4-4BCD-93E2-E3B085C9AB24}">
+                  <p16:designElem xmlns:p16="http://schemas.microsoft.com/office/powerpoint/2015/main" val="1"/>
+                </p:ext>
+              </p:extLst>
+            </p:nvPr>
+          </p:nvSpPr>
+          <p:spPr bwMode="auto">
+            <a:xfrm>
+              <a:off x="285750" y="4763"/>
+              <a:ext cx="369888" cy="1430338"/>
+            </a:xfrm>
+            <a:custGeom>
+              <a:avLst/>
+              <a:gdLst/>
+              <a:ahLst/>
+              <a:cxnLst/>
+              <a:rect l="0" t="0" r="r" b="b"/>
+              <a:pathLst>
+                <a:path w="233" h="901">
+                  <a:moveTo>
+                    <a:pt x="221" y="901"/>
+                  </a:moveTo>
+                  <a:lnTo>
+                    <a:pt x="0" y="383"/>
+                  </a:lnTo>
+                  <a:lnTo>
+                    <a:pt x="0" y="0"/>
+                  </a:lnTo>
+                  <a:lnTo>
+                    <a:pt x="18" y="0"/>
+                  </a:lnTo>
+                  <a:lnTo>
+                    <a:pt x="18" y="380"/>
+                  </a:lnTo>
+                  <a:lnTo>
+                    <a:pt x="233" y="895"/>
+                  </a:lnTo>
+                  <a:lnTo>
+                    <a:pt x="221" y="901"/>
+                  </a:lnTo>
+                  <a:close/>
+                </a:path>
+              </a:pathLst>
+            </a:custGeom>
+            <a:grpFill/>
+            <a:ln>
+              <a:noFill/>
+            </a:ln>
+            <a:extLst>
+              <a:ext uri="{91240B29-F687-4f45-9708-019B960494DF}">
+                <a14:hiddenLine xmlns:a14="http://schemas.microsoft.com/office/drawing/2010/main" xmlns:p14="http://schemas.microsoft.com/office/powerpoint/2010/main" xmlns:a16="http://schemas.microsoft.com/office/drawing/2014/main" xmlns="" w="9525">
+                  <a:solidFill>
+                    <a:srgbClr val="000000"/>
+                  </a:solidFill>
+                  <a:round/>
+                  <a:headEnd/>
+                  <a:tailEnd/>
+                </a14:hiddenLine>
+              </a:ext>
+            </a:extLst>
+          </p:spPr>
+          <p:txBody>
+            <a:bodyPr/>
+            <a:lstStyle/>
+            <a:p>
+              <a:endParaRPr lang="en-US"/>
+            </a:p>
+          </p:txBody>
+        </p:sp>
+        <p:sp>
+          <p:nvSpPr>
+            <p:cNvPr id="22" name="Freeform 11">
+              <a:extLst>
+                <a:ext uri="{FF2B5EF4-FFF2-40B4-BE49-F238E27FC236}">
+                  <a16:creationId xmlns:a16="http://schemas.microsoft.com/office/drawing/2014/main" id="{74D7A646-8CDC-49B3-9C44-3EF38DB4264C}"/>
+                </a:ext>
+                <a:ext uri="{C183D7F6-B498-43B3-948B-1728B52AA6E4}">
+                  <adec:decorative xmlns:adec="http://schemas.microsoft.com/office/drawing/2017/decorative" val="1"/>
+                </a:ext>
+              </a:extLst>
+            </p:cNvPr>
+            <p:cNvSpPr/>
+            <p:nvPr>
+              <p:extLst>
+                <p:ext uri="{386F3935-93C4-4BCD-93E2-E3B085C9AB24}">
+                  <p16:designElem xmlns:p16="http://schemas.microsoft.com/office/powerpoint/2015/main" val="1"/>
+                </p:ext>
+              </p:extLst>
+            </p:nvPr>
+          </p:nvSpPr>
+          <p:spPr bwMode="auto">
+            <a:xfrm>
+              <a:off x="546100" y="0"/>
+              <a:ext cx="152400" cy="912813"/>
+            </a:xfrm>
+            <a:custGeom>
+              <a:avLst/>
+              <a:gdLst/>
+              <a:ahLst/>
+              <a:cxnLst/>
+              <a:rect l="0" t="0" r="r" b="b"/>
+              <a:pathLst>
+                <a:path w="96" h="575">
+                  <a:moveTo>
+                    <a:pt x="96" y="575"/>
+                  </a:moveTo>
+                  <a:lnTo>
+                    <a:pt x="78" y="575"/>
+                  </a:lnTo>
+                  <a:lnTo>
+                    <a:pt x="78" y="192"/>
+                  </a:lnTo>
+                  <a:lnTo>
+                    <a:pt x="0" y="6"/>
+                  </a:lnTo>
+                  <a:lnTo>
+                    <a:pt x="15" y="0"/>
+                  </a:lnTo>
+                  <a:lnTo>
+                    <a:pt x="96" y="189"/>
+                  </a:lnTo>
+                  <a:lnTo>
+                    <a:pt x="96" y="575"/>
+                  </a:lnTo>
+                  <a:close/>
+                </a:path>
+              </a:pathLst>
+            </a:custGeom>
+            <a:grpFill/>
+            <a:ln>
+              <a:noFill/>
+            </a:ln>
+            <a:extLst>
+              <a:ext uri="{91240B29-F687-4f45-9708-019B960494DF}">
+                <a14:hiddenLine xmlns:a14="http://schemas.microsoft.com/office/drawing/2010/main" xmlns:p14="http://schemas.microsoft.com/office/powerpoint/2010/main" xmlns:a16="http://schemas.microsoft.com/office/drawing/2014/main" xmlns="" w="9525">
+                  <a:solidFill>
+                    <a:srgbClr val="000000"/>
+                  </a:solidFill>
+                  <a:round/>
+                  <a:headEnd/>
+                  <a:tailEnd/>
+                </a14:hiddenLine>
+              </a:ext>
+            </a:extLst>
+          </p:spPr>
+          <p:txBody>
+            <a:bodyPr/>
+            <a:lstStyle/>
+            <a:p>
+              <a:endParaRPr lang="en-US"/>
+            </a:p>
+          </p:txBody>
+        </p:sp>
+        <p:sp>
+          <p:nvSpPr>
+            <p:cNvPr id="23" name="Freeform 12">
+              <a:extLst>
+                <a:ext uri="{FF2B5EF4-FFF2-40B4-BE49-F238E27FC236}">
+                  <a16:creationId xmlns:a16="http://schemas.microsoft.com/office/drawing/2014/main" id="{D4E99D14-E4F4-419B-9AAF-8D1CEAB28A2D}"/>
+                </a:ext>
+                <a:ext uri="{C183D7F6-B498-43B3-948B-1728B52AA6E4}">
+                  <adec:decorative xmlns:adec="http://schemas.microsoft.com/office/drawing/2017/decorative" val="1"/>
+                </a:ext>
+              </a:extLst>
+            </p:cNvPr>
+            <p:cNvSpPr>
+              <a:spLocks noEditPoints="1"/>
+            </p:cNvSpPr>
+            <p:nvPr>
+              <p:extLst>
+                <p:ext uri="{386F3935-93C4-4BCD-93E2-E3B085C9AB24}">
+                  <p16:designElem xmlns:p16="http://schemas.microsoft.com/office/powerpoint/2015/main" val="1"/>
+                </p:ext>
+              </p:extLst>
+            </p:nvPr>
+          </p:nvSpPr>
+          <p:spPr bwMode="auto">
+            <a:xfrm>
+              <a:off x="588962" y="1420813"/>
+              <a:ext cx="190500" cy="190500"/>
+            </a:xfrm>
+            <a:custGeom>
+              <a:avLst/>
+              <a:gdLst/>
+              <a:ahLst/>
+              <a:cxnLst/>
+              <a:rect l="0" t="0" r="r" b="b"/>
+              <a:pathLst>
+                <a:path w="40" h="40">
+                  <a:moveTo>
+                    <a:pt x="20" y="40"/>
+                  </a:moveTo>
+                  <a:cubicBezTo>
+                    <a:pt x="9" y="40"/>
+                    <a:pt x="0" y="31"/>
+                    <a:pt x="0" y="20"/>
+                  </a:cubicBezTo>
+                  <a:cubicBezTo>
+                    <a:pt x="0" y="9"/>
+                    <a:pt x="9" y="0"/>
+                    <a:pt x="20" y="0"/>
+                  </a:cubicBezTo>
+                  <a:cubicBezTo>
+                    <a:pt x="33" y="0"/>
+                    <a:pt x="40" y="7"/>
+                    <a:pt x="40" y="20"/>
+                  </a:cubicBezTo>
+                  <a:cubicBezTo>
+                    <a:pt x="40" y="31"/>
+                    <a:pt x="31" y="40"/>
+                    <a:pt x="20" y="40"/>
+                  </a:cubicBezTo>
+                  <a:close/>
+                  <a:moveTo>
+                    <a:pt x="20" y="4"/>
+                  </a:moveTo>
+                  <a:cubicBezTo>
+                    <a:pt x="11" y="4"/>
+                    <a:pt x="4" y="11"/>
+                    <a:pt x="4" y="20"/>
+                  </a:cubicBezTo>
+                  <a:cubicBezTo>
+                    <a:pt x="4" y="29"/>
+                    <a:pt x="11" y="36"/>
+                    <a:pt x="20" y="36"/>
+                  </a:cubicBezTo>
+                  <a:cubicBezTo>
+                    <a:pt x="29" y="36"/>
+                    <a:pt x="36" y="29"/>
+                    <a:pt x="36" y="20"/>
+                  </a:cubicBezTo>
+                  <a:cubicBezTo>
+                    <a:pt x="36" y="9"/>
+                    <a:pt x="31" y="4"/>
+                    <a:pt x="20" y="4"/>
+                  </a:cubicBezTo>
+                  <a:close/>
+                </a:path>
+              </a:pathLst>
+            </a:custGeom>
+            <a:grpFill/>
+            <a:ln>
+              <a:noFill/>
+            </a:ln>
+            <a:extLst>
+              <a:ext uri="{91240B29-F687-4f45-9708-019B960494DF}">
+                <a14:hiddenLine xmlns:a14="http://schemas.microsoft.com/office/drawing/2010/main" xmlns:p14="http://schemas.microsoft.com/office/powerpoint/2010/main" xmlns:a16="http://schemas.microsoft.com/office/drawing/2014/main" xmlns="" w="9525">
+                  <a:solidFill>
+                    <a:srgbClr val="000000"/>
+                  </a:solidFill>
+                  <a:round/>
+                  <a:headEnd/>
+                  <a:tailEnd/>
+                </a14:hiddenLine>
+              </a:ext>
+            </a:extLst>
+          </p:spPr>
+          <p:txBody>
+            <a:bodyPr/>
+            <a:lstStyle/>
+            <a:p>
+              <a:endParaRPr lang="en-US"/>
+            </a:p>
+          </p:txBody>
+        </p:sp>
+        <p:sp>
+          <p:nvSpPr>
+            <p:cNvPr id="24" name="Freeform 13">
+              <a:extLst>
+                <a:ext uri="{FF2B5EF4-FFF2-40B4-BE49-F238E27FC236}">
+                  <a16:creationId xmlns:a16="http://schemas.microsoft.com/office/drawing/2014/main" id="{377E106C-5445-4A52-9F7E-DA1738744291}"/>
+                </a:ext>
+                <a:ext uri="{C183D7F6-B498-43B3-948B-1728B52AA6E4}">
+                  <adec:decorative xmlns:adec="http://schemas.microsoft.com/office/drawing/2017/decorative" val="1"/>
+                </a:ext>
+              </a:extLst>
+            </p:cNvPr>
+            <p:cNvSpPr>
+              <a:spLocks noEditPoints="1"/>
+            </p:cNvSpPr>
+            <p:nvPr>
+              <p:extLst>
+                <p:ext uri="{386F3935-93C4-4BCD-93E2-E3B085C9AB24}">
+                  <p16:designElem xmlns:p16="http://schemas.microsoft.com/office/powerpoint/2015/main" val="1"/>
+                </p:ext>
+              </p:extLst>
+            </p:nvPr>
+          </p:nvSpPr>
+          <p:spPr bwMode="auto">
+            <a:xfrm>
+              <a:off x="588962" y="903288"/>
+              <a:ext cx="190500" cy="190500"/>
+            </a:xfrm>
+            <a:custGeom>
+              <a:avLst/>
+              <a:gdLst/>
+              <a:ahLst/>
+              <a:cxnLst/>
+              <a:rect l="0" t="0" r="r" b="b"/>
+              <a:pathLst>
+                <a:path w="40" h="40">
+                  <a:moveTo>
+                    <a:pt x="20" y="40"/>
+                  </a:moveTo>
+                  <a:cubicBezTo>
+                    <a:pt x="9" y="40"/>
+                    <a:pt x="0" y="31"/>
+                    <a:pt x="0" y="20"/>
+                  </a:cubicBezTo>
+                  <a:cubicBezTo>
+                    <a:pt x="0" y="9"/>
+                    <a:pt x="9" y="0"/>
+                    <a:pt x="20" y="0"/>
+                  </a:cubicBezTo>
+                  <a:cubicBezTo>
+                    <a:pt x="31" y="0"/>
+                    <a:pt x="40" y="9"/>
+                    <a:pt x="40" y="20"/>
+                  </a:cubicBezTo>
+                  <a:cubicBezTo>
+                    <a:pt x="40" y="31"/>
+                    <a:pt x="31" y="40"/>
+                    <a:pt x="20" y="40"/>
+                  </a:cubicBezTo>
+                  <a:close/>
+                  <a:moveTo>
+                    <a:pt x="20" y="4"/>
+                  </a:moveTo>
+                  <a:cubicBezTo>
+                    <a:pt x="11" y="4"/>
+                    <a:pt x="4" y="11"/>
+                    <a:pt x="4" y="20"/>
+                  </a:cubicBezTo>
+                  <a:cubicBezTo>
+                    <a:pt x="4" y="29"/>
+                    <a:pt x="11" y="36"/>
+                    <a:pt x="20" y="36"/>
+                  </a:cubicBezTo>
+                  <a:cubicBezTo>
+                    <a:pt x="29" y="36"/>
+                    <a:pt x="36" y="29"/>
+                    <a:pt x="36" y="20"/>
+                  </a:cubicBezTo>
+                  <a:cubicBezTo>
+                    <a:pt x="36" y="11"/>
+                    <a:pt x="29" y="4"/>
+                    <a:pt x="20" y="4"/>
+                  </a:cubicBezTo>
+                  <a:close/>
+                </a:path>
+              </a:pathLst>
+            </a:custGeom>
+            <a:grpFill/>
+            <a:ln>
+              <a:noFill/>
+            </a:ln>
+            <a:extLst>
+              <a:ext uri="{91240B29-F687-4f45-9708-019B960494DF}">
+                <a14:hiddenLine xmlns:a14="http://schemas.microsoft.com/office/drawing/2010/main" xmlns:p14="http://schemas.microsoft.com/office/powerpoint/2010/main" xmlns:a16="http://schemas.microsoft.com/office/drawing/2014/main" xmlns="" w="9525">
+                  <a:solidFill>
+                    <a:srgbClr val="000000"/>
+                  </a:solidFill>
+                  <a:round/>
+                  <a:headEnd/>
+                  <a:tailEnd/>
+                </a14:hiddenLine>
+              </a:ext>
+            </a:extLst>
+          </p:spPr>
+          <p:txBody>
+            <a:bodyPr/>
+            <a:lstStyle/>
+            <a:p>
+              <a:endParaRPr lang="en-US"/>
+            </a:p>
+          </p:txBody>
+        </p:sp>
+        <p:sp>
+          <p:nvSpPr>
+            <p:cNvPr id="25" name="Freeform 14">
+              <a:extLst>
+                <a:ext uri="{FF2B5EF4-FFF2-40B4-BE49-F238E27FC236}">
+                  <a16:creationId xmlns:a16="http://schemas.microsoft.com/office/drawing/2014/main" id="{752BFE96-D378-4BAE-A64B-F851A34C4770}"/>
+                </a:ext>
+                <a:ext uri="{C183D7F6-B498-43B3-948B-1728B52AA6E4}">
+                  <adec:decorative xmlns:adec="http://schemas.microsoft.com/office/drawing/2017/decorative" val="1"/>
+                </a:ext>
+              </a:extLst>
+            </p:cNvPr>
+            <p:cNvSpPr/>
+            <p:nvPr>
+              <p:extLst>
+                <p:ext uri="{386F3935-93C4-4BCD-93E2-E3B085C9AB24}">
+                  <p16:designElem xmlns:p16="http://schemas.microsoft.com/office/powerpoint/2015/main" val="1"/>
+                </p:ext>
+              </p:extLst>
+            </p:nvPr>
+          </p:nvSpPr>
+          <p:spPr bwMode="auto">
+            <a:xfrm>
+              <a:off x="641350" y="0"/>
+              <a:ext cx="422275" cy="527050"/>
+            </a:xfrm>
+            <a:custGeom>
+              <a:avLst/>
+              <a:gdLst/>
+              <a:ahLst/>
+              <a:cxnLst/>
+              <a:rect l="0" t="0" r="r" b="b"/>
+              <a:pathLst>
+                <a:path w="266" h="332">
+                  <a:moveTo>
+                    <a:pt x="257" y="332"/>
+                  </a:moveTo>
+                  <a:lnTo>
+                    <a:pt x="48" y="123"/>
+                  </a:lnTo>
+                  <a:lnTo>
+                    <a:pt x="0" y="6"/>
+                  </a:lnTo>
+                  <a:lnTo>
+                    <a:pt x="15" y="0"/>
+                  </a:lnTo>
+                  <a:lnTo>
+                    <a:pt x="63" y="114"/>
+                  </a:lnTo>
+                  <a:lnTo>
+                    <a:pt x="266" y="320"/>
+                  </a:lnTo>
+                  <a:lnTo>
+                    <a:pt x="257" y="332"/>
+                  </a:lnTo>
+                  <a:close/>
+                </a:path>
+              </a:pathLst>
+            </a:custGeom>
+            <a:grpFill/>
+            <a:ln>
+              <a:noFill/>
+            </a:ln>
+            <a:extLst>
+              <a:ext uri="{91240B29-F687-4f45-9708-019B960494DF}">
+                <a14:hiddenLine xmlns:a14="http://schemas.microsoft.com/office/drawing/2010/main" xmlns:p14="http://schemas.microsoft.com/office/powerpoint/2010/main" xmlns:a16="http://schemas.microsoft.com/office/drawing/2014/main" xmlns="" w="9525">
+                  <a:solidFill>
+                    <a:srgbClr val="000000"/>
+                  </a:solidFill>
+                  <a:round/>
+                  <a:headEnd/>
+                  <a:tailEnd/>
+                </a14:hiddenLine>
+              </a:ext>
+            </a:extLst>
+          </p:spPr>
+          <p:txBody>
+            <a:bodyPr/>
+            <a:lstStyle/>
+            <a:p>
+              <a:endParaRPr lang="en-US"/>
+            </a:p>
+          </p:txBody>
+        </p:sp>
+        <p:sp>
+          <p:nvSpPr>
+            <p:cNvPr id="26" name="Freeform 15">
+              <a:extLst>
+                <a:ext uri="{FF2B5EF4-FFF2-40B4-BE49-F238E27FC236}">
+                  <a16:creationId xmlns:a16="http://schemas.microsoft.com/office/drawing/2014/main" id="{B88FFB19-5A5E-4078-B467-9D4ABD21BD9A}"/>
+                </a:ext>
+                <a:ext uri="{C183D7F6-B498-43B3-948B-1728B52AA6E4}">
+                  <adec:decorative xmlns:adec="http://schemas.microsoft.com/office/drawing/2017/decorative" val="1"/>
+                </a:ext>
+              </a:extLst>
+            </p:cNvPr>
+            <p:cNvSpPr>
+              <a:spLocks noEditPoints="1"/>
+            </p:cNvSpPr>
+            <p:nvPr>
+              <p:extLst>
+                <p:ext uri="{386F3935-93C4-4BCD-93E2-E3B085C9AB24}">
+                  <p16:designElem xmlns:p16="http://schemas.microsoft.com/office/powerpoint/2015/main" val="1"/>
+                </p:ext>
+              </p:extLst>
+            </p:nvPr>
+          </p:nvSpPr>
+          <p:spPr bwMode="auto">
+            <a:xfrm>
+              <a:off x="1020762" y="488950"/>
+              <a:ext cx="161925" cy="147638"/>
+            </a:xfrm>
+            <a:custGeom>
+              <a:avLst/>
+              <a:gdLst/>
+              <a:ahLst/>
+              <a:cxnLst/>
+              <a:rect l="0" t="0" r="r" b="b"/>
+              <a:pathLst>
+                <a:path w="34" h="31">
+                  <a:moveTo>
+                    <a:pt x="17" y="31"/>
+                  </a:moveTo>
+                  <a:cubicBezTo>
+                    <a:pt x="13" y="31"/>
+                    <a:pt x="9" y="30"/>
+                    <a:pt x="6" y="27"/>
+                  </a:cubicBezTo>
+                  <a:cubicBezTo>
+                    <a:pt x="0" y="20"/>
+                    <a:pt x="0" y="10"/>
+                    <a:pt x="6" y="4"/>
+                  </a:cubicBezTo>
+                  <a:cubicBezTo>
+                    <a:pt x="9" y="1"/>
+                    <a:pt x="13" y="0"/>
+                    <a:pt x="17" y="0"/>
+                  </a:cubicBezTo>
+                  <a:cubicBezTo>
+                    <a:pt x="21" y="0"/>
+                    <a:pt x="25" y="1"/>
+                    <a:pt x="28" y="4"/>
+                  </a:cubicBezTo>
+                  <a:cubicBezTo>
+                    <a:pt x="34" y="10"/>
+                    <a:pt x="34" y="20"/>
+                    <a:pt x="28" y="27"/>
+                  </a:cubicBezTo>
+                  <a:cubicBezTo>
+                    <a:pt x="25" y="30"/>
+                    <a:pt x="21" y="31"/>
+                    <a:pt x="17" y="31"/>
+                  </a:cubicBezTo>
+                  <a:close/>
+                  <a:moveTo>
+                    <a:pt x="17" y="4"/>
+                  </a:moveTo>
+                  <a:cubicBezTo>
+                    <a:pt x="14" y="4"/>
+                    <a:pt x="11" y="5"/>
+                    <a:pt x="9" y="7"/>
+                  </a:cubicBezTo>
+                  <a:cubicBezTo>
+                    <a:pt x="4" y="12"/>
+                    <a:pt x="4" y="19"/>
+                    <a:pt x="9" y="24"/>
+                  </a:cubicBezTo>
+                  <a:cubicBezTo>
+                    <a:pt x="11" y="26"/>
+                    <a:pt x="14" y="27"/>
+                    <a:pt x="17" y="27"/>
+                  </a:cubicBezTo>
+                  <a:cubicBezTo>
+                    <a:pt x="20" y="27"/>
+                    <a:pt x="23" y="26"/>
+                    <a:pt x="25" y="24"/>
+                  </a:cubicBezTo>
+                  <a:cubicBezTo>
+                    <a:pt x="30" y="19"/>
+                    <a:pt x="30" y="12"/>
+                    <a:pt x="25" y="7"/>
+                  </a:cubicBezTo>
+                  <a:cubicBezTo>
+                    <a:pt x="23" y="5"/>
+                    <a:pt x="20" y="4"/>
+                    <a:pt x="17" y="4"/>
+                  </a:cubicBezTo>
+                  <a:close/>
+                </a:path>
+              </a:pathLst>
+            </a:custGeom>
+            <a:grpFill/>
+            <a:ln>
+              <a:noFill/>
+            </a:ln>
+            <a:extLst>
+              <a:ext uri="{91240B29-F687-4f45-9708-019B960494DF}">
+                <a14:hiddenLine xmlns:a14="http://schemas.microsoft.com/office/drawing/2010/main" xmlns:p14="http://schemas.microsoft.com/office/powerpoint/2010/main" xmlns:a16="http://schemas.microsoft.com/office/drawing/2014/main" xmlns="" w="9525">
+                  <a:solidFill>
+                    <a:srgbClr val="000000"/>
+                  </a:solidFill>
+                  <a:round/>
+                  <a:headEnd/>
+                  <a:tailEnd/>
+                </a14:hiddenLine>
+              </a:ext>
+            </a:extLst>
+          </p:spPr>
+          <p:txBody>
+            <a:bodyPr/>
+            <a:lstStyle/>
+            <a:p>
+              <a:endParaRPr lang="en-US"/>
+            </a:p>
+          </p:txBody>
+        </p:sp>
+        <p:sp>
+          <p:nvSpPr>
+            <p:cNvPr id="27" name="Line 16">
+              <a:extLst>
+                <a:ext uri="{FF2B5EF4-FFF2-40B4-BE49-F238E27FC236}">
+                  <a16:creationId xmlns:a16="http://schemas.microsoft.com/office/drawing/2014/main" id="{11042975-3D19-4728-BCDA-D3F5CD633EDB}"/>
+                </a:ext>
+                <a:ext uri="{C183D7F6-B498-43B3-948B-1728B52AA6E4}">
+                  <adec:decorative xmlns:adec="http://schemas.microsoft.com/office/drawing/2017/decorative" val="1"/>
+                </a:ext>
+              </a:extLst>
+            </p:cNvPr>
+            <p:cNvSpPr>
+              <a:spLocks noChangeShapeType="1"/>
+            </p:cNvSpPr>
+            <p:nvPr>
+              <p:extLst>
+                <p:ext uri="{386F3935-93C4-4BCD-93E2-E3B085C9AB24}">
+                  <p16:designElem xmlns:p16="http://schemas.microsoft.com/office/powerpoint/2015/main" val="1"/>
+                </p:ext>
+              </p:extLst>
+            </p:nvPr>
+          </p:nvSpPr>
+          <p:spPr bwMode="auto">
+            <a:xfrm>
+              <a:off x="-4763" y="9525"/>
+              <a:ext cx="0" cy="0"/>
+            </a:xfrm>
+            <a:prstGeom prst="line">
+              <a:avLst/>
+            </a:prstGeom>
+            <a:grpFill/>
+            <a:ln w="15" cap="flat">
+              <a:solidFill>
+                <a:srgbClr val="FFFFFF"/>
+              </a:solidFill>
+              <a:prstDash val="solid"/>
+              <a:miter lim="800000"/>
+              <a:headEnd/>
+              <a:tailEnd/>
+            </a:ln>
+          </p:spPr>
+          <p:txBody>
+            <a:bodyPr/>
+            <a:lstStyle/>
+            <a:p>
+              <a:endParaRPr lang="en-US"/>
+            </a:p>
+          </p:txBody>
+        </p:sp>
+        <p:sp>
+          <p:nvSpPr>
+            <p:cNvPr id="28" name="Freeform 17">
+              <a:extLst>
+                <a:ext uri="{FF2B5EF4-FFF2-40B4-BE49-F238E27FC236}">
+                  <a16:creationId xmlns:a16="http://schemas.microsoft.com/office/drawing/2014/main" id="{A28972BD-D2E1-4DCA-A907-2E3B6F606649}"/>
+                </a:ext>
+                <a:ext uri="{C183D7F6-B498-43B3-948B-1728B52AA6E4}">
+                  <adec:decorative xmlns:adec="http://schemas.microsoft.com/office/drawing/2017/decorative" val="1"/>
+                </a:ext>
+              </a:extLst>
+            </p:cNvPr>
+            <p:cNvSpPr/>
+            <p:nvPr>
+              <p:extLst>
+                <p:ext uri="{386F3935-93C4-4BCD-93E2-E3B085C9AB24}">
+                  <p16:designElem xmlns:p16="http://schemas.microsoft.com/office/powerpoint/2015/main" val="1"/>
+                </p:ext>
+              </p:extLst>
+            </p:nvPr>
+          </p:nvSpPr>
+          <p:spPr bwMode="auto">
+            <a:xfrm>
+              <a:off x="9525" y="1801813"/>
+              <a:ext cx="123825" cy="127000"/>
+            </a:xfrm>
+            <a:custGeom>
+              <a:avLst/>
+              <a:gdLst/>
+              <a:ahLst/>
+              <a:cxnLst/>
+              <a:rect l="0" t="0" r="r" b="b"/>
+              <a:pathLst>
+                <a:path w="78" h="80">
+                  <a:moveTo>
+                    <a:pt x="6" y="80"/>
+                  </a:moveTo>
+                  <a:lnTo>
+                    <a:pt x="0" y="71"/>
+                  </a:lnTo>
+                  <a:lnTo>
+                    <a:pt x="69" y="0"/>
+                  </a:lnTo>
+                  <a:lnTo>
+                    <a:pt x="78" y="9"/>
+                  </a:lnTo>
+                  <a:lnTo>
+                    <a:pt x="6" y="80"/>
+                  </a:lnTo>
+                  <a:close/>
+                </a:path>
+              </a:pathLst>
+            </a:custGeom>
+            <a:grpFill/>
+            <a:ln>
+              <a:noFill/>
+            </a:ln>
+            <a:extLst>
+              <a:ext uri="{91240B29-F687-4f45-9708-019B960494DF}">
+                <a14:hiddenLine xmlns:a14="http://schemas.microsoft.com/office/drawing/2010/main" xmlns:p14="http://schemas.microsoft.com/office/powerpoint/2010/main" xmlns:a16="http://schemas.microsoft.com/office/drawing/2014/main" xmlns="" w="9525">
+                  <a:solidFill>
+                    <a:srgbClr val="000000"/>
+                  </a:solidFill>
+                  <a:round/>
+                  <a:headEnd/>
+                  <a:tailEnd/>
+                </a14:hiddenLine>
+              </a:ext>
+            </a:extLst>
+          </p:spPr>
+          <p:txBody>
+            <a:bodyPr/>
+            <a:lstStyle/>
+            <a:p>
+              <a:endParaRPr lang="en-US"/>
+            </a:p>
+          </p:txBody>
+        </p:sp>
+        <p:sp>
+          <p:nvSpPr>
+            <p:cNvPr id="29" name="Freeform 18">
+              <a:extLst>
+                <a:ext uri="{FF2B5EF4-FFF2-40B4-BE49-F238E27FC236}">
+                  <a16:creationId xmlns:a16="http://schemas.microsoft.com/office/drawing/2014/main" id="{1C806824-5C2D-4747-B038-69EE4074B366}"/>
+                </a:ext>
+                <a:ext uri="{C183D7F6-B498-43B3-948B-1728B52AA6E4}">
+                  <adec:decorative xmlns:adec="http://schemas.microsoft.com/office/drawing/2017/decorative" val="1"/>
+                </a:ext>
+              </a:extLst>
+            </p:cNvPr>
+            <p:cNvSpPr/>
+            <p:nvPr>
+              <p:extLst>
+                <p:ext uri="{386F3935-93C4-4BCD-93E2-E3B085C9AB24}">
+                  <p16:designElem xmlns:p16="http://schemas.microsoft.com/office/powerpoint/2015/main" val="1"/>
+                </p:ext>
+              </p:extLst>
+            </p:nvPr>
+          </p:nvSpPr>
+          <p:spPr bwMode="auto">
+            <a:xfrm>
+              <a:off x="-9525" y="3549650"/>
+              <a:ext cx="147638" cy="481013"/>
+            </a:xfrm>
+            <a:custGeom>
+              <a:avLst/>
+              <a:gdLst/>
+              <a:ahLst/>
+              <a:cxnLst/>
+              <a:rect l="0" t="0" r="r" b="b"/>
+              <a:pathLst>
+                <a:path w="93" h="303">
+                  <a:moveTo>
+                    <a:pt x="93" y="303"/>
+                  </a:moveTo>
+                  <a:lnTo>
+                    <a:pt x="78" y="303"/>
+                  </a:lnTo>
+                  <a:lnTo>
+                    <a:pt x="78" y="78"/>
+                  </a:lnTo>
+                  <a:lnTo>
+                    <a:pt x="0" y="12"/>
+                  </a:lnTo>
+                  <a:lnTo>
+                    <a:pt x="12" y="0"/>
+                  </a:lnTo>
+                  <a:lnTo>
+                    <a:pt x="93" y="69"/>
+                  </a:lnTo>
+                  <a:lnTo>
+                    <a:pt x="93" y="303"/>
+                  </a:lnTo>
+                  <a:close/>
+                </a:path>
+              </a:pathLst>
+            </a:custGeom>
+            <a:grpFill/>
+            <a:ln>
+              <a:noFill/>
+            </a:ln>
+            <a:extLst>
+              <a:ext uri="{91240B29-F687-4f45-9708-019B960494DF}">
+                <a14:hiddenLine xmlns:a14="http://schemas.microsoft.com/office/drawing/2010/main" xmlns:p14="http://schemas.microsoft.com/office/powerpoint/2010/main" xmlns:a16="http://schemas.microsoft.com/office/drawing/2014/main" xmlns="" w="9525">
+                  <a:solidFill>
+                    <a:srgbClr val="000000"/>
+                  </a:solidFill>
+                  <a:round/>
+                  <a:headEnd/>
+                  <a:tailEnd/>
+                </a14:hiddenLine>
+              </a:ext>
+            </a:extLst>
+          </p:spPr>
+          <p:txBody>
+            <a:bodyPr/>
+            <a:lstStyle/>
+            <a:p>
+              <a:endParaRPr lang="en-US"/>
+            </a:p>
+          </p:txBody>
+        </p:sp>
+        <p:sp>
+          <p:nvSpPr>
+            <p:cNvPr id="30" name="Freeform 19">
+              <a:extLst>
+                <a:ext uri="{FF2B5EF4-FFF2-40B4-BE49-F238E27FC236}">
+                  <a16:creationId xmlns:a16="http://schemas.microsoft.com/office/drawing/2014/main" id="{3B33F710-16D7-4F48-BFCA-66C9CA2352CB}"/>
+                </a:ext>
+                <a:ext uri="{C183D7F6-B498-43B3-948B-1728B52AA6E4}">
+                  <adec:decorative xmlns:adec="http://schemas.microsoft.com/office/drawing/2017/decorative" val="1"/>
+                </a:ext>
+              </a:extLst>
+            </p:cNvPr>
+            <p:cNvSpPr/>
+            <p:nvPr>
+              <p:extLst>
+                <p:ext uri="{386F3935-93C4-4BCD-93E2-E3B085C9AB24}">
+                  <p16:designElem xmlns:p16="http://schemas.microsoft.com/office/powerpoint/2015/main" val="1"/>
+                </p:ext>
+              </p:extLst>
+            </p:nvPr>
+          </p:nvSpPr>
+          <p:spPr bwMode="auto">
+            <a:xfrm>
+              <a:off x="128587" y="1382713"/>
+              <a:ext cx="142875" cy="476250"/>
+            </a:xfrm>
+            <a:custGeom>
+              <a:avLst/>
+              <a:gdLst/>
+              <a:ahLst/>
+              <a:cxnLst/>
+              <a:rect l="0" t="0" r="r" b="b"/>
+              <a:pathLst>
+                <a:path w="90" h="300">
+                  <a:moveTo>
+                    <a:pt x="90" y="300"/>
+                  </a:moveTo>
+                  <a:lnTo>
+                    <a:pt x="78" y="300"/>
+                  </a:lnTo>
+                  <a:lnTo>
+                    <a:pt x="78" y="84"/>
+                  </a:lnTo>
+                  <a:lnTo>
+                    <a:pt x="0" y="9"/>
+                  </a:lnTo>
+                  <a:lnTo>
+                    <a:pt x="9" y="0"/>
+                  </a:lnTo>
+                  <a:lnTo>
+                    <a:pt x="90" y="81"/>
+                  </a:lnTo>
+                  <a:lnTo>
+                    <a:pt x="90" y="300"/>
+                  </a:lnTo>
+                  <a:close/>
+                </a:path>
+              </a:pathLst>
+            </a:custGeom>
+            <a:grpFill/>
+            <a:ln>
+              <a:noFill/>
+            </a:ln>
+            <a:extLst>
+              <a:ext uri="{91240B29-F687-4f45-9708-019B960494DF}">
+                <a14:hiddenLine xmlns:a14="http://schemas.microsoft.com/office/drawing/2010/main" xmlns:p14="http://schemas.microsoft.com/office/powerpoint/2010/main" xmlns:a16="http://schemas.microsoft.com/office/drawing/2014/main" xmlns="" w="9525">
+                  <a:solidFill>
+                    <a:srgbClr val="000000"/>
+                  </a:solidFill>
+                  <a:round/>
+                  <a:headEnd/>
+                  <a:tailEnd/>
+                </a14:hiddenLine>
+              </a:ext>
+            </a:extLst>
+          </p:spPr>
+          <p:txBody>
+            <a:bodyPr/>
+            <a:lstStyle/>
+            <a:p>
+              <a:endParaRPr lang="en-US"/>
+            </a:p>
+          </p:txBody>
+        </p:sp>
+        <p:sp>
+          <p:nvSpPr>
+            <p:cNvPr id="31" name="Freeform 20">
+              <a:extLst>
+                <a:ext uri="{FF2B5EF4-FFF2-40B4-BE49-F238E27FC236}">
+                  <a16:creationId xmlns:a16="http://schemas.microsoft.com/office/drawing/2014/main" id="{6C8C8ED4-90FA-4E97-AAF0-D5D51E6A935E}"/>
+                </a:ext>
+                <a:ext uri="{C183D7F6-B498-43B3-948B-1728B52AA6E4}">
+                  <adec:decorative xmlns:adec="http://schemas.microsoft.com/office/drawing/2017/decorative" val="1"/>
+                </a:ext>
+              </a:extLst>
+            </p:cNvPr>
+            <p:cNvSpPr>
+              <a:spLocks noEditPoints="1"/>
+            </p:cNvSpPr>
+            <p:nvPr>
+              <p:extLst>
+                <p:ext uri="{386F3935-93C4-4BCD-93E2-E3B085C9AB24}">
+                  <p16:designElem xmlns:p16="http://schemas.microsoft.com/office/powerpoint/2015/main" val="1"/>
+                </p:ext>
+              </p:extLst>
+            </p:nvPr>
+          </p:nvSpPr>
+          <p:spPr bwMode="auto">
+            <a:xfrm>
+              <a:off x="204787" y="1849438"/>
+              <a:ext cx="114300" cy="107950"/>
+            </a:xfrm>
+            <a:custGeom>
+              <a:avLst/>
+              <a:gdLst/>
+              <a:ahLst/>
+              <a:cxnLst/>
+              <a:rect l="0" t="0" r="r" b="b"/>
+              <a:pathLst>
+                <a:path w="24" h="23">
+                  <a:moveTo>
+                    <a:pt x="12" y="23"/>
+                  </a:moveTo>
+                  <a:cubicBezTo>
+                    <a:pt x="6" y="23"/>
+                    <a:pt x="0" y="18"/>
+                    <a:pt x="0" y="12"/>
+                  </a:cubicBezTo>
+                  <a:cubicBezTo>
+                    <a:pt x="0" y="5"/>
+                    <a:pt x="6" y="0"/>
+                    <a:pt x="12" y="0"/>
+                  </a:cubicBezTo>
+                  <a:cubicBezTo>
+                    <a:pt x="18" y="0"/>
+                    <a:pt x="24" y="5"/>
+                    <a:pt x="24" y="12"/>
+                  </a:cubicBezTo>
+                  <a:cubicBezTo>
+                    <a:pt x="24" y="18"/>
+                    <a:pt x="18" y="23"/>
+                    <a:pt x="12" y="23"/>
+                  </a:cubicBezTo>
+                  <a:close/>
+                  <a:moveTo>
+                    <a:pt x="12" y="4"/>
+                  </a:moveTo>
+                  <a:cubicBezTo>
+                    <a:pt x="8" y="4"/>
+                    <a:pt x="4" y="8"/>
+                    <a:pt x="4" y="12"/>
+                  </a:cubicBezTo>
+                  <a:cubicBezTo>
+                    <a:pt x="4" y="16"/>
+                    <a:pt x="8" y="19"/>
+                    <a:pt x="12" y="19"/>
+                  </a:cubicBezTo>
+                  <a:cubicBezTo>
+                    <a:pt x="16" y="19"/>
+                    <a:pt x="20" y="16"/>
+                    <a:pt x="20" y="12"/>
+                  </a:cubicBezTo>
+                  <a:cubicBezTo>
+                    <a:pt x="20" y="8"/>
+                    <a:pt x="16" y="4"/>
+                    <a:pt x="12" y="4"/>
+                  </a:cubicBezTo>
+                  <a:close/>
+                </a:path>
+              </a:pathLst>
+            </a:custGeom>
+            <a:grpFill/>
+            <a:ln>
+              <a:noFill/>
+            </a:ln>
+            <a:extLst>
+              <a:ext uri="{91240B29-F687-4f45-9708-019B960494DF}">
+                <a14:hiddenLine xmlns:a14="http://schemas.microsoft.com/office/drawing/2010/main" xmlns:p14="http://schemas.microsoft.com/office/powerpoint/2010/main" xmlns:a16="http://schemas.microsoft.com/office/drawing/2014/main" xmlns="" w="9525">
+                  <a:solidFill>
+                    <a:srgbClr val="000000"/>
+                  </a:solidFill>
+                  <a:round/>
+                  <a:headEnd/>
+                  <a:tailEnd/>
+                </a14:hiddenLine>
+              </a:ext>
+            </a:extLst>
+          </p:spPr>
+          <p:txBody>
+            <a:bodyPr/>
+            <a:lstStyle/>
+            <a:p>
+              <a:endParaRPr lang="en-US"/>
+            </a:p>
+          </p:txBody>
+        </p:sp>
+        <p:sp>
+          <p:nvSpPr>
+            <p:cNvPr id="32" name="Rectangle 21">
+              <a:extLst>
+                <a:ext uri="{FF2B5EF4-FFF2-40B4-BE49-F238E27FC236}">
+                  <a16:creationId xmlns:a16="http://schemas.microsoft.com/office/drawing/2014/main" id="{6C5EB9C1-B25F-4172-8A96-5950ECC828FC}"/>
+                </a:ext>
+                <a:ext uri="{C183D7F6-B498-43B3-948B-1728B52AA6E4}">
+                  <adec:decorative xmlns:adec="http://schemas.microsoft.com/office/drawing/2017/decorative" val="1"/>
+                </a:ext>
+              </a:extLst>
+            </p:cNvPr>
+            <p:cNvSpPr>
+              <a:spLocks noChangeArrowheads="1"/>
+            </p:cNvSpPr>
+            <p:nvPr>
+              <p:extLst>
+                <p:ext uri="{386F3935-93C4-4BCD-93E2-E3B085C9AB24}">
+                  <p16:designElem xmlns:p16="http://schemas.microsoft.com/office/powerpoint/2015/main" val="1"/>
+                </p:ext>
+              </p:extLst>
+            </p:nvPr>
+          </p:nvSpPr>
+          <p:spPr bwMode="auto">
+            <a:xfrm>
+              <a:off x="133350" y="4662488"/>
+              <a:ext cx="23813" cy="2181225"/>
+            </a:xfrm>
+            <a:prstGeom prst="rect">
+              <a:avLst/>
+            </a:prstGeom>
+            <a:grpFill/>
+            <a:ln>
+              <a:noFill/>
+            </a:ln>
+            <a:extLst>
+              <a:ext uri="{91240B29-F687-4f45-9708-019B960494DF}">
+                <a14:hiddenLine xmlns:a14="http://schemas.microsoft.com/office/drawing/2010/main" xmlns:p14="http://schemas.microsoft.com/office/powerpoint/2010/main" xmlns:a16="http://schemas.microsoft.com/office/drawing/2014/main" xmlns="" w="9525">
+                  <a:solidFill>
+                    <a:srgbClr val="000000"/>
+                  </a:solidFill>
+                  <a:miter lim="800000"/>
+                  <a:headEnd/>
+                  <a:tailEnd/>
+                </a14:hiddenLine>
+              </a:ext>
+            </a:extLst>
+          </p:spPr>
+          <p:txBody>
+            <a:bodyPr/>
+            <a:lstStyle/>
+            <a:p>
+              <a:endParaRPr lang="en-US"/>
+            </a:p>
+          </p:txBody>
+        </p:sp>
+        <p:sp>
+          <p:nvSpPr>
+            <p:cNvPr id="33" name="Freeform 22">
+              <a:extLst>
+                <a:ext uri="{FF2B5EF4-FFF2-40B4-BE49-F238E27FC236}">
+                  <a16:creationId xmlns:a16="http://schemas.microsoft.com/office/drawing/2014/main" id="{097E6E8A-9373-4655-882B-21715CCE97EE}"/>
+                </a:ext>
+                <a:ext uri="{C183D7F6-B498-43B3-948B-1728B52AA6E4}">
+                  <adec:decorative xmlns:adec="http://schemas.microsoft.com/office/drawing/2017/decorative" val="1"/>
+                </a:ext>
+              </a:extLst>
+            </p:cNvPr>
+            <p:cNvSpPr/>
+            <p:nvPr>
+              <p:extLst>
+                <p:ext uri="{386F3935-93C4-4BCD-93E2-E3B085C9AB24}">
+                  <p16:designElem xmlns:p16="http://schemas.microsoft.com/office/powerpoint/2015/main" val="1"/>
+                </p:ext>
+              </p:extLst>
+            </p:nvPr>
+          </p:nvSpPr>
+          <p:spPr bwMode="auto">
+            <a:xfrm>
+              <a:off x="223837" y="5041900"/>
+              <a:ext cx="369888" cy="1801813"/>
+            </a:xfrm>
+            <a:custGeom>
+              <a:avLst/>
+              <a:gdLst/>
+              <a:ahLst/>
+              <a:cxnLst/>
+              <a:rect l="0" t="0" r="r" b="b"/>
+              <a:pathLst>
+                <a:path w="233" h="1135">
+                  <a:moveTo>
+                    <a:pt x="15" y="1135"/>
+                  </a:moveTo>
+                  <a:lnTo>
+                    <a:pt x="0" y="1135"/>
+                  </a:lnTo>
+                  <a:lnTo>
+                    <a:pt x="0" y="515"/>
+                  </a:lnTo>
+                  <a:lnTo>
+                    <a:pt x="0" y="512"/>
+                  </a:lnTo>
+                  <a:lnTo>
+                    <a:pt x="218" y="0"/>
+                  </a:lnTo>
+                  <a:lnTo>
+                    <a:pt x="233" y="6"/>
+                  </a:lnTo>
+                  <a:lnTo>
+                    <a:pt x="15" y="518"/>
+                  </a:lnTo>
+                  <a:lnTo>
+                    <a:pt x="15" y="1135"/>
+                  </a:lnTo>
+                  <a:close/>
+                </a:path>
+              </a:pathLst>
+            </a:custGeom>
+            <a:grpFill/>
+            <a:ln>
+              <a:noFill/>
+            </a:ln>
+            <a:extLst>
+              <a:ext uri="{91240B29-F687-4f45-9708-019B960494DF}">
+                <a14:hiddenLine xmlns:a14="http://schemas.microsoft.com/office/drawing/2010/main" xmlns:p14="http://schemas.microsoft.com/office/powerpoint/2010/main" xmlns:a16="http://schemas.microsoft.com/office/drawing/2014/main" xmlns="" w="9525">
+                  <a:solidFill>
+                    <a:srgbClr val="000000"/>
+                  </a:solidFill>
+                  <a:round/>
+                  <a:headEnd/>
+                  <a:tailEnd/>
+                </a14:hiddenLine>
+              </a:ext>
+            </a:extLst>
+          </p:spPr>
+          <p:txBody>
+            <a:bodyPr/>
+            <a:lstStyle/>
+            <a:p>
+              <a:endParaRPr lang="en-US"/>
+            </a:p>
+          </p:txBody>
+        </p:sp>
+        <p:sp>
+          <p:nvSpPr>
+            <p:cNvPr id="34" name="Freeform 23">
+              <a:extLst>
+                <a:ext uri="{FF2B5EF4-FFF2-40B4-BE49-F238E27FC236}">
+                  <a16:creationId xmlns:a16="http://schemas.microsoft.com/office/drawing/2014/main" id="{EB8CC766-1206-4372-ACAF-8230AF4D5421}"/>
+                </a:ext>
+                <a:ext uri="{C183D7F6-B498-43B3-948B-1728B52AA6E4}">
+                  <adec:decorative xmlns:adec="http://schemas.microsoft.com/office/drawing/2017/decorative" val="1"/>
+                </a:ext>
+              </a:extLst>
+            </p:cNvPr>
+            <p:cNvSpPr>
+              <a:spLocks noEditPoints="1"/>
+            </p:cNvSpPr>
+            <p:nvPr>
+              <p:extLst>
+                <p:ext uri="{386F3935-93C4-4BCD-93E2-E3B085C9AB24}">
+                  <p16:designElem xmlns:p16="http://schemas.microsoft.com/office/powerpoint/2015/main" val="1"/>
+                </p:ext>
+              </p:extLst>
+            </p:nvPr>
+          </p:nvSpPr>
+          <p:spPr bwMode="auto">
+            <a:xfrm>
+              <a:off x="52387" y="4481513"/>
+              <a:ext cx="190500" cy="190500"/>
+            </a:xfrm>
+            <a:custGeom>
+              <a:avLst/>
+              <a:gdLst/>
+              <a:ahLst/>
+              <a:cxnLst/>
+              <a:rect l="0" t="0" r="r" b="b"/>
+              <a:pathLst>
+                <a:path w="40" h="40">
+                  <a:moveTo>
+                    <a:pt x="20" y="40"/>
+                  </a:moveTo>
+                  <a:cubicBezTo>
+                    <a:pt x="9" y="40"/>
+                    <a:pt x="0" y="31"/>
+                    <a:pt x="0" y="20"/>
+                  </a:cubicBezTo>
+                  <a:cubicBezTo>
+                    <a:pt x="0" y="9"/>
+                    <a:pt x="9" y="0"/>
+                    <a:pt x="20" y="0"/>
+                  </a:cubicBezTo>
+                  <a:cubicBezTo>
+                    <a:pt x="31" y="0"/>
+                    <a:pt x="40" y="9"/>
+                    <a:pt x="40" y="20"/>
+                  </a:cubicBezTo>
+                  <a:cubicBezTo>
+                    <a:pt x="40" y="31"/>
+                    <a:pt x="31" y="40"/>
+                    <a:pt x="20" y="40"/>
+                  </a:cubicBezTo>
+                  <a:close/>
+                  <a:moveTo>
+                    <a:pt x="20" y="4"/>
+                  </a:moveTo>
+                  <a:cubicBezTo>
+                    <a:pt x="11" y="4"/>
+                    <a:pt x="4" y="11"/>
+                    <a:pt x="4" y="20"/>
+                  </a:cubicBezTo>
+                  <a:cubicBezTo>
+                    <a:pt x="4" y="29"/>
+                    <a:pt x="11" y="36"/>
+                    <a:pt x="20" y="36"/>
+                  </a:cubicBezTo>
+                  <a:cubicBezTo>
+                    <a:pt x="28" y="36"/>
+                    <a:pt x="36" y="29"/>
+                    <a:pt x="36" y="20"/>
+                  </a:cubicBezTo>
+                  <a:cubicBezTo>
+                    <a:pt x="36" y="11"/>
+                    <a:pt x="28" y="4"/>
+                    <a:pt x="20" y="4"/>
+                  </a:cubicBezTo>
+                  <a:close/>
+                </a:path>
+              </a:pathLst>
+            </a:custGeom>
+            <a:grpFill/>
+            <a:ln>
+              <a:noFill/>
+            </a:ln>
+            <a:extLst>
+              <a:ext uri="{91240B29-F687-4f45-9708-019B960494DF}">
+                <a14:hiddenLine xmlns:a14="http://schemas.microsoft.com/office/drawing/2010/main" xmlns:p14="http://schemas.microsoft.com/office/powerpoint/2010/main" xmlns:a16="http://schemas.microsoft.com/office/drawing/2014/main" xmlns="" w="9525">
+                  <a:solidFill>
+                    <a:srgbClr val="000000"/>
+                  </a:solidFill>
+                  <a:round/>
+                  <a:headEnd/>
+                  <a:tailEnd/>
+                </a14:hiddenLine>
+              </a:ext>
+            </a:extLst>
+          </p:spPr>
+          <p:txBody>
+            <a:bodyPr/>
+            <a:lstStyle/>
+            <a:p>
+              <a:endParaRPr lang="en-US"/>
+            </a:p>
+          </p:txBody>
+        </p:sp>
+        <p:sp>
+          <p:nvSpPr>
+            <p:cNvPr id="35" name="Freeform 24">
+              <a:extLst>
+                <a:ext uri="{FF2B5EF4-FFF2-40B4-BE49-F238E27FC236}">
+                  <a16:creationId xmlns:a16="http://schemas.microsoft.com/office/drawing/2014/main" id="{1C8E2511-2489-47B2-9C19-C410910DD901}"/>
+                </a:ext>
+                <a:ext uri="{C183D7F6-B498-43B3-948B-1728B52AA6E4}">
+                  <adec:decorative xmlns:adec="http://schemas.microsoft.com/office/drawing/2017/decorative" val="1"/>
+                </a:ext>
+              </a:extLst>
+            </p:cNvPr>
+            <p:cNvSpPr/>
+            <p:nvPr>
+              <p:extLst>
+                <p:ext uri="{386F3935-93C4-4BCD-93E2-E3B085C9AB24}">
+                  <p16:designElem xmlns:p16="http://schemas.microsoft.com/office/powerpoint/2015/main" val="1"/>
+                </p:ext>
+              </p:extLst>
+            </p:nvPr>
+          </p:nvSpPr>
+          <p:spPr bwMode="auto">
+            <a:xfrm>
+              <a:off x="-14288" y="5627688"/>
+              <a:ext cx="85725" cy="1216025"/>
+            </a:xfrm>
+            <a:custGeom>
+              <a:avLst/>
+              <a:gdLst/>
+              <a:ahLst/>
+              <a:cxnLst/>
+              <a:rect l="0" t="0" r="r" b="b"/>
+              <a:pathLst>
+                <a:path w="54" h="766">
+                  <a:moveTo>
+                    <a:pt x="54" y="766"/>
+                  </a:moveTo>
+                  <a:lnTo>
+                    <a:pt x="36" y="766"/>
+                  </a:lnTo>
+                  <a:lnTo>
+                    <a:pt x="36" y="149"/>
+                  </a:lnTo>
+                  <a:lnTo>
+                    <a:pt x="0" y="3"/>
+                  </a:lnTo>
+                  <a:lnTo>
+                    <a:pt x="18" y="0"/>
+                  </a:lnTo>
+                  <a:lnTo>
+                    <a:pt x="54" y="146"/>
+                  </a:lnTo>
+                  <a:lnTo>
+                    <a:pt x="54" y="766"/>
+                  </a:lnTo>
+                  <a:close/>
+                </a:path>
+              </a:pathLst>
+            </a:custGeom>
+            <a:grpFill/>
+            <a:ln>
+              <a:noFill/>
+            </a:ln>
+            <a:extLst>
+              <a:ext uri="{91240B29-F687-4f45-9708-019B960494DF}">
+                <a14:hiddenLine xmlns:a14="http://schemas.microsoft.com/office/drawing/2010/main" xmlns:p14="http://schemas.microsoft.com/office/powerpoint/2010/main" xmlns:a16="http://schemas.microsoft.com/office/drawing/2014/main" xmlns="" w="9525">
+                  <a:solidFill>
+                    <a:srgbClr val="000000"/>
+                  </a:solidFill>
+                  <a:round/>
+                  <a:headEnd/>
+                  <a:tailEnd/>
+                </a14:hiddenLine>
+              </a:ext>
+            </a:extLst>
+          </p:spPr>
+          <p:txBody>
+            <a:bodyPr/>
+            <a:lstStyle/>
+            <a:p>
+              <a:endParaRPr lang="en-US"/>
+            </a:p>
+          </p:txBody>
+        </p:sp>
+        <p:sp>
+          <p:nvSpPr>
+            <p:cNvPr id="36" name="Freeform 25">
+              <a:extLst>
+                <a:ext uri="{FF2B5EF4-FFF2-40B4-BE49-F238E27FC236}">
+                  <a16:creationId xmlns:a16="http://schemas.microsoft.com/office/drawing/2014/main" id="{D7820196-0A47-47EF-832C-A688E8977D60}"/>
+                </a:ext>
+                <a:ext uri="{C183D7F6-B498-43B3-948B-1728B52AA6E4}">
+                  <adec:decorative xmlns:adec="http://schemas.microsoft.com/office/drawing/2017/decorative" val="1"/>
+                </a:ext>
+              </a:extLst>
+            </p:cNvPr>
+            <p:cNvSpPr>
+              <a:spLocks noEditPoints="1"/>
+            </p:cNvSpPr>
+            <p:nvPr>
+              <p:extLst>
+                <p:ext uri="{386F3935-93C4-4BCD-93E2-E3B085C9AB24}">
+                  <p16:designElem xmlns:p16="http://schemas.microsoft.com/office/powerpoint/2015/main" val="1"/>
+                </p:ext>
+              </p:extLst>
+            </p:nvPr>
+          </p:nvSpPr>
+          <p:spPr bwMode="auto">
+            <a:xfrm>
+              <a:off x="527050" y="4867275"/>
+              <a:ext cx="190500" cy="188913"/>
+            </a:xfrm>
+            <a:custGeom>
+              <a:avLst/>
+              <a:gdLst/>
+              <a:ahLst/>
+              <a:cxnLst/>
+              <a:rect l="0" t="0" r="r" b="b"/>
+              <a:pathLst>
+                <a:path w="40" h="40">
+                  <a:moveTo>
+                    <a:pt x="20" y="40"/>
+                  </a:moveTo>
+                  <a:cubicBezTo>
+                    <a:pt x="9" y="40"/>
+                    <a:pt x="0" y="31"/>
+                    <a:pt x="0" y="20"/>
+                  </a:cubicBezTo>
+                  <a:cubicBezTo>
+                    <a:pt x="0" y="9"/>
+                    <a:pt x="9" y="0"/>
+                    <a:pt x="20" y="0"/>
+                  </a:cubicBezTo>
+                  <a:cubicBezTo>
+                    <a:pt x="31" y="0"/>
+                    <a:pt x="40" y="9"/>
+                    <a:pt x="40" y="20"/>
+                  </a:cubicBezTo>
+                  <a:cubicBezTo>
+                    <a:pt x="40" y="31"/>
+                    <a:pt x="31" y="40"/>
+                    <a:pt x="20" y="40"/>
+                  </a:cubicBezTo>
+                  <a:close/>
+                  <a:moveTo>
+                    <a:pt x="20" y="4"/>
+                  </a:moveTo>
+                  <a:cubicBezTo>
+                    <a:pt x="11" y="4"/>
+                    <a:pt x="4" y="11"/>
+                    <a:pt x="4" y="20"/>
+                  </a:cubicBezTo>
+                  <a:cubicBezTo>
+                    <a:pt x="4" y="29"/>
+                    <a:pt x="11" y="36"/>
+                    <a:pt x="20" y="36"/>
+                  </a:cubicBezTo>
+                  <a:cubicBezTo>
+                    <a:pt x="29" y="36"/>
+                    <a:pt x="36" y="29"/>
+                    <a:pt x="36" y="20"/>
+                  </a:cubicBezTo>
+                  <a:cubicBezTo>
+                    <a:pt x="36" y="11"/>
+                    <a:pt x="29" y="4"/>
+                    <a:pt x="20" y="4"/>
+                  </a:cubicBezTo>
+                  <a:close/>
+                </a:path>
+              </a:pathLst>
+            </a:custGeom>
+            <a:grpFill/>
+            <a:ln>
+              <a:noFill/>
+            </a:ln>
+            <a:extLst>
+              <a:ext uri="{91240B29-F687-4f45-9708-019B960494DF}">
+                <a14:hiddenLine xmlns:a14="http://schemas.microsoft.com/office/drawing/2010/main" xmlns:p14="http://schemas.microsoft.com/office/powerpoint/2010/main" xmlns:a16="http://schemas.microsoft.com/office/drawing/2014/main" xmlns="" w="9525">
+                  <a:solidFill>
+                    <a:srgbClr val="000000"/>
+                  </a:solidFill>
+                  <a:round/>
+                  <a:headEnd/>
+                  <a:tailEnd/>
+                </a14:hiddenLine>
+              </a:ext>
+            </a:extLst>
+          </p:spPr>
+          <p:txBody>
+            <a:bodyPr/>
+            <a:lstStyle/>
+            <a:p>
+              <a:endParaRPr lang="en-US"/>
+            </a:p>
+          </p:txBody>
+        </p:sp>
+        <p:sp>
+          <p:nvSpPr>
+            <p:cNvPr id="37" name="Freeform 26">
+              <a:extLst>
+                <a:ext uri="{FF2B5EF4-FFF2-40B4-BE49-F238E27FC236}">
+                  <a16:creationId xmlns:a16="http://schemas.microsoft.com/office/drawing/2014/main" id="{4982E0BF-34AE-48A3-AD6B-E0F3CD05DB34}"/>
+                </a:ext>
+                <a:ext uri="{C183D7F6-B498-43B3-948B-1728B52AA6E4}">
+                  <adec:decorative xmlns:adec="http://schemas.microsoft.com/office/drawing/2017/decorative" val="1"/>
+                </a:ext>
+              </a:extLst>
+            </p:cNvPr>
+            <p:cNvSpPr/>
+            <p:nvPr>
+              <p:extLst>
+                <p:ext uri="{386F3935-93C4-4BCD-93E2-E3B085C9AB24}">
+                  <p16:designElem xmlns:p16="http://schemas.microsoft.com/office/powerpoint/2015/main" val="1"/>
+                </p:ext>
+              </p:extLst>
+            </p:nvPr>
+          </p:nvSpPr>
+          <p:spPr bwMode="auto">
+            <a:xfrm>
+              <a:off x="309562" y="5422900"/>
+              <a:ext cx="374650" cy="1425575"/>
+            </a:xfrm>
+            <a:custGeom>
+              <a:avLst/>
+              <a:gdLst/>
+              <a:ahLst/>
+              <a:cxnLst/>
+              <a:rect l="0" t="0" r="r" b="b"/>
+              <a:pathLst>
+                <a:path w="236" h="898">
+                  <a:moveTo>
+                    <a:pt x="18" y="898"/>
+                  </a:moveTo>
+                  <a:lnTo>
+                    <a:pt x="0" y="898"/>
+                  </a:lnTo>
+                  <a:lnTo>
+                    <a:pt x="0" y="515"/>
+                  </a:lnTo>
+                  <a:lnTo>
+                    <a:pt x="3" y="512"/>
+                  </a:lnTo>
+                  <a:lnTo>
+                    <a:pt x="221" y="0"/>
+                  </a:lnTo>
+                  <a:lnTo>
+                    <a:pt x="236" y="6"/>
+                  </a:lnTo>
+                  <a:lnTo>
+                    <a:pt x="18" y="518"/>
+                  </a:lnTo>
+                  <a:lnTo>
+                    <a:pt x="18" y="898"/>
+                  </a:lnTo>
+                  <a:close/>
+                </a:path>
+              </a:pathLst>
+            </a:custGeom>
+            <a:grpFill/>
+            <a:ln>
+              <a:noFill/>
+            </a:ln>
+            <a:extLst>
+              <a:ext uri="{91240B29-F687-4f45-9708-019B960494DF}">
+                <a14:hiddenLine xmlns:a14="http://schemas.microsoft.com/office/drawing/2010/main" xmlns:p14="http://schemas.microsoft.com/office/powerpoint/2010/main" xmlns:a16="http://schemas.microsoft.com/office/drawing/2014/main" xmlns="" w="9525">
+                  <a:solidFill>
+                    <a:srgbClr val="000000"/>
+                  </a:solidFill>
+                  <a:round/>
+                  <a:headEnd/>
+                  <a:tailEnd/>
+                </a14:hiddenLine>
+              </a:ext>
+            </a:extLst>
+          </p:spPr>
+          <p:txBody>
+            <a:bodyPr/>
+            <a:lstStyle/>
+            <a:p>
+              <a:endParaRPr lang="en-US"/>
+            </a:p>
+          </p:txBody>
+        </p:sp>
+        <p:sp>
+          <p:nvSpPr>
+            <p:cNvPr id="38" name="Freeform 27">
+              <a:extLst>
+                <a:ext uri="{FF2B5EF4-FFF2-40B4-BE49-F238E27FC236}">
+                  <a16:creationId xmlns:a16="http://schemas.microsoft.com/office/drawing/2014/main" id="{CD34643B-9DF2-4310-8868-48252C3393F0}"/>
+                </a:ext>
+                <a:ext uri="{C183D7F6-B498-43B3-948B-1728B52AA6E4}">
+                  <adec:decorative xmlns:adec="http://schemas.microsoft.com/office/drawing/2017/decorative" val="1"/>
+                </a:ext>
+              </a:extLst>
+            </p:cNvPr>
+            <p:cNvSpPr/>
+            <p:nvPr>
+              <p:extLst>
+                <p:ext uri="{386F3935-93C4-4BCD-93E2-E3B085C9AB24}">
+                  <p16:designElem xmlns:p16="http://schemas.microsoft.com/office/powerpoint/2015/main" val="1"/>
+                </p:ext>
+              </p:extLst>
+            </p:nvPr>
+          </p:nvSpPr>
+          <p:spPr bwMode="auto">
+            <a:xfrm>
+              <a:off x="569912" y="5945188"/>
+              <a:ext cx="152400" cy="912813"/>
+            </a:xfrm>
+            <a:custGeom>
+              <a:avLst/>
+              <a:gdLst/>
+              <a:ahLst/>
+              <a:cxnLst/>
+              <a:rect l="0" t="0" r="r" b="b"/>
+              <a:pathLst>
+                <a:path w="96" h="575">
+                  <a:moveTo>
+                    <a:pt x="15" y="575"/>
+                  </a:moveTo>
+                  <a:lnTo>
+                    <a:pt x="0" y="569"/>
+                  </a:lnTo>
+                  <a:lnTo>
+                    <a:pt x="81" y="383"/>
+                  </a:lnTo>
+                  <a:lnTo>
+                    <a:pt x="81" y="0"/>
+                  </a:lnTo>
+                  <a:lnTo>
+                    <a:pt x="96" y="0"/>
+                  </a:lnTo>
+                  <a:lnTo>
+                    <a:pt x="96" y="386"/>
+                  </a:lnTo>
+                  <a:lnTo>
+                    <a:pt x="15" y="575"/>
+                  </a:lnTo>
+                  <a:close/>
+                </a:path>
+              </a:pathLst>
+            </a:custGeom>
+            <a:grpFill/>
+            <a:ln>
+              <a:noFill/>
+            </a:ln>
+            <a:extLst>
+              <a:ext uri="{91240B29-F687-4f45-9708-019B960494DF}">
+                <a14:hiddenLine xmlns:a14="http://schemas.microsoft.com/office/drawing/2010/main" xmlns:p14="http://schemas.microsoft.com/office/powerpoint/2010/main" xmlns:a16="http://schemas.microsoft.com/office/drawing/2014/main" xmlns="" w="9525">
+                  <a:solidFill>
+                    <a:srgbClr val="000000"/>
+                  </a:solidFill>
+                  <a:round/>
+                  <a:headEnd/>
+                  <a:tailEnd/>
+                </a14:hiddenLine>
+              </a:ext>
+            </a:extLst>
+          </p:spPr>
+          <p:txBody>
+            <a:bodyPr/>
+            <a:lstStyle/>
+            <a:p>
+              <a:endParaRPr lang="en-US"/>
+            </a:p>
+          </p:txBody>
+        </p:sp>
+        <p:sp>
+          <p:nvSpPr>
+            <p:cNvPr id="39" name="Freeform 28">
+              <a:extLst>
+                <a:ext uri="{FF2B5EF4-FFF2-40B4-BE49-F238E27FC236}">
+                  <a16:creationId xmlns:a16="http://schemas.microsoft.com/office/drawing/2014/main" id="{4E020C4E-AF64-44A8-B830-779541D8D549}"/>
+                </a:ext>
+                <a:ext uri="{C183D7F6-B498-43B3-948B-1728B52AA6E4}">
+                  <adec:decorative xmlns:adec="http://schemas.microsoft.com/office/drawing/2017/decorative" val="1"/>
+                </a:ext>
+              </a:extLst>
+            </p:cNvPr>
+            <p:cNvSpPr>
+              <a:spLocks noEditPoints="1"/>
+            </p:cNvSpPr>
+            <p:nvPr>
+              <p:extLst>
+                <p:ext uri="{386F3935-93C4-4BCD-93E2-E3B085C9AB24}">
+                  <p16:designElem xmlns:p16="http://schemas.microsoft.com/office/powerpoint/2015/main" val="1"/>
+                </p:ext>
+              </p:extLst>
+            </p:nvPr>
+          </p:nvSpPr>
+          <p:spPr bwMode="auto">
+            <a:xfrm>
+              <a:off x="612775" y="5246688"/>
+              <a:ext cx="190500" cy="190500"/>
+            </a:xfrm>
+            <a:custGeom>
+              <a:avLst/>
+              <a:gdLst/>
+              <a:ahLst/>
+              <a:cxnLst/>
+              <a:rect l="0" t="0" r="r" b="b"/>
+              <a:pathLst>
+                <a:path w="40" h="40">
+                  <a:moveTo>
+                    <a:pt x="20" y="40"/>
+                  </a:moveTo>
+                  <a:cubicBezTo>
+                    <a:pt x="9" y="40"/>
+                    <a:pt x="0" y="31"/>
+                    <a:pt x="0" y="20"/>
+                  </a:cubicBezTo>
+                  <a:cubicBezTo>
+                    <a:pt x="0" y="9"/>
+                    <a:pt x="9" y="0"/>
+                    <a:pt x="20" y="0"/>
+                  </a:cubicBezTo>
+                  <a:cubicBezTo>
+                    <a:pt x="31" y="0"/>
+                    <a:pt x="40" y="9"/>
+                    <a:pt x="40" y="20"/>
+                  </a:cubicBezTo>
+                  <a:cubicBezTo>
+                    <a:pt x="40" y="31"/>
+                    <a:pt x="31" y="40"/>
+                    <a:pt x="20" y="40"/>
+                  </a:cubicBezTo>
+                  <a:close/>
+                  <a:moveTo>
+                    <a:pt x="20" y="4"/>
+                  </a:moveTo>
+                  <a:cubicBezTo>
+                    <a:pt x="12" y="4"/>
+                    <a:pt x="4" y="11"/>
+                    <a:pt x="4" y="20"/>
+                  </a:cubicBezTo>
+                  <a:cubicBezTo>
+                    <a:pt x="4" y="29"/>
+                    <a:pt x="12" y="36"/>
+                    <a:pt x="20" y="36"/>
+                  </a:cubicBezTo>
+                  <a:cubicBezTo>
+                    <a:pt x="29" y="36"/>
+                    <a:pt x="36" y="29"/>
+                    <a:pt x="36" y="20"/>
+                  </a:cubicBezTo>
+                  <a:cubicBezTo>
+                    <a:pt x="36" y="11"/>
+                    <a:pt x="29" y="4"/>
+                    <a:pt x="20" y="4"/>
+                  </a:cubicBezTo>
+                  <a:close/>
+                </a:path>
+              </a:pathLst>
+            </a:custGeom>
+            <a:grpFill/>
+            <a:ln>
+              <a:noFill/>
+            </a:ln>
+            <a:extLst>
+              <a:ext uri="{91240B29-F687-4f45-9708-019B960494DF}">
+                <a14:hiddenLine xmlns:a14="http://schemas.microsoft.com/office/drawing/2010/main" xmlns:p14="http://schemas.microsoft.com/office/powerpoint/2010/main" xmlns:a16="http://schemas.microsoft.com/office/drawing/2014/main" xmlns="" w="9525">
+                  <a:solidFill>
+                    <a:srgbClr val="000000"/>
+                  </a:solidFill>
+                  <a:round/>
+                  <a:headEnd/>
+                  <a:tailEnd/>
+                </a14:hiddenLine>
+              </a:ext>
+            </a:extLst>
+          </p:spPr>
+          <p:txBody>
+            <a:bodyPr/>
+            <a:lstStyle/>
+            <a:p>
+              <a:endParaRPr lang="en-US"/>
+            </a:p>
+          </p:txBody>
+        </p:sp>
+        <p:sp>
+          <p:nvSpPr>
+            <p:cNvPr id="40" name="Freeform 29">
+              <a:extLst>
+                <a:ext uri="{FF2B5EF4-FFF2-40B4-BE49-F238E27FC236}">
+                  <a16:creationId xmlns:a16="http://schemas.microsoft.com/office/drawing/2014/main" id="{D97BC3D3-B1B3-4825-9169-BBEF1DBCF055}"/>
+                </a:ext>
+                <a:ext uri="{C183D7F6-B498-43B3-948B-1728B52AA6E4}">
+                  <adec:decorative xmlns:adec="http://schemas.microsoft.com/office/drawing/2017/decorative" val="1"/>
+                </a:ext>
+              </a:extLst>
+            </p:cNvPr>
+            <p:cNvSpPr>
+              <a:spLocks noEditPoints="1"/>
+            </p:cNvSpPr>
+            <p:nvPr>
+              <p:extLst>
+                <p:ext uri="{386F3935-93C4-4BCD-93E2-E3B085C9AB24}">
+                  <p16:designElem xmlns:p16="http://schemas.microsoft.com/office/powerpoint/2015/main" val="1"/>
+                </p:ext>
+              </p:extLst>
+            </p:nvPr>
+          </p:nvSpPr>
+          <p:spPr bwMode="auto">
+            <a:xfrm>
+              <a:off x="612775" y="5764213"/>
+              <a:ext cx="190500" cy="190500"/>
+            </a:xfrm>
+            <a:custGeom>
+              <a:avLst/>
+              <a:gdLst/>
+              <a:ahLst/>
+              <a:cxnLst/>
+              <a:rect l="0" t="0" r="r" b="b"/>
+              <a:pathLst>
+                <a:path w="40" h="40">
+                  <a:moveTo>
+                    <a:pt x="20" y="40"/>
+                  </a:moveTo>
+                  <a:cubicBezTo>
+                    <a:pt x="9" y="40"/>
+                    <a:pt x="0" y="31"/>
+                    <a:pt x="0" y="20"/>
+                  </a:cubicBezTo>
+                  <a:cubicBezTo>
+                    <a:pt x="0" y="9"/>
+                    <a:pt x="9" y="0"/>
+                    <a:pt x="20" y="0"/>
+                  </a:cubicBezTo>
+                  <a:cubicBezTo>
+                    <a:pt x="31" y="0"/>
+                    <a:pt x="40" y="9"/>
+                    <a:pt x="40" y="20"/>
+                  </a:cubicBezTo>
+                  <a:cubicBezTo>
+                    <a:pt x="40" y="31"/>
+                    <a:pt x="31" y="40"/>
+                    <a:pt x="20" y="40"/>
+                  </a:cubicBezTo>
+                  <a:close/>
+                  <a:moveTo>
+                    <a:pt x="20" y="4"/>
+                  </a:moveTo>
+                  <a:cubicBezTo>
+                    <a:pt x="12" y="4"/>
+                    <a:pt x="4" y="11"/>
+                    <a:pt x="4" y="20"/>
+                  </a:cubicBezTo>
+                  <a:cubicBezTo>
+                    <a:pt x="4" y="29"/>
+                    <a:pt x="12" y="36"/>
+                    <a:pt x="20" y="36"/>
+                  </a:cubicBezTo>
+                  <a:cubicBezTo>
+                    <a:pt x="29" y="36"/>
+                    <a:pt x="36" y="29"/>
+                    <a:pt x="36" y="20"/>
+                  </a:cubicBezTo>
+                  <a:cubicBezTo>
+                    <a:pt x="36" y="11"/>
+                    <a:pt x="29" y="4"/>
+                    <a:pt x="20" y="4"/>
+                  </a:cubicBezTo>
+                  <a:close/>
+                </a:path>
+              </a:pathLst>
+            </a:custGeom>
+            <a:grpFill/>
+            <a:ln>
+              <a:noFill/>
+            </a:ln>
+            <a:extLst>
+              <a:ext uri="{91240B29-F687-4f45-9708-019B960494DF}">
+                <a14:hiddenLine xmlns:a14="http://schemas.microsoft.com/office/drawing/2010/main" xmlns:p14="http://schemas.microsoft.com/office/powerpoint/2010/main" xmlns:a16="http://schemas.microsoft.com/office/drawing/2014/main" xmlns="" w="9525">
+                  <a:solidFill>
+                    <a:srgbClr val="000000"/>
+                  </a:solidFill>
+                  <a:round/>
+                  <a:headEnd/>
+                  <a:tailEnd/>
+                </a14:hiddenLine>
+              </a:ext>
+            </a:extLst>
+          </p:spPr>
+          <p:txBody>
+            <a:bodyPr/>
+            <a:lstStyle/>
+            <a:p>
+              <a:endParaRPr lang="en-US"/>
+            </a:p>
+          </p:txBody>
+        </p:sp>
+        <p:sp>
+          <p:nvSpPr>
+            <p:cNvPr id="41" name="Freeform 30">
+              <a:extLst>
+                <a:ext uri="{FF2B5EF4-FFF2-40B4-BE49-F238E27FC236}">
+                  <a16:creationId xmlns:a16="http://schemas.microsoft.com/office/drawing/2014/main" id="{A750DC4F-1DAF-470E-98C6-6C68DEB93363}"/>
+                </a:ext>
+                <a:ext uri="{C183D7F6-B498-43B3-948B-1728B52AA6E4}">
+                  <adec:decorative xmlns:adec="http://schemas.microsoft.com/office/drawing/2017/decorative" val="1"/>
+                </a:ext>
+              </a:extLst>
+            </p:cNvPr>
+            <p:cNvSpPr/>
+            <p:nvPr>
+              <p:extLst>
+                <p:ext uri="{386F3935-93C4-4BCD-93E2-E3B085C9AB24}">
+                  <p16:designElem xmlns:p16="http://schemas.microsoft.com/office/powerpoint/2015/main" val="1"/>
+                </p:ext>
+              </p:extLst>
+            </p:nvPr>
+          </p:nvSpPr>
+          <p:spPr bwMode="auto">
+            <a:xfrm>
+              <a:off x="669925" y="6330950"/>
+              <a:ext cx="417513" cy="517525"/>
+            </a:xfrm>
+            <a:custGeom>
+              <a:avLst/>
+              <a:gdLst/>
+              <a:ahLst/>
+              <a:cxnLst/>
+              <a:rect l="0" t="0" r="r" b="b"/>
+              <a:pathLst>
+                <a:path w="263" h="326">
+                  <a:moveTo>
+                    <a:pt x="15" y="326"/>
+                  </a:moveTo>
+                  <a:lnTo>
+                    <a:pt x="0" y="320"/>
+                  </a:lnTo>
+                  <a:lnTo>
+                    <a:pt x="45" y="206"/>
+                  </a:lnTo>
+                  <a:lnTo>
+                    <a:pt x="48" y="206"/>
+                  </a:lnTo>
+                  <a:lnTo>
+                    <a:pt x="254" y="0"/>
+                  </a:lnTo>
+                  <a:lnTo>
+                    <a:pt x="263" y="12"/>
+                  </a:lnTo>
+                  <a:lnTo>
+                    <a:pt x="60" y="215"/>
+                  </a:lnTo>
+                  <a:lnTo>
+                    <a:pt x="15" y="326"/>
+                  </a:lnTo>
+                  <a:close/>
+                </a:path>
+              </a:pathLst>
+            </a:custGeom>
+            <a:grpFill/>
+            <a:ln>
+              <a:noFill/>
+            </a:ln>
+            <a:extLst>
+              <a:ext uri="{91240B29-F687-4f45-9708-019B960494DF}">
+                <a14:hiddenLine xmlns:a14="http://schemas.microsoft.com/office/drawing/2010/main" xmlns:p14="http://schemas.microsoft.com/office/powerpoint/2010/main" xmlns:a16="http://schemas.microsoft.com/office/drawing/2014/main" xmlns="" w="9525">
+                  <a:solidFill>
+                    <a:srgbClr val="000000"/>
+                  </a:solidFill>
+                  <a:round/>
+                  <a:headEnd/>
+                  <a:tailEnd/>
+                </a14:hiddenLine>
+              </a:ext>
+            </a:extLst>
+          </p:spPr>
+          <p:txBody>
+            <a:bodyPr/>
+            <a:lstStyle/>
+            <a:p>
+              <a:endParaRPr lang="en-US"/>
+            </a:p>
+          </p:txBody>
+        </p:sp>
+        <p:sp>
+          <p:nvSpPr>
+            <p:cNvPr id="42" name="Freeform 31">
+              <a:extLst>
+                <a:ext uri="{FF2B5EF4-FFF2-40B4-BE49-F238E27FC236}">
+                  <a16:creationId xmlns:a16="http://schemas.microsoft.com/office/drawing/2014/main" id="{2F99594A-5BBD-4E10-A818-8BE52B7D952C}"/>
+                </a:ext>
+                <a:ext uri="{C183D7F6-B498-43B3-948B-1728B52AA6E4}">
+                  <adec:decorative xmlns:adec="http://schemas.microsoft.com/office/drawing/2017/decorative" val="1"/>
+                </a:ext>
+              </a:extLst>
+            </p:cNvPr>
+            <p:cNvSpPr>
+              <a:spLocks noEditPoints="1"/>
+            </p:cNvSpPr>
+            <p:nvPr>
+              <p:extLst>
+                <p:ext uri="{386F3935-93C4-4BCD-93E2-E3B085C9AB24}">
+                  <p16:designElem xmlns:p16="http://schemas.microsoft.com/office/powerpoint/2015/main" val="1"/>
+                </p:ext>
+              </p:extLst>
+            </p:nvPr>
+          </p:nvSpPr>
+          <p:spPr bwMode="auto">
+            <a:xfrm>
+              <a:off x="1049337" y="6221413"/>
+              <a:ext cx="157163" cy="147638"/>
+            </a:xfrm>
+            <a:custGeom>
+              <a:avLst/>
+              <a:gdLst/>
+              <a:ahLst/>
+              <a:cxnLst/>
+              <a:rect l="0" t="0" r="r" b="b"/>
+              <a:pathLst>
+                <a:path w="33" h="31">
+                  <a:moveTo>
+                    <a:pt x="16" y="31"/>
+                  </a:moveTo>
+                  <a:cubicBezTo>
+                    <a:pt x="12" y="31"/>
+                    <a:pt x="8" y="29"/>
+                    <a:pt x="5" y="26"/>
+                  </a:cubicBezTo>
+                  <a:cubicBezTo>
+                    <a:pt x="2" y="24"/>
+                    <a:pt x="0" y="20"/>
+                    <a:pt x="0" y="15"/>
+                  </a:cubicBezTo>
+                  <a:cubicBezTo>
+                    <a:pt x="0" y="11"/>
+                    <a:pt x="2" y="7"/>
+                    <a:pt x="5" y="4"/>
+                  </a:cubicBezTo>
+                  <a:cubicBezTo>
+                    <a:pt x="8" y="1"/>
+                    <a:pt x="12" y="0"/>
+                    <a:pt x="16" y="0"/>
+                  </a:cubicBezTo>
+                  <a:cubicBezTo>
+                    <a:pt x="20" y="0"/>
+                    <a:pt x="24" y="1"/>
+                    <a:pt x="27" y="4"/>
+                  </a:cubicBezTo>
+                  <a:cubicBezTo>
+                    <a:pt x="33" y="10"/>
+                    <a:pt x="33" y="20"/>
+                    <a:pt x="27" y="26"/>
+                  </a:cubicBezTo>
+                  <a:cubicBezTo>
+                    <a:pt x="24" y="29"/>
+                    <a:pt x="20" y="31"/>
+                    <a:pt x="16" y="31"/>
+                  </a:cubicBezTo>
+                  <a:close/>
+                  <a:moveTo>
+                    <a:pt x="16" y="4"/>
+                  </a:moveTo>
+                  <a:cubicBezTo>
+                    <a:pt x="13" y="4"/>
+                    <a:pt x="10" y="5"/>
+                    <a:pt x="8" y="7"/>
+                  </a:cubicBezTo>
+                  <a:cubicBezTo>
+                    <a:pt x="6" y="9"/>
+                    <a:pt x="4" y="12"/>
+                    <a:pt x="4" y="15"/>
+                  </a:cubicBezTo>
+                  <a:cubicBezTo>
+                    <a:pt x="4" y="19"/>
+                    <a:pt x="6" y="21"/>
+                    <a:pt x="8" y="24"/>
+                  </a:cubicBezTo>
+                  <a:cubicBezTo>
+                    <a:pt x="10" y="26"/>
+                    <a:pt x="13" y="27"/>
+                    <a:pt x="16" y="27"/>
+                  </a:cubicBezTo>
+                  <a:cubicBezTo>
+                    <a:pt x="19" y="27"/>
+                    <a:pt x="22" y="26"/>
+                    <a:pt x="24" y="24"/>
+                  </a:cubicBezTo>
+                  <a:cubicBezTo>
+                    <a:pt x="29" y="19"/>
+                    <a:pt x="29" y="12"/>
+                    <a:pt x="24" y="7"/>
+                  </a:cubicBezTo>
+                  <a:cubicBezTo>
+                    <a:pt x="22" y="5"/>
+                    <a:pt x="19" y="4"/>
+                    <a:pt x="16" y="4"/>
+                  </a:cubicBezTo>
+                  <a:close/>
+                </a:path>
+              </a:pathLst>
+            </a:custGeom>
+            <a:grpFill/>
+            <a:ln>
+              <a:noFill/>
+            </a:ln>
+            <a:extLst>
+              <a:ext uri="{91240B29-F687-4f45-9708-019B960494DF}">
+                <a14:hiddenLine xmlns:a14="http://schemas.microsoft.com/office/drawing/2010/main" xmlns:p14="http://schemas.microsoft.com/office/powerpoint/2010/main" xmlns:a16="http://schemas.microsoft.com/office/drawing/2014/main" xmlns="" w="9525">
+                  <a:solidFill>
+                    <a:srgbClr val="000000"/>
+                  </a:solidFill>
+                  <a:round/>
+                  <a:headEnd/>
+                  <a:tailEnd/>
+                </a14:hiddenLine>
+              </a:ext>
+            </a:extLst>
+          </p:spPr>
+          <p:txBody>
+            <a:bodyPr/>
+            <a:lstStyle/>
+            <a:p>
+              <a:endParaRPr lang="en-US"/>
+            </a:p>
+          </p:txBody>
+        </p:sp>
+      </p:grpSp>
+    </p:spTree>
+    <p:extLst>
+      <p:ext uri="{BB962C8B-B14F-4D97-AF65-F5344CB8AC3E}">
+        <p14:creationId xmlns:p14="http://schemas.microsoft.com/office/powerpoint/2010/main" val="2542955886"/>
+      </p:ext>
+    </p:extLst>
+  </p:cSld>
+  <p:clrMapOvr>
+    <a:masterClrMapping/>
+  </p:clrMapOvr>
+</p:sld>
+</file>
+
+<file path=ppt/slides/slide8.xml><?xml version="1.0" encoding="utf-8"?>
+<p:sld xmlns:a="http://schemas.openxmlformats.org/drawingml/2006/main" xmlns:r="http://schemas.openxmlformats.org/officeDocument/2006/relationships" xmlns:p="http://schemas.openxmlformats.org/presentationml/2006/main">
+  <p:cSld>
+    <p:spTree>
+      <p:nvGrpSpPr>
+        <p:cNvPr id="1" name=""/>
+        <p:cNvGrpSpPr/>
+        <p:nvPr/>
+      </p:nvGrpSpPr>
+      <p:grpSpPr>
+        <a:xfrm>
+          <a:off x="0" y="0"/>
+          <a:ext cx="0" cy="0"/>
+          <a:chOff x="0" y="0"/>
+          <a:chExt cx="0" cy="0"/>
+        </a:xfrm>
+      </p:grpSpPr>
+      <p:sp>
+        <p:nvSpPr>
+          <p:cNvPr id="2" name="Title 1">
+            <a:extLst>
+              <a:ext uri="{FF2B5EF4-FFF2-40B4-BE49-F238E27FC236}">
+                <a16:creationId xmlns:a16="http://schemas.microsoft.com/office/drawing/2014/main" id="{92C58C41-C61A-7763-BB10-006C092DFCC3}"/>
+              </a:ext>
+            </a:extLst>
+          </p:cNvPr>
+          <p:cNvSpPr>
+            <a:spLocks noGrp="1"/>
+          </p:cNvSpPr>
+          <p:nvPr>
+            <p:ph type="title"/>
+          </p:nvPr>
+        </p:nvSpPr>
+        <p:spPr/>
+        <p:txBody>
+          <a:bodyPr/>
+          <a:lstStyle/>
+          <a:p>
+            <a:r>
+              <a:rPr lang="en-US" dirty="0"/>
+              <a:t>Issues</a:t>
+            </a:r>
+          </a:p>
+        </p:txBody>
+      </p:sp>
+      <p:sp>
+        <p:nvSpPr>
+          <p:cNvPr id="3" name="Content Placeholder 2">
+            <a:extLst>
+              <a:ext uri="{FF2B5EF4-FFF2-40B4-BE49-F238E27FC236}">
+                <a16:creationId xmlns:a16="http://schemas.microsoft.com/office/drawing/2014/main" id="{4D901822-48EA-73DB-BCCA-0C20DB06CC14}"/>
+              </a:ext>
+            </a:extLst>
+          </p:cNvPr>
+          <p:cNvSpPr>
+            <a:spLocks noGrp="1"/>
+          </p:cNvSpPr>
+          <p:nvPr>
+            <p:ph idx="1"/>
+          </p:nvPr>
+        </p:nvSpPr>
+        <p:spPr/>
+        <p:txBody>
+          <a:bodyPr>
+            <a:normAutofit fontScale="92500" lnSpcReduction="10000"/>
+          </a:bodyPr>
+          <a:lstStyle/>
+          <a:p>
+            <a:r>
+              <a:rPr lang="en-US" dirty="0"/>
+              <a:t>Shall be from the back-log &gt; moved to Current Development</a:t>
+            </a:r>
+          </a:p>
+          <a:p>
+            <a:r>
+              <a:rPr lang="en-US" dirty="0"/>
+              <a:t>Shall be associated to a DEV_ project</a:t>
+            </a:r>
+          </a:p>
+          <a:p>
+            <a:r>
+              <a:rPr lang="en-US" dirty="0"/>
+              <a:t>Shall be created on a DEV_ repo</a:t>
+            </a:r>
+          </a:p>
+          <a:p>
+            <a:r>
+              <a:rPr lang="en-US" dirty="0"/>
+              <a:t>Issues shall be assigned to a Developer</a:t>
+            </a:r>
+          </a:p>
+          <a:p>
+            <a:r>
+              <a:rPr lang="en-US" dirty="0"/>
+              <a:t>Developer shall not close out issue without review</a:t>
+            </a:r>
+          </a:p>
+          <a:p>
+            <a:r>
+              <a:rPr lang="en-US" dirty="0"/>
+              <a:t>The reviewer shall close out the issue</a:t>
+            </a:r>
+          </a:p>
+          <a:p>
+            <a:r>
+              <a:rPr lang="en-US" dirty="0"/>
+              <a:t>Development shall be linked with a pull-request</a:t>
+            </a:r>
+          </a:p>
+        </p:txBody>
+      </p:sp>
+    </p:spTree>
+    <p:extLst>
+      <p:ext uri="{BB962C8B-B14F-4D97-AF65-F5344CB8AC3E}">
+        <p14:creationId xmlns:p14="http://schemas.microsoft.com/office/powerpoint/2010/main" val="882162805"/>
+      </p:ext>
+    </p:extLst>
+  </p:cSld>
+  <p:clrMapOvr>
+    <a:masterClrMapping/>
+  </p:clrMapOvr>
+</p:sld>
+</file>
+
+<file path=ppt/slides/slide9.xml><?xml version="1.0" encoding="utf-8"?>
+<p:sld xmlns:a="http://schemas.openxmlformats.org/drawingml/2006/main" xmlns:r="http://schemas.openxmlformats.org/officeDocument/2006/relationships" xmlns:p="http://schemas.openxmlformats.org/presentationml/2006/main">
+  <p:cSld>
+    <p:spTree>
+      <p:nvGrpSpPr>
+        <p:cNvPr id="1" name=""/>
+        <p:cNvGrpSpPr/>
+        <p:nvPr/>
+      </p:nvGrpSpPr>
+      <p:grpSpPr>
+        <a:xfrm>
+          <a:off x="0" y="0"/>
+          <a:ext cx="0" cy="0"/>
+          <a:chOff x="0" y="0"/>
+          <a:chExt cx="0" cy="0"/>
+        </a:xfrm>
+      </p:grpSpPr>
+      <p:sp>
+        <p:nvSpPr>
+          <p:cNvPr id="2" name="Title 1">
+            <a:extLst>
+              <a:ext uri="{FF2B5EF4-FFF2-40B4-BE49-F238E27FC236}">
+                <a16:creationId xmlns:a16="http://schemas.microsoft.com/office/drawing/2014/main" id="{92717FEA-3CDA-872C-1F54-E792FE648AB0}"/>
+              </a:ext>
+            </a:extLst>
+          </p:cNvPr>
+          <p:cNvSpPr>
+            <a:spLocks noGrp="1"/>
+          </p:cNvSpPr>
+          <p:nvPr>
+            <p:ph type="title"/>
+          </p:nvPr>
+        </p:nvSpPr>
+        <p:spPr>
+          <a:xfrm>
+            <a:off x="1259987" y="110767"/>
+            <a:ext cx="9905998" cy="1015502"/>
+          </a:xfrm>
+        </p:spPr>
+        <p:txBody>
+          <a:bodyPr/>
+          <a:lstStyle/>
+          <a:p>
+            <a:r>
+              <a:rPr lang="en-US" dirty="0"/>
+              <a:t>Issues</a:t>
+            </a:r>
+          </a:p>
+        </p:txBody>
+      </p:sp>
+      <p:pic>
+        <p:nvPicPr>
+          <p:cNvPr id="4" name="Content Placeholder 3" descr="A screenshot of a computer&#10;&#10;Description automatically generated">
+            <a:extLst>
+              <a:ext uri="{FF2B5EF4-FFF2-40B4-BE49-F238E27FC236}">
+                <a16:creationId xmlns:a16="http://schemas.microsoft.com/office/drawing/2014/main" id="{97209A42-D360-EF95-B3DC-FE9A1B9D0077}"/>
+              </a:ext>
+            </a:extLst>
+          </p:cNvPr>
+          <p:cNvPicPr>
+            <a:picLocks noGrp="1" noChangeAspect="1"/>
+          </p:cNvPicPr>
+          <p:nvPr>
+            <p:ph idx="1"/>
+          </p:nvPr>
+        </p:nvPicPr>
+        <p:blipFill rotWithShape="1">
+          <a:blip r:embed="rId2" cstate="print">
+            <a:extLst>
+              <a:ext uri="{28A0092B-C50C-407E-A947-70E740481C1C}">
+                <a14:useLocalDpi xmlns:a14="http://schemas.microsoft.com/office/drawing/2010/main" val="0"/>
+              </a:ext>
+            </a:extLst>
+          </a:blip>
+          <a:srcRect l="2563" t="-274" r="128" b="274"/>
+          <a:stretch/>
+        </p:blipFill>
+        <p:spPr bwMode="auto">
+          <a:xfrm>
+            <a:off x="1259987" y="901060"/>
+            <a:ext cx="9518870" cy="4581338"/>
+          </a:xfrm>
+          <a:prstGeom prst="rect">
+            <a:avLst/>
+          </a:prstGeom>
+          <a:ln>
+            <a:noFill/>
+          </a:ln>
+          <a:extLst>
+            <a:ext uri="{53640926-AAD7-44D8-BBD7-CCE9431645EC}">
+              <a14:shadowObscured xmlns:a14="http://schemas.microsoft.com/office/drawing/2010/main"/>
+            </a:ext>
+          </a:extLst>
+        </p:spPr>
+      </p:pic>
+      <p:sp>
+        <p:nvSpPr>
+          <p:cNvPr id="3" name="TextBox 2">
+            <a:extLst>
+              <a:ext uri="{FF2B5EF4-FFF2-40B4-BE49-F238E27FC236}">
+                <a16:creationId xmlns:a16="http://schemas.microsoft.com/office/drawing/2014/main" id="{32F3B414-99DC-2EDD-1DEE-B9FFF5C86248}"/>
+              </a:ext>
+            </a:extLst>
+          </p:cNvPr>
+          <p:cNvSpPr txBox="1"/>
+          <p:nvPr/>
+        </p:nvSpPr>
+        <p:spPr>
+          <a:xfrm>
+            <a:off x="1259987" y="5722374"/>
+            <a:ext cx="10542758" cy="923330"/>
+          </a:xfrm>
+          <a:prstGeom prst="rect">
+            <a:avLst/>
+          </a:prstGeom>
+          <a:noFill/>
+        </p:spPr>
+        <p:txBody>
+          <a:bodyPr wrap="none" rtlCol="0">
+            <a:spAutoFit/>
+          </a:bodyPr>
+          <a:lstStyle/>
+          <a:p>
+            <a:r>
+              <a:rPr lang="en-US" dirty="0"/>
+              <a:t>Most Issues are created as a draft in the Back-log. If the Issue is assigned to a DEV_ repo then it gets assigned </a:t>
+            </a:r>
+          </a:p>
+          <a:p>
+            <a:r>
+              <a:rPr lang="en-US" dirty="0"/>
+              <a:t>to a Developer. A Label is not required. Project is required to be assigned. Should have Back-log if from a draft.</a:t>
+            </a:r>
+          </a:p>
+          <a:p>
+            <a:r>
+              <a:rPr lang="en-US" dirty="0"/>
+              <a:t>Description has all required information before the Issue has been researched.</a:t>
+            </a:r>
+          </a:p>
+        </p:txBody>
+      </p:sp>
+    </p:spTree>
+    <p:extLst>
+      <p:ext uri="{BB962C8B-B14F-4D97-AF65-F5344CB8AC3E}">
+        <p14:creationId xmlns:p14="http://schemas.microsoft.com/office/powerpoint/2010/main" val="944698361"/>
       </p:ext>
     </p:extLst>
   </p:cSld>
